--- a/doc/source/figs.pptx
+++ b/doc/source/figs.pptx
@@ -3,13 +3,14 @@
 <p:presentation xmlns:a="http://schemas.openxmlformats.org/drawingml/2006/main" xmlns:p="http://schemas.openxmlformats.org/presentationml/2006/main" xmlns:r="http://schemas.openxmlformats.org/officeDocument/2006/relationships" xmlns:p14="http://schemas.microsoft.com/office/powerpoint/2010/main" xmlns:p15="http://schemas.microsoft.com/office/powerpoint/2012/main" xmlns:mc="http://schemas.openxmlformats.org/markup-compatibility/2006">
   <p:sldMasterIdLst>
     <p:sldMasterId id="2147483648" r:id="rId2"/>
+    <p:sldMasterId id="2147483661" r:id="rId3"/>
   </p:sldMasterIdLst>
   <p:sldIdLst>
-    <p:sldId id="256" r:id="rId3"/>
-    <p:sldId id="257" r:id="rId4"/>
-    <p:sldId id="258" r:id="rId5"/>
-    <p:sldId id="259" r:id="rId6"/>
-    <p:sldId id="260" r:id="rId7"/>
+    <p:sldId id="256" r:id="rId4"/>
+    <p:sldId id="257" r:id="rId5"/>
+    <p:sldId id="258" r:id="rId6"/>
+    <p:sldId id="259" r:id="rId7"/>
+    <p:sldId id="260" r:id="rId8"/>
   </p:sldIdLst>
   <p:sldSz cx="9144000" cy="6858000"/>
   <p:notesSz cx="7559675" cy="10691812"/>
@@ -57,7 +58,7 @@
       </p:grpSpPr>
       <p:sp>
         <p:nvSpPr>
-          <p:cNvPr id="26" name="PlaceHolder 1"/>
+          <p:cNvPr id="23" name="PlaceHolder 1"/>
           <p:cNvSpPr>
             <a:spLocks noGrp="1"/>
           </p:cNvSpPr>
@@ -68,7 +69,7 @@
         <p:spPr>
           <a:xfrm>
             <a:off x="685800" y="2130480"/>
-            <a:ext cx="7772040" cy="1469520"/>
+            <a:ext cx="7771680" cy="1469160"/>
           </a:xfrm>
           <a:prstGeom prst="rect">
             <a:avLst/>
@@ -77,23 +78,24 @@
         <p:txBody>
           <a:bodyPr lIns="0" rIns="0" tIns="0" bIns="0" anchor="ctr"/>
           <a:p>
-            <a:endParaRPr b="0" lang="fr-FR" sz="1800" spc="-1" strike="noStrike">
-              <a:solidFill>
-                <a:srgbClr val="000000"/>
-              </a:solidFill>
-              <a:uFill>
-                <a:solidFill>
-                  <a:srgbClr val="ffffff"/>
-                </a:solidFill>
-              </a:uFill>
-              <a:latin typeface="Calibri"/>
-            </a:endParaRPr>
-          </a:p>
-        </p:txBody>
-      </p:sp>
-      <p:sp>
-        <p:nvSpPr>
-          <p:cNvPr id="27" name="PlaceHolder 2"/>
+            <a:pPr algn="ctr"/>
+            <a:endParaRPr b="0" lang="fr-FR" sz="4400" spc="-1" strike="noStrike">
+              <a:solidFill>
+                <a:srgbClr val="000000"/>
+              </a:solidFill>
+              <a:uFill>
+                <a:solidFill>
+                  <a:srgbClr val="ffffff"/>
+                </a:solidFill>
+              </a:uFill>
+              <a:latin typeface="Arial"/>
+            </a:endParaRPr>
+          </a:p>
+        </p:txBody>
+      </p:sp>
+      <p:sp>
+        <p:nvSpPr>
+          <p:cNvPr id="24" name="PlaceHolder 2"/>
           <p:cNvSpPr>
             <a:spLocks noGrp="1"/>
           </p:cNvSpPr>
@@ -104,7 +106,7 @@
         <p:spPr>
           <a:xfrm>
             <a:off x="457200" y="1604520"/>
-            <a:ext cx="8229240" cy="1896840"/>
+            <a:ext cx="8228880" cy="1896840"/>
           </a:xfrm>
           <a:prstGeom prst="rect">
             <a:avLst/>
@@ -124,14 +126,14 @@
                   <a:srgbClr val="ffffff"/>
                 </a:solidFill>
               </a:uFill>
-              <a:latin typeface="Calibri"/>
-            </a:endParaRPr>
-          </a:p>
-        </p:txBody>
-      </p:sp>
-      <p:sp>
-        <p:nvSpPr>
-          <p:cNvPr id="28" name="PlaceHolder 3"/>
+              <a:latin typeface="Arial"/>
+            </a:endParaRPr>
+          </a:p>
+        </p:txBody>
+      </p:sp>
+      <p:sp>
+        <p:nvSpPr>
+          <p:cNvPr id="25" name="PlaceHolder 3"/>
           <p:cNvSpPr>
             <a:spLocks noGrp="1"/>
           </p:cNvSpPr>
@@ -142,7 +144,7 @@
         <p:spPr>
           <a:xfrm>
             <a:off x="457200" y="3682080"/>
-            <a:ext cx="8229240" cy="1896840"/>
+            <a:ext cx="8228880" cy="1896840"/>
           </a:xfrm>
           <a:prstGeom prst="rect">
             <a:avLst/>
@@ -162,7 +164,7 @@
                   <a:srgbClr val="ffffff"/>
                 </a:solidFill>
               </a:uFill>
-              <a:latin typeface="Calibri"/>
+              <a:latin typeface="Arial"/>
             </a:endParaRPr>
           </a:p>
         </p:txBody>
@@ -191,7 +193,7 @@
       </p:grpSpPr>
       <p:sp>
         <p:nvSpPr>
-          <p:cNvPr id="29" name="PlaceHolder 1"/>
+          <p:cNvPr id="26" name="PlaceHolder 1"/>
           <p:cNvSpPr>
             <a:spLocks noGrp="1"/>
           </p:cNvSpPr>
@@ -202,7 +204,7 @@
         <p:spPr>
           <a:xfrm>
             <a:off x="685800" y="2130480"/>
-            <a:ext cx="7772040" cy="1469520"/>
+            <a:ext cx="7771680" cy="1469160"/>
           </a:xfrm>
           <a:prstGeom prst="rect">
             <a:avLst/>
@@ -211,23 +213,24 @@
         <p:txBody>
           <a:bodyPr lIns="0" rIns="0" tIns="0" bIns="0" anchor="ctr"/>
           <a:p>
-            <a:endParaRPr b="0" lang="fr-FR" sz="1800" spc="-1" strike="noStrike">
-              <a:solidFill>
-                <a:srgbClr val="000000"/>
-              </a:solidFill>
-              <a:uFill>
-                <a:solidFill>
-                  <a:srgbClr val="ffffff"/>
-                </a:solidFill>
-              </a:uFill>
-              <a:latin typeface="Calibri"/>
-            </a:endParaRPr>
-          </a:p>
-        </p:txBody>
-      </p:sp>
-      <p:sp>
-        <p:nvSpPr>
-          <p:cNvPr id="30" name="PlaceHolder 2"/>
+            <a:pPr algn="ctr"/>
+            <a:endParaRPr b="0" lang="fr-FR" sz="4400" spc="-1" strike="noStrike">
+              <a:solidFill>
+                <a:srgbClr val="000000"/>
+              </a:solidFill>
+              <a:uFill>
+                <a:solidFill>
+                  <a:srgbClr val="ffffff"/>
+                </a:solidFill>
+              </a:uFill>
+              <a:latin typeface="Arial"/>
+            </a:endParaRPr>
+          </a:p>
+        </p:txBody>
+      </p:sp>
+      <p:sp>
+        <p:nvSpPr>
+          <p:cNvPr id="27" name="PlaceHolder 2"/>
           <p:cNvSpPr>
             <a:spLocks noGrp="1"/>
           </p:cNvSpPr>
@@ -238,7 +241,7 @@
         <p:spPr>
           <a:xfrm>
             <a:off x="457200" y="1604520"/>
-            <a:ext cx="4015800" cy="1896840"/>
+            <a:ext cx="4015440" cy="1896840"/>
           </a:xfrm>
           <a:prstGeom prst="rect">
             <a:avLst/>
@@ -258,14 +261,14 @@
                   <a:srgbClr val="ffffff"/>
                 </a:solidFill>
               </a:uFill>
-              <a:latin typeface="Calibri"/>
-            </a:endParaRPr>
-          </a:p>
-        </p:txBody>
-      </p:sp>
-      <p:sp>
-        <p:nvSpPr>
-          <p:cNvPr id="31" name="PlaceHolder 3"/>
+              <a:latin typeface="Arial"/>
+            </a:endParaRPr>
+          </a:p>
+        </p:txBody>
+      </p:sp>
+      <p:sp>
+        <p:nvSpPr>
+          <p:cNvPr id="28" name="PlaceHolder 3"/>
           <p:cNvSpPr>
             <a:spLocks noGrp="1"/>
           </p:cNvSpPr>
@@ -275,8 +278,8 @@
         </p:nvSpPr>
         <p:spPr>
           <a:xfrm>
-            <a:off x="4674240" y="1604520"/>
-            <a:ext cx="4015800" cy="1896840"/>
+            <a:off x="4673880" y="1604520"/>
+            <a:ext cx="4015440" cy="1896840"/>
           </a:xfrm>
           <a:prstGeom prst="rect">
             <a:avLst/>
@@ -296,14 +299,14 @@
                   <a:srgbClr val="ffffff"/>
                 </a:solidFill>
               </a:uFill>
-              <a:latin typeface="Calibri"/>
-            </a:endParaRPr>
-          </a:p>
-        </p:txBody>
-      </p:sp>
-      <p:sp>
-        <p:nvSpPr>
-          <p:cNvPr id="32" name="PlaceHolder 4"/>
+              <a:latin typeface="Arial"/>
+            </a:endParaRPr>
+          </a:p>
+        </p:txBody>
+      </p:sp>
+      <p:sp>
+        <p:nvSpPr>
+          <p:cNvPr id="29" name="PlaceHolder 4"/>
           <p:cNvSpPr>
             <a:spLocks noGrp="1"/>
           </p:cNvSpPr>
@@ -313,8 +316,8 @@
         </p:nvSpPr>
         <p:spPr>
           <a:xfrm>
-            <a:off x="4674240" y="3682080"/>
-            <a:ext cx="4015800" cy="1896840"/>
+            <a:off x="4673880" y="3682080"/>
+            <a:ext cx="4015440" cy="1896840"/>
           </a:xfrm>
           <a:prstGeom prst="rect">
             <a:avLst/>
@@ -334,14 +337,14 @@
                   <a:srgbClr val="ffffff"/>
                 </a:solidFill>
               </a:uFill>
-              <a:latin typeface="Calibri"/>
-            </a:endParaRPr>
-          </a:p>
-        </p:txBody>
-      </p:sp>
-      <p:sp>
-        <p:nvSpPr>
-          <p:cNvPr id="33" name="PlaceHolder 5"/>
+              <a:latin typeface="Arial"/>
+            </a:endParaRPr>
+          </a:p>
+        </p:txBody>
+      </p:sp>
+      <p:sp>
+        <p:nvSpPr>
+          <p:cNvPr id="30" name="PlaceHolder 5"/>
           <p:cNvSpPr>
             <a:spLocks noGrp="1"/>
           </p:cNvSpPr>
@@ -352,7 +355,7 @@
         <p:spPr>
           <a:xfrm>
             <a:off x="457200" y="3682080"/>
-            <a:ext cx="4015800" cy="1896840"/>
+            <a:ext cx="4015440" cy="1896840"/>
           </a:xfrm>
           <a:prstGeom prst="rect">
             <a:avLst/>
@@ -372,7 +375,7 @@
                   <a:srgbClr val="ffffff"/>
                 </a:solidFill>
               </a:uFill>
-              <a:latin typeface="Calibri"/>
+              <a:latin typeface="Arial"/>
             </a:endParaRPr>
           </a:p>
         </p:txBody>
@@ -401,7 +404,7 @@
       </p:grpSpPr>
       <p:sp>
         <p:nvSpPr>
-          <p:cNvPr id="34" name="PlaceHolder 1"/>
+          <p:cNvPr id="31" name="PlaceHolder 1"/>
           <p:cNvSpPr>
             <a:spLocks noGrp="1"/>
           </p:cNvSpPr>
@@ -412,7 +415,7 @@
         <p:spPr>
           <a:xfrm>
             <a:off x="685800" y="2130480"/>
-            <a:ext cx="7772040" cy="1469520"/>
+            <a:ext cx="7771680" cy="1469160"/>
           </a:xfrm>
           <a:prstGeom prst="rect">
             <a:avLst/>
@@ -421,23 +424,24 @@
         <p:txBody>
           <a:bodyPr lIns="0" rIns="0" tIns="0" bIns="0" anchor="ctr"/>
           <a:p>
-            <a:endParaRPr b="0" lang="fr-FR" sz="1800" spc="-1" strike="noStrike">
-              <a:solidFill>
-                <a:srgbClr val="000000"/>
-              </a:solidFill>
-              <a:uFill>
-                <a:solidFill>
-                  <a:srgbClr val="ffffff"/>
-                </a:solidFill>
-              </a:uFill>
-              <a:latin typeface="Calibri"/>
-            </a:endParaRPr>
-          </a:p>
-        </p:txBody>
-      </p:sp>
-      <p:sp>
-        <p:nvSpPr>
-          <p:cNvPr id="35" name="PlaceHolder 2"/>
+            <a:pPr algn="ctr"/>
+            <a:endParaRPr b="0" lang="fr-FR" sz="4400" spc="-1" strike="noStrike">
+              <a:solidFill>
+                <a:srgbClr val="000000"/>
+              </a:solidFill>
+              <a:uFill>
+                <a:solidFill>
+                  <a:srgbClr val="ffffff"/>
+                </a:solidFill>
+              </a:uFill>
+              <a:latin typeface="Arial"/>
+            </a:endParaRPr>
+          </a:p>
+        </p:txBody>
+      </p:sp>
+      <p:sp>
+        <p:nvSpPr>
+          <p:cNvPr id="32" name="PlaceHolder 2"/>
           <p:cNvSpPr>
             <a:spLocks noGrp="1"/>
           </p:cNvSpPr>
@@ -468,14 +472,14 @@
                   <a:srgbClr val="ffffff"/>
                 </a:solidFill>
               </a:uFill>
-              <a:latin typeface="Calibri"/>
-            </a:endParaRPr>
-          </a:p>
-        </p:txBody>
-      </p:sp>
-      <p:sp>
-        <p:nvSpPr>
-          <p:cNvPr id="36" name="PlaceHolder 3"/>
+              <a:latin typeface="Arial"/>
+            </a:endParaRPr>
+          </a:p>
+        </p:txBody>
+      </p:sp>
+      <p:sp>
+        <p:nvSpPr>
+          <p:cNvPr id="33" name="PlaceHolder 3"/>
           <p:cNvSpPr>
             <a:spLocks noGrp="1"/>
           </p:cNvSpPr>
@@ -506,14 +510,14 @@
                   <a:srgbClr val="ffffff"/>
                 </a:solidFill>
               </a:uFill>
-              <a:latin typeface="Calibri"/>
-            </a:endParaRPr>
-          </a:p>
-        </p:txBody>
-      </p:sp>
-      <p:sp>
-        <p:nvSpPr>
-          <p:cNvPr id="37" name="PlaceHolder 4"/>
+              <a:latin typeface="Arial"/>
+            </a:endParaRPr>
+          </a:p>
+        </p:txBody>
+      </p:sp>
+      <p:sp>
+        <p:nvSpPr>
+          <p:cNvPr id="34" name="PlaceHolder 4"/>
           <p:cNvSpPr>
             <a:spLocks noGrp="1"/>
           </p:cNvSpPr>
@@ -544,14 +548,14 @@
                   <a:srgbClr val="ffffff"/>
                 </a:solidFill>
               </a:uFill>
-              <a:latin typeface="Calibri"/>
-            </a:endParaRPr>
-          </a:p>
-        </p:txBody>
-      </p:sp>
-      <p:sp>
-        <p:nvSpPr>
-          <p:cNvPr id="38" name="PlaceHolder 5"/>
+              <a:latin typeface="Arial"/>
+            </a:endParaRPr>
+          </a:p>
+        </p:txBody>
+      </p:sp>
+      <p:sp>
+        <p:nvSpPr>
+          <p:cNvPr id="35" name="PlaceHolder 5"/>
           <p:cNvSpPr>
             <a:spLocks noGrp="1"/>
           </p:cNvSpPr>
@@ -582,14 +586,14 @@
                   <a:srgbClr val="ffffff"/>
                 </a:solidFill>
               </a:uFill>
-              <a:latin typeface="Calibri"/>
-            </a:endParaRPr>
-          </a:p>
-        </p:txBody>
-      </p:sp>
-      <p:sp>
-        <p:nvSpPr>
-          <p:cNvPr id="39" name="PlaceHolder 6"/>
+              <a:latin typeface="Arial"/>
+            </a:endParaRPr>
+          </a:p>
+        </p:txBody>
+      </p:sp>
+      <p:sp>
+        <p:nvSpPr>
+          <p:cNvPr id="36" name="PlaceHolder 6"/>
           <p:cNvSpPr>
             <a:spLocks noGrp="1"/>
           </p:cNvSpPr>
@@ -620,14 +624,14 @@
                   <a:srgbClr val="ffffff"/>
                 </a:solidFill>
               </a:uFill>
-              <a:latin typeface="Calibri"/>
-            </a:endParaRPr>
-          </a:p>
-        </p:txBody>
-      </p:sp>
-      <p:sp>
-        <p:nvSpPr>
-          <p:cNvPr id="40" name="PlaceHolder 7"/>
+              <a:latin typeface="Arial"/>
+            </a:endParaRPr>
+          </a:p>
+        </p:txBody>
+      </p:sp>
+      <p:sp>
+        <p:nvSpPr>
+          <p:cNvPr id="37" name="PlaceHolder 7"/>
           <p:cNvSpPr>
             <a:spLocks noGrp="1"/>
           </p:cNvSpPr>
@@ -658,7 +662,648 @@
                   <a:srgbClr val="ffffff"/>
                 </a:solidFill>
               </a:uFill>
-              <a:latin typeface="Calibri"/>
+              <a:latin typeface="Arial"/>
+            </a:endParaRPr>
+          </a:p>
+        </p:txBody>
+      </p:sp>
+    </p:spTree>
+  </p:cSld>
+</p:sldLayout>
+</file>
+
+<file path=ppt/slideLayouts/slideLayout13.xml><?xml version="1.0" encoding="utf-8"?>
+<p:sldLayout xmlns:a="http://schemas.openxmlformats.org/drawingml/2006/main" xmlns:p="http://schemas.openxmlformats.org/presentationml/2006/main" xmlns:r="http://schemas.openxmlformats.org/officeDocument/2006/relationships" xmlns:p14="http://schemas.microsoft.com/office/powerpoint/2010/main" xmlns:p15="http://schemas.microsoft.com/office/powerpoint/2012/main" xmlns:mc="http://schemas.openxmlformats.org/markup-compatibility/2006" type="blank" preserve="1">
+  <p:cSld name="Blank Slide">
+    <p:spTree>
+      <p:nvGrpSpPr>
+        <p:cNvPr id="1" name=""/>
+        <p:cNvGrpSpPr/>
+        <p:nvPr/>
+      </p:nvGrpSpPr>
+      <p:grpSpPr>
+        <a:xfrm>
+          <a:off x="0" y="0"/>
+          <a:ext cx="0" cy="0"/>
+          <a:chOff x="0" y="0"/>
+          <a:chExt cx="0" cy="0"/>
+        </a:xfrm>
+      </p:grpSpPr>
+    </p:spTree>
+  </p:cSld>
+</p:sldLayout>
+</file>
+
+<file path=ppt/slideLayouts/slideLayout14.xml><?xml version="1.0" encoding="utf-8"?>
+<p:sldLayout xmlns:a="http://schemas.openxmlformats.org/drawingml/2006/main" xmlns:p="http://schemas.openxmlformats.org/presentationml/2006/main" xmlns:r="http://schemas.openxmlformats.org/officeDocument/2006/relationships" xmlns:p14="http://schemas.microsoft.com/office/powerpoint/2010/main" xmlns:p15="http://schemas.microsoft.com/office/powerpoint/2012/main" xmlns:mc="http://schemas.openxmlformats.org/markup-compatibility/2006" type="tx" preserve="1">
+  <p:cSld name="Title Slide">
+    <p:spTree>
+      <p:nvGrpSpPr>
+        <p:cNvPr id="1" name=""/>
+        <p:cNvGrpSpPr/>
+        <p:nvPr/>
+      </p:nvGrpSpPr>
+      <p:grpSpPr>
+        <a:xfrm>
+          <a:off x="0" y="0"/>
+          <a:ext cx="0" cy="0"/>
+          <a:chOff x="0" y="0"/>
+          <a:chExt cx="0" cy="0"/>
+        </a:xfrm>
+      </p:grpSpPr>
+      <p:sp>
+        <p:nvSpPr>
+          <p:cNvPr id="40" name="PlaceHolder 1"/>
+          <p:cNvSpPr>
+            <a:spLocks noGrp="1"/>
+          </p:cNvSpPr>
+          <p:nvPr>
+            <p:ph type="title"/>
+          </p:nvPr>
+        </p:nvSpPr>
+        <p:spPr>
+          <a:xfrm>
+            <a:off x="685800" y="2130480"/>
+            <a:ext cx="7771680" cy="1469160"/>
+          </a:xfrm>
+          <a:prstGeom prst="rect">
+            <a:avLst/>
+          </a:prstGeom>
+        </p:spPr>
+        <p:txBody>
+          <a:bodyPr lIns="0" rIns="0" tIns="0" bIns="0" anchor="ctr"/>
+          <a:p>
+            <a:pPr algn="ctr"/>
+            <a:endParaRPr b="0" lang="fr-FR" sz="4400" spc="-1" strike="noStrike">
+              <a:solidFill>
+                <a:srgbClr val="000000"/>
+              </a:solidFill>
+              <a:uFill>
+                <a:solidFill>
+                  <a:srgbClr val="ffffff"/>
+                </a:solidFill>
+              </a:uFill>
+              <a:latin typeface="Arial"/>
+            </a:endParaRPr>
+          </a:p>
+        </p:txBody>
+      </p:sp>
+      <p:sp>
+        <p:nvSpPr>
+          <p:cNvPr id="41" name="PlaceHolder 2"/>
+          <p:cNvSpPr>
+            <a:spLocks noGrp="1"/>
+          </p:cNvSpPr>
+          <p:nvPr>
+            <p:ph type="subTitle"/>
+          </p:nvPr>
+        </p:nvSpPr>
+        <p:spPr>
+          <a:xfrm>
+            <a:off x="457200" y="1604520"/>
+            <a:ext cx="8228880" cy="3976920"/>
+          </a:xfrm>
+          <a:prstGeom prst="rect">
+            <a:avLst/>
+          </a:prstGeom>
+        </p:spPr>
+        <p:txBody>
+          <a:bodyPr lIns="0" rIns="0" tIns="0" bIns="0" anchor="ctr"/>
+          <a:p>
+            <a:pPr algn="ctr"/>
+            <a:endParaRPr b="0" lang="fr-FR" sz="3200" spc="-1" strike="noStrike">
+              <a:solidFill>
+                <a:srgbClr val="000000"/>
+              </a:solidFill>
+              <a:uFill>
+                <a:solidFill>
+                  <a:srgbClr val="ffffff"/>
+                </a:solidFill>
+              </a:uFill>
+              <a:latin typeface="Arial"/>
+            </a:endParaRPr>
+          </a:p>
+        </p:txBody>
+      </p:sp>
+    </p:spTree>
+  </p:cSld>
+</p:sldLayout>
+</file>
+
+<file path=ppt/slideLayouts/slideLayout15.xml><?xml version="1.0" encoding="utf-8"?>
+<p:sldLayout xmlns:a="http://schemas.openxmlformats.org/drawingml/2006/main" xmlns:p="http://schemas.openxmlformats.org/presentationml/2006/main" xmlns:r="http://schemas.openxmlformats.org/officeDocument/2006/relationships" xmlns:p14="http://schemas.microsoft.com/office/powerpoint/2010/main" xmlns:p15="http://schemas.microsoft.com/office/powerpoint/2012/main" xmlns:mc="http://schemas.openxmlformats.org/markup-compatibility/2006" type="obj" preserve="1">
+  <p:cSld name="Title, Content">
+    <p:spTree>
+      <p:nvGrpSpPr>
+        <p:cNvPr id="1" name=""/>
+        <p:cNvGrpSpPr/>
+        <p:nvPr/>
+      </p:nvGrpSpPr>
+      <p:grpSpPr>
+        <a:xfrm>
+          <a:off x="0" y="0"/>
+          <a:ext cx="0" cy="0"/>
+          <a:chOff x="0" y="0"/>
+          <a:chExt cx="0" cy="0"/>
+        </a:xfrm>
+      </p:grpSpPr>
+      <p:sp>
+        <p:nvSpPr>
+          <p:cNvPr id="42" name="PlaceHolder 1"/>
+          <p:cNvSpPr>
+            <a:spLocks noGrp="1"/>
+          </p:cNvSpPr>
+          <p:nvPr>
+            <p:ph type="title"/>
+          </p:nvPr>
+        </p:nvSpPr>
+        <p:spPr>
+          <a:xfrm>
+            <a:off x="685800" y="2130480"/>
+            <a:ext cx="7771680" cy="1469160"/>
+          </a:xfrm>
+          <a:prstGeom prst="rect">
+            <a:avLst/>
+          </a:prstGeom>
+        </p:spPr>
+        <p:txBody>
+          <a:bodyPr lIns="0" rIns="0" tIns="0" bIns="0" anchor="ctr"/>
+          <a:p>
+            <a:pPr algn="ctr"/>
+            <a:endParaRPr b="0" lang="fr-FR" sz="4400" spc="-1" strike="noStrike">
+              <a:solidFill>
+                <a:srgbClr val="000000"/>
+              </a:solidFill>
+              <a:uFill>
+                <a:solidFill>
+                  <a:srgbClr val="ffffff"/>
+                </a:solidFill>
+              </a:uFill>
+              <a:latin typeface="Arial"/>
+            </a:endParaRPr>
+          </a:p>
+        </p:txBody>
+      </p:sp>
+      <p:sp>
+        <p:nvSpPr>
+          <p:cNvPr id="43" name="PlaceHolder 2"/>
+          <p:cNvSpPr>
+            <a:spLocks noGrp="1"/>
+          </p:cNvSpPr>
+          <p:nvPr>
+            <p:ph type="body"/>
+          </p:nvPr>
+        </p:nvSpPr>
+        <p:spPr>
+          <a:xfrm>
+            <a:off x="457200" y="1604520"/>
+            <a:ext cx="8228880" cy="3976920"/>
+          </a:xfrm>
+          <a:prstGeom prst="rect">
+            <a:avLst/>
+          </a:prstGeom>
+        </p:spPr>
+        <p:txBody>
+          <a:bodyPr lIns="0" rIns="0" tIns="0" bIns="0">
+            <a:normAutofit/>
+          </a:bodyPr>
+          <a:p>
+            <a:endParaRPr b="0" lang="fr-FR" sz="3200" spc="-1" strike="noStrike">
+              <a:solidFill>
+                <a:srgbClr val="000000"/>
+              </a:solidFill>
+              <a:uFill>
+                <a:solidFill>
+                  <a:srgbClr val="ffffff"/>
+                </a:solidFill>
+              </a:uFill>
+              <a:latin typeface="Arial"/>
+            </a:endParaRPr>
+          </a:p>
+        </p:txBody>
+      </p:sp>
+    </p:spTree>
+  </p:cSld>
+</p:sldLayout>
+</file>
+
+<file path=ppt/slideLayouts/slideLayout16.xml><?xml version="1.0" encoding="utf-8"?>
+<p:sldLayout xmlns:a="http://schemas.openxmlformats.org/drawingml/2006/main" xmlns:p="http://schemas.openxmlformats.org/presentationml/2006/main" xmlns:r="http://schemas.openxmlformats.org/officeDocument/2006/relationships" xmlns:p14="http://schemas.microsoft.com/office/powerpoint/2010/main" xmlns:p15="http://schemas.microsoft.com/office/powerpoint/2012/main" xmlns:mc="http://schemas.openxmlformats.org/markup-compatibility/2006" type="twoObj" preserve="1">
+  <p:cSld name="Title, 2 Content">
+    <p:spTree>
+      <p:nvGrpSpPr>
+        <p:cNvPr id="1" name=""/>
+        <p:cNvGrpSpPr/>
+        <p:nvPr/>
+      </p:nvGrpSpPr>
+      <p:grpSpPr>
+        <a:xfrm>
+          <a:off x="0" y="0"/>
+          <a:ext cx="0" cy="0"/>
+          <a:chOff x="0" y="0"/>
+          <a:chExt cx="0" cy="0"/>
+        </a:xfrm>
+      </p:grpSpPr>
+      <p:sp>
+        <p:nvSpPr>
+          <p:cNvPr id="44" name="PlaceHolder 1"/>
+          <p:cNvSpPr>
+            <a:spLocks noGrp="1"/>
+          </p:cNvSpPr>
+          <p:nvPr>
+            <p:ph type="title"/>
+          </p:nvPr>
+        </p:nvSpPr>
+        <p:spPr>
+          <a:xfrm>
+            <a:off x="685800" y="2130480"/>
+            <a:ext cx="7771680" cy="1469160"/>
+          </a:xfrm>
+          <a:prstGeom prst="rect">
+            <a:avLst/>
+          </a:prstGeom>
+        </p:spPr>
+        <p:txBody>
+          <a:bodyPr lIns="0" rIns="0" tIns="0" bIns="0" anchor="ctr"/>
+          <a:p>
+            <a:pPr algn="ctr"/>
+            <a:endParaRPr b="0" lang="fr-FR" sz="4400" spc="-1" strike="noStrike">
+              <a:solidFill>
+                <a:srgbClr val="000000"/>
+              </a:solidFill>
+              <a:uFill>
+                <a:solidFill>
+                  <a:srgbClr val="ffffff"/>
+                </a:solidFill>
+              </a:uFill>
+              <a:latin typeface="Arial"/>
+            </a:endParaRPr>
+          </a:p>
+        </p:txBody>
+      </p:sp>
+      <p:sp>
+        <p:nvSpPr>
+          <p:cNvPr id="45" name="PlaceHolder 2"/>
+          <p:cNvSpPr>
+            <a:spLocks noGrp="1"/>
+          </p:cNvSpPr>
+          <p:nvPr>
+            <p:ph type="body"/>
+          </p:nvPr>
+        </p:nvSpPr>
+        <p:spPr>
+          <a:xfrm>
+            <a:off x="457200" y="1604520"/>
+            <a:ext cx="4015440" cy="3976920"/>
+          </a:xfrm>
+          <a:prstGeom prst="rect">
+            <a:avLst/>
+          </a:prstGeom>
+        </p:spPr>
+        <p:txBody>
+          <a:bodyPr lIns="0" rIns="0" tIns="0" bIns="0">
+            <a:normAutofit/>
+          </a:bodyPr>
+          <a:p>
+            <a:endParaRPr b="0" lang="fr-FR" sz="3200" spc="-1" strike="noStrike">
+              <a:solidFill>
+                <a:srgbClr val="000000"/>
+              </a:solidFill>
+              <a:uFill>
+                <a:solidFill>
+                  <a:srgbClr val="ffffff"/>
+                </a:solidFill>
+              </a:uFill>
+              <a:latin typeface="Arial"/>
+            </a:endParaRPr>
+          </a:p>
+        </p:txBody>
+      </p:sp>
+      <p:sp>
+        <p:nvSpPr>
+          <p:cNvPr id="46" name="PlaceHolder 3"/>
+          <p:cNvSpPr>
+            <a:spLocks noGrp="1"/>
+          </p:cNvSpPr>
+          <p:nvPr>
+            <p:ph type="body"/>
+          </p:nvPr>
+        </p:nvSpPr>
+        <p:spPr>
+          <a:xfrm>
+            <a:off x="4673880" y="1604520"/>
+            <a:ext cx="4015440" cy="3976920"/>
+          </a:xfrm>
+          <a:prstGeom prst="rect">
+            <a:avLst/>
+          </a:prstGeom>
+        </p:spPr>
+        <p:txBody>
+          <a:bodyPr lIns="0" rIns="0" tIns="0" bIns="0">
+            <a:normAutofit/>
+          </a:bodyPr>
+          <a:p>
+            <a:endParaRPr b="0" lang="fr-FR" sz="3200" spc="-1" strike="noStrike">
+              <a:solidFill>
+                <a:srgbClr val="000000"/>
+              </a:solidFill>
+              <a:uFill>
+                <a:solidFill>
+                  <a:srgbClr val="ffffff"/>
+                </a:solidFill>
+              </a:uFill>
+              <a:latin typeface="Arial"/>
+            </a:endParaRPr>
+          </a:p>
+        </p:txBody>
+      </p:sp>
+    </p:spTree>
+  </p:cSld>
+</p:sldLayout>
+</file>
+
+<file path=ppt/slideLayouts/slideLayout17.xml><?xml version="1.0" encoding="utf-8"?>
+<p:sldLayout xmlns:a="http://schemas.openxmlformats.org/drawingml/2006/main" xmlns:p="http://schemas.openxmlformats.org/presentationml/2006/main" xmlns:r="http://schemas.openxmlformats.org/officeDocument/2006/relationships" xmlns:p14="http://schemas.microsoft.com/office/powerpoint/2010/main" xmlns:p15="http://schemas.microsoft.com/office/powerpoint/2012/main" xmlns:mc="http://schemas.openxmlformats.org/markup-compatibility/2006" type="titleOnly" preserve="1">
+  <p:cSld name="Title Only">
+    <p:spTree>
+      <p:nvGrpSpPr>
+        <p:cNvPr id="1" name=""/>
+        <p:cNvGrpSpPr/>
+        <p:nvPr/>
+      </p:nvGrpSpPr>
+      <p:grpSpPr>
+        <a:xfrm>
+          <a:off x="0" y="0"/>
+          <a:ext cx="0" cy="0"/>
+          <a:chOff x="0" y="0"/>
+          <a:chExt cx="0" cy="0"/>
+        </a:xfrm>
+      </p:grpSpPr>
+      <p:sp>
+        <p:nvSpPr>
+          <p:cNvPr id="47" name="PlaceHolder 1"/>
+          <p:cNvSpPr>
+            <a:spLocks noGrp="1"/>
+          </p:cNvSpPr>
+          <p:nvPr>
+            <p:ph type="title"/>
+          </p:nvPr>
+        </p:nvSpPr>
+        <p:spPr>
+          <a:xfrm>
+            <a:off x="685800" y="2130480"/>
+            <a:ext cx="7771680" cy="1469160"/>
+          </a:xfrm>
+          <a:prstGeom prst="rect">
+            <a:avLst/>
+          </a:prstGeom>
+        </p:spPr>
+        <p:txBody>
+          <a:bodyPr lIns="0" rIns="0" tIns="0" bIns="0" anchor="ctr"/>
+          <a:p>
+            <a:pPr algn="ctr"/>
+            <a:endParaRPr b="0" lang="fr-FR" sz="4400" spc="-1" strike="noStrike">
+              <a:solidFill>
+                <a:srgbClr val="000000"/>
+              </a:solidFill>
+              <a:uFill>
+                <a:solidFill>
+                  <a:srgbClr val="ffffff"/>
+                </a:solidFill>
+              </a:uFill>
+              <a:latin typeface="Arial"/>
+            </a:endParaRPr>
+          </a:p>
+        </p:txBody>
+      </p:sp>
+    </p:spTree>
+  </p:cSld>
+</p:sldLayout>
+</file>
+
+<file path=ppt/slideLayouts/slideLayout18.xml><?xml version="1.0" encoding="utf-8"?>
+<p:sldLayout xmlns:a="http://schemas.openxmlformats.org/drawingml/2006/main" xmlns:p="http://schemas.openxmlformats.org/presentationml/2006/main" xmlns:r="http://schemas.openxmlformats.org/officeDocument/2006/relationships" xmlns:p14="http://schemas.microsoft.com/office/powerpoint/2010/main" xmlns:p15="http://schemas.microsoft.com/office/powerpoint/2012/main" xmlns:mc="http://schemas.openxmlformats.org/markup-compatibility/2006" type="objOnly" preserve="1">
+  <p:cSld name="Centered Text">
+    <p:spTree>
+      <p:nvGrpSpPr>
+        <p:cNvPr id="1" name=""/>
+        <p:cNvGrpSpPr/>
+        <p:nvPr/>
+      </p:nvGrpSpPr>
+      <p:grpSpPr>
+        <a:xfrm>
+          <a:off x="0" y="0"/>
+          <a:ext cx="0" cy="0"/>
+          <a:chOff x="0" y="0"/>
+          <a:chExt cx="0" cy="0"/>
+        </a:xfrm>
+      </p:grpSpPr>
+      <p:sp>
+        <p:nvSpPr>
+          <p:cNvPr id="48" name="PlaceHolder 1"/>
+          <p:cNvSpPr>
+            <a:spLocks noGrp="1"/>
+          </p:cNvSpPr>
+          <p:nvPr>
+            <p:ph type="subTitle"/>
+          </p:nvPr>
+        </p:nvSpPr>
+        <p:spPr>
+          <a:xfrm>
+            <a:off x="685800" y="2130480"/>
+            <a:ext cx="7771680" cy="6811560"/>
+          </a:xfrm>
+          <a:prstGeom prst="rect">
+            <a:avLst/>
+          </a:prstGeom>
+        </p:spPr>
+        <p:txBody>
+          <a:bodyPr lIns="0" rIns="0" tIns="0" bIns="0" anchor="ctr"/>
+          <a:p>
+            <a:pPr algn="ctr"/>
+            <a:endParaRPr b="0" lang="fr-FR" sz="3200" spc="-1" strike="noStrike">
+              <a:solidFill>
+                <a:srgbClr val="000000"/>
+              </a:solidFill>
+              <a:uFill>
+                <a:solidFill>
+                  <a:srgbClr val="ffffff"/>
+                </a:solidFill>
+              </a:uFill>
+              <a:latin typeface="Arial"/>
+            </a:endParaRPr>
+          </a:p>
+        </p:txBody>
+      </p:sp>
+    </p:spTree>
+  </p:cSld>
+</p:sldLayout>
+</file>
+
+<file path=ppt/slideLayouts/slideLayout19.xml><?xml version="1.0" encoding="utf-8"?>
+<p:sldLayout xmlns:a="http://schemas.openxmlformats.org/drawingml/2006/main" xmlns:p="http://schemas.openxmlformats.org/presentationml/2006/main" xmlns:r="http://schemas.openxmlformats.org/officeDocument/2006/relationships" xmlns:p14="http://schemas.microsoft.com/office/powerpoint/2010/main" xmlns:p15="http://schemas.microsoft.com/office/powerpoint/2012/main" xmlns:mc="http://schemas.openxmlformats.org/markup-compatibility/2006" type="twoObjAndObj" preserve="1">
+  <p:cSld name="Title, 2 Content and Content">
+    <p:spTree>
+      <p:nvGrpSpPr>
+        <p:cNvPr id="1" name=""/>
+        <p:cNvGrpSpPr/>
+        <p:nvPr/>
+      </p:nvGrpSpPr>
+      <p:grpSpPr>
+        <a:xfrm>
+          <a:off x="0" y="0"/>
+          <a:ext cx="0" cy="0"/>
+          <a:chOff x="0" y="0"/>
+          <a:chExt cx="0" cy="0"/>
+        </a:xfrm>
+      </p:grpSpPr>
+      <p:sp>
+        <p:nvSpPr>
+          <p:cNvPr id="49" name="PlaceHolder 1"/>
+          <p:cNvSpPr>
+            <a:spLocks noGrp="1"/>
+          </p:cNvSpPr>
+          <p:nvPr>
+            <p:ph type="title"/>
+          </p:nvPr>
+        </p:nvSpPr>
+        <p:spPr>
+          <a:xfrm>
+            <a:off x="685800" y="2130480"/>
+            <a:ext cx="7771680" cy="1469160"/>
+          </a:xfrm>
+          <a:prstGeom prst="rect">
+            <a:avLst/>
+          </a:prstGeom>
+        </p:spPr>
+        <p:txBody>
+          <a:bodyPr lIns="0" rIns="0" tIns="0" bIns="0" anchor="ctr"/>
+          <a:p>
+            <a:pPr algn="ctr"/>
+            <a:endParaRPr b="0" lang="fr-FR" sz="4400" spc="-1" strike="noStrike">
+              <a:solidFill>
+                <a:srgbClr val="000000"/>
+              </a:solidFill>
+              <a:uFill>
+                <a:solidFill>
+                  <a:srgbClr val="ffffff"/>
+                </a:solidFill>
+              </a:uFill>
+              <a:latin typeface="Arial"/>
+            </a:endParaRPr>
+          </a:p>
+        </p:txBody>
+      </p:sp>
+      <p:sp>
+        <p:nvSpPr>
+          <p:cNvPr id="50" name="PlaceHolder 2"/>
+          <p:cNvSpPr>
+            <a:spLocks noGrp="1"/>
+          </p:cNvSpPr>
+          <p:nvPr>
+            <p:ph type="body"/>
+          </p:nvPr>
+        </p:nvSpPr>
+        <p:spPr>
+          <a:xfrm>
+            <a:off x="457200" y="1604520"/>
+            <a:ext cx="4015440" cy="1896840"/>
+          </a:xfrm>
+          <a:prstGeom prst="rect">
+            <a:avLst/>
+          </a:prstGeom>
+        </p:spPr>
+        <p:txBody>
+          <a:bodyPr lIns="0" rIns="0" tIns="0" bIns="0">
+            <a:normAutofit/>
+          </a:bodyPr>
+          <a:p>
+            <a:endParaRPr b="0" lang="fr-FR" sz="3200" spc="-1" strike="noStrike">
+              <a:solidFill>
+                <a:srgbClr val="000000"/>
+              </a:solidFill>
+              <a:uFill>
+                <a:solidFill>
+                  <a:srgbClr val="ffffff"/>
+                </a:solidFill>
+              </a:uFill>
+              <a:latin typeface="Arial"/>
+            </a:endParaRPr>
+          </a:p>
+        </p:txBody>
+      </p:sp>
+      <p:sp>
+        <p:nvSpPr>
+          <p:cNvPr id="51" name="PlaceHolder 3"/>
+          <p:cNvSpPr>
+            <a:spLocks noGrp="1"/>
+          </p:cNvSpPr>
+          <p:nvPr>
+            <p:ph type="body"/>
+          </p:nvPr>
+        </p:nvSpPr>
+        <p:spPr>
+          <a:xfrm>
+            <a:off x="457200" y="3682080"/>
+            <a:ext cx="4015440" cy="1896840"/>
+          </a:xfrm>
+          <a:prstGeom prst="rect">
+            <a:avLst/>
+          </a:prstGeom>
+        </p:spPr>
+        <p:txBody>
+          <a:bodyPr lIns="0" rIns="0" tIns="0" bIns="0">
+            <a:normAutofit/>
+          </a:bodyPr>
+          <a:p>
+            <a:endParaRPr b="0" lang="fr-FR" sz="3200" spc="-1" strike="noStrike">
+              <a:solidFill>
+                <a:srgbClr val="000000"/>
+              </a:solidFill>
+              <a:uFill>
+                <a:solidFill>
+                  <a:srgbClr val="ffffff"/>
+                </a:solidFill>
+              </a:uFill>
+              <a:latin typeface="Arial"/>
+            </a:endParaRPr>
+          </a:p>
+        </p:txBody>
+      </p:sp>
+      <p:sp>
+        <p:nvSpPr>
+          <p:cNvPr id="52" name="PlaceHolder 4"/>
+          <p:cNvSpPr>
+            <a:spLocks noGrp="1"/>
+          </p:cNvSpPr>
+          <p:nvPr>
+            <p:ph type="body"/>
+          </p:nvPr>
+        </p:nvSpPr>
+        <p:spPr>
+          <a:xfrm>
+            <a:off x="4673880" y="1604520"/>
+            <a:ext cx="4015440" cy="3976920"/>
+          </a:xfrm>
+          <a:prstGeom prst="rect">
+            <a:avLst/>
+          </a:prstGeom>
+        </p:spPr>
+        <p:txBody>
+          <a:bodyPr lIns="0" rIns="0" tIns="0" bIns="0">
+            <a:normAutofit/>
+          </a:bodyPr>
+          <a:p>
+            <a:endParaRPr b="0" lang="fr-FR" sz="3200" spc="-1" strike="noStrike">
+              <a:solidFill>
+                <a:srgbClr val="000000"/>
+              </a:solidFill>
+              <a:uFill>
+                <a:solidFill>
+                  <a:srgbClr val="ffffff"/>
+                </a:solidFill>
+              </a:uFill>
+              <a:latin typeface="Arial"/>
             </a:endParaRPr>
           </a:p>
         </p:txBody>
@@ -687,7 +1332,7 @@
       </p:grpSpPr>
       <p:sp>
         <p:nvSpPr>
-          <p:cNvPr id="5" name="PlaceHolder 1"/>
+          <p:cNvPr id="2" name="PlaceHolder 1"/>
           <p:cNvSpPr>
             <a:spLocks noGrp="1"/>
           </p:cNvSpPr>
@@ -698,7 +1343,7 @@
         <p:spPr>
           <a:xfrm>
             <a:off x="685800" y="2130480"/>
-            <a:ext cx="7772040" cy="1469520"/>
+            <a:ext cx="7771680" cy="1469160"/>
           </a:xfrm>
           <a:prstGeom prst="rect">
             <a:avLst/>
@@ -707,23 +1352,24 @@
         <p:txBody>
           <a:bodyPr lIns="0" rIns="0" tIns="0" bIns="0" anchor="ctr"/>
           <a:p>
-            <a:endParaRPr b="0" lang="fr-FR" sz="1800" spc="-1" strike="noStrike">
-              <a:solidFill>
-                <a:srgbClr val="000000"/>
-              </a:solidFill>
-              <a:uFill>
-                <a:solidFill>
-                  <a:srgbClr val="ffffff"/>
-                </a:solidFill>
-              </a:uFill>
-              <a:latin typeface="Calibri"/>
-            </a:endParaRPr>
-          </a:p>
-        </p:txBody>
-      </p:sp>
-      <p:sp>
-        <p:nvSpPr>
-          <p:cNvPr id="6" name="PlaceHolder 2"/>
+            <a:pPr algn="ctr"/>
+            <a:endParaRPr b="0" lang="fr-FR" sz="4400" spc="-1" strike="noStrike">
+              <a:solidFill>
+                <a:srgbClr val="000000"/>
+              </a:solidFill>
+              <a:uFill>
+                <a:solidFill>
+                  <a:srgbClr val="ffffff"/>
+                </a:solidFill>
+              </a:uFill>
+              <a:latin typeface="Arial"/>
+            </a:endParaRPr>
+          </a:p>
+        </p:txBody>
+      </p:sp>
+      <p:sp>
+        <p:nvSpPr>
+          <p:cNvPr id="3" name="PlaceHolder 2"/>
           <p:cNvSpPr>
             <a:spLocks noGrp="1"/>
           </p:cNvSpPr>
@@ -734,7 +1380,7 @@
         <p:spPr>
           <a:xfrm>
             <a:off x="457200" y="1604520"/>
-            <a:ext cx="8229240" cy="3977280"/>
+            <a:ext cx="8228880" cy="3976920"/>
           </a:xfrm>
           <a:prstGeom prst="rect">
             <a:avLst/>
@@ -744,6 +1390,985 @@
           <a:bodyPr lIns="0" rIns="0" tIns="0" bIns="0" anchor="ctr"/>
           <a:p>
             <a:pPr algn="ctr"/>
+            <a:endParaRPr b="0" lang="fr-FR" sz="3200" spc="-1" strike="noStrike">
+              <a:solidFill>
+                <a:srgbClr val="000000"/>
+              </a:solidFill>
+              <a:uFill>
+                <a:solidFill>
+                  <a:srgbClr val="ffffff"/>
+                </a:solidFill>
+              </a:uFill>
+              <a:latin typeface="Arial"/>
+            </a:endParaRPr>
+          </a:p>
+        </p:txBody>
+      </p:sp>
+    </p:spTree>
+  </p:cSld>
+</p:sldLayout>
+</file>
+
+<file path=ppt/slideLayouts/slideLayout20.xml><?xml version="1.0" encoding="utf-8"?>
+<p:sldLayout xmlns:a="http://schemas.openxmlformats.org/drawingml/2006/main" xmlns:p="http://schemas.openxmlformats.org/presentationml/2006/main" xmlns:r="http://schemas.openxmlformats.org/officeDocument/2006/relationships" xmlns:p14="http://schemas.microsoft.com/office/powerpoint/2010/main" xmlns:p15="http://schemas.microsoft.com/office/powerpoint/2012/main" xmlns:mc="http://schemas.openxmlformats.org/markup-compatibility/2006" type="objAndTwoObj" preserve="1">
+  <p:cSld name="Title Content and 2 Content">
+    <p:spTree>
+      <p:nvGrpSpPr>
+        <p:cNvPr id="1" name=""/>
+        <p:cNvGrpSpPr/>
+        <p:nvPr/>
+      </p:nvGrpSpPr>
+      <p:grpSpPr>
+        <a:xfrm>
+          <a:off x="0" y="0"/>
+          <a:ext cx="0" cy="0"/>
+          <a:chOff x="0" y="0"/>
+          <a:chExt cx="0" cy="0"/>
+        </a:xfrm>
+      </p:grpSpPr>
+      <p:sp>
+        <p:nvSpPr>
+          <p:cNvPr id="53" name="PlaceHolder 1"/>
+          <p:cNvSpPr>
+            <a:spLocks noGrp="1"/>
+          </p:cNvSpPr>
+          <p:nvPr>
+            <p:ph type="title"/>
+          </p:nvPr>
+        </p:nvSpPr>
+        <p:spPr>
+          <a:xfrm>
+            <a:off x="685800" y="2130480"/>
+            <a:ext cx="7771680" cy="1469160"/>
+          </a:xfrm>
+          <a:prstGeom prst="rect">
+            <a:avLst/>
+          </a:prstGeom>
+        </p:spPr>
+        <p:txBody>
+          <a:bodyPr lIns="0" rIns="0" tIns="0" bIns="0" anchor="ctr"/>
+          <a:p>
+            <a:pPr algn="ctr"/>
+            <a:endParaRPr b="0" lang="fr-FR" sz="4400" spc="-1" strike="noStrike">
+              <a:solidFill>
+                <a:srgbClr val="000000"/>
+              </a:solidFill>
+              <a:uFill>
+                <a:solidFill>
+                  <a:srgbClr val="ffffff"/>
+                </a:solidFill>
+              </a:uFill>
+              <a:latin typeface="Arial"/>
+            </a:endParaRPr>
+          </a:p>
+        </p:txBody>
+      </p:sp>
+      <p:sp>
+        <p:nvSpPr>
+          <p:cNvPr id="54" name="PlaceHolder 2"/>
+          <p:cNvSpPr>
+            <a:spLocks noGrp="1"/>
+          </p:cNvSpPr>
+          <p:nvPr>
+            <p:ph type="body"/>
+          </p:nvPr>
+        </p:nvSpPr>
+        <p:spPr>
+          <a:xfrm>
+            <a:off x="457200" y="1604520"/>
+            <a:ext cx="4015440" cy="3976920"/>
+          </a:xfrm>
+          <a:prstGeom prst="rect">
+            <a:avLst/>
+          </a:prstGeom>
+        </p:spPr>
+        <p:txBody>
+          <a:bodyPr lIns="0" rIns="0" tIns="0" bIns="0">
+            <a:normAutofit/>
+          </a:bodyPr>
+          <a:p>
+            <a:endParaRPr b="0" lang="fr-FR" sz="3200" spc="-1" strike="noStrike">
+              <a:solidFill>
+                <a:srgbClr val="000000"/>
+              </a:solidFill>
+              <a:uFill>
+                <a:solidFill>
+                  <a:srgbClr val="ffffff"/>
+                </a:solidFill>
+              </a:uFill>
+              <a:latin typeface="Arial"/>
+            </a:endParaRPr>
+          </a:p>
+        </p:txBody>
+      </p:sp>
+      <p:sp>
+        <p:nvSpPr>
+          <p:cNvPr id="55" name="PlaceHolder 3"/>
+          <p:cNvSpPr>
+            <a:spLocks noGrp="1"/>
+          </p:cNvSpPr>
+          <p:nvPr>
+            <p:ph type="body"/>
+          </p:nvPr>
+        </p:nvSpPr>
+        <p:spPr>
+          <a:xfrm>
+            <a:off x="4673880" y="1604520"/>
+            <a:ext cx="4015440" cy="1896840"/>
+          </a:xfrm>
+          <a:prstGeom prst="rect">
+            <a:avLst/>
+          </a:prstGeom>
+        </p:spPr>
+        <p:txBody>
+          <a:bodyPr lIns="0" rIns="0" tIns="0" bIns="0">
+            <a:normAutofit/>
+          </a:bodyPr>
+          <a:p>
+            <a:endParaRPr b="0" lang="fr-FR" sz="3200" spc="-1" strike="noStrike">
+              <a:solidFill>
+                <a:srgbClr val="000000"/>
+              </a:solidFill>
+              <a:uFill>
+                <a:solidFill>
+                  <a:srgbClr val="ffffff"/>
+                </a:solidFill>
+              </a:uFill>
+              <a:latin typeface="Arial"/>
+            </a:endParaRPr>
+          </a:p>
+        </p:txBody>
+      </p:sp>
+      <p:sp>
+        <p:nvSpPr>
+          <p:cNvPr id="56" name="PlaceHolder 4"/>
+          <p:cNvSpPr>
+            <a:spLocks noGrp="1"/>
+          </p:cNvSpPr>
+          <p:nvPr>
+            <p:ph type="body"/>
+          </p:nvPr>
+        </p:nvSpPr>
+        <p:spPr>
+          <a:xfrm>
+            <a:off x="4673880" y="3682080"/>
+            <a:ext cx="4015440" cy="1896840"/>
+          </a:xfrm>
+          <a:prstGeom prst="rect">
+            <a:avLst/>
+          </a:prstGeom>
+        </p:spPr>
+        <p:txBody>
+          <a:bodyPr lIns="0" rIns="0" tIns="0" bIns="0">
+            <a:normAutofit/>
+          </a:bodyPr>
+          <a:p>
+            <a:endParaRPr b="0" lang="fr-FR" sz="3200" spc="-1" strike="noStrike">
+              <a:solidFill>
+                <a:srgbClr val="000000"/>
+              </a:solidFill>
+              <a:uFill>
+                <a:solidFill>
+                  <a:srgbClr val="ffffff"/>
+                </a:solidFill>
+              </a:uFill>
+              <a:latin typeface="Arial"/>
+            </a:endParaRPr>
+          </a:p>
+        </p:txBody>
+      </p:sp>
+    </p:spTree>
+  </p:cSld>
+</p:sldLayout>
+</file>
+
+<file path=ppt/slideLayouts/slideLayout21.xml><?xml version="1.0" encoding="utf-8"?>
+<p:sldLayout xmlns:a="http://schemas.openxmlformats.org/drawingml/2006/main" xmlns:p="http://schemas.openxmlformats.org/presentationml/2006/main" xmlns:r="http://schemas.openxmlformats.org/officeDocument/2006/relationships" xmlns:p14="http://schemas.microsoft.com/office/powerpoint/2010/main" xmlns:p15="http://schemas.microsoft.com/office/powerpoint/2012/main" xmlns:mc="http://schemas.openxmlformats.org/markup-compatibility/2006" type="twoObjOverTx" preserve="1">
+  <p:cSld name="Title, 2 Content over Content">
+    <p:spTree>
+      <p:nvGrpSpPr>
+        <p:cNvPr id="1" name=""/>
+        <p:cNvGrpSpPr/>
+        <p:nvPr/>
+      </p:nvGrpSpPr>
+      <p:grpSpPr>
+        <a:xfrm>
+          <a:off x="0" y="0"/>
+          <a:ext cx="0" cy="0"/>
+          <a:chOff x="0" y="0"/>
+          <a:chExt cx="0" cy="0"/>
+        </a:xfrm>
+      </p:grpSpPr>
+      <p:sp>
+        <p:nvSpPr>
+          <p:cNvPr id="57" name="PlaceHolder 1"/>
+          <p:cNvSpPr>
+            <a:spLocks noGrp="1"/>
+          </p:cNvSpPr>
+          <p:nvPr>
+            <p:ph type="title"/>
+          </p:nvPr>
+        </p:nvSpPr>
+        <p:spPr>
+          <a:xfrm>
+            <a:off x="685800" y="2130480"/>
+            <a:ext cx="7771680" cy="1469160"/>
+          </a:xfrm>
+          <a:prstGeom prst="rect">
+            <a:avLst/>
+          </a:prstGeom>
+        </p:spPr>
+        <p:txBody>
+          <a:bodyPr lIns="0" rIns="0" tIns="0" bIns="0" anchor="ctr"/>
+          <a:p>
+            <a:pPr algn="ctr"/>
+            <a:endParaRPr b="0" lang="fr-FR" sz="4400" spc="-1" strike="noStrike">
+              <a:solidFill>
+                <a:srgbClr val="000000"/>
+              </a:solidFill>
+              <a:uFill>
+                <a:solidFill>
+                  <a:srgbClr val="ffffff"/>
+                </a:solidFill>
+              </a:uFill>
+              <a:latin typeface="Arial"/>
+            </a:endParaRPr>
+          </a:p>
+        </p:txBody>
+      </p:sp>
+      <p:sp>
+        <p:nvSpPr>
+          <p:cNvPr id="58" name="PlaceHolder 2"/>
+          <p:cNvSpPr>
+            <a:spLocks noGrp="1"/>
+          </p:cNvSpPr>
+          <p:nvPr>
+            <p:ph type="body"/>
+          </p:nvPr>
+        </p:nvSpPr>
+        <p:spPr>
+          <a:xfrm>
+            <a:off x="457200" y="1604520"/>
+            <a:ext cx="4015440" cy="1896840"/>
+          </a:xfrm>
+          <a:prstGeom prst="rect">
+            <a:avLst/>
+          </a:prstGeom>
+        </p:spPr>
+        <p:txBody>
+          <a:bodyPr lIns="0" rIns="0" tIns="0" bIns="0">
+            <a:normAutofit/>
+          </a:bodyPr>
+          <a:p>
+            <a:endParaRPr b="0" lang="fr-FR" sz="3200" spc="-1" strike="noStrike">
+              <a:solidFill>
+                <a:srgbClr val="000000"/>
+              </a:solidFill>
+              <a:uFill>
+                <a:solidFill>
+                  <a:srgbClr val="ffffff"/>
+                </a:solidFill>
+              </a:uFill>
+              <a:latin typeface="Arial"/>
+            </a:endParaRPr>
+          </a:p>
+        </p:txBody>
+      </p:sp>
+      <p:sp>
+        <p:nvSpPr>
+          <p:cNvPr id="59" name="PlaceHolder 3"/>
+          <p:cNvSpPr>
+            <a:spLocks noGrp="1"/>
+          </p:cNvSpPr>
+          <p:nvPr>
+            <p:ph type="body"/>
+          </p:nvPr>
+        </p:nvSpPr>
+        <p:spPr>
+          <a:xfrm>
+            <a:off x="4673880" y="1604520"/>
+            <a:ext cx="4015440" cy="1896840"/>
+          </a:xfrm>
+          <a:prstGeom prst="rect">
+            <a:avLst/>
+          </a:prstGeom>
+        </p:spPr>
+        <p:txBody>
+          <a:bodyPr lIns="0" rIns="0" tIns="0" bIns="0">
+            <a:normAutofit/>
+          </a:bodyPr>
+          <a:p>
+            <a:endParaRPr b="0" lang="fr-FR" sz="3200" spc="-1" strike="noStrike">
+              <a:solidFill>
+                <a:srgbClr val="000000"/>
+              </a:solidFill>
+              <a:uFill>
+                <a:solidFill>
+                  <a:srgbClr val="ffffff"/>
+                </a:solidFill>
+              </a:uFill>
+              <a:latin typeface="Arial"/>
+            </a:endParaRPr>
+          </a:p>
+        </p:txBody>
+      </p:sp>
+      <p:sp>
+        <p:nvSpPr>
+          <p:cNvPr id="60" name="PlaceHolder 4"/>
+          <p:cNvSpPr>
+            <a:spLocks noGrp="1"/>
+          </p:cNvSpPr>
+          <p:nvPr>
+            <p:ph type="body"/>
+          </p:nvPr>
+        </p:nvSpPr>
+        <p:spPr>
+          <a:xfrm>
+            <a:off x="457200" y="3682080"/>
+            <a:ext cx="8228880" cy="1896840"/>
+          </a:xfrm>
+          <a:prstGeom prst="rect">
+            <a:avLst/>
+          </a:prstGeom>
+        </p:spPr>
+        <p:txBody>
+          <a:bodyPr lIns="0" rIns="0" tIns="0" bIns="0">
+            <a:normAutofit/>
+          </a:bodyPr>
+          <a:p>
+            <a:endParaRPr b="0" lang="fr-FR" sz="3200" spc="-1" strike="noStrike">
+              <a:solidFill>
+                <a:srgbClr val="000000"/>
+              </a:solidFill>
+              <a:uFill>
+                <a:solidFill>
+                  <a:srgbClr val="ffffff"/>
+                </a:solidFill>
+              </a:uFill>
+              <a:latin typeface="Arial"/>
+            </a:endParaRPr>
+          </a:p>
+        </p:txBody>
+      </p:sp>
+    </p:spTree>
+  </p:cSld>
+</p:sldLayout>
+</file>
+
+<file path=ppt/slideLayouts/slideLayout22.xml><?xml version="1.0" encoding="utf-8"?>
+<p:sldLayout xmlns:a="http://schemas.openxmlformats.org/drawingml/2006/main" xmlns:p="http://schemas.openxmlformats.org/presentationml/2006/main" xmlns:r="http://schemas.openxmlformats.org/officeDocument/2006/relationships" xmlns:p14="http://schemas.microsoft.com/office/powerpoint/2010/main" xmlns:p15="http://schemas.microsoft.com/office/powerpoint/2012/main" xmlns:mc="http://schemas.openxmlformats.org/markup-compatibility/2006" type="objOverTx" preserve="1">
+  <p:cSld name="Title, Content over Content">
+    <p:spTree>
+      <p:nvGrpSpPr>
+        <p:cNvPr id="1" name=""/>
+        <p:cNvGrpSpPr/>
+        <p:nvPr/>
+      </p:nvGrpSpPr>
+      <p:grpSpPr>
+        <a:xfrm>
+          <a:off x="0" y="0"/>
+          <a:ext cx="0" cy="0"/>
+          <a:chOff x="0" y="0"/>
+          <a:chExt cx="0" cy="0"/>
+        </a:xfrm>
+      </p:grpSpPr>
+      <p:sp>
+        <p:nvSpPr>
+          <p:cNvPr id="61" name="PlaceHolder 1"/>
+          <p:cNvSpPr>
+            <a:spLocks noGrp="1"/>
+          </p:cNvSpPr>
+          <p:nvPr>
+            <p:ph type="title"/>
+          </p:nvPr>
+        </p:nvSpPr>
+        <p:spPr>
+          <a:xfrm>
+            <a:off x="685800" y="2130480"/>
+            <a:ext cx="7771680" cy="1469160"/>
+          </a:xfrm>
+          <a:prstGeom prst="rect">
+            <a:avLst/>
+          </a:prstGeom>
+        </p:spPr>
+        <p:txBody>
+          <a:bodyPr lIns="0" rIns="0" tIns="0" bIns="0" anchor="ctr"/>
+          <a:p>
+            <a:pPr algn="ctr"/>
+            <a:endParaRPr b="0" lang="fr-FR" sz="4400" spc="-1" strike="noStrike">
+              <a:solidFill>
+                <a:srgbClr val="000000"/>
+              </a:solidFill>
+              <a:uFill>
+                <a:solidFill>
+                  <a:srgbClr val="ffffff"/>
+                </a:solidFill>
+              </a:uFill>
+              <a:latin typeface="Arial"/>
+            </a:endParaRPr>
+          </a:p>
+        </p:txBody>
+      </p:sp>
+      <p:sp>
+        <p:nvSpPr>
+          <p:cNvPr id="62" name="PlaceHolder 2"/>
+          <p:cNvSpPr>
+            <a:spLocks noGrp="1"/>
+          </p:cNvSpPr>
+          <p:nvPr>
+            <p:ph type="body"/>
+          </p:nvPr>
+        </p:nvSpPr>
+        <p:spPr>
+          <a:xfrm>
+            <a:off x="457200" y="1604520"/>
+            <a:ext cx="8228880" cy="1896840"/>
+          </a:xfrm>
+          <a:prstGeom prst="rect">
+            <a:avLst/>
+          </a:prstGeom>
+        </p:spPr>
+        <p:txBody>
+          <a:bodyPr lIns="0" rIns="0" tIns="0" bIns="0">
+            <a:normAutofit/>
+          </a:bodyPr>
+          <a:p>
+            <a:endParaRPr b="0" lang="fr-FR" sz="3200" spc="-1" strike="noStrike">
+              <a:solidFill>
+                <a:srgbClr val="000000"/>
+              </a:solidFill>
+              <a:uFill>
+                <a:solidFill>
+                  <a:srgbClr val="ffffff"/>
+                </a:solidFill>
+              </a:uFill>
+              <a:latin typeface="Arial"/>
+            </a:endParaRPr>
+          </a:p>
+        </p:txBody>
+      </p:sp>
+      <p:sp>
+        <p:nvSpPr>
+          <p:cNvPr id="63" name="PlaceHolder 3"/>
+          <p:cNvSpPr>
+            <a:spLocks noGrp="1"/>
+          </p:cNvSpPr>
+          <p:nvPr>
+            <p:ph type="body"/>
+          </p:nvPr>
+        </p:nvSpPr>
+        <p:spPr>
+          <a:xfrm>
+            <a:off x="457200" y="3682080"/>
+            <a:ext cx="8228880" cy="1896840"/>
+          </a:xfrm>
+          <a:prstGeom prst="rect">
+            <a:avLst/>
+          </a:prstGeom>
+        </p:spPr>
+        <p:txBody>
+          <a:bodyPr lIns="0" rIns="0" tIns="0" bIns="0">
+            <a:normAutofit/>
+          </a:bodyPr>
+          <a:p>
+            <a:endParaRPr b="0" lang="fr-FR" sz="3200" spc="-1" strike="noStrike">
+              <a:solidFill>
+                <a:srgbClr val="000000"/>
+              </a:solidFill>
+              <a:uFill>
+                <a:solidFill>
+                  <a:srgbClr val="ffffff"/>
+                </a:solidFill>
+              </a:uFill>
+              <a:latin typeface="Arial"/>
+            </a:endParaRPr>
+          </a:p>
+        </p:txBody>
+      </p:sp>
+    </p:spTree>
+  </p:cSld>
+</p:sldLayout>
+</file>
+
+<file path=ppt/slideLayouts/slideLayout23.xml><?xml version="1.0" encoding="utf-8"?>
+<p:sldLayout xmlns:a="http://schemas.openxmlformats.org/drawingml/2006/main" xmlns:p="http://schemas.openxmlformats.org/presentationml/2006/main" xmlns:r="http://schemas.openxmlformats.org/officeDocument/2006/relationships" xmlns:p14="http://schemas.microsoft.com/office/powerpoint/2010/main" xmlns:p15="http://schemas.microsoft.com/office/powerpoint/2012/main" xmlns:mc="http://schemas.openxmlformats.org/markup-compatibility/2006" type="fourObj" preserve="1">
+  <p:cSld name="Title, 4 Content">
+    <p:spTree>
+      <p:nvGrpSpPr>
+        <p:cNvPr id="1" name=""/>
+        <p:cNvGrpSpPr/>
+        <p:nvPr/>
+      </p:nvGrpSpPr>
+      <p:grpSpPr>
+        <a:xfrm>
+          <a:off x="0" y="0"/>
+          <a:ext cx="0" cy="0"/>
+          <a:chOff x="0" y="0"/>
+          <a:chExt cx="0" cy="0"/>
+        </a:xfrm>
+      </p:grpSpPr>
+      <p:sp>
+        <p:nvSpPr>
+          <p:cNvPr id="64" name="PlaceHolder 1"/>
+          <p:cNvSpPr>
+            <a:spLocks noGrp="1"/>
+          </p:cNvSpPr>
+          <p:nvPr>
+            <p:ph type="title"/>
+          </p:nvPr>
+        </p:nvSpPr>
+        <p:spPr>
+          <a:xfrm>
+            <a:off x="685800" y="2130480"/>
+            <a:ext cx="7771680" cy="1469160"/>
+          </a:xfrm>
+          <a:prstGeom prst="rect">
+            <a:avLst/>
+          </a:prstGeom>
+        </p:spPr>
+        <p:txBody>
+          <a:bodyPr lIns="0" rIns="0" tIns="0" bIns="0" anchor="ctr"/>
+          <a:p>
+            <a:pPr algn="ctr"/>
+            <a:endParaRPr b="0" lang="fr-FR" sz="4400" spc="-1" strike="noStrike">
+              <a:solidFill>
+                <a:srgbClr val="000000"/>
+              </a:solidFill>
+              <a:uFill>
+                <a:solidFill>
+                  <a:srgbClr val="ffffff"/>
+                </a:solidFill>
+              </a:uFill>
+              <a:latin typeface="Arial"/>
+            </a:endParaRPr>
+          </a:p>
+        </p:txBody>
+      </p:sp>
+      <p:sp>
+        <p:nvSpPr>
+          <p:cNvPr id="65" name="PlaceHolder 2"/>
+          <p:cNvSpPr>
+            <a:spLocks noGrp="1"/>
+          </p:cNvSpPr>
+          <p:nvPr>
+            <p:ph type="body"/>
+          </p:nvPr>
+        </p:nvSpPr>
+        <p:spPr>
+          <a:xfrm>
+            <a:off x="457200" y="1604520"/>
+            <a:ext cx="4015440" cy="1896840"/>
+          </a:xfrm>
+          <a:prstGeom prst="rect">
+            <a:avLst/>
+          </a:prstGeom>
+        </p:spPr>
+        <p:txBody>
+          <a:bodyPr lIns="0" rIns="0" tIns="0" bIns="0">
+            <a:normAutofit/>
+          </a:bodyPr>
+          <a:p>
+            <a:endParaRPr b="0" lang="fr-FR" sz="3200" spc="-1" strike="noStrike">
+              <a:solidFill>
+                <a:srgbClr val="000000"/>
+              </a:solidFill>
+              <a:uFill>
+                <a:solidFill>
+                  <a:srgbClr val="ffffff"/>
+                </a:solidFill>
+              </a:uFill>
+              <a:latin typeface="Arial"/>
+            </a:endParaRPr>
+          </a:p>
+        </p:txBody>
+      </p:sp>
+      <p:sp>
+        <p:nvSpPr>
+          <p:cNvPr id="66" name="PlaceHolder 3"/>
+          <p:cNvSpPr>
+            <a:spLocks noGrp="1"/>
+          </p:cNvSpPr>
+          <p:nvPr>
+            <p:ph type="body"/>
+          </p:nvPr>
+        </p:nvSpPr>
+        <p:spPr>
+          <a:xfrm>
+            <a:off x="4673880" y="1604520"/>
+            <a:ext cx="4015440" cy="1896840"/>
+          </a:xfrm>
+          <a:prstGeom prst="rect">
+            <a:avLst/>
+          </a:prstGeom>
+        </p:spPr>
+        <p:txBody>
+          <a:bodyPr lIns="0" rIns="0" tIns="0" bIns="0">
+            <a:normAutofit/>
+          </a:bodyPr>
+          <a:p>
+            <a:endParaRPr b="0" lang="fr-FR" sz="3200" spc="-1" strike="noStrike">
+              <a:solidFill>
+                <a:srgbClr val="000000"/>
+              </a:solidFill>
+              <a:uFill>
+                <a:solidFill>
+                  <a:srgbClr val="ffffff"/>
+                </a:solidFill>
+              </a:uFill>
+              <a:latin typeface="Arial"/>
+            </a:endParaRPr>
+          </a:p>
+        </p:txBody>
+      </p:sp>
+      <p:sp>
+        <p:nvSpPr>
+          <p:cNvPr id="67" name="PlaceHolder 4"/>
+          <p:cNvSpPr>
+            <a:spLocks noGrp="1"/>
+          </p:cNvSpPr>
+          <p:nvPr>
+            <p:ph type="body"/>
+          </p:nvPr>
+        </p:nvSpPr>
+        <p:spPr>
+          <a:xfrm>
+            <a:off x="4673880" y="3682080"/>
+            <a:ext cx="4015440" cy="1896840"/>
+          </a:xfrm>
+          <a:prstGeom prst="rect">
+            <a:avLst/>
+          </a:prstGeom>
+        </p:spPr>
+        <p:txBody>
+          <a:bodyPr lIns="0" rIns="0" tIns="0" bIns="0">
+            <a:normAutofit/>
+          </a:bodyPr>
+          <a:p>
+            <a:endParaRPr b="0" lang="fr-FR" sz="3200" spc="-1" strike="noStrike">
+              <a:solidFill>
+                <a:srgbClr val="000000"/>
+              </a:solidFill>
+              <a:uFill>
+                <a:solidFill>
+                  <a:srgbClr val="ffffff"/>
+                </a:solidFill>
+              </a:uFill>
+              <a:latin typeface="Arial"/>
+            </a:endParaRPr>
+          </a:p>
+        </p:txBody>
+      </p:sp>
+      <p:sp>
+        <p:nvSpPr>
+          <p:cNvPr id="68" name="PlaceHolder 5"/>
+          <p:cNvSpPr>
+            <a:spLocks noGrp="1"/>
+          </p:cNvSpPr>
+          <p:nvPr>
+            <p:ph type="body"/>
+          </p:nvPr>
+        </p:nvSpPr>
+        <p:spPr>
+          <a:xfrm>
+            <a:off x="457200" y="3682080"/>
+            <a:ext cx="4015440" cy="1896840"/>
+          </a:xfrm>
+          <a:prstGeom prst="rect">
+            <a:avLst/>
+          </a:prstGeom>
+        </p:spPr>
+        <p:txBody>
+          <a:bodyPr lIns="0" rIns="0" tIns="0" bIns="0">
+            <a:normAutofit/>
+          </a:bodyPr>
+          <a:p>
+            <a:endParaRPr b="0" lang="fr-FR" sz="3200" spc="-1" strike="noStrike">
+              <a:solidFill>
+                <a:srgbClr val="000000"/>
+              </a:solidFill>
+              <a:uFill>
+                <a:solidFill>
+                  <a:srgbClr val="ffffff"/>
+                </a:solidFill>
+              </a:uFill>
+              <a:latin typeface="Arial"/>
+            </a:endParaRPr>
+          </a:p>
+        </p:txBody>
+      </p:sp>
+    </p:spTree>
+  </p:cSld>
+</p:sldLayout>
+</file>
+
+<file path=ppt/slideLayouts/slideLayout24.xml><?xml version="1.0" encoding="utf-8"?>
+<p:sldLayout xmlns:a="http://schemas.openxmlformats.org/drawingml/2006/main" xmlns:p="http://schemas.openxmlformats.org/presentationml/2006/main" xmlns:r="http://schemas.openxmlformats.org/officeDocument/2006/relationships" xmlns:p14="http://schemas.microsoft.com/office/powerpoint/2010/main" xmlns:p15="http://schemas.microsoft.com/office/powerpoint/2012/main" xmlns:mc="http://schemas.openxmlformats.org/markup-compatibility/2006" type="blank" preserve="1">
+  <p:cSld name="Title, 6 Content">
+    <p:spTree>
+      <p:nvGrpSpPr>
+        <p:cNvPr id="1" name=""/>
+        <p:cNvGrpSpPr/>
+        <p:nvPr/>
+      </p:nvGrpSpPr>
+      <p:grpSpPr>
+        <a:xfrm>
+          <a:off x="0" y="0"/>
+          <a:ext cx="0" cy="0"/>
+          <a:chOff x="0" y="0"/>
+          <a:chExt cx="0" cy="0"/>
+        </a:xfrm>
+      </p:grpSpPr>
+      <p:sp>
+        <p:nvSpPr>
+          <p:cNvPr id="69" name="PlaceHolder 1"/>
+          <p:cNvSpPr>
+            <a:spLocks noGrp="1"/>
+          </p:cNvSpPr>
+          <p:nvPr>
+            <p:ph type="title"/>
+          </p:nvPr>
+        </p:nvSpPr>
+        <p:spPr>
+          <a:xfrm>
+            <a:off x="685800" y="2130480"/>
+            <a:ext cx="7771680" cy="1469160"/>
+          </a:xfrm>
+          <a:prstGeom prst="rect">
+            <a:avLst/>
+          </a:prstGeom>
+        </p:spPr>
+        <p:txBody>
+          <a:bodyPr lIns="0" rIns="0" tIns="0" bIns="0" anchor="ctr"/>
+          <a:p>
+            <a:pPr algn="ctr"/>
+            <a:endParaRPr b="0" lang="fr-FR" sz="4400" spc="-1" strike="noStrike">
+              <a:solidFill>
+                <a:srgbClr val="000000"/>
+              </a:solidFill>
+              <a:uFill>
+                <a:solidFill>
+                  <a:srgbClr val="ffffff"/>
+                </a:solidFill>
+              </a:uFill>
+              <a:latin typeface="Arial"/>
+            </a:endParaRPr>
+          </a:p>
+        </p:txBody>
+      </p:sp>
+      <p:sp>
+        <p:nvSpPr>
+          <p:cNvPr id="70" name="PlaceHolder 2"/>
+          <p:cNvSpPr>
+            <a:spLocks noGrp="1"/>
+          </p:cNvSpPr>
+          <p:nvPr>
+            <p:ph type="body"/>
+          </p:nvPr>
+        </p:nvSpPr>
+        <p:spPr>
+          <a:xfrm>
+            <a:off x="457200" y="1604520"/>
+            <a:ext cx="2649600" cy="1896840"/>
+          </a:xfrm>
+          <a:prstGeom prst="rect">
+            <a:avLst/>
+          </a:prstGeom>
+        </p:spPr>
+        <p:txBody>
+          <a:bodyPr lIns="0" rIns="0" tIns="0" bIns="0">
+            <a:normAutofit/>
+          </a:bodyPr>
+          <a:p>
+            <a:endParaRPr b="0" lang="fr-FR" sz="3200" spc="-1" strike="noStrike">
+              <a:solidFill>
+                <a:srgbClr val="000000"/>
+              </a:solidFill>
+              <a:uFill>
+                <a:solidFill>
+                  <a:srgbClr val="ffffff"/>
+                </a:solidFill>
+              </a:uFill>
+              <a:latin typeface="Arial"/>
+            </a:endParaRPr>
+          </a:p>
+        </p:txBody>
+      </p:sp>
+      <p:sp>
+        <p:nvSpPr>
+          <p:cNvPr id="71" name="PlaceHolder 3"/>
+          <p:cNvSpPr>
+            <a:spLocks noGrp="1"/>
+          </p:cNvSpPr>
+          <p:nvPr>
+            <p:ph type="body"/>
+          </p:nvPr>
+        </p:nvSpPr>
+        <p:spPr>
+          <a:xfrm>
+            <a:off x="3239640" y="1604520"/>
+            <a:ext cx="2649600" cy="1896840"/>
+          </a:xfrm>
+          <a:prstGeom prst="rect">
+            <a:avLst/>
+          </a:prstGeom>
+        </p:spPr>
+        <p:txBody>
+          <a:bodyPr lIns="0" rIns="0" tIns="0" bIns="0">
+            <a:normAutofit/>
+          </a:bodyPr>
+          <a:p>
+            <a:endParaRPr b="0" lang="fr-FR" sz="3200" spc="-1" strike="noStrike">
+              <a:solidFill>
+                <a:srgbClr val="000000"/>
+              </a:solidFill>
+              <a:uFill>
+                <a:solidFill>
+                  <a:srgbClr val="ffffff"/>
+                </a:solidFill>
+              </a:uFill>
+              <a:latin typeface="Arial"/>
+            </a:endParaRPr>
+          </a:p>
+        </p:txBody>
+      </p:sp>
+      <p:sp>
+        <p:nvSpPr>
+          <p:cNvPr id="72" name="PlaceHolder 4"/>
+          <p:cNvSpPr>
+            <a:spLocks noGrp="1"/>
+          </p:cNvSpPr>
+          <p:nvPr>
+            <p:ph type="body"/>
+          </p:nvPr>
+        </p:nvSpPr>
+        <p:spPr>
+          <a:xfrm>
+            <a:off x="6022080" y="1604520"/>
+            <a:ext cx="2649600" cy="1896840"/>
+          </a:xfrm>
+          <a:prstGeom prst="rect">
+            <a:avLst/>
+          </a:prstGeom>
+        </p:spPr>
+        <p:txBody>
+          <a:bodyPr lIns="0" rIns="0" tIns="0" bIns="0">
+            <a:normAutofit/>
+          </a:bodyPr>
+          <a:p>
+            <a:endParaRPr b="0" lang="fr-FR" sz="3200" spc="-1" strike="noStrike">
+              <a:solidFill>
+                <a:srgbClr val="000000"/>
+              </a:solidFill>
+              <a:uFill>
+                <a:solidFill>
+                  <a:srgbClr val="ffffff"/>
+                </a:solidFill>
+              </a:uFill>
+              <a:latin typeface="Arial"/>
+            </a:endParaRPr>
+          </a:p>
+        </p:txBody>
+      </p:sp>
+      <p:sp>
+        <p:nvSpPr>
+          <p:cNvPr id="73" name="PlaceHolder 5"/>
+          <p:cNvSpPr>
+            <a:spLocks noGrp="1"/>
+          </p:cNvSpPr>
+          <p:nvPr>
+            <p:ph type="body"/>
+          </p:nvPr>
+        </p:nvSpPr>
+        <p:spPr>
+          <a:xfrm>
+            <a:off x="6022080" y="3682080"/>
+            <a:ext cx="2649600" cy="1896840"/>
+          </a:xfrm>
+          <a:prstGeom prst="rect">
+            <a:avLst/>
+          </a:prstGeom>
+        </p:spPr>
+        <p:txBody>
+          <a:bodyPr lIns="0" rIns="0" tIns="0" bIns="0">
+            <a:normAutofit/>
+          </a:bodyPr>
+          <a:p>
+            <a:endParaRPr b="0" lang="fr-FR" sz="3200" spc="-1" strike="noStrike">
+              <a:solidFill>
+                <a:srgbClr val="000000"/>
+              </a:solidFill>
+              <a:uFill>
+                <a:solidFill>
+                  <a:srgbClr val="ffffff"/>
+                </a:solidFill>
+              </a:uFill>
+              <a:latin typeface="Arial"/>
+            </a:endParaRPr>
+          </a:p>
+        </p:txBody>
+      </p:sp>
+      <p:sp>
+        <p:nvSpPr>
+          <p:cNvPr id="74" name="PlaceHolder 6"/>
+          <p:cNvSpPr>
+            <a:spLocks noGrp="1"/>
+          </p:cNvSpPr>
+          <p:nvPr>
+            <p:ph type="body"/>
+          </p:nvPr>
+        </p:nvSpPr>
+        <p:spPr>
+          <a:xfrm>
+            <a:off x="3239640" y="3682080"/>
+            <a:ext cx="2649600" cy="1896840"/>
+          </a:xfrm>
+          <a:prstGeom prst="rect">
+            <a:avLst/>
+          </a:prstGeom>
+        </p:spPr>
+        <p:txBody>
+          <a:bodyPr lIns="0" rIns="0" tIns="0" bIns="0">
+            <a:normAutofit/>
+          </a:bodyPr>
+          <a:p>
+            <a:endParaRPr b="0" lang="fr-FR" sz="3200" spc="-1" strike="noStrike">
+              <a:solidFill>
+                <a:srgbClr val="000000"/>
+              </a:solidFill>
+              <a:uFill>
+                <a:solidFill>
+                  <a:srgbClr val="ffffff"/>
+                </a:solidFill>
+              </a:uFill>
+              <a:latin typeface="Arial"/>
+            </a:endParaRPr>
+          </a:p>
+        </p:txBody>
+      </p:sp>
+      <p:sp>
+        <p:nvSpPr>
+          <p:cNvPr id="75" name="PlaceHolder 7"/>
+          <p:cNvSpPr>
+            <a:spLocks noGrp="1"/>
+          </p:cNvSpPr>
+          <p:nvPr>
+            <p:ph type="body"/>
+          </p:nvPr>
+        </p:nvSpPr>
+        <p:spPr>
+          <a:xfrm>
+            <a:off x="457200" y="3682080"/>
+            <a:ext cx="2649600" cy="1896840"/>
+          </a:xfrm>
+          <a:prstGeom prst="rect">
+            <a:avLst/>
+          </a:prstGeom>
+        </p:spPr>
+        <p:txBody>
+          <a:bodyPr lIns="0" rIns="0" tIns="0" bIns="0">
+            <a:normAutofit/>
+          </a:bodyPr>
+          <a:p>
             <a:endParaRPr b="0" lang="fr-FR" sz="3200" spc="-1" strike="noStrike">
               <a:solidFill>
                 <a:srgbClr val="000000"/>
@@ -782,7 +2407,7 @@
       </p:grpSpPr>
       <p:sp>
         <p:nvSpPr>
-          <p:cNvPr id="7" name="PlaceHolder 1"/>
+          <p:cNvPr id="4" name="PlaceHolder 1"/>
           <p:cNvSpPr>
             <a:spLocks noGrp="1"/>
           </p:cNvSpPr>
@@ -793,7 +2418,7 @@
         <p:spPr>
           <a:xfrm>
             <a:off x="685800" y="2130480"/>
-            <a:ext cx="7772040" cy="1469520"/>
+            <a:ext cx="7771680" cy="1469160"/>
           </a:xfrm>
           <a:prstGeom prst="rect">
             <a:avLst/>
@@ -802,23 +2427,24 @@
         <p:txBody>
           <a:bodyPr lIns="0" rIns="0" tIns="0" bIns="0" anchor="ctr"/>
           <a:p>
-            <a:endParaRPr b="0" lang="fr-FR" sz="1800" spc="-1" strike="noStrike">
-              <a:solidFill>
-                <a:srgbClr val="000000"/>
-              </a:solidFill>
-              <a:uFill>
-                <a:solidFill>
-                  <a:srgbClr val="ffffff"/>
-                </a:solidFill>
-              </a:uFill>
-              <a:latin typeface="Calibri"/>
-            </a:endParaRPr>
-          </a:p>
-        </p:txBody>
-      </p:sp>
-      <p:sp>
-        <p:nvSpPr>
-          <p:cNvPr id="8" name="PlaceHolder 2"/>
+            <a:pPr algn="ctr"/>
+            <a:endParaRPr b="0" lang="fr-FR" sz="4400" spc="-1" strike="noStrike">
+              <a:solidFill>
+                <a:srgbClr val="000000"/>
+              </a:solidFill>
+              <a:uFill>
+                <a:solidFill>
+                  <a:srgbClr val="ffffff"/>
+                </a:solidFill>
+              </a:uFill>
+              <a:latin typeface="Arial"/>
+            </a:endParaRPr>
+          </a:p>
+        </p:txBody>
+      </p:sp>
+      <p:sp>
+        <p:nvSpPr>
+          <p:cNvPr id="5" name="PlaceHolder 2"/>
           <p:cNvSpPr>
             <a:spLocks noGrp="1"/>
           </p:cNvSpPr>
@@ -829,7 +2455,7 @@
         <p:spPr>
           <a:xfrm>
             <a:off x="457200" y="1604520"/>
-            <a:ext cx="8229240" cy="3977280"/>
+            <a:ext cx="8228880" cy="3976920"/>
           </a:xfrm>
           <a:prstGeom prst="rect">
             <a:avLst/>
@@ -849,7 +2475,7 @@
                   <a:srgbClr val="ffffff"/>
                 </a:solidFill>
               </a:uFill>
-              <a:latin typeface="Calibri"/>
+              <a:latin typeface="Arial"/>
             </a:endParaRPr>
           </a:p>
         </p:txBody>
@@ -878,7 +2504,7 @@
       </p:grpSpPr>
       <p:sp>
         <p:nvSpPr>
-          <p:cNvPr id="9" name="PlaceHolder 1"/>
+          <p:cNvPr id="6" name="PlaceHolder 1"/>
           <p:cNvSpPr>
             <a:spLocks noGrp="1"/>
           </p:cNvSpPr>
@@ -889,7 +2515,7 @@
         <p:spPr>
           <a:xfrm>
             <a:off x="685800" y="2130480"/>
-            <a:ext cx="7772040" cy="1469520"/>
+            <a:ext cx="7771680" cy="1469160"/>
           </a:xfrm>
           <a:prstGeom prst="rect">
             <a:avLst/>
@@ -898,23 +2524,24 @@
         <p:txBody>
           <a:bodyPr lIns="0" rIns="0" tIns="0" bIns="0" anchor="ctr"/>
           <a:p>
-            <a:endParaRPr b="0" lang="fr-FR" sz="1800" spc="-1" strike="noStrike">
-              <a:solidFill>
-                <a:srgbClr val="000000"/>
-              </a:solidFill>
-              <a:uFill>
-                <a:solidFill>
-                  <a:srgbClr val="ffffff"/>
-                </a:solidFill>
-              </a:uFill>
-              <a:latin typeface="Calibri"/>
-            </a:endParaRPr>
-          </a:p>
-        </p:txBody>
-      </p:sp>
-      <p:sp>
-        <p:nvSpPr>
-          <p:cNvPr id="10" name="PlaceHolder 2"/>
+            <a:pPr algn="ctr"/>
+            <a:endParaRPr b="0" lang="fr-FR" sz="4400" spc="-1" strike="noStrike">
+              <a:solidFill>
+                <a:srgbClr val="000000"/>
+              </a:solidFill>
+              <a:uFill>
+                <a:solidFill>
+                  <a:srgbClr val="ffffff"/>
+                </a:solidFill>
+              </a:uFill>
+              <a:latin typeface="Arial"/>
+            </a:endParaRPr>
+          </a:p>
+        </p:txBody>
+      </p:sp>
+      <p:sp>
+        <p:nvSpPr>
+          <p:cNvPr id="7" name="PlaceHolder 2"/>
           <p:cNvSpPr>
             <a:spLocks noGrp="1"/>
           </p:cNvSpPr>
@@ -925,7 +2552,7 @@
         <p:spPr>
           <a:xfrm>
             <a:off x="457200" y="1604520"/>
-            <a:ext cx="4015800" cy="3977280"/>
+            <a:ext cx="4015440" cy="3976920"/>
           </a:xfrm>
           <a:prstGeom prst="rect">
             <a:avLst/>
@@ -945,14 +2572,14 @@
                   <a:srgbClr val="ffffff"/>
                 </a:solidFill>
               </a:uFill>
-              <a:latin typeface="Calibri"/>
-            </a:endParaRPr>
-          </a:p>
-        </p:txBody>
-      </p:sp>
-      <p:sp>
-        <p:nvSpPr>
-          <p:cNvPr id="11" name="PlaceHolder 3"/>
+              <a:latin typeface="Arial"/>
+            </a:endParaRPr>
+          </a:p>
+        </p:txBody>
+      </p:sp>
+      <p:sp>
+        <p:nvSpPr>
+          <p:cNvPr id="8" name="PlaceHolder 3"/>
           <p:cNvSpPr>
             <a:spLocks noGrp="1"/>
           </p:cNvSpPr>
@@ -962,8 +2589,8 @@
         </p:nvSpPr>
         <p:spPr>
           <a:xfrm>
-            <a:off x="4674240" y="1604520"/>
-            <a:ext cx="4015800" cy="3977280"/>
+            <a:off x="4673880" y="1604520"/>
+            <a:ext cx="4015440" cy="3976920"/>
           </a:xfrm>
           <a:prstGeom prst="rect">
             <a:avLst/>
@@ -983,7 +2610,7 @@
                   <a:srgbClr val="ffffff"/>
                 </a:solidFill>
               </a:uFill>
-              <a:latin typeface="Calibri"/>
+              <a:latin typeface="Arial"/>
             </a:endParaRPr>
           </a:p>
         </p:txBody>
@@ -1012,7 +2639,7 @@
       </p:grpSpPr>
       <p:sp>
         <p:nvSpPr>
-          <p:cNvPr id="12" name="PlaceHolder 1"/>
+          <p:cNvPr id="9" name="PlaceHolder 1"/>
           <p:cNvSpPr>
             <a:spLocks noGrp="1"/>
           </p:cNvSpPr>
@@ -1023,7 +2650,7 @@
         <p:spPr>
           <a:xfrm>
             <a:off x="685800" y="2130480"/>
-            <a:ext cx="7772040" cy="1469520"/>
+            <a:ext cx="7771680" cy="1469160"/>
           </a:xfrm>
           <a:prstGeom prst="rect">
             <a:avLst/>
@@ -1032,16 +2659,17 @@
         <p:txBody>
           <a:bodyPr lIns="0" rIns="0" tIns="0" bIns="0" anchor="ctr"/>
           <a:p>
-            <a:endParaRPr b="0" lang="fr-FR" sz="1800" spc="-1" strike="noStrike">
-              <a:solidFill>
-                <a:srgbClr val="000000"/>
-              </a:solidFill>
-              <a:uFill>
-                <a:solidFill>
-                  <a:srgbClr val="ffffff"/>
-                </a:solidFill>
-              </a:uFill>
-              <a:latin typeface="Calibri"/>
+            <a:pPr algn="ctr"/>
+            <a:endParaRPr b="0" lang="fr-FR" sz="4400" spc="-1" strike="noStrike">
+              <a:solidFill>
+                <a:srgbClr val="000000"/>
+              </a:solidFill>
+              <a:uFill>
+                <a:solidFill>
+                  <a:srgbClr val="ffffff"/>
+                </a:solidFill>
+              </a:uFill>
+              <a:latin typeface="Arial"/>
             </a:endParaRPr>
           </a:p>
         </p:txBody>
@@ -1070,7 +2698,7 @@
       </p:grpSpPr>
       <p:sp>
         <p:nvSpPr>
-          <p:cNvPr id="13" name="PlaceHolder 1"/>
+          <p:cNvPr id="10" name="PlaceHolder 1"/>
           <p:cNvSpPr>
             <a:spLocks noGrp="1"/>
           </p:cNvSpPr>
@@ -1081,7 +2709,7 @@
         <p:spPr>
           <a:xfrm>
             <a:off x="685800" y="2130480"/>
-            <a:ext cx="7772040" cy="6813000"/>
+            <a:ext cx="7771680" cy="6811560"/>
           </a:xfrm>
           <a:prstGeom prst="rect">
             <a:avLst/>
@@ -1129,7 +2757,7 @@
       </p:grpSpPr>
       <p:sp>
         <p:nvSpPr>
-          <p:cNvPr id="14" name="PlaceHolder 1"/>
+          <p:cNvPr id="11" name="PlaceHolder 1"/>
           <p:cNvSpPr>
             <a:spLocks noGrp="1"/>
           </p:cNvSpPr>
@@ -1140,7 +2768,7 @@
         <p:spPr>
           <a:xfrm>
             <a:off x="685800" y="2130480"/>
-            <a:ext cx="7772040" cy="1469520"/>
+            <a:ext cx="7771680" cy="1469160"/>
           </a:xfrm>
           <a:prstGeom prst="rect">
             <a:avLst/>
@@ -1149,23 +2777,24 @@
         <p:txBody>
           <a:bodyPr lIns="0" rIns="0" tIns="0" bIns="0" anchor="ctr"/>
           <a:p>
-            <a:endParaRPr b="0" lang="fr-FR" sz="1800" spc="-1" strike="noStrike">
-              <a:solidFill>
-                <a:srgbClr val="000000"/>
-              </a:solidFill>
-              <a:uFill>
-                <a:solidFill>
-                  <a:srgbClr val="ffffff"/>
-                </a:solidFill>
-              </a:uFill>
-              <a:latin typeface="Calibri"/>
-            </a:endParaRPr>
-          </a:p>
-        </p:txBody>
-      </p:sp>
-      <p:sp>
-        <p:nvSpPr>
-          <p:cNvPr id="15" name="PlaceHolder 2"/>
+            <a:pPr algn="ctr"/>
+            <a:endParaRPr b="0" lang="fr-FR" sz="4400" spc="-1" strike="noStrike">
+              <a:solidFill>
+                <a:srgbClr val="000000"/>
+              </a:solidFill>
+              <a:uFill>
+                <a:solidFill>
+                  <a:srgbClr val="ffffff"/>
+                </a:solidFill>
+              </a:uFill>
+              <a:latin typeface="Arial"/>
+            </a:endParaRPr>
+          </a:p>
+        </p:txBody>
+      </p:sp>
+      <p:sp>
+        <p:nvSpPr>
+          <p:cNvPr id="12" name="PlaceHolder 2"/>
           <p:cNvSpPr>
             <a:spLocks noGrp="1"/>
           </p:cNvSpPr>
@@ -1176,7 +2805,7 @@
         <p:spPr>
           <a:xfrm>
             <a:off x="457200" y="1604520"/>
-            <a:ext cx="4015800" cy="1896840"/>
+            <a:ext cx="4015440" cy="1896840"/>
           </a:xfrm>
           <a:prstGeom prst="rect">
             <a:avLst/>
@@ -1196,14 +2825,14 @@
                   <a:srgbClr val="ffffff"/>
                 </a:solidFill>
               </a:uFill>
-              <a:latin typeface="Calibri"/>
-            </a:endParaRPr>
-          </a:p>
-        </p:txBody>
-      </p:sp>
-      <p:sp>
-        <p:nvSpPr>
-          <p:cNvPr id="16" name="PlaceHolder 3"/>
+              <a:latin typeface="Arial"/>
+            </a:endParaRPr>
+          </a:p>
+        </p:txBody>
+      </p:sp>
+      <p:sp>
+        <p:nvSpPr>
+          <p:cNvPr id="13" name="PlaceHolder 3"/>
           <p:cNvSpPr>
             <a:spLocks noGrp="1"/>
           </p:cNvSpPr>
@@ -1214,7 +2843,7 @@
         <p:spPr>
           <a:xfrm>
             <a:off x="457200" y="3682080"/>
-            <a:ext cx="4015800" cy="1896840"/>
+            <a:ext cx="4015440" cy="1896840"/>
           </a:xfrm>
           <a:prstGeom prst="rect">
             <a:avLst/>
@@ -1234,14 +2863,14 @@
                   <a:srgbClr val="ffffff"/>
                 </a:solidFill>
               </a:uFill>
-              <a:latin typeface="Calibri"/>
-            </a:endParaRPr>
-          </a:p>
-        </p:txBody>
-      </p:sp>
-      <p:sp>
-        <p:nvSpPr>
-          <p:cNvPr id="17" name="PlaceHolder 4"/>
+              <a:latin typeface="Arial"/>
+            </a:endParaRPr>
+          </a:p>
+        </p:txBody>
+      </p:sp>
+      <p:sp>
+        <p:nvSpPr>
+          <p:cNvPr id="14" name="PlaceHolder 4"/>
           <p:cNvSpPr>
             <a:spLocks noGrp="1"/>
           </p:cNvSpPr>
@@ -1251,8 +2880,8 @@
         </p:nvSpPr>
         <p:spPr>
           <a:xfrm>
-            <a:off x="4674240" y="1604520"/>
-            <a:ext cx="4015800" cy="3977280"/>
+            <a:off x="4673880" y="1604520"/>
+            <a:ext cx="4015440" cy="3976920"/>
           </a:xfrm>
           <a:prstGeom prst="rect">
             <a:avLst/>
@@ -1272,7 +2901,7 @@
                   <a:srgbClr val="ffffff"/>
                 </a:solidFill>
               </a:uFill>
-              <a:latin typeface="Calibri"/>
+              <a:latin typeface="Arial"/>
             </a:endParaRPr>
           </a:p>
         </p:txBody>
@@ -1301,7 +2930,7 @@
       </p:grpSpPr>
       <p:sp>
         <p:nvSpPr>
-          <p:cNvPr id="18" name="PlaceHolder 1"/>
+          <p:cNvPr id="15" name="PlaceHolder 1"/>
           <p:cNvSpPr>
             <a:spLocks noGrp="1"/>
           </p:cNvSpPr>
@@ -1312,7 +2941,7 @@
         <p:spPr>
           <a:xfrm>
             <a:off x="685800" y="2130480"/>
-            <a:ext cx="7772040" cy="1469520"/>
+            <a:ext cx="7771680" cy="1469160"/>
           </a:xfrm>
           <a:prstGeom prst="rect">
             <a:avLst/>
@@ -1321,23 +2950,24 @@
         <p:txBody>
           <a:bodyPr lIns="0" rIns="0" tIns="0" bIns="0" anchor="ctr"/>
           <a:p>
-            <a:endParaRPr b="0" lang="fr-FR" sz="1800" spc="-1" strike="noStrike">
-              <a:solidFill>
-                <a:srgbClr val="000000"/>
-              </a:solidFill>
-              <a:uFill>
-                <a:solidFill>
-                  <a:srgbClr val="ffffff"/>
-                </a:solidFill>
-              </a:uFill>
-              <a:latin typeface="Calibri"/>
-            </a:endParaRPr>
-          </a:p>
-        </p:txBody>
-      </p:sp>
-      <p:sp>
-        <p:nvSpPr>
-          <p:cNvPr id="19" name="PlaceHolder 2"/>
+            <a:pPr algn="ctr"/>
+            <a:endParaRPr b="0" lang="fr-FR" sz="4400" spc="-1" strike="noStrike">
+              <a:solidFill>
+                <a:srgbClr val="000000"/>
+              </a:solidFill>
+              <a:uFill>
+                <a:solidFill>
+                  <a:srgbClr val="ffffff"/>
+                </a:solidFill>
+              </a:uFill>
+              <a:latin typeface="Arial"/>
+            </a:endParaRPr>
+          </a:p>
+        </p:txBody>
+      </p:sp>
+      <p:sp>
+        <p:nvSpPr>
+          <p:cNvPr id="16" name="PlaceHolder 2"/>
           <p:cNvSpPr>
             <a:spLocks noGrp="1"/>
           </p:cNvSpPr>
@@ -1348,7 +2978,7 @@
         <p:spPr>
           <a:xfrm>
             <a:off x="457200" y="1604520"/>
-            <a:ext cx="4015800" cy="3977280"/>
+            <a:ext cx="4015440" cy="3976920"/>
           </a:xfrm>
           <a:prstGeom prst="rect">
             <a:avLst/>
@@ -1368,14 +2998,14 @@
                   <a:srgbClr val="ffffff"/>
                 </a:solidFill>
               </a:uFill>
-              <a:latin typeface="Calibri"/>
-            </a:endParaRPr>
-          </a:p>
-        </p:txBody>
-      </p:sp>
-      <p:sp>
-        <p:nvSpPr>
-          <p:cNvPr id="20" name="PlaceHolder 3"/>
+              <a:latin typeface="Arial"/>
+            </a:endParaRPr>
+          </a:p>
+        </p:txBody>
+      </p:sp>
+      <p:sp>
+        <p:nvSpPr>
+          <p:cNvPr id="17" name="PlaceHolder 3"/>
           <p:cNvSpPr>
             <a:spLocks noGrp="1"/>
           </p:cNvSpPr>
@@ -1385,8 +3015,8 @@
         </p:nvSpPr>
         <p:spPr>
           <a:xfrm>
-            <a:off x="4674240" y="1604520"/>
-            <a:ext cx="4015800" cy="1896840"/>
+            <a:off x="4673880" y="1604520"/>
+            <a:ext cx="4015440" cy="1896840"/>
           </a:xfrm>
           <a:prstGeom prst="rect">
             <a:avLst/>
@@ -1406,14 +3036,14 @@
                   <a:srgbClr val="ffffff"/>
                 </a:solidFill>
               </a:uFill>
-              <a:latin typeface="Calibri"/>
-            </a:endParaRPr>
-          </a:p>
-        </p:txBody>
-      </p:sp>
-      <p:sp>
-        <p:nvSpPr>
-          <p:cNvPr id="21" name="PlaceHolder 4"/>
+              <a:latin typeface="Arial"/>
+            </a:endParaRPr>
+          </a:p>
+        </p:txBody>
+      </p:sp>
+      <p:sp>
+        <p:nvSpPr>
+          <p:cNvPr id="18" name="PlaceHolder 4"/>
           <p:cNvSpPr>
             <a:spLocks noGrp="1"/>
           </p:cNvSpPr>
@@ -1423,8 +3053,8 @@
         </p:nvSpPr>
         <p:spPr>
           <a:xfrm>
-            <a:off x="4674240" y="3682080"/>
-            <a:ext cx="4015800" cy="1896840"/>
+            <a:off x="4673880" y="3682080"/>
+            <a:ext cx="4015440" cy="1896840"/>
           </a:xfrm>
           <a:prstGeom prst="rect">
             <a:avLst/>
@@ -1444,7 +3074,7 @@
                   <a:srgbClr val="ffffff"/>
                 </a:solidFill>
               </a:uFill>
-              <a:latin typeface="Calibri"/>
+              <a:latin typeface="Arial"/>
             </a:endParaRPr>
           </a:p>
         </p:txBody>
@@ -1473,7 +3103,7 @@
       </p:grpSpPr>
       <p:sp>
         <p:nvSpPr>
-          <p:cNvPr id="22" name="PlaceHolder 1"/>
+          <p:cNvPr id="19" name="PlaceHolder 1"/>
           <p:cNvSpPr>
             <a:spLocks noGrp="1"/>
           </p:cNvSpPr>
@@ -1484,7 +3114,7 @@
         <p:spPr>
           <a:xfrm>
             <a:off x="685800" y="2130480"/>
-            <a:ext cx="7772040" cy="1469520"/>
+            <a:ext cx="7771680" cy="1469160"/>
           </a:xfrm>
           <a:prstGeom prst="rect">
             <a:avLst/>
@@ -1493,23 +3123,24 @@
         <p:txBody>
           <a:bodyPr lIns="0" rIns="0" tIns="0" bIns="0" anchor="ctr"/>
           <a:p>
-            <a:endParaRPr b="0" lang="fr-FR" sz="1800" spc="-1" strike="noStrike">
-              <a:solidFill>
-                <a:srgbClr val="000000"/>
-              </a:solidFill>
-              <a:uFill>
-                <a:solidFill>
-                  <a:srgbClr val="ffffff"/>
-                </a:solidFill>
-              </a:uFill>
-              <a:latin typeface="Calibri"/>
-            </a:endParaRPr>
-          </a:p>
-        </p:txBody>
-      </p:sp>
-      <p:sp>
-        <p:nvSpPr>
-          <p:cNvPr id="23" name="PlaceHolder 2"/>
+            <a:pPr algn="ctr"/>
+            <a:endParaRPr b="0" lang="fr-FR" sz="4400" spc="-1" strike="noStrike">
+              <a:solidFill>
+                <a:srgbClr val="000000"/>
+              </a:solidFill>
+              <a:uFill>
+                <a:solidFill>
+                  <a:srgbClr val="ffffff"/>
+                </a:solidFill>
+              </a:uFill>
+              <a:latin typeface="Arial"/>
+            </a:endParaRPr>
+          </a:p>
+        </p:txBody>
+      </p:sp>
+      <p:sp>
+        <p:nvSpPr>
+          <p:cNvPr id="20" name="PlaceHolder 2"/>
           <p:cNvSpPr>
             <a:spLocks noGrp="1"/>
           </p:cNvSpPr>
@@ -1520,7 +3151,7 @@
         <p:spPr>
           <a:xfrm>
             <a:off x="457200" y="1604520"/>
-            <a:ext cx="4015800" cy="1896840"/>
+            <a:ext cx="4015440" cy="1896840"/>
           </a:xfrm>
           <a:prstGeom prst="rect">
             <a:avLst/>
@@ -1540,14 +3171,14 @@
                   <a:srgbClr val="ffffff"/>
                 </a:solidFill>
               </a:uFill>
-              <a:latin typeface="Calibri"/>
-            </a:endParaRPr>
-          </a:p>
-        </p:txBody>
-      </p:sp>
-      <p:sp>
-        <p:nvSpPr>
-          <p:cNvPr id="24" name="PlaceHolder 3"/>
+              <a:latin typeface="Arial"/>
+            </a:endParaRPr>
+          </a:p>
+        </p:txBody>
+      </p:sp>
+      <p:sp>
+        <p:nvSpPr>
+          <p:cNvPr id="21" name="PlaceHolder 3"/>
           <p:cNvSpPr>
             <a:spLocks noGrp="1"/>
           </p:cNvSpPr>
@@ -1557,8 +3188,8 @@
         </p:nvSpPr>
         <p:spPr>
           <a:xfrm>
-            <a:off x="4674240" y="1604520"/>
-            <a:ext cx="4015800" cy="1896840"/>
+            <a:off x="4673880" y="1604520"/>
+            <a:ext cx="4015440" cy="1896840"/>
           </a:xfrm>
           <a:prstGeom prst="rect">
             <a:avLst/>
@@ -1578,14 +3209,14 @@
                   <a:srgbClr val="ffffff"/>
                 </a:solidFill>
               </a:uFill>
-              <a:latin typeface="Calibri"/>
-            </a:endParaRPr>
-          </a:p>
-        </p:txBody>
-      </p:sp>
-      <p:sp>
-        <p:nvSpPr>
-          <p:cNvPr id="25" name="PlaceHolder 4"/>
+              <a:latin typeface="Arial"/>
+            </a:endParaRPr>
+          </a:p>
+        </p:txBody>
+      </p:sp>
+      <p:sp>
+        <p:nvSpPr>
+          <p:cNvPr id="22" name="PlaceHolder 4"/>
           <p:cNvSpPr>
             <a:spLocks noGrp="1"/>
           </p:cNvSpPr>
@@ -1596,7 +3227,7 @@
         <p:spPr>
           <a:xfrm>
             <a:off x="457200" y="3682080"/>
-            <a:ext cx="8229240" cy="1896840"/>
+            <a:ext cx="8228880" cy="1896840"/>
           </a:xfrm>
           <a:prstGeom prst="rect">
             <a:avLst/>
@@ -1616,7 +3247,7 @@
                   <a:srgbClr val="ffffff"/>
                 </a:solidFill>
               </a:uFill>
-              <a:latin typeface="Calibri"/>
+              <a:latin typeface="Arial"/>
             </a:endParaRPr>
           </a:p>
         </p:txBody>
@@ -1663,44 +3294,501 @@
         <p:spPr>
           <a:xfrm>
             <a:off x="685800" y="2130480"/>
-            <a:ext cx="7772040" cy="1469520"/>
-          </a:xfrm>
-          <a:prstGeom prst="rect">
-            <a:avLst/>
-          </a:prstGeom>
-        </p:spPr>
-        <p:txBody>
-          <a:bodyPr anchor="ctr"/>
-          <a:p>
-            <a:pPr algn="ctr">
-              <a:lnSpc>
-                <a:spcPct val="100000"/>
-              </a:lnSpc>
-            </a:pPr>
-            <a:r>
-              <a:rPr b="0" lang="fr-FR" sz="4400" spc="-1" strike="noStrike">
-                <a:solidFill>
-                  <a:srgbClr val="000000"/>
-                </a:solidFill>
-                <a:uFill>
-                  <a:solidFill>
-                    <a:srgbClr val="ffffff"/>
-                  </a:solidFill>
-                </a:uFill>
-                <a:latin typeface="Calibri"/>
-              </a:rPr>
-              <a:t>Cliquez pour modifier le style du titre</a:t>
-            </a:r>
-            <a:endParaRPr b="0" lang="fr-FR" sz="4400" spc="-1" strike="noStrike">
-              <a:solidFill>
-                <a:srgbClr val="000000"/>
-              </a:solidFill>
-              <a:uFill>
-                <a:solidFill>
-                  <a:srgbClr val="ffffff"/>
-                </a:solidFill>
-              </a:uFill>
-              <a:latin typeface="Calibri"/>
+            <a:ext cx="7771680" cy="1469160"/>
+          </a:xfrm>
+          <a:prstGeom prst="rect">
+            <a:avLst/>
+          </a:prstGeom>
+        </p:spPr>
+        <p:txBody>
+          <a:bodyPr lIns="0" rIns="0" tIns="0" bIns="0" anchor="ctr"/>
+          <a:p>
+            <a:r>
+              <a:rPr b="0" lang="fr-FR" sz="1800" spc="-1" strike="noStrike">
+                <a:solidFill>
+                  <a:srgbClr val="000000"/>
+                </a:solidFill>
+                <a:uFill>
+                  <a:solidFill>
+                    <a:srgbClr val="ffffff"/>
+                  </a:solidFill>
+                </a:uFill>
+                <a:latin typeface="Arial"/>
+              </a:rPr>
+              <a:t>C</a:t>
+            </a:r>
+            <a:r>
+              <a:rPr b="0" lang="fr-FR" sz="1800" spc="-1" strike="noStrike">
+                <a:solidFill>
+                  <a:srgbClr val="000000"/>
+                </a:solidFill>
+                <a:uFill>
+                  <a:solidFill>
+                    <a:srgbClr val="ffffff"/>
+                  </a:solidFill>
+                </a:uFill>
+                <a:latin typeface="Arial"/>
+              </a:rPr>
+              <a:t>li</a:t>
+            </a:r>
+            <a:r>
+              <a:rPr b="0" lang="fr-FR" sz="1800" spc="-1" strike="noStrike">
+                <a:solidFill>
+                  <a:srgbClr val="000000"/>
+                </a:solidFill>
+                <a:uFill>
+                  <a:solidFill>
+                    <a:srgbClr val="ffffff"/>
+                  </a:solidFill>
+                </a:uFill>
+                <a:latin typeface="Arial"/>
+              </a:rPr>
+              <a:t>q</a:t>
+            </a:r>
+            <a:r>
+              <a:rPr b="0" lang="fr-FR" sz="1800" spc="-1" strike="noStrike">
+                <a:solidFill>
+                  <a:srgbClr val="000000"/>
+                </a:solidFill>
+                <a:uFill>
+                  <a:solidFill>
+                    <a:srgbClr val="ffffff"/>
+                  </a:solidFill>
+                </a:uFill>
+                <a:latin typeface="Arial"/>
+              </a:rPr>
+              <a:t>u</a:t>
+            </a:r>
+            <a:r>
+              <a:rPr b="0" lang="fr-FR" sz="1800" spc="-1" strike="noStrike">
+                <a:solidFill>
+                  <a:srgbClr val="000000"/>
+                </a:solidFill>
+                <a:uFill>
+                  <a:solidFill>
+                    <a:srgbClr val="ffffff"/>
+                  </a:solidFill>
+                </a:uFill>
+                <a:latin typeface="Arial"/>
+              </a:rPr>
+              <a:t>e</a:t>
+            </a:r>
+            <a:r>
+              <a:rPr b="0" lang="fr-FR" sz="1800" spc="-1" strike="noStrike">
+                <a:solidFill>
+                  <a:srgbClr val="000000"/>
+                </a:solidFill>
+                <a:uFill>
+                  <a:solidFill>
+                    <a:srgbClr val="ffffff"/>
+                  </a:solidFill>
+                </a:uFill>
+                <a:latin typeface="Arial"/>
+              </a:rPr>
+              <a:t>z </a:t>
+            </a:r>
+            <a:r>
+              <a:rPr b="0" lang="fr-FR" sz="1800" spc="-1" strike="noStrike">
+                <a:solidFill>
+                  <a:srgbClr val="000000"/>
+                </a:solidFill>
+                <a:uFill>
+                  <a:solidFill>
+                    <a:srgbClr val="ffffff"/>
+                  </a:solidFill>
+                </a:uFill>
+                <a:latin typeface="Arial"/>
+              </a:rPr>
+              <a:t>p</a:t>
+            </a:r>
+            <a:r>
+              <a:rPr b="0" lang="fr-FR" sz="1800" spc="-1" strike="noStrike">
+                <a:solidFill>
+                  <a:srgbClr val="000000"/>
+                </a:solidFill>
+                <a:uFill>
+                  <a:solidFill>
+                    <a:srgbClr val="ffffff"/>
+                  </a:solidFill>
+                </a:uFill>
+                <a:latin typeface="Arial"/>
+              </a:rPr>
+              <a:t>o</a:t>
+            </a:r>
+            <a:r>
+              <a:rPr b="0" lang="fr-FR" sz="1800" spc="-1" strike="noStrike">
+                <a:solidFill>
+                  <a:srgbClr val="000000"/>
+                </a:solidFill>
+                <a:uFill>
+                  <a:solidFill>
+                    <a:srgbClr val="ffffff"/>
+                  </a:solidFill>
+                </a:uFill>
+                <a:latin typeface="Arial"/>
+              </a:rPr>
+              <a:t>u</a:t>
+            </a:r>
+            <a:r>
+              <a:rPr b="0" lang="fr-FR" sz="1800" spc="-1" strike="noStrike">
+                <a:solidFill>
+                  <a:srgbClr val="000000"/>
+                </a:solidFill>
+                <a:uFill>
+                  <a:solidFill>
+                    <a:srgbClr val="ffffff"/>
+                  </a:solidFill>
+                </a:uFill>
+                <a:latin typeface="Arial"/>
+              </a:rPr>
+              <a:t>r </a:t>
+            </a:r>
+            <a:r>
+              <a:rPr b="0" lang="fr-FR" sz="1800" spc="-1" strike="noStrike">
+                <a:solidFill>
+                  <a:srgbClr val="000000"/>
+                </a:solidFill>
+                <a:uFill>
+                  <a:solidFill>
+                    <a:srgbClr val="ffffff"/>
+                  </a:solidFill>
+                </a:uFill>
+                <a:latin typeface="Arial"/>
+              </a:rPr>
+              <a:t>é</a:t>
+            </a:r>
+            <a:r>
+              <a:rPr b="0" lang="fr-FR" sz="1800" spc="-1" strike="noStrike">
+                <a:solidFill>
+                  <a:srgbClr val="000000"/>
+                </a:solidFill>
+                <a:uFill>
+                  <a:solidFill>
+                    <a:srgbClr val="ffffff"/>
+                  </a:solidFill>
+                </a:uFill>
+                <a:latin typeface="Arial"/>
+              </a:rPr>
+              <a:t>d</a:t>
+            </a:r>
+            <a:r>
+              <a:rPr b="0" lang="fr-FR" sz="1800" spc="-1" strike="noStrike">
+                <a:solidFill>
+                  <a:srgbClr val="000000"/>
+                </a:solidFill>
+                <a:uFill>
+                  <a:solidFill>
+                    <a:srgbClr val="ffffff"/>
+                  </a:solidFill>
+                </a:uFill>
+                <a:latin typeface="Arial"/>
+              </a:rPr>
+              <a:t>it</a:t>
+            </a:r>
+            <a:r>
+              <a:rPr b="0" lang="fr-FR" sz="1800" spc="-1" strike="noStrike">
+                <a:solidFill>
+                  <a:srgbClr val="000000"/>
+                </a:solidFill>
+                <a:uFill>
+                  <a:solidFill>
+                    <a:srgbClr val="ffffff"/>
+                  </a:solidFill>
+                </a:uFill>
+                <a:latin typeface="Arial"/>
+              </a:rPr>
+              <a:t>e</a:t>
+            </a:r>
+            <a:r>
+              <a:rPr b="0" lang="fr-FR" sz="1800" spc="-1" strike="noStrike">
+                <a:solidFill>
+                  <a:srgbClr val="000000"/>
+                </a:solidFill>
+                <a:uFill>
+                  <a:solidFill>
+                    <a:srgbClr val="ffffff"/>
+                  </a:solidFill>
+                </a:uFill>
+                <a:latin typeface="Arial"/>
+              </a:rPr>
+              <a:t>r </a:t>
+            </a:r>
+            <a:r>
+              <a:rPr b="0" lang="fr-FR" sz="1800" spc="-1" strike="noStrike">
+                <a:solidFill>
+                  <a:srgbClr val="000000"/>
+                </a:solidFill>
+                <a:uFill>
+                  <a:solidFill>
+                    <a:srgbClr val="ffffff"/>
+                  </a:solidFill>
+                </a:uFill>
+                <a:latin typeface="Arial"/>
+              </a:rPr>
+              <a:t>l</a:t>
+            </a:r>
+            <a:r>
+              <a:rPr b="0" lang="fr-FR" sz="1800" spc="-1" strike="noStrike">
+                <a:solidFill>
+                  <a:srgbClr val="000000"/>
+                </a:solidFill>
+                <a:uFill>
+                  <a:solidFill>
+                    <a:srgbClr val="ffffff"/>
+                  </a:solidFill>
+                </a:uFill>
+                <a:latin typeface="Arial"/>
+              </a:rPr>
+              <a:t>e </a:t>
+            </a:r>
+            <a:r>
+              <a:rPr b="0" lang="fr-FR" sz="1800" spc="-1" strike="noStrike">
+                <a:solidFill>
+                  <a:srgbClr val="000000"/>
+                </a:solidFill>
+                <a:uFill>
+                  <a:solidFill>
+                    <a:srgbClr val="ffffff"/>
+                  </a:solidFill>
+                </a:uFill>
+                <a:latin typeface="Arial"/>
+              </a:rPr>
+              <a:t>f</a:t>
+            </a:r>
+            <a:r>
+              <a:rPr b="0" lang="fr-FR" sz="1800" spc="-1" strike="noStrike">
+                <a:solidFill>
+                  <a:srgbClr val="000000"/>
+                </a:solidFill>
+                <a:uFill>
+                  <a:solidFill>
+                    <a:srgbClr val="ffffff"/>
+                  </a:solidFill>
+                </a:uFill>
+                <a:latin typeface="Arial"/>
+              </a:rPr>
+              <a:t>o</a:t>
+            </a:r>
+            <a:r>
+              <a:rPr b="0" lang="fr-FR" sz="1800" spc="-1" strike="noStrike">
+                <a:solidFill>
+                  <a:srgbClr val="000000"/>
+                </a:solidFill>
+                <a:uFill>
+                  <a:solidFill>
+                    <a:srgbClr val="ffffff"/>
+                  </a:solidFill>
+                </a:uFill>
+                <a:latin typeface="Arial"/>
+              </a:rPr>
+              <a:t>r</a:t>
+            </a:r>
+            <a:r>
+              <a:rPr b="0" lang="fr-FR" sz="1800" spc="-1" strike="noStrike">
+                <a:solidFill>
+                  <a:srgbClr val="000000"/>
+                </a:solidFill>
+                <a:uFill>
+                  <a:solidFill>
+                    <a:srgbClr val="ffffff"/>
+                  </a:solidFill>
+                </a:uFill>
+                <a:latin typeface="Arial"/>
+              </a:rPr>
+              <a:t>m</a:t>
+            </a:r>
+            <a:r>
+              <a:rPr b="0" lang="fr-FR" sz="1800" spc="-1" strike="noStrike">
+                <a:solidFill>
+                  <a:srgbClr val="000000"/>
+                </a:solidFill>
+                <a:uFill>
+                  <a:solidFill>
+                    <a:srgbClr val="ffffff"/>
+                  </a:solidFill>
+                </a:uFill>
+                <a:latin typeface="Arial"/>
+              </a:rPr>
+              <a:t>a</a:t>
+            </a:r>
+            <a:r>
+              <a:rPr b="0" lang="fr-FR" sz="1800" spc="-1" strike="noStrike">
+                <a:solidFill>
+                  <a:srgbClr val="000000"/>
+                </a:solidFill>
+                <a:uFill>
+                  <a:solidFill>
+                    <a:srgbClr val="ffffff"/>
+                  </a:solidFill>
+                </a:uFill>
+                <a:latin typeface="Arial"/>
+              </a:rPr>
+              <a:t>t </a:t>
+            </a:r>
+            <a:r>
+              <a:rPr b="0" lang="fr-FR" sz="1800" spc="-1" strike="noStrike">
+                <a:solidFill>
+                  <a:srgbClr val="000000"/>
+                </a:solidFill>
+                <a:uFill>
+                  <a:solidFill>
+                    <a:srgbClr val="ffffff"/>
+                  </a:solidFill>
+                </a:uFill>
+                <a:latin typeface="Arial"/>
+              </a:rPr>
+              <a:t>d</a:t>
+            </a:r>
+            <a:r>
+              <a:rPr b="0" lang="fr-FR" sz="1800" spc="-1" strike="noStrike">
+                <a:solidFill>
+                  <a:srgbClr val="000000"/>
+                </a:solidFill>
+                <a:uFill>
+                  <a:solidFill>
+                    <a:srgbClr val="ffffff"/>
+                  </a:solidFill>
+                </a:uFill>
+                <a:latin typeface="Arial"/>
+              </a:rPr>
+              <a:t>u </a:t>
+            </a:r>
+            <a:r>
+              <a:rPr b="0" lang="fr-FR" sz="1800" spc="-1" strike="noStrike">
+                <a:solidFill>
+                  <a:srgbClr val="000000"/>
+                </a:solidFill>
+                <a:uFill>
+                  <a:solidFill>
+                    <a:srgbClr val="ffffff"/>
+                  </a:solidFill>
+                </a:uFill>
+                <a:latin typeface="Arial"/>
+              </a:rPr>
+              <a:t>t</a:t>
+            </a:r>
+            <a:r>
+              <a:rPr b="0" lang="fr-FR" sz="1800" spc="-1" strike="noStrike">
+                <a:solidFill>
+                  <a:srgbClr val="000000"/>
+                </a:solidFill>
+                <a:uFill>
+                  <a:solidFill>
+                    <a:srgbClr val="ffffff"/>
+                  </a:solidFill>
+                </a:uFill>
+                <a:latin typeface="Arial"/>
+              </a:rPr>
+              <a:t>e</a:t>
+            </a:r>
+            <a:r>
+              <a:rPr b="0" lang="fr-FR" sz="1800" spc="-1" strike="noStrike">
+                <a:solidFill>
+                  <a:srgbClr val="000000"/>
+                </a:solidFill>
+                <a:uFill>
+                  <a:solidFill>
+                    <a:srgbClr val="ffffff"/>
+                  </a:solidFill>
+                </a:uFill>
+                <a:latin typeface="Arial"/>
+              </a:rPr>
+              <a:t>x</a:t>
+            </a:r>
+            <a:r>
+              <a:rPr b="0" lang="fr-FR" sz="1800" spc="-1" strike="noStrike">
+                <a:solidFill>
+                  <a:srgbClr val="000000"/>
+                </a:solidFill>
+                <a:uFill>
+                  <a:solidFill>
+                    <a:srgbClr val="ffffff"/>
+                  </a:solidFill>
+                </a:uFill>
+                <a:latin typeface="Arial"/>
+              </a:rPr>
+              <a:t>t</a:t>
+            </a:r>
+            <a:r>
+              <a:rPr b="0" lang="fr-FR" sz="1800" spc="-1" strike="noStrike">
+                <a:solidFill>
+                  <a:srgbClr val="000000"/>
+                </a:solidFill>
+                <a:uFill>
+                  <a:solidFill>
+                    <a:srgbClr val="ffffff"/>
+                  </a:solidFill>
+                </a:uFill>
+                <a:latin typeface="Arial"/>
+              </a:rPr>
+              <a:t>e</a:t>
+            </a:r>
+            <a:r>
+              <a:rPr b="0" lang="fr-FR" sz="1800" spc="-1" strike="noStrike">
+                <a:solidFill>
+                  <a:srgbClr val="000000"/>
+                </a:solidFill>
+                <a:uFill>
+                  <a:solidFill>
+                    <a:srgbClr val="ffffff"/>
+                  </a:solidFill>
+                </a:uFill>
+                <a:latin typeface="Arial"/>
+              </a:rPr>
+              <a:t>-</a:t>
+            </a:r>
+            <a:r>
+              <a:rPr b="0" lang="fr-FR" sz="1800" spc="-1" strike="noStrike">
+                <a:solidFill>
+                  <a:srgbClr val="000000"/>
+                </a:solidFill>
+                <a:uFill>
+                  <a:solidFill>
+                    <a:srgbClr val="ffffff"/>
+                  </a:solidFill>
+                </a:uFill>
+                <a:latin typeface="Arial"/>
+              </a:rPr>
+              <a:t>ti</a:t>
+            </a:r>
+            <a:r>
+              <a:rPr b="0" lang="fr-FR" sz="1800" spc="-1" strike="noStrike">
+                <a:solidFill>
+                  <a:srgbClr val="000000"/>
+                </a:solidFill>
+                <a:uFill>
+                  <a:solidFill>
+                    <a:srgbClr val="ffffff"/>
+                  </a:solidFill>
+                </a:uFill>
+                <a:latin typeface="Arial"/>
+              </a:rPr>
+              <a:t>tr</a:t>
+            </a:r>
+            <a:r>
+              <a:rPr b="0" lang="fr-FR" sz="1800" spc="-1" strike="noStrike">
+                <a:solidFill>
+                  <a:srgbClr val="000000"/>
+                </a:solidFill>
+                <a:uFill>
+                  <a:solidFill>
+                    <a:srgbClr val="ffffff"/>
+                  </a:solidFill>
+                </a:uFill>
+                <a:latin typeface="Arial"/>
+              </a:rPr>
+              <a:t>e</a:t>
+            </a:r>
+            <a:endParaRPr b="0" lang="fr-FR" sz="1800" spc="-1" strike="noStrike">
+              <a:solidFill>
+                <a:srgbClr val="000000"/>
+              </a:solidFill>
+              <a:uFill>
+                <a:solidFill>
+                  <a:srgbClr val="ffffff"/>
+                </a:solidFill>
+              </a:uFill>
+              <a:latin typeface="Arial"/>
             </a:endParaRPr>
           </a:p>
         </p:txBody>
@@ -1708,152 +3796,6 @@
       <p:sp>
         <p:nvSpPr>
           <p:cNvPr id="1" name="PlaceHolder 2"/>
-          <p:cNvSpPr>
-            <a:spLocks noGrp="1"/>
-          </p:cNvSpPr>
-          <p:nvPr>
-            <p:ph type="dt"/>
-          </p:nvPr>
-        </p:nvSpPr>
-        <p:spPr>
-          <a:xfrm>
-            <a:off x="457200" y="6356520"/>
-            <a:ext cx="2133360" cy="364680"/>
-          </a:xfrm>
-          <a:prstGeom prst="rect">
-            <a:avLst/>
-          </a:prstGeom>
-        </p:spPr>
-        <p:txBody>
-          <a:bodyPr anchor="ctr"/>
-          <a:p>
-            <a:pPr>
-              <a:lnSpc>
-                <a:spcPct val="100000"/>
-              </a:lnSpc>
-            </a:pPr>
-            <a:fld id="{481467DF-DF45-48A7-BFC7-29B862F2D924}" type="datetime">
-              <a:rPr b="0" lang="fr-FR" sz="1200" spc="-1" strike="noStrike">
-                <a:solidFill>
-                  <a:srgbClr val="8b8b8b"/>
-                </a:solidFill>
-                <a:uFill>
-                  <a:solidFill>
-                    <a:srgbClr val="ffffff"/>
-                  </a:solidFill>
-                </a:uFill>
-                <a:latin typeface="Calibri"/>
-              </a:rPr>
-              <a:t>25/12/2019</a:t>
-            </a:fld>
-            <a:endParaRPr b="0" lang="fr-FR" sz="1200" spc="-1" strike="noStrike">
-              <a:solidFill>
-                <a:srgbClr val="000000"/>
-              </a:solidFill>
-              <a:uFill>
-                <a:solidFill>
-                  <a:srgbClr val="ffffff"/>
-                </a:solidFill>
-              </a:uFill>
-              <a:latin typeface="Times New Roman"/>
-            </a:endParaRPr>
-          </a:p>
-        </p:txBody>
-      </p:sp>
-      <p:sp>
-        <p:nvSpPr>
-          <p:cNvPr id="2" name="PlaceHolder 3"/>
-          <p:cNvSpPr>
-            <a:spLocks noGrp="1"/>
-          </p:cNvSpPr>
-          <p:nvPr>
-            <p:ph type="ftr"/>
-          </p:nvPr>
-        </p:nvSpPr>
-        <p:spPr>
-          <a:xfrm>
-            <a:off x="3124080" y="6356520"/>
-            <a:ext cx="2895120" cy="364680"/>
-          </a:xfrm>
-          <a:prstGeom prst="rect">
-            <a:avLst/>
-          </a:prstGeom>
-        </p:spPr>
-        <p:txBody>
-          <a:bodyPr anchor="ctr"/>
-          <a:p>
-            <a:endParaRPr b="0" lang="fr-FR" sz="2400" spc="-1" strike="noStrike">
-              <a:solidFill>
-                <a:srgbClr val="000000"/>
-              </a:solidFill>
-              <a:uFill>
-                <a:solidFill>
-                  <a:srgbClr val="ffffff"/>
-                </a:solidFill>
-              </a:uFill>
-              <a:latin typeface="Times New Roman"/>
-            </a:endParaRPr>
-          </a:p>
-        </p:txBody>
-      </p:sp>
-      <p:sp>
-        <p:nvSpPr>
-          <p:cNvPr id="3" name="PlaceHolder 4"/>
-          <p:cNvSpPr>
-            <a:spLocks noGrp="1"/>
-          </p:cNvSpPr>
-          <p:nvPr>
-            <p:ph type="sldNum"/>
-          </p:nvPr>
-        </p:nvSpPr>
-        <p:spPr>
-          <a:xfrm>
-            <a:off x="6553080" y="6356520"/>
-            <a:ext cx="2133360" cy="364680"/>
-          </a:xfrm>
-          <a:prstGeom prst="rect">
-            <a:avLst/>
-          </a:prstGeom>
-        </p:spPr>
-        <p:txBody>
-          <a:bodyPr anchor="ctr"/>
-          <a:p>
-            <a:pPr algn="r">
-              <a:lnSpc>
-                <a:spcPct val="100000"/>
-              </a:lnSpc>
-            </a:pPr>
-            <a:fld id="{91C0D9ED-E2B0-4F93-BF4C-721E4506897E}" type="slidenum">
-              <a:rPr b="0" lang="fr-FR" sz="1200" spc="-1" strike="noStrike">
-                <a:solidFill>
-                  <a:srgbClr val="8b8b8b"/>
-                </a:solidFill>
-                <a:uFill>
-                  <a:solidFill>
-                    <a:srgbClr val="ffffff"/>
-                  </a:solidFill>
-                </a:uFill>
-                <a:latin typeface="Calibri"/>
-              </a:rPr>
-              <a:t>4</a:t>
-            </a:fld>
-            <a:endParaRPr b="0" lang="fr-FR" sz="1200" spc="-1" strike="noStrike">
-              <a:solidFill>
-                <a:srgbClr val="000000"/>
-              </a:solidFill>
-              <a:uFill>
-                <a:solidFill>
-                  <a:srgbClr val="ffffff"/>
-                </a:solidFill>
-              </a:uFill>
-              <a:latin typeface="Times New Roman"/>
-            </a:endParaRPr>
-          </a:p>
-        </p:txBody>
-      </p:sp>
-      <p:sp>
-        <p:nvSpPr>
-          <p:cNvPr id="4" name="PlaceHolder 5"/>
           <p:cNvSpPr>
             <a:spLocks noGrp="1"/>
           </p:cNvSpPr>
@@ -1896,7 +3838,7 @@
                     <a:srgbClr val="ffffff"/>
                   </a:solidFill>
                 </a:uFill>
-                <a:latin typeface="Calibri"/>
+                <a:latin typeface="Arial"/>
               </a:rPr>
               <a:t>Cliquez pour éditer le format du plan de texte</a:t>
             </a:r>
@@ -1909,7 +3851,7 @@
                   <a:srgbClr val="ffffff"/>
                 </a:solidFill>
               </a:uFill>
-              <a:latin typeface="Calibri"/>
+              <a:latin typeface="Arial"/>
             </a:endParaRPr>
           </a:p>
           <a:p>
@@ -1925,29 +3867,29 @@
               <a:buChar char=""/>
             </a:pPr>
             <a:r>
-              <a:rPr b="0" lang="fr-FR" sz="2400" spc="-1" strike="noStrike">
-                <a:solidFill>
-                  <a:srgbClr val="000000"/>
-                </a:solidFill>
-                <a:uFill>
-                  <a:solidFill>
-                    <a:srgbClr val="ffffff"/>
-                  </a:solidFill>
-                </a:uFill>
-                <a:latin typeface="Calibri"/>
+              <a:rPr b="0" lang="fr-FR" sz="2800" spc="-1" strike="noStrike">
+                <a:solidFill>
+                  <a:srgbClr val="000000"/>
+                </a:solidFill>
+                <a:uFill>
+                  <a:solidFill>
+                    <a:srgbClr val="ffffff"/>
+                  </a:solidFill>
+                </a:uFill>
+                <a:latin typeface="Arial"/>
               </a:rPr>
               <a:t>Second niveau de plan</a:t>
             </a:r>
-            <a:endParaRPr b="0" lang="fr-FR" sz="2400" spc="-1" strike="noStrike">
-              <a:solidFill>
-                <a:srgbClr val="000000"/>
-              </a:solidFill>
-              <a:uFill>
-                <a:solidFill>
-                  <a:srgbClr val="ffffff"/>
-                </a:solidFill>
-              </a:uFill>
-              <a:latin typeface="Calibri"/>
+            <a:endParaRPr b="0" lang="fr-FR" sz="2800" spc="-1" strike="noStrike">
+              <a:solidFill>
+                <a:srgbClr val="000000"/>
+              </a:solidFill>
+              <a:uFill>
+                <a:solidFill>
+                  <a:srgbClr val="ffffff"/>
+                </a:solidFill>
+              </a:uFill>
+              <a:latin typeface="Arial"/>
             </a:endParaRPr>
           </a:p>
           <a:p>
@@ -1963,29 +3905,29 @@
               <a:buChar char=""/>
             </a:pPr>
             <a:r>
-              <a:rPr b="0" lang="fr-FR" sz="2000" spc="-1" strike="noStrike">
-                <a:solidFill>
-                  <a:srgbClr val="000000"/>
-                </a:solidFill>
-                <a:uFill>
-                  <a:solidFill>
-                    <a:srgbClr val="ffffff"/>
-                  </a:solidFill>
-                </a:uFill>
-                <a:latin typeface="Calibri"/>
+              <a:rPr b="0" lang="fr-FR" sz="2400" spc="-1" strike="noStrike">
+                <a:solidFill>
+                  <a:srgbClr val="000000"/>
+                </a:solidFill>
+                <a:uFill>
+                  <a:solidFill>
+                    <a:srgbClr val="ffffff"/>
+                  </a:solidFill>
+                </a:uFill>
+                <a:latin typeface="Arial"/>
               </a:rPr>
               <a:t>Troisième niveau de plan</a:t>
             </a:r>
-            <a:endParaRPr b="0" lang="fr-FR" sz="2000" spc="-1" strike="noStrike">
-              <a:solidFill>
-                <a:srgbClr val="000000"/>
-              </a:solidFill>
-              <a:uFill>
-                <a:solidFill>
-                  <a:srgbClr val="ffffff"/>
-                </a:solidFill>
-              </a:uFill>
-              <a:latin typeface="Calibri"/>
+            <a:endParaRPr b="0" lang="fr-FR" sz="2400" spc="-1" strike="noStrike">
+              <a:solidFill>
+                <a:srgbClr val="000000"/>
+              </a:solidFill>
+              <a:uFill>
+                <a:solidFill>
+                  <a:srgbClr val="ffffff"/>
+                </a:solidFill>
+              </a:uFill>
+              <a:latin typeface="Arial"/>
             </a:endParaRPr>
           </a:p>
           <a:p>
@@ -2010,7 +3952,7 @@
                     <a:srgbClr val="ffffff"/>
                   </a:solidFill>
                 </a:uFill>
-                <a:latin typeface="Calibri"/>
+                <a:latin typeface="Arial"/>
               </a:rPr>
               <a:t>Quatrième niveau de plan</a:t>
             </a:r>
@@ -2023,7 +3965,7 @@
                   <a:srgbClr val="ffffff"/>
                 </a:solidFill>
               </a:uFill>
-              <a:latin typeface="Calibri"/>
+              <a:latin typeface="Arial"/>
             </a:endParaRPr>
           </a:p>
           <a:p>
@@ -2048,7 +3990,7 @@
                     <a:srgbClr val="ffffff"/>
                   </a:solidFill>
                 </a:uFill>
-                <a:latin typeface="Calibri"/>
+                <a:latin typeface="Arial"/>
               </a:rPr>
               <a:t>Cinquième niveau de plan</a:t>
             </a:r>
@@ -2061,7 +4003,7 @@
                   <a:srgbClr val="ffffff"/>
                 </a:solidFill>
               </a:uFill>
-              <a:latin typeface="Calibri"/>
+              <a:latin typeface="Arial"/>
             </a:endParaRPr>
           </a:p>
           <a:p>
@@ -2086,7 +4028,7 @@
                     <a:srgbClr val="ffffff"/>
                   </a:solidFill>
                 </a:uFill>
-                <a:latin typeface="Calibri"/>
+                <a:latin typeface="Arial"/>
               </a:rPr>
               <a:t>Sixième niveau de plan</a:t>
             </a:r>
@@ -2099,7 +4041,7 @@
                   <a:srgbClr val="ffffff"/>
                 </a:solidFill>
               </a:uFill>
-              <a:latin typeface="Calibri"/>
+              <a:latin typeface="Arial"/>
             </a:endParaRPr>
           </a:p>
           <a:p>
@@ -2124,7 +4066,7 @@
                     <a:srgbClr val="ffffff"/>
                   </a:solidFill>
                 </a:uFill>
-                <a:latin typeface="Calibri"/>
+                <a:latin typeface="Arial"/>
               </a:rPr>
               <a:t>Septième niveau de plan</a:t>
             </a:r>
@@ -2137,7 +4079,7 @@
                   <a:srgbClr val="ffffff"/>
                 </a:solidFill>
               </a:uFill>
-              <a:latin typeface="Calibri"/>
+              <a:latin typeface="Arial"/>
             </a:endParaRPr>
           </a:p>
         </p:txBody>
@@ -2158,6 +4100,853 @@
     <p:sldLayoutId id="2147483658" r:id="rId11"/>
     <p:sldLayoutId id="2147483659" r:id="rId12"/>
     <p:sldLayoutId id="2147483660" r:id="rId13"/>
+  </p:sldLayoutIdLst>
+</p:sldMaster>
+</file>
+
+<file path=ppt/slideMasters/slideMaster2.xml><?xml version="1.0" encoding="utf-8"?>
+<p:sldMaster xmlns:a="http://schemas.openxmlformats.org/drawingml/2006/main" xmlns:p="http://schemas.openxmlformats.org/presentationml/2006/main" xmlns:r="http://schemas.openxmlformats.org/officeDocument/2006/relationships" xmlns:p14="http://schemas.microsoft.com/office/powerpoint/2010/main" xmlns:p15="http://schemas.microsoft.com/office/powerpoint/2012/main" xmlns:mc="http://schemas.openxmlformats.org/markup-compatibility/2006">
+  <p:cSld>
+    <p:bg>
+      <p:bgPr>
+        <a:solidFill>
+          <a:srgbClr val="ffffff"/>
+        </a:solidFill>
+      </p:bgPr>
+    </p:bg>
+    <p:spTree>
+      <p:nvGrpSpPr>
+        <p:cNvPr id="1" name=""/>
+        <p:cNvGrpSpPr/>
+        <p:nvPr/>
+      </p:nvGrpSpPr>
+      <p:grpSpPr>
+        <a:xfrm>
+          <a:off x="0" y="0"/>
+          <a:ext cx="0" cy="0"/>
+          <a:chOff x="0" y="0"/>
+          <a:chExt cx="0" cy="0"/>
+        </a:xfrm>
+      </p:grpSpPr>
+      <p:sp>
+        <p:nvSpPr>
+          <p:cNvPr id="38" name="PlaceHolder 1"/>
+          <p:cNvSpPr>
+            <a:spLocks noGrp="1"/>
+          </p:cNvSpPr>
+          <p:nvPr>
+            <p:ph type="title"/>
+          </p:nvPr>
+        </p:nvSpPr>
+        <p:spPr>
+          <a:xfrm>
+            <a:off x="685800" y="2130480"/>
+            <a:ext cx="7771680" cy="1469160"/>
+          </a:xfrm>
+          <a:prstGeom prst="rect">
+            <a:avLst/>
+          </a:prstGeom>
+        </p:spPr>
+        <p:txBody>
+          <a:bodyPr lIns="0" rIns="0" tIns="0" bIns="0" anchor="ctr"/>
+          <a:p>
+            <a:r>
+              <a:rPr b="0" lang="fr-FR" sz="1800" spc="-1" strike="noStrike">
+                <a:solidFill>
+                  <a:srgbClr val="000000"/>
+                </a:solidFill>
+                <a:uFill>
+                  <a:solidFill>
+                    <a:srgbClr val="ffffff"/>
+                  </a:solidFill>
+                </a:uFill>
+                <a:latin typeface="Arial"/>
+              </a:rPr>
+              <a:t>C</a:t>
+            </a:r>
+            <a:r>
+              <a:rPr b="0" lang="fr-FR" sz="1800" spc="-1" strike="noStrike">
+                <a:solidFill>
+                  <a:srgbClr val="000000"/>
+                </a:solidFill>
+                <a:uFill>
+                  <a:solidFill>
+                    <a:srgbClr val="ffffff"/>
+                  </a:solidFill>
+                </a:uFill>
+                <a:latin typeface="Arial"/>
+              </a:rPr>
+              <a:t>li</a:t>
+            </a:r>
+            <a:r>
+              <a:rPr b="0" lang="fr-FR" sz="1800" spc="-1" strike="noStrike">
+                <a:solidFill>
+                  <a:srgbClr val="000000"/>
+                </a:solidFill>
+                <a:uFill>
+                  <a:solidFill>
+                    <a:srgbClr val="ffffff"/>
+                  </a:solidFill>
+                </a:uFill>
+                <a:latin typeface="Arial"/>
+              </a:rPr>
+              <a:t>q</a:t>
+            </a:r>
+            <a:r>
+              <a:rPr b="0" lang="fr-FR" sz="1800" spc="-1" strike="noStrike">
+                <a:solidFill>
+                  <a:srgbClr val="000000"/>
+                </a:solidFill>
+                <a:uFill>
+                  <a:solidFill>
+                    <a:srgbClr val="ffffff"/>
+                  </a:solidFill>
+                </a:uFill>
+                <a:latin typeface="Arial"/>
+              </a:rPr>
+              <a:t>u</a:t>
+            </a:r>
+            <a:r>
+              <a:rPr b="0" lang="fr-FR" sz="1800" spc="-1" strike="noStrike">
+                <a:solidFill>
+                  <a:srgbClr val="000000"/>
+                </a:solidFill>
+                <a:uFill>
+                  <a:solidFill>
+                    <a:srgbClr val="ffffff"/>
+                  </a:solidFill>
+                </a:uFill>
+                <a:latin typeface="Arial"/>
+              </a:rPr>
+              <a:t>e</a:t>
+            </a:r>
+            <a:r>
+              <a:rPr b="0" lang="fr-FR" sz="1800" spc="-1" strike="noStrike">
+                <a:solidFill>
+                  <a:srgbClr val="000000"/>
+                </a:solidFill>
+                <a:uFill>
+                  <a:solidFill>
+                    <a:srgbClr val="ffffff"/>
+                  </a:solidFill>
+                </a:uFill>
+                <a:latin typeface="Arial"/>
+              </a:rPr>
+              <a:t>z </a:t>
+            </a:r>
+            <a:r>
+              <a:rPr b="0" lang="fr-FR" sz="1800" spc="-1" strike="noStrike">
+                <a:solidFill>
+                  <a:srgbClr val="000000"/>
+                </a:solidFill>
+                <a:uFill>
+                  <a:solidFill>
+                    <a:srgbClr val="ffffff"/>
+                  </a:solidFill>
+                </a:uFill>
+                <a:latin typeface="Arial"/>
+              </a:rPr>
+              <a:t>p</a:t>
+            </a:r>
+            <a:r>
+              <a:rPr b="0" lang="fr-FR" sz="1800" spc="-1" strike="noStrike">
+                <a:solidFill>
+                  <a:srgbClr val="000000"/>
+                </a:solidFill>
+                <a:uFill>
+                  <a:solidFill>
+                    <a:srgbClr val="ffffff"/>
+                  </a:solidFill>
+                </a:uFill>
+                <a:latin typeface="Arial"/>
+              </a:rPr>
+              <a:t>o</a:t>
+            </a:r>
+            <a:r>
+              <a:rPr b="0" lang="fr-FR" sz="1800" spc="-1" strike="noStrike">
+                <a:solidFill>
+                  <a:srgbClr val="000000"/>
+                </a:solidFill>
+                <a:uFill>
+                  <a:solidFill>
+                    <a:srgbClr val="ffffff"/>
+                  </a:solidFill>
+                </a:uFill>
+                <a:latin typeface="Arial"/>
+              </a:rPr>
+              <a:t>u</a:t>
+            </a:r>
+            <a:r>
+              <a:rPr b="0" lang="fr-FR" sz="1800" spc="-1" strike="noStrike">
+                <a:solidFill>
+                  <a:srgbClr val="000000"/>
+                </a:solidFill>
+                <a:uFill>
+                  <a:solidFill>
+                    <a:srgbClr val="ffffff"/>
+                  </a:solidFill>
+                </a:uFill>
+                <a:latin typeface="Arial"/>
+              </a:rPr>
+              <a:t>r </a:t>
+            </a:r>
+            <a:r>
+              <a:rPr b="0" lang="fr-FR" sz="1800" spc="-1" strike="noStrike">
+                <a:solidFill>
+                  <a:srgbClr val="000000"/>
+                </a:solidFill>
+                <a:uFill>
+                  <a:solidFill>
+                    <a:srgbClr val="ffffff"/>
+                  </a:solidFill>
+                </a:uFill>
+                <a:latin typeface="Arial"/>
+              </a:rPr>
+              <a:t>é</a:t>
+            </a:r>
+            <a:r>
+              <a:rPr b="0" lang="fr-FR" sz="1800" spc="-1" strike="noStrike">
+                <a:solidFill>
+                  <a:srgbClr val="000000"/>
+                </a:solidFill>
+                <a:uFill>
+                  <a:solidFill>
+                    <a:srgbClr val="ffffff"/>
+                  </a:solidFill>
+                </a:uFill>
+                <a:latin typeface="Arial"/>
+              </a:rPr>
+              <a:t>d</a:t>
+            </a:r>
+            <a:r>
+              <a:rPr b="0" lang="fr-FR" sz="1800" spc="-1" strike="noStrike">
+                <a:solidFill>
+                  <a:srgbClr val="000000"/>
+                </a:solidFill>
+                <a:uFill>
+                  <a:solidFill>
+                    <a:srgbClr val="ffffff"/>
+                  </a:solidFill>
+                </a:uFill>
+                <a:latin typeface="Arial"/>
+              </a:rPr>
+              <a:t>it</a:t>
+            </a:r>
+            <a:r>
+              <a:rPr b="0" lang="fr-FR" sz="1800" spc="-1" strike="noStrike">
+                <a:solidFill>
+                  <a:srgbClr val="000000"/>
+                </a:solidFill>
+                <a:uFill>
+                  <a:solidFill>
+                    <a:srgbClr val="ffffff"/>
+                  </a:solidFill>
+                </a:uFill>
+                <a:latin typeface="Arial"/>
+              </a:rPr>
+              <a:t>e</a:t>
+            </a:r>
+            <a:r>
+              <a:rPr b="0" lang="fr-FR" sz="1800" spc="-1" strike="noStrike">
+                <a:solidFill>
+                  <a:srgbClr val="000000"/>
+                </a:solidFill>
+                <a:uFill>
+                  <a:solidFill>
+                    <a:srgbClr val="ffffff"/>
+                  </a:solidFill>
+                </a:uFill>
+                <a:latin typeface="Arial"/>
+              </a:rPr>
+              <a:t>r </a:t>
+            </a:r>
+            <a:r>
+              <a:rPr b="0" lang="fr-FR" sz="1800" spc="-1" strike="noStrike">
+                <a:solidFill>
+                  <a:srgbClr val="000000"/>
+                </a:solidFill>
+                <a:uFill>
+                  <a:solidFill>
+                    <a:srgbClr val="ffffff"/>
+                  </a:solidFill>
+                </a:uFill>
+                <a:latin typeface="Arial"/>
+              </a:rPr>
+              <a:t>l</a:t>
+            </a:r>
+            <a:r>
+              <a:rPr b="0" lang="fr-FR" sz="1800" spc="-1" strike="noStrike">
+                <a:solidFill>
+                  <a:srgbClr val="000000"/>
+                </a:solidFill>
+                <a:uFill>
+                  <a:solidFill>
+                    <a:srgbClr val="ffffff"/>
+                  </a:solidFill>
+                </a:uFill>
+                <a:latin typeface="Arial"/>
+              </a:rPr>
+              <a:t>e </a:t>
+            </a:r>
+            <a:r>
+              <a:rPr b="0" lang="fr-FR" sz="1800" spc="-1" strike="noStrike">
+                <a:solidFill>
+                  <a:srgbClr val="000000"/>
+                </a:solidFill>
+                <a:uFill>
+                  <a:solidFill>
+                    <a:srgbClr val="ffffff"/>
+                  </a:solidFill>
+                </a:uFill>
+                <a:latin typeface="Arial"/>
+              </a:rPr>
+              <a:t>f</a:t>
+            </a:r>
+            <a:r>
+              <a:rPr b="0" lang="fr-FR" sz="1800" spc="-1" strike="noStrike">
+                <a:solidFill>
+                  <a:srgbClr val="000000"/>
+                </a:solidFill>
+                <a:uFill>
+                  <a:solidFill>
+                    <a:srgbClr val="ffffff"/>
+                  </a:solidFill>
+                </a:uFill>
+                <a:latin typeface="Arial"/>
+              </a:rPr>
+              <a:t>o</a:t>
+            </a:r>
+            <a:r>
+              <a:rPr b="0" lang="fr-FR" sz="1800" spc="-1" strike="noStrike">
+                <a:solidFill>
+                  <a:srgbClr val="000000"/>
+                </a:solidFill>
+                <a:uFill>
+                  <a:solidFill>
+                    <a:srgbClr val="ffffff"/>
+                  </a:solidFill>
+                </a:uFill>
+                <a:latin typeface="Arial"/>
+              </a:rPr>
+              <a:t>r</a:t>
+            </a:r>
+            <a:r>
+              <a:rPr b="0" lang="fr-FR" sz="1800" spc="-1" strike="noStrike">
+                <a:solidFill>
+                  <a:srgbClr val="000000"/>
+                </a:solidFill>
+                <a:uFill>
+                  <a:solidFill>
+                    <a:srgbClr val="ffffff"/>
+                  </a:solidFill>
+                </a:uFill>
+                <a:latin typeface="Arial"/>
+              </a:rPr>
+              <a:t>m</a:t>
+            </a:r>
+            <a:r>
+              <a:rPr b="0" lang="fr-FR" sz="1800" spc="-1" strike="noStrike">
+                <a:solidFill>
+                  <a:srgbClr val="000000"/>
+                </a:solidFill>
+                <a:uFill>
+                  <a:solidFill>
+                    <a:srgbClr val="ffffff"/>
+                  </a:solidFill>
+                </a:uFill>
+                <a:latin typeface="Arial"/>
+              </a:rPr>
+              <a:t>a</a:t>
+            </a:r>
+            <a:r>
+              <a:rPr b="0" lang="fr-FR" sz="1800" spc="-1" strike="noStrike">
+                <a:solidFill>
+                  <a:srgbClr val="000000"/>
+                </a:solidFill>
+                <a:uFill>
+                  <a:solidFill>
+                    <a:srgbClr val="ffffff"/>
+                  </a:solidFill>
+                </a:uFill>
+                <a:latin typeface="Arial"/>
+              </a:rPr>
+              <a:t>t </a:t>
+            </a:r>
+            <a:r>
+              <a:rPr b="0" lang="fr-FR" sz="1800" spc="-1" strike="noStrike">
+                <a:solidFill>
+                  <a:srgbClr val="000000"/>
+                </a:solidFill>
+                <a:uFill>
+                  <a:solidFill>
+                    <a:srgbClr val="ffffff"/>
+                  </a:solidFill>
+                </a:uFill>
+                <a:latin typeface="Arial"/>
+              </a:rPr>
+              <a:t>d</a:t>
+            </a:r>
+            <a:r>
+              <a:rPr b="0" lang="fr-FR" sz="1800" spc="-1" strike="noStrike">
+                <a:solidFill>
+                  <a:srgbClr val="000000"/>
+                </a:solidFill>
+                <a:uFill>
+                  <a:solidFill>
+                    <a:srgbClr val="ffffff"/>
+                  </a:solidFill>
+                </a:uFill>
+                <a:latin typeface="Arial"/>
+              </a:rPr>
+              <a:t>u </a:t>
+            </a:r>
+            <a:r>
+              <a:rPr b="0" lang="fr-FR" sz="1800" spc="-1" strike="noStrike">
+                <a:solidFill>
+                  <a:srgbClr val="000000"/>
+                </a:solidFill>
+                <a:uFill>
+                  <a:solidFill>
+                    <a:srgbClr val="ffffff"/>
+                  </a:solidFill>
+                </a:uFill>
+                <a:latin typeface="Arial"/>
+              </a:rPr>
+              <a:t>t</a:t>
+            </a:r>
+            <a:r>
+              <a:rPr b="0" lang="fr-FR" sz="1800" spc="-1" strike="noStrike">
+                <a:solidFill>
+                  <a:srgbClr val="000000"/>
+                </a:solidFill>
+                <a:uFill>
+                  <a:solidFill>
+                    <a:srgbClr val="ffffff"/>
+                  </a:solidFill>
+                </a:uFill>
+                <a:latin typeface="Arial"/>
+              </a:rPr>
+              <a:t>e</a:t>
+            </a:r>
+            <a:r>
+              <a:rPr b="0" lang="fr-FR" sz="1800" spc="-1" strike="noStrike">
+                <a:solidFill>
+                  <a:srgbClr val="000000"/>
+                </a:solidFill>
+                <a:uFill>
+                  <a:solidFill>
+                    <a:srgbClr val="ffffff"/>
+                  </a:solidFill>
+                </a:uFill>
+                <a:latin typeface="Arial"/>
+              </a:rPr>
+              <a:t>x</a:t>
+            </a:r>
+            <a:r>
+              <a:rPr b="0" lang="fr-FR" sz="1800" spc="-1" strike="noStrike">
+                <a:solidFill>
+                  <a:srgbClr val="000000"/>
+                </a:solidFill>
+                <a:uFill>
+                  <a:solidFill>
+                    <a:srgbClr val="ffffff"/>
+                  </a:solidFill>
+                </a:uFill>
+                <a:latin typeface="Arial"/>
+              </a:rPr>
+              <a:t>t</a:t>
+            </a:r>
+            <a:r>
+              <a:rPr b="0" lang="fr-FR" sz="1800" spc="-1" strike="noStrike">
+                <a:solidFill>
+                  <a:srgbClr val="000000"/>
+                </a:solidFill>
+                <a:uFill>
+                  <a:solidFill>
+                    <a:srgbClr val="ffffff"/>
+                  </a:solidFill>
+                </a:uFill>
+                <a:latin typeface="Arial"/>
+              </a:rPr>
+              <a:t>e</a:t>
+            </a:r>
+            <a:r>
+              <a:rPr b="0" lang="fr-FR" sz="1800" spc="-1" strike="noStrike">
+                <a:solidFill>
+                  <a:srgbClr val="000000"/>
+                </a:solidFill>
+                <a:uFill>
+                  <a:solidFill>
+                    <a:srgbClr val="ffffff"/>
+                  </a:solidFill>
+                </a:uFill>
+                <a:latin typeface="Arial"/>
+              </a:rPr>
+              <a:t>-</a:t>
+            </a:r>
+            <a:r>
+              <a:rPr b="0" lang="fr-FR" sz="1800" spc="-1" strike="noStrike">
+                <a:solidFill>
+                  <a:srgbClr val="000000"/>
+                </a:solidFill>
+                <a:uFill>
+                  <a:solidFill>
+                    <a:srgbClr val="ffffff"/>
+                  </a:solidFill>
+                </a:uFill>
+                <a:latin typeface="Arial"/>
+              </a:rPr>
+              <a:t>ti</a:t>
+            </a:r>
+            <a:r>
+              <a:rPr b="0" lang="fr-FR" sz="1800" spc="-1" strike="noStrike">
+                <a:solidFill>
+                  <a:srgbClr val="000000"/>
+                </a:solidFill>
+                <a:uFill>
+                  <a:solidFill>
+                    <a:srgbClr val="ffffff"/>
+                  </a:solidFill>
+                </a:uFill>
+                <a:latin typeface="Arial"/>
+              </a:rPr>
+              <a:t>tr</a:t>
+            </a:r>
+            <a:r>
+              <a:rPr b="0" lang="fr-FR" sz="1800" spc="-1" strike="noStrike">
+                <a:solidFill>
+                  <a:srgbClr val="000000"/>
+                </a:solidFill>
+                <a:uFill>
+                  <a:solidFill>
+                    <a:srgbClr val="ffffff"/>
+                  </a:solidFill>
+                </a:uFill>
+                <a:latin typeface="Arial"/>
+              </a:rPr>
+              <a:t>e</a:t>
+            </a:r>
+            <a:endParaRPr b="0" lang="fr-FR" sz="1800" spc="-1" strike="noStrike">
+              <a:solidFill>
+                <a:srgbClr val="000000"/>
+              </a:solidFill>
+              <a:uFill>
+                <a:solidFill>
+                  <a:srgbClr val="ffffff"/>
+                </a:solidFill>
+              </a:uFill>
+              <a:latin typeface="Arial"/>
+            </a:endParaRPr>
+          </a:p>
+        </p:txBody>
+      </p:sp>
+      <p:sp>
+        <p:nvSpPr>
+          <p:cNvPr id="39" name="PlaceHolder 2"/>
+          <p:cNvSpPr>
+            <a:spLocks noGrp="1"/>
+          </p:cNvSpPr>
+          <p:nvPr>
+            <p:ph type="body"/>
+          </p:nvPr>
+        </p:nvSpPr>
+        <p:spPr>
+          <a:xfrm>
+            <a:off x="457200" y="1604520"/>
+            <a:ext cx="8228880" cy="3976920"/>
+          </a:xfrm>
+          <a:prstGeom prst="rect">
+            <a:avLst/>
+          </a:prstGeom>
+        </p:spPr>
+        <p:txBody>
+          <a:bodyPr lIns="0" rIns="0" tIns="0" bIns="0">
+            <a:normAutofit/>
+          </a:bodyPr>
+          <a:p>
+            <a:pPr marL="432000" indent="-324000">
+              <a:spcBef>
+                <a:spcPts val="1417"/>
+              </a:spcBef>
+              <a:buClr>
+                <a:srgbClr val="000000"/>
+              </a:buClr>
+              <a:buSzPct val="45000"/>
+              <a:buFont typeface="Wingdings" charset="2"/>
+              <a:buChar char=""/>
+            </a:pPr>
+            <a:r>
+              <a:rPr b="0" lang="fr-FR" sz="1800" spc="-1" strike="noStrike">
+                <a:solidFill>
+                  <a:srgbClr val="000000"/>
+                </a:solidFill>
+                <a:uFill>
+                  <a:solidFill>
+                    <a:srgbClr val="ffffff"/>
+                  </a:solidFill>
+                </a:uFill>
+                <a:latin typeface="Arial"/>
+              </a:rPr>
+              <a:t>Cliquez pour éditer le format du plan de texte</a:t>
+            </a:r>
+            <a:endParaRPr b="0" lang="fr-FR" sz="1800" spc="-1" strike="noStrike">
+              <a:solidFill>
+                <a:srgbClr val="000000"/>
+              </a:solidFill>
+              <a:uFill>
+                <a:solidFill>
+                  <a:srgbClr val="ffffff"/>
+                </a:solidFill>
+              </a:uFill>
+              <a:latin typeface="Arial"/>
+            </a:endParaRPr>
+          </a:p>
+          <a:p>
+            <a:pPr lvl="1" marL="864000" indent="-324000">
+              <a:spcBef>
+                <a:spcPts val="1134"/>
+              </a:spcBef>
+              <a:buClr>
+                <a:srgbClr val="000000"/>
+              </a:buClr>
+              <a:buSzPct val="75000"/>
+              <a:buFont typeface="Symbol" charset="2"/>
+              <a:buChar char=""/>
+            </a:pPr>
+            <a:r>
+              <a:rPr b="0" lang="fr-FR" sz="1800" spc="-1" strike="noStrike">
+                <a:solidFill>
+                  <a:srgbClr val="000000"/>
+                </a:solidFill>
+                <a:uFill>
+                  <a:solidFill>
+                    <a:srgbClr val="ffffff"/>
+                  </a:solidFill>
+                </a:uFill>
+                <a:latin typeface="Arial"/>
+              </a:rPr>
+              <a:t>Second niveau de plan</a:t>
+            </a:r>
+            <a:endParaRPr b="0" lang="fr-FR" sz="1800" spc="-1" strike="noStrike">
+              <a:solidFill>
+                <a:srgbClr val="000000"/>
+              </a:solidFill>
+              <a:uFill>
+                <a:solidFill>
+                  <a:srgbClr val="ffffff"/>
+                </a:solidFill>
+              </a:uFill>
+              <a:latin typeface="Arial"/>
+            </a:endParaRPr>
+          </a:p>
+          <a:p>
+            <a:pPr lvl="2" marL="1296000" indent="-288000">
+              <a:spcBef>
+                <a:spcPts val="850"/>
+              </a:spcBef>
+              <a:buClr>
+                <a:srgbClr val="000000"/>
+              </a:buClr>
+              <a:buSzPct val="45000"/>
+              <a:buFont typeface="Wingdings" charset="2"/>
+              <a:buChar char=""/>
+            </a:pPr>
+            <a:r>
+              <a:rPr b="0" lang="fr-FR" sz="1800" spc="-1" strike="noStrike">
+                <a:solidFill>
+                  <a:srgbClr val="000000"/>
+                </a:solidFill>
+                <a:uFill>
+                  <a:solidFill>
+                    <a:srgbClr val="ffffff"/>
+                  </a:solidFill>
+                </a:uFill>
+                <a:latin typeface="Arial"/>
+              </a:rPr>
+              <a:t>Troisième niveau de plan</a:t>
+            </a:r>
+            <a:endParaRPr b="0" lang="fr-FR" sz="1800" spc="-1" strike="noStrike">
+              <a:solidFill>
+                <a:srgbClr val="000000"/>
+              </a:solidFill>
+              <a:uFill>
+                <a:solidFill>
+                  <a:srgbClr val="ffffff"/>
+                </a:solidFill>
+              </a:uFill>
+              <a:latin typeface="Arial"/>
+            </a:endParaRPr>
+          </a:p>
+          <a:p>
+            <a:pPr lvl="3" marL="1728000" indent="-216000">
+              <a:spcBef>
+                <a:spcPts val="567"/>
+              </a:spcBef>
+              <a:buClr>
+                <a:srgbClr val="000000"/>
+              </a:buClr>
+              <a:buSzPct val="75000"/>
+              <a:buFont typeface="Symbol" charset="2"/>
+              <a:buChar char=""/>
+            </a:pPr>
+            <a:r>
+              <a:rPr b="0" lang="fr-FR" sz="1800" spc="-1" strike="noStrike">
+                <a:solidFill>
+                  <a:srgbClr val="000000"/>
+                </a:solidFill>
+                <a:uFill>
+                  <a:solidFill>
+                    <a:srgbClr val="ffffff"/>
+                  </a:solidFill>
+                </a:uFill>
+                <a:latin typeface="Arial"/>
+              </a:rPr>
+              <a:t>Quatrième niveau de plan</a:t>
+            </a:r>
+            <a:endParaRPr b="0" lang="fr-FR" sz="1800" spc="-1" strike="noStrike">
+              <a:solidFill>
+                <a:srgbClr val="000000"/>
+              </a:solidFill>
+              <a:uFill>
+                <a:solidFill>
+                  <a:srgbClr val="ffffff"/>
+                </a:solidFill>
+              </a:uFill>
+              <a:latin typeface="Arial"/>
+            </a:endParaRPr>
+          </a:p>
+          <a:p>
+            <a:pPr lvl="4" marL="2160000" indent="-216000">
+              <a:spcBef>
+                <a:spcPts val="283"/>
+              </a:spcBef>
+              <a:buClr>
+                <a:srgbClr val="000000"/>
+              </a:buClr>
+              <a:buSzPct val="45000"/>
+              <a:buFont typeface="Wingdings" charset="2"/>
+              <a:buChar char=""/>
+            </a:pPr>
+            <a:r>
+              <a:rPr b="0" lang="fr-FR" sz="1800" spc="-1" strike="noStrike">
+                <a:solidFill>
+                  <a:srgbClr val="000000"/>
+                </a:solidFill>
+                <a:uFill>
+                  <a:solidFill>
+                    <a:srgbClr val="ffffff"/>
+                  </a:solidFill>
+                </a:uFill>
+                <a:latin typeface="Arial"/>
+              </a:rPr>
+              <a:t>Cinquième niveau de plan</a:t>
+            </a:r>
+            <a:endParaRPr b="0" lang="fr-FR" sz="1800" spc="-1" strike="noStrike">
+              <a:solidFill>
+                <a:srgbClr val="000000"/>
+              </a:solidFill>
+              <a:uFill>
+                <a:solidFill>
+                  <a:srgbClr val="ffffff"/>
+                </a:solidFill>
+              </a:uFill>
+              <a:latin typeface="Arial"/>
+            </a:endParaRPr>
+          </a:p>
+          <a:p>
+            <a:pPr lvl="5" marL="2592000" indent="-216000">
+              <a:spcBef>
+                <a:spcPts val="283"/>
+              </a:spcBef>
+              <a:buClr>
+                <a:srgbClr val="000000"/>
+              </a:buClr>
+              <a:buSzPct val="45000"/>
+              <a:buFont typeface="Wingdings" charset="2"/>
+              <a:buChar char=""/>
+            </a:pPr>
+            <a:r>
+              <a:rPr b="0" lang="fr-FR" sz="1800" spc="-1" strike="noStrike">
+                <a:solidFill>
+                  <a:srgbClr val="000000"/>
+                </a:solidFill>
+                <a:uFill>
+                  <a:solidFill>
+                    <a:srgbClr val="ffffff"/>
+                  </a:solidFill>
+                </a:uFill>
+                <a:latin typeface="Arial"/>
+              </a:rPr>
+              <a:t>Sixième niveau de plan</a:t>
+            </a:r>
+            <a:endParaRPr b="0" lang="fr-FR" sz="1800" spc="-1" strike="noStrike">
+              <a:solidFill>
+                <a:srgbClr val="000000"/>
+              </a:solidFill>
+              <a:uFill>
+                <a:solidFill>
+                  <a:srgbClr val="ffffff"/>
+                </a:solidFill>
+              </a:uFill>
+              <a:latin typeface="Arial"/>
+            </a:endParaRPr>
+          </a:p>
+          <a:p>
+            <a:pPr lvl="6" marL="3024000" indent="-216000">
+              <a:spcBef>
+                <a:spcPts val="283"/>
+              </a:spcBef>
+              <a:buClr>
+                <a:srgbClr val="000000"/>
+              </a:buClr>
+              <a:buSzPct val="45000"/>
+              <a:buFont typeface="Wingdings" charset="2"/>
+              <a:buChar char=""/>
+            </a:pPr>
+            <a:r>
+              <a:rPr b="0" lang="fr-FR" sz="1800" spc="-1" strike="noStrike">
+                <a:solidFill>
+                  <a:srgbClr val="000000"/>
+                </a:solidFill>
+                <a:uFill>
+                  <a:solidFill>
+                    <a:srgbClr val="ffffff"/>
+                  </a:solidFill>
+                </a:uFill>
+                <a:latin typeface="Arial"/>
+              </a:rPr>
+              <a:t>Septième niveau de plan</a:t>
+            </a:r>
+            <a:endParaRPr b="0" lang="fr-FR" sz="1800" spc="-1" strike="noStrike">
+              <a:solidFill>
+                <a:srgbClr val="000000"/>
+              </a:solidFill>
+              <a:uFill>
+                <a:solidFill>
+                  <a:srgbClr val="ffffff"/>
+                </a:solidFill>
+              </a:uFill>
+              <a:latin typeface="Arial"/>
+            </a:endParaRPr>
+          </a:p>
+        </p:txBody>
+      </p:sp>
+    </p:spTree>
+  </p:cSld>
+  <p:clrMap bg1="lt1" bg2="lt2" tx1="dk1" tx2="dk2" accent1="accent1" accent2="accent2" accent3="accent3" accent4="accent4" accent5="accent5" accent6="accent6" hlink="hlink" folHlink="folHlink"/>
+  <p:sldLayoutIdLst>
+    <p:sldLayoutId id="2147483662" r:id="rId2"/>
+    <p:sldLayoutId id="2147483663" r:id="rId3"/>
+    <p:sldLayoutId id="2147483664" r:id="rId4"/>
+    <p:sldLayoutId id="2147483665" r:id="rId5"/>
+    <p:sldLayoutId id="2147483666" r:id="rId6"/>
+    <p:sldLayoutId id="2147483667" r:id="rId7"/>
+    <p:sldLayoutId id="2147483668" r:id="rId8"/>
+    <p:sldLayoutId id="2147483669" r:id="rId9"/>
+    <p:sldLayoutId id="2147483670" r:id="rId10"/>
+    <p:sldLayoutId id="2147483671" r:id="rId11"/>
+    <p:sldLayoutId id="2147483672" r:id="rId12"/>
+    <p:sldLayoutId id="2147483673" r:id="rId13"/>
   </p:sldLayoutIdLst>
 </p:sldMaster>
 </file>
@@ -2181,14 +4970,14 @@
       </p:grpSpPr>
       <p:sp>
         <p:nvSpPr>
-          <p:cNvPr id="41" name="CustomShape 1"/>
+          <p:cNvPr id="76" name="CustomShape 1"/>
           <p:cNvSpPr/>
           <p:nvPr/>
         </p:nvSpPr>
         <p:spPr>
           <a:xfrm>
             <a:off x="1071720" y="1113480"/>
-            <a:ext cx="499680" cy="358200"/>
+            <a:ext cx="499320" cy="357840"/>
           </a:xfrm>
           <a:custGeom>
             <a:avLst/>
@@ -2230,14 +5019,14 @@
       </p:sp>
       <p:sp>
         <p:nvSpPr>
-          <p:cNvPr id="42" name="CustomShape 2"/>
+          <p:cNvPr id="77" name="CustomShape 2"/>
           <p:cNvSpPr/>
           <p:nvPr/>
         </p:nvSpPr>
         <p:spPr>
           <a:xfrm flipV="1">
             <a:off x="1071360" y="1471320"/>
-            <a:ext cx="499680" cy="355320"/>
+            <a:ext cx="499320" cy="354960"/>
           </a:xfrm>
           <a:custGeom>
             <a:avLst/>
@@ -2279,14 +5068,14 @@
       </p:sp>
       <p:sp>
         <p:nvSpPr>
-          <p:cNvPr id="43" name="CustomShape 3"/>
+          <p:cNvPr id="78" name="CustomShape 3"/>
           <p:cNvSpPr/>
           <p:nvPr/>
         </p:nvSpPr>
         <p:spPr>
           <a:xfrm>
             <a:off x="7360920" y="1465920"/>
-            <a:ext cx="496800" cy="4320"/>
+            <a:ext cx="496440" cy="3960"/>
           </a:xfrm>
           <a:custGeom>
             <a:avLst/>
@@ -2328,14 +5117,14 @@
       </p:sp>
       <p:sp>
         <p:nvSpPr>
-          <p:cNvPr id="44" name="CustomShape 4"/>
+          <p:cNvPr id="79" name="CustomShape 4"/>
           <p:cNvSpPr/>
           <p:nvPr/>
         </p:nvSpPr>
         <p:spPr>
           <a:xfrm>
             <a:off x="4929120" y="2393280"/>
-            <a:ext cx="285480" cy="1080"/>
+            <a:ext cx="285120" cy="720"/>
           </a:xfrm>
           <a:custGeom>
             <a:avLst/>
@@ -2377,14 +5166,14 @@
       </p:sp>
       <p:sp>
         <p:nvSpPr>
-          <p:cNvPr id="45" name="CustomShape 5"/>
+          <p:cNvPr id="80" name="CustomShape 5"/>
           <p:cNvSpPr/>
           <p:nvPr/>
         </p:nvSpPr>
         <p:spPr>
           <a:xfrm>
             <a:off x="3500280" y="2071800"/>
-            <a:ext cx="1428480" cy="642600"/>
+            <a:ext cx="1428120" cy="642240"/>
           </a:xfrm>
           <a:prstGeom prst="rect">
             <a:avLst/>
@@ -2426,6 +5215,7 @@
                   </a:solidFill>
                 </a:uFill>
                 <a:latin typeface="Calibri"/>
+                <a:ea typeface="DejaVu Sans"/>
               </a:rPr>
               <a:t>Low pass filter</a:t>
             </a:r>
@@ -2445,14 +5235,14 @@
       </p:sp>
       <p:sp>
         <p:nvSpPr>
-          <p:cNvPr id="46" name="CustomShape 6"/>
+          <p:cNvPr id="81" name="CustomShape 6"/>
           <p:cNvSpPr/>
           <p:nvPr/>
         </p:nvSpPr>
         <p:spPr>
           <a:xfrm flipH="1" rot="16200000">
-            <a:off x="1647360" y="1755720"/>
-            <a:ext cx="740880" cy="533880"/>
+            <a:off x="1647360" y="1756080"/>
+            <a:ext cx="740520" cy="533520"/>
           </a:xfrm>
           <a:custGeom>
             <a:avLst/>
@@ -2494,14 +5284,14 @@
       </p:sp>
       <p:sp>
         <p:nvSpPr>
-          <p:cNvPr id="47" name="CustomShape 7"/>
+          <p:cNvPr id="82" name="CustomShape 7"/>
           <p:cNvSpPr/>
           <p:nvPr/>
         </p:nvSpPr>
         <p:spPr>
           <a:xfrm>
             <a:off x="142920" y="1643040"/>
-            <a:ext cx="928440" cy="364680"/>
+            <a:ext cx="928080" cy="364320"/>
           </a:xfrm>
           <a:prstGeom prst="rect">
             <a:avLst/>
@@ -2538,6 +5328,7 @@
                   </a:solidFill>
                 </a:uFill>
                 <a:latin typeface="Calibri"/>
+                <a:ea typeface="DejaVu Sans"/>
               </a:rPr>
               <a:t>target</a:t>
             </a:r>
@@ -2557,14 +5348,14 @@
       </p:sp>
       <p:sp>
         <p:nvSpPr>
-          <p:cNvPr id="48" name="CustomShape 8"/>
+          <p:cNvPr id="83" name="CustomShape 8"/>
           <p:cNvSpPr/>
           <p:nvPr/>
         </p:nvSpPr>
         <p:spPr>
           <a:xfrm>
             <a:off x="142920" y="928800"/>
-            <a:ext cx="928440" cy="364680"/>
+            <a:ext cx="928080" cy="364320"/>
           </a:xfrm>
           <a:prstGeom prst="rect">
             <a:avLst/>
@@ -2601,6 +5392,7 @@
                   </a:solidFill>
                 </a:uFill>
                 <a:latin typeface="Calibri"/>
+                <a:ea typeface="DejaVu Sans"/>
               </a:rPr>
               <a:t>actual</a:t>
             </a:r>
@@ -2620,14 +5412,14 @@
       </p:sp>
       <p:sp>
         <p:nvSpPr>
-          <p:cNvPr id="49" name="CustomShape 9"/>
+          <p:cNvPr id="84" name="CustomShape 9"/>
           <p:cNvSpPr/>
           <p:nvPr/>
         </p:nvSpPr>
         <p:spPr>
           <a:xfrm>
             <a:off x="1571760" y="1292040"/>
-            <a:ext cx="359640" cy="359640"/>
+            <a:ext cx="359280" cy="359280"/>
           </a:xfrm>
           <a:prstGeom prst="ellipse">
             <a:avLst/>
@@ -2669,6 +5461,7 @@
                   </a:solidFill>
                 </a:uFill>
                 <a:latin typeface="Calibri"/>
+                <a:ea typeface="DejaVu Sans"/>
               </a:rPr>
               <a:t>-</a:t>
             </a:r>
@@ -2688,14 +5481,14 @@
       </p:sp>
       <p:sp>
         <p:nvSpPr>
-          <p:cNvPr id="50" name="CustomShape 10"/>
+          <p:cNvPr id="85" name="CustomShape 10"/>
           <p:cNvSpPr/>
           <p:nvPr/>
         </p:nvSpPr>
         <p:spPr>
           <a:xfrm flipV="1">
-            <a:off x="1931760" y="1464480"/>
-            <a:ext cx="3282840" cy="7200"/>
+            <a:off x="1931760" y="1463760"/>
+            <a:ext cx="3282480" cy="6840"/>
           </a:xfrm>
           <a:custGeom>
             <a:avLst/>
@@ -2737,14 +5530,14 @@
       </p:sp>
       <p:sp>
         <p:nvSpPr>
-          <p:cNvPr id="51" name="CustomShape 11"/>
+          <p:cNvPr id="86" name="CustomShape 11"/>
           <p:cNvSpPr/>
           <p:nvPr/>
         </p:nvSpPr>
         <p:spPr>
           <a:xfrm>
             <a:off x="2286000" y="2071800"/>
-            <a:ext cx="928440" cy="642600"/>
+            <a:ext cx="928080" cy="642240"/>
           </a:xfrm>
           <a:prstGeom prst="rect">
             <a:avLst/>
@@ -2786,6 +5579,7 @@
                   </a:solidFill>
                 </a:uFill>
                 <a:latin typeface="Calibri"/>
+                <a:ea typeface="DejaVu Sans"/>
               </a:rPr>
               <a:t>Delta(t)</a:t>
             </a:r>
@@ -2805,14 +5599,14 @@
       </p:sp>
       <p:sp>
         <p:nvSpPr>
-          <p:cNvPr id="52" name="CustomShape 12"/>
+          <p:cNvPr id="87" name="CustomShape 12"/>
           <p:cNvSpPr/>
           <p:nvPr/>
         </p:nvSpPr>
         <p:spPr>
           <a:xfrm>
             <a:off x="3214800" y="2393280"/>
-            <a:ext cx="285480" cy="1080"/>
+            <a:ext cx="285120" cy="720"/>
           </a:xfrm>
           <a:custGeom>
             <a:avLst/>
@@ -2854,14 +5648,14 @@
       </p:sp>
       <p:sp>
         <p:nvSpPr>
-          <p:cNvPr id="53" name="CustomShape 13"/>
+          <p:cNvPr id="88" name="CustomShape 13"/>
           <p:cNvSpPr/>
           <p:nvPr/>
         </p:nvSpPr>
         <p:spPr>
           <a:xfrm flipV="1">
             <a:off x="1931760" y="606600"/>
-            <a:ext cx="568440" cy="864360"/>
+            <a:ext cx="568080" cy="864000"/>
           </a:xfrm>
           <a:custGeom>
             <a:avLst/>
@@ -2903,14 +5697,14 @@
       </p:sp>
       <p:sp>
         <p:nvSpPr>
-          <p:cNvPr id="54" name="CustomShape 14"/>
+          <p:cNvPr id="89" name="CustomShape 14"/>
           <p:cNvSpPr/>
           <p:nvPr/>
         </p:nvSpPr>
         <p:spPr>
           <a:xfrm>
             <a:off x="2500200" y="285840"/>
-            <a:ext cx="1142640" cy="642600"/>
+            <a:ext cx="1142280" cy="642240"/>
           </a:xfrm>
           <a:prstGeom prst="rect">
             <a:avLst/>
@@ -2952,6 +5746,7 @@
                   </a:solidFill>
                 </a:uFill>
                 <a:latin typeface="Calibri"/>
+                <a:ea typeface="DejaVu Sans"/>
               </a:rPr>
               <a:t>Integral(t)</a:t>
             </a:r>
@@ -2971,14 +5766,14 @@
       </p:sp>
       <p:sp>
         <p:nvSpPr>
-          <p:cNvPr id="55" name="CustomShape 15"/>
+          <p:cNvPr id="90" name="CustomShape 15"/>
           <p:cNvSpPr/>
           <p:nvPr/>
         </p:nvSpPr>
         <p:spPr>
           <a:xfrm>
             <a:off x="3929040" y="285840"/>
-            <a:ext cx="928440" cy="642600"/>
+            <a:ext cx="928080" cy="642240"/>
           </a:xfrm>
           <a:prstGeom prst="rect">
             <a:avLst/>
@@ -3020,6 +5815,7 @@
                   </a:solidFill>
                 </a:uFill>
                 <a:latin typeface="Calibri"/>
+                <a:ea typeface="DejaVu Sans"/>
               </a:rPr>
               <a:t>Limiter</a:t>
             </a:r>
@@ -3039,14 +5835,14 @@
       </p:sp>
       <p:sp>
         <p:nvSpPr>
-          <p:cNvPr id="56" name="CustomShape 16"/>
+          <p:cNvPr id="91" name="CustomShape 16"/>
           <p:cNvSpPr/>
           <p:nvPr/>
         </p:nvSpPr>
         <p:spPr>
           <a:xfrm>
             <a:off x="3643200" y="607320"/>
-            <a:ext cx="285480" cy="1080"/>
+            <a:ext cx="285120" cy="720"/>
           </a:xfrm>
           <a:custGeom>
             <a:avLst/>
@@ -3088,14 +5884,14 @@
       </p:sp>
       <p:sp>
         <p:nvSpPr>
-          <p:cNvPr id="57" name="CustomShape 17"/>
+          <p:cNvPr id="92" name="CustomShape 17"/>
           <p:cNvSpPr/>
           <p:nvPr/>
         </p:nvSpPr>
         <p:spPr>
           <a:xfrm>
             <a:off x="5214960" y="285840"/>
-            <a:ext cx="928440" cy="642600"/>
+            <a:ext cx="928080" cy="642240"/>
           </a:xfrm>
           <a:prstGeom prst="rect">
             <a:avLst/>
@@ -3137,6 +5933,7 @@
                   </a:solidFill>
                 </a:uFill>
                 <a:latin typeface="Calibri"/>
+                <a:ea typeface="DejaVu Sans"/>
               </a:rPr>
               <a:t>*(-Ki)</a:t>
             </a:r>
@@ -3156,14 +5953,14 @@
       </p:sp>
       <p:sp>
         <p:nvSpPr>
-          <p:cNvPr id="58" name="CustomShape 18"/>
+          <p:cNvPr id="93" name="CustomShape 18"/>
           <p:cNvSpPr/>
           <p:nvPr/>
         </p:nvSpPr>
         <p:spPr>
           <a:xfrm>
             <a:off x="5214960" y="2071800"/>
-            <a:ext cx="928440" cy="642600"/>
+            <a:ext cx="928080" cy="642240"/>
           </a:xfrm>
           <a:prstGeom prst="rect">
             <a:avLst/>
@@ -3205,6 +6002,7 @@
                   </a:solidFill>
                 </a:uFill>
                 <a:latin typeface="Calibri"/>
+                <a:ea typeface="DejaVu Sans"/>
               </a:rPr>
               <a:t>*(-Kd)</a:t>
             </a:r>
@@ -3224,14 +6022,14 @@
       </p:sp>
       <p:sp>
         <p:nvSpPr>
-          <p:cNvPr id="59" name="CustomShape 19"/>
+          <p:cNvPr id="94" name="CustomShape 19"/>
           <p:cNvSpPr/>
           <p:nvPr/>
         </p:nvSpPr>
         <p:spPr>
           <a:xfrm>
             <a:off x="4857840" y="607320"/>
-            <a:ext cx="356760" cy="1080"/>
+            <a:ext cx="356400" cy="720"/>
           </a:xfrm>
           <a:custGeom>
             <a:avLst/>
@@ -3273,14 +6071,14 @@
       </p:sp>
       <p:sp>
         <p:nvSpPr>
-          <p:cNvPr id="60" name="CustomShape 20"/>
+          <p:cNvPr id="95" name="CustomShape 20"/>
           <p:cNvSpPr/>
           <p:nvPr/>
         </p:nvSpPr>
         <p:spPr>
           <a:xfrm>
             <a:off x="5214960" y="1143000"/>
-            <a:ext cx="928440" cy="642600"/>
+            <a:ext cx="928080" cy="642240"/>
           </a:xfrm>
           <a:prstGeom prst="rect">
             <a:avLst/>
@@ -3322,6 +6120,7 @@
                   </a:solidFill>
                 </a:uFill>
                 <a:latin typeface="Calibri"/>
+                <a:ea typeface="DejaVu Sans"/>
               </a:rPr>
               <a:t>*(-Kp)</a:t>
             </a:r>
@@ -3341,14 +6140,14 @@
       </p:sp>
       <p:sp>
         <p:nvSpPr>
-          <p:cNvPr id="61" name="CustomShape 21"/>
+          <p:cNvPr id="96" name="CustomShape 21"/>
           <p:cNvSpPr/>
           <p:nvPr/>
         </p:nvSpPr>
         <p:spPr>
           <a:xfrm>
             <a:off x="7000920" y="1285920"/>
-            <a:ext cx="359640" cy="359640"/>
+            <a:ext cx="359280" cy="359280"/>
           </a:xfrm>
           <a:prstGeom prst="ellipse">
             <a:avLst/>
@@ -3390,6 +6189,7 @@
                   </a:solidFill>
                 </a:uFill>
                 <a:latin typeface="Calibri"/>
+                <a:ea typeface="DejaVu Sans"/>
               </a:rPr>
               <a:t>+</a:t>
             </a:r>
@@ -3409,14 +6209,14 @@
       </p:sp>
       <p:sp>
         <p:nvSpPr>
-          <p:cNvPr id="62" name="CustomShape 22"/>
+          <p:cNvPr id="97" name="CustomShape 22"/>
           <p:cNvSpPr/>
           <p:nvPr/>
         </p:nvSpPr>
         <p:spPr>
           <a:xfrm>
             <a:off x="6143760" y="607320"/>
-            <a:ext cx="909720" cy="731160"/>
+            <a:ext cx="909360" cy="730800"/>
           </a:xfrm>
           <a:custGeom>
             <a:avLst/>
@@ -3458,14 +6258,14 @@
       </p:sp>
       <p:sp>
         <p:nvSpPr>
-          <p:cNvPr id="63" name="CustomShape 23"/>
+          <p:cNvPr id="98" name="CustomShape 23"/>
           <p:cNvSpPr/>
           <p:nvPr/>
         </p:nvSpPr>
         <p:spPr>
           <a:xfrm>
             <a:off x="6143760" y="1464480"/>
-            <a:ext cx="856800" cy="1080"/>
+            <a:ext cx="856440" cy="720"/>
           </a:xfrm>
           <a:custGeom>
             <a:avLst/>
@@ -3507,14 +6307,14 @@
       </p:sp>
       <p:sp>
         <p:nvSpPr>
-          <p:cNvPr id="64" name="CustomShape 24"/>
+          <p:cNvPr id="99" name="CustomShape 24"/>
           <p:cNvSpPr/>
           <p:nvPr/>
         </p:nvSpPr>
         <p:spPr>
           <a:xfrm flipV="1">
             <a:off x="6143760" y="1592280"/>
-            <a:ext cx="909720" cy="799560"/>
+            <a:ext cx="909360" cy="799200"/>
           </a:xfrm>
           <a:custGeom>
             <a:avLst/>
@@ -3556,14 +6356,14 @@
       </p:sp>
       <p:sp>
         <p:nvSpPr>
-          <p:cNvPr id="65" name="CustomShape 25"/>
+          <p:cNvPr id="100" name="CustomShape 25"/>
           <p:cNvSpPr/>
           <p:nvPr/>
         </p:nvSpPr>
         <p:spPr>
           <a:xfrm>
             <a:off x="1357200" y="142920"/>
-            <a:ext cx="6214680" cy="2714400"/>
+            <a:ext cx="6214320" cy="2714040"/>
           </a:xfrm>
           <a:prstGeom prst="rect">
             <a:avLst/>
@@ -3593,14 +6393,14 @@
       </p:sp>
       <p:sp>
         <p:nvSpPr>
-          <p:cNvPr id="66" name="CustomShape 26"/>
+          <p:cNvPr id="101" name="CustomShape 26"/>
           <p:cNvSpPr/>
           <p:nvPr/>
         </p:nvSpPr>
         <p:spPr>
           <a:xfrm>
             <a:off x="6429240" y="2500200"/>
-            <a:ext cx="1142640" cy="364680"/>
+            <a:ext cx="1142280" cy="364320"/>
           </a:xfrm>
           <a:prstGeom prst="rect">
             <a:avLst/>
@@ -3635,6 +6435,7 @@
                   </a:solidFill>
                 </a:uFill>
                 <a:latin typeface="Calibri"/>
+                <a:ea typeface="DejaVu Sans"/>
               </a:rPr>
               <a:t>PID block</a:t>
             </a:r>
@@ -3654,14 +6455,14 @@
       </p:sp>
       <p:sp>
         <p:nvSpPr>
-          <p:cNvPr id="67" name="CustomShape 27"/>
+          <p:cNvPr id="102" name="CustomShape 27"/>
           <p:cNvSpPr/>
           <p:nvPr/>
         </p:nvSpPr>
         <p:spPr>
           <a:xfrm>
             <a:off x="7858080" y="1285920"/>
-            <a:ext cx="928440" cy="364680"/>
+            <a:ext cx="928080" cy="364320"/>
           </a:xfrm>
           <a:prstGeom prst="rect">
             <a:avLst/>
@@ -3698,6 +6499,7 @@
                   </a:solidFill>
                 </a:uFill>
                 <a:latin typeface="Calibri"/>
+                <a:ea typeface="DejaVu Sans"/>
               </a:rPr>
               <a:t>output</a:t>
             </a:r>
@@ -3766,14 +6568,14 @@
       </p:grpSpPr>
       <p:sp>
         <p:nvSpPr>
-          <p:cNvPr id="68" name="CustomShape 1"/>
+          <p:cNvPr id="103" name="CustomShape 1"/>
           <p:cNvSpPr/>
           <p:nvPr/>
         </p:nvSpPr>
         <p:spPr>
           <a:xfrm>
             <a:off x="3921480" y="574200"/>
-            <a:ext cx="1001520" cy="639000"/>
+            <a:ext cx="1001160" cy="638640"/>
           </a:xfrm>
           <a:prstGeom prst="rect">
             <a:avLst/>
@@ -3810,6 +6612,7 @@
                   </a:solidFill>
                 </a:uFill>
                 <a:latin typeface="Calibri"/>
+                <a:ea typeface="DejaVu Sans"/>
               </a:rPr>
               <a:t>desired roll rate</a:t>
             </a:r>
@@ -3829,14 +6632,14 @@
       </p:sp>
       <p:sp>
         <p:nvSpPr>
-          <p:cNvPr id="69" name="CustomShape 2"/>
+          <p:cNvPr id="104" name="CustomShape 2"/>
           <p:cNvSpPr/>
           <p:nvPr/>
         </p:nvSpPr>
         <p:spPr>
           <a:xfrm>
             <a:off x="3929040" y="71280"/>
-            <a:ext cx="999720" cy="364680"/>
+            <a:ext cx="999360" cy="364320"/>
           </a:xfrm>
           <a:prstGeom prst="rect">
             <a:avLst/>
@@ -3873,6 +6676,7 @@
                   </a:solidFill>
                 </a:uFill>
                 <a:latin typeface="Calibri"/>
+                <a:ea typeface="DejaVu Sans"/>
               </a:rPr>
               <a:t>roll rate</a:t>
             </a:r>
@@ -3892,14 +6696,14 @@
       </p:sp>
       <p:sp>
         <p:nvSpPr>
-          <p:cNvPr id="70" name="CustomShape 3"/>
+          <p:cNvPr id="105" name="CustomShape 3"/>
           <p:cNvSpPr/>
           <p:nvPr/>
         </p:nvSpPr>
         <p:spPr>
           <a:xfrm>
             <a:off x="5286240" y="258120"/>
-            <a:ext cx="713880" cy="642600"/>
+            <a:ext cx="713520" cy="642240"/>
           </a:xfrm>
           <a:prstGeom prst="rect">
             <a:avLst/>
@@ -3941,6 +6745,7 @@
                   </a:solidFill>
                 </a:uFill>
                 <a:latin typeface="Calibri"/>
+                <a:ea typeface="DejaVu Sans"/>
               </a:rPr>
               <a:t>PID</a:t>
             </a:r>
@@ -3960,14 +6765,14 @@
       </p:sp>
       <p:sp>
         <p:nvSpPr>
-          <p:cNvPr id="71" name="CustomShape 4"/>
+          <p:cNvPr id="106" name="CustomShape 4"/>
           <p:cNvSpPr/>
           <p:nvPr/>
         </p:nvSpPr>
         <p:spPr>
           <a:xfrm>
             <a:off x="4929120" y="255960"/>
-            <a:ext cx="356760" cy="323280"/>
+            <a:ext cx="356400" cy="322920"/>
           </a:xfrm>
           <a:custGeom>
             <a:avLst/>
@@ -4009,14 +6814,14 @@
       </p:sp>
       <p:sp>
         <p:nvSpPr>
-          <p:cNvPr id="72" name="CustomShape 5"/>
+          <p:cNvPr id="107" name="CustomShape 5"/>
           <p:cNvSpPr/>
           <p:nvPr/>
         </p:nvSpPr>
         <p:spPr>
           <a:xfrm flipV="1">
             <a:off x="4923360" y="578880"/>
-            <a:ext cx="362520" cy="317160"/>
+            <a:ext cx="362160" cy="316800"/>
           </a:xfrm>
           <a:custGeom>
             <a:avLst/>
@@ -4058,14 +6863,14 @@
       </p:sp>
       <p:sp>
         <p:nvSpPr>
-          <p:cNvPr id="73" name="CustomShape 6"/>
+          <p:cNvPr id="108" name="CustomShape 6"/>
           <p:cNvSpPr/>
           <p:nvPr/>
         </p:nvSpPr>
         <p:spPr>
           <a:xfrm flipV="1">
-            <a:off x="6000840" y="578160"/>
-            <a:ext cx="285480" cy="360"/>
+            <a:off x="6000840" y="577440"/>
+            <a:ext cx="285120" cy="360"/>
           </a:xfrm>
           <a:custGeom>
             <a:avLst/>
@@ -4107,14 +6912,14 @@
       </p:sp>
       <p:sp>
         <p:nvSpPr>
-          <p:cNvPr id="74" name="CustomShape 7"/>
+          <p:cNvPr id="109" name="CustomShape 7"/>
           <p:cNvSpPr/>
           <p:nvPr/>
         </p:nvSpPr>
         <p:spPr>
           <a:xfrm>
             <a:off x="6286680" y="394200"/>
-            <a:ext cx="2142720" cy="364680"/>
+            <a:ext cx="2142360" cy="364320"/>
           </a:xfrm>
           <a:prstGeom prst="rect">
             <a:avLst/>
@@ -4151,6 +6956,7 @@
                   </a:solidFill>
                 </a:uFill>
                 <a:latin typeface="Calibri"/>
+                <a:ea typeface="DejaVu Sans"/>
               </a:rPr>
               <a:t>roll_quad_ control</a:t>
             </a:r>
@@ -4170,14 +6976,14 @@
       </p:sp>
       <p:sp>
         <p:nvSpPr>
-          <p:cNvPr id="75" name="CustomShape 8"/>
+          <p:cNvPr id="110" name="CustomShape 8"/>
           <p:cNvSpPr/>
           <p:nvPr/>
         </p:nvSpPr>
         <p:spPr>
           <a:xfrm>
             <a:off x="928800" y="393840"/>
-            <a:ext cx="1499760" cy="364680"/>
+            <a:ext cx="1499400" cy="364320"/>
           </a:xfrm>
           <a:prstGeom prst="rect">
             <a:avLst/>
@@ -4214,6 +7020,7 @@
                   </a:solidFill>
                 </a:uFill>
                 <a:latin typeface="Calibri"/>
+                <a:ea typeface="DejaVu Sans"/>
               </a:rPr>
               <a:t>roll angle</a:t>
             </a:r>
@@ -4233,14 +7040,14 @@
       </p:sp>
       <p:sp>
         <p:nvSpPr>
-          <p:cNvPr id="76" name="CustomShape 9"/>
+          <p:cNvPr id="111" name="CustomShape 9"/>
           <p:cNvSpPr/>
           <p:nvPr/>
         </p:nvSpPr>
         <p:spPr>
           <a:xfrm>
             <a:off x="928800" y="893880"/>
-            <a:ext cx="1499760" cy="639000"/>
+            <a:ext cx="1499400" cy="638640"/>
           </a:xfrm>
           <a:prstGeom prst="rect">
             <a:avLst/>
@@ -4277,6 +7084,7 @@
                   </a:solidFill>
                 </a:uFill>
                 <a:latin typeface="Calibri"/>
+                <a:ea typeface="DejaVu Sans"/>
               </a:rPr>
               <a:t>commanded</a:t>
             </a:r>
@@ -4309,6 +7117,7 @@
                   </a:solidFill>
                 </a:uFill>
                 <a:latin typeface="Calibri"/>
+                <a:ea typeface="DejaVu Sans"/>
               </a:rPr>
               <a:t>roll</a:t>
             </a:r>
@@ -4328,14 +7137,14 @@
       </p:sp>
       <p:sp>
         <p:nvSpPr>
-          <p:cNvPr id="77" name="CustomShape 10"/>
+          <p:cNvPr id="112" name="CustomShape 10"/>
           <p:cNvSpPr/>
           <p:nvPr/>
         </p:nvSpPr>
         <p:spPr>
           <a:xfrm>
             <a:off x="2857320" y="571320"/>
-            <a:ext cx="713880" cy="642600"/>
+            <a:ext cx="713520" cy="642240"/>
           </a:xfrm>
           <a:prstGeom prst="rect">
             <a:avLst/>
@@ -4377,6 +7186,7 @@
                   </a:solidFill>
                 </a:uFill>
                 <a:latin typeface="Calibri"/>
+                <a:ea typeface="DejaVu Sans"/>
               </a:rPr>
               <a:t>PID</a:t>
             </a:r>
@@ -4396,14 +7206,14 @@
       </p:sp>
       <p:sp>
         <p:nvSpPr>
-          <p:cNvPr id="78" name="CustomShape 11"/>
+          <p:cNvPr id="113" name="CustomShape 11"/>
           <p:cNvSpPr/>
           <p:nvPr/>
         </p:nvSpPr>
         <p:spPr>
           <a:xfrm>
             <a:off x="2428920" y="578520"/>
-            <a:ext cx="428400" cy="314280"/>
+            <a:ext cx="428040" cy="313920"/>
           </a:xfrm>
           <a:custGeom>
             <a:avLst/>
@@ -4445,14 +7255,14 @@
       </p:sp>
       <p:sp>
         <p:nvSpPr>
-          <p:cNvPr id="79" name="CustomShape 12"/>
+          <p:cNvPr id="114" name="CustomShape 12"/>
           <p:cNvSpPr/>
           <p:nvPr/>
         </p:nvSpPr>
         <p:spPr>
           <a:xfrm flipV="1">
             <a:off x="2428920" y="892080"/>
-            <a:ext cx="428400" cy="323640"/>
+            <a:ext cx="428040" cy="323280"/>
           </a:xfrm>
           <a:custGeom>
             <a:avLst/>
@@ -4494,14 +7304,14 @@
       </p:sp>
       <p:sp>
         <p:nvSpPr>
-          <p:cNvPr id="80" name="CustomShape 13"/>
+          <p:cNvPr id="115" name="CustomShape 13"/>
           <p:cNvSpPr/>
           <p:nvPr/>
         </p:nvSpPr>
         <p:spPr>
           <a:xfrm>
             <a:off x="3571920" y="892800"/>
-            <a:ext cx="349560" cy="3960"/>
+            <a:ext cx="349200" cy="3600"/>
           </a:xfrm>
           <a:custGeom>
             <a:avLst/>
@@ -4592,7 +7402,7 @@
       </p:grpSpPr>
       <p:pic>
         <p:nvPicPr>
-          <p:cNvPr id="81" name="" descr=""/>
+          <p:cNvPr id="116" name="" descr=""/>
           <p:cNvPicPr/>
           <p:nvPr/>
         </p:nvPicPr>
@@ -4603,7 +7413,7 @@
         <p:spPr>
           <a:xfrm>
             <a:off x="1320120" y="1333800"/>
-            <a:ext cx="2461320" cy="2683440"/>
+            <a:ext cx="2460960" cy="2683080"/>
           </a:xfrm>
           <a:prstGeom prst="rect">
             <a:avLst/>
@@ -4613,6 +7423,162 @@
           </a:ln>
         </p:spPr>
       </p:pic>
+      <p:sp>
+        <p:nvSpPr>
+          <p:cNvPr id="117" name="Line 1"/>
+          <p:cNvSpPr/>
+          <p:nvPr/>
+        </p:nvSpPr>
+        <p:spPr>
+          <a:xfrm flipV="1">
+            <a:off x="4392000" y="3708000"/>
+            <a:ext cx="0" cy="900000"/>
+          </a:xfrm>
+          <a:prstGeom prst="line">
+            <a:avLst/>
+          </a:prstGeom>
+          <a:ln>
+            <a:solidFill>
+              <a:srgbClr val="000000"/>
+            </a:solidFill>
+            <a:tailEnd len="med" type="triangle" w="med"/>
+          </a:ln>
+        </p:spPr>
+        <p:style>
+          <a:lnRef idx="0"/>
+          <a:fillRef idx="0"/>
+          <a:effectRef idx="0"/>
+          <a:fontRef idx="minor"/>
+        </p:style>
+      </p:sp>
+      <p:sp>
+        <p:nvSpPr>
+          <p:cNvPr id="118" name="Line 2"/>
+          <p:cNvSpPr/>
+          <p:nvPr/>
+        </p:nvSpPr>
+        <p:spPr>
+          <a:xfrm flipH="1">
+            <a:off x="3492000" y="4608000"/>
+            <a:ext cx="900000" cy="0"/>
+          </a:xfrm>
+          <a:prstGeom prst="line">
+            <a:avLst/>
+          </a:prstGeom>
+          <a:ln>
+            <a:solidFill>
+              <a:srgbClr val="000000"/>
+            </a:solidFill>
+            <a:tailEnd len="med" type="triangle" w="med"/>
+          </a:ln>
+        </p:spPr>
+        <p:style>
+          <a:lnRef idx="0"/>
+          <a:fillRef idx="0"/>
+          <a:effectRef idx="0"/>
+          <a:fontRef idx="minor"/>
+        </p:style>
+      </p:sp>
+      <p:sp>
+        <p:nvSpPr>
+          <p:cNvPr id="119" name="TextShape 3"/>
+          <p:cNvSpPr txBox="1"/>
+          <p:nvPr/>
+        </p:nvSpPr>
+        <p:spPr>
+          <a:xfrm>
+            <a:off x="3312000" y="4572000"/>
+            <a:ext cx="432000" cy="343440"/>
+          </a:xfrm>
+          <a:prstGeom prst="rect">
+            <a:avLst/>
+          </a:prstGeom>
+          <a:noFill/>
+          <a:ln>
+            <a:noFill/>
+          </a:ln>
+        </p:spPr>
+        <p:txBody>
+          <a:bodyPr lIns="90000" rIns="90000" tIns="45000" bIns="45000"/>
+          <a:p>
+            <a:r>
+              <a:rPr b="0" lang="fr-FR" sz="1800" spc="-1" strike="noStrike">
+                <a:solidFill>
+                  <a:srgbClr val="000000"/>
+                </a:solidFill>
+                <a:uFill>
+                  <a:solidFill>
+                    <a:srgbClr val="ffffff"/>
+                  </a:solidFill>
+                </a:uFill>
+                <a:latin typeface="Arial"/>
+              </a:rPr>
+              <a:t>x</a:t>
+            </a:r>
+            <a:endParaRPr b="0" lang="fr-FR" sz="1800" spc="-1" strike="noStrike">
+              <a:solidFill>
+                <a:srgbClr val="000000"/>
+              </a:solidFill>
+              <a:uFill>
+                <a:solidFill>
+                  <a:srgbClr val="ffffff"/>
+                </a:solidFill>
+              </a:uFill>
+              <a:latin typeface="Arial"/>
+            </a:endParaRPr>
+          </a:p>
+        </p:txBody>
+      </p:sp>
+      <p:sp>
+        <p:nvSpPr>
+          <p:cNvPr id="120" name="TextShape 4"/>
+          <p:cNvSpPr txBox="1"/>
+          <p:nvPr/>
+        </p:nvSpPr>
+        <p:spPr>
+          <a:xfrm>
+            <a:off x="4068000" y="3544560"/>
+            <a:ext cx="432000" cy="343440"/>
+          </a:xfrm>
+          <a:prstGeom prst="rect">
+            <a:avLst/>
+          </a:prstGeom>
+          <a:noFill/>
+          <a:ln>
+            <a:noFill/>
+          </a:ln>
+        </p:spPr>
+        <p:txBody>
+          <a:bodyPr lIns="90000" rIns="90000" tIns="45000" bIns="45000"/>
+          <a:p>
+            <a:r>
+              <a:rPr b="0" lang="fr-FR" sz="1800" spc="-1" strike="noStrike">
+                <a:solidFill>
+                  <a:srgbClr val="000000"/>
+                </a:solidFill>
+                <a:uFill>
+                  <a:solidFill>
+                    <a:srgbClr val="ffffff"/>
+                  </a:solidFill>
+                </a:uFill>
+                <a:latin typeface="Arial"/>
+              </a:rPr>
+              <a:t>y</a:t>
+            </a:r>
+            <a:endParaRPr b="0" lang="fr-FR" sz="1800" spc="-1" strike="noStrike">
+              <a:solidFill>
+                <a:srgbClr val="000000"/>
+              </a:solidFill>
+              <a:uFill>
+                <a:solidFill>
+                  <a:srgbClr val="ffffff"/>
+                </a:solidFill>
+              </a:uFill>
+              <a:latin typeface="Arial"/>
+            </a:endParaRPr>
+          </a:p>
+        </p:txBody>
+      </p:sp>
     </p:spTree>
   </p:cSld>
   <p:timing>
@@ -4664,14 +7630,14 @@
       </p:grpSpPr>
       <p:sp>
         <p:nvSpPr>
-          <p:cNvPr id="82" name="CustomShape 1"/>
+          <p:cNvPr id="121" name="CustomShape 1"/>
           <p:cNvSpPr/>
           <p:nvPr/>
         </p:nvSpPr>
         <p:spPr>
           <a:xfrm rot="18910800">
-            <a:off x="3743280" y="2697840"/>
-            <a:ext cx="360000" cy="360000"/>
+            <a:off x="3742920" y="2697840"/>
+            <a:ext cx="359640" cy="359640"/>
           </a:xfrm>
           <a:prstGeom prst="ellipse">
             <a:avLst/>
@@ -4694,14 +7660,14 @@
       </p:sp>
       <p:sp>
         <p:nvSpPr>
-          <p:cNvPr id="83" name="CustomShape 2"/>
+          <p:cNvPr id="122" name="CustomShape 2"/>
           <p:cNvSpPr/>
           <p:nvPr/>
         </p:nvSpPr>
         <p:spPr>
           <a:xfrm rot="18910800">
-            <a:off x="2467080" y="3966480"/>
-            <a:ext cx="360000" cy="360000"/>
+            <a:off x="2466720" y="3966480"/>
+            <a:ext cx="359640" cy="359640"/>
           </a:xfrm>
           <a:prstGeom prst="ellipse">
             <a:avLst/>
@@ -4724,14 +7690,14 @@
       </p:sp>
       <p:sp>
         <p:nvSpPr>
-          <p:cNvPr id="84" name="CustomShape 3"/>
+          <p:cNvPr id="123" name="CustomShape 3"/>
           <p:cNvSpPr/>
           <p:nvPr/>
         </p:nvSpPr>
         <p:spPr>
           <a:xfrm rot="18910800">
-            <a:off x="2473920" y="1420920"/>
-            <a:ext cx="360000" cy="360000"/>
+            <a:off x="2473560" y="1420920"/>
+            <a:ext cx="359640" cy="359640"/>
           </a:xfrm>
           <a:prstGeom prst="ellipse">
             <a:avLst/>
@@ -4754,14 +7720,14 @@
       </p:sp>
       <p:sp>
         <p:nvSpPr>
-          <p:cNvPr id="85" name="CustomShape 4"/>
+          <p:cNvPr id="124" name="CustomShape 4"/>
           <p:cNvSpPr/>
           <p:nvPr/>
         </p:nvSpPr>
         <p:spPr>
           <a:xfrm rot="18910800">
-            <a:off x="1196640" y="2689920"/>
-            <a:ext cx="360000" cy="360000"/>
+            <a:off x="1196280" y="2689920"/>
+            <a:ext cx="359640" cy="359640"/>
           </a:xfrm>
           <a:prstGeom prst="ellipse">
             <a:avLst/>
@@ -4784,7 +7750,7 @@
       </p:sp>
       <p:sp>
         <p:nvSpPr>
-          <p:cNvPr id="86" name="Line 5"/>
+          <p:cNvPr id="125" name="Line 5"/>
           <p:cNvSpPr/>
           <p:nvPr/>
         </p:nvSpPr>
@@ -4800,7 +7766,6 @@
             <a:solidFill>
               <a:srgbClr val="000000"/>
             </a:solidFill>
-            <a:custDash/>
           </a:ln>
         </p:spPr>
         <p:style>
@@ -4812,7 +7777,7 @@
       </p:sp>
       <p:sp>
         <p:nvSpPr>
-          <p:cNvPr id="87" name="Line 6"/>
+          <p:cNvPr id="126" name="Line 6"/>
           <p:cNvSpPr/>
           <p:nvPr/>
         </p:nvSpPr>
@@ -4828,7 +7793,6 @@
             <a:solidFill>
               <a:srgbClr val="000000"/>
             </a:solidFill>
-            <a:custDash/>
           </a:ln>
         </p:spPr>
         <p:style>
@@ -4840,14 +7804,14 @@
       </p:sp>
       <p:sp>
         <p:nvSpPr>
-          <p:cNvPr id="88" name="TextShape 7"/>
-          <p:cNvSpPr txBox="1"/>
+          <p:cNvPr id="127" name="CustomShape 7"/>
+          <p:cNvSpPr/>
           <p:nvPr/>
         </p:nvSpPr>
         <p:spPr>
           <a:xfrm>
             <a:off x="891000" y="3024000"/>
-            <a:ext cx="333000" cy="343440"/>
+            <a:ext cx="332640" cy="343080"/>
           </a:xfrm>
           <a:prstGeom prst="rect">
             <a:avLst/>
@@ -4857,6 +7821,12 @@
             <a:noFill/>
           </a:ln>
         </p:spPr>
+        <p:style>
+          <a:lnRef idx="0"/>
+          <a:fillRef idx="0"/>
+          <a:effectRef idx="0"/>
+          <a:fontRef idx="minor"/>
+        </p:style>
         <p:txBody>
           <a:bodyPr lIns="90000" rIns="90000" tIns="45000" bIns="45000"/>
           <a:p>
@@ -4890,14 +7860,14 @@
       </p:sp>
       <p:sp>
         <p:nvSpPr>
-          <p:cNvPr id="89" name="TextShape 8"/>
-          <p:cNvSpPr txBox="1"/>
+          <p:cNvPr id="128" name="CustomShape 8"/>
+          <p:cNvSpPr/>
           <p:nvPr/>
         </p:nvSpPr>
         <p:spPr>
           <a:xfrm>
             <a:off x="2115000" y="4248000"/>
-            <a:ext cx="333000" cy="343440"/>
+            <a:ext cx="332640" cy="343080"/>
           </a:xfrm>
           <a:prstGeom prst="rect">
             <a:avLst/>
@@ -4907,6 +7877,12 @@
             <a:noFill/>
           </a:ln>
         </p:spPr>
+        <p:style>
+          <a:lnRef idx="0"/>
+          <a:fillRef idx="0"/>
+          <a:effectRef idx="0"/>
+          <a:fontRef idx="minor"/>
+        </p:style>
         <p:txBody>
           <a:bodyPr lIns="90000" rIns="90000" tIns="45000" bIns="45000"/>
           <a:p>
@@ -4940,14 +7916,14 @@
       </p:sp>
       <p:sp>
         <p:nvSpPr>
-          <p:cNvPr id="90" name="TextShape 9"/>
-          <p:cNvSpPr txBox="1"/>
+          <p:cNvPr id="129" name="CustomShape 9"/>
+          <p:cNvSpPr/>
           <p:nvPr/>
         </p:nvSpPr>
         <p:spPr>
           <a:xfrm>
             <a:off x="3398760" y="3024000"/>
-            <a:ext cx="345240" cy="343440"/>
+            <a:ext cx="344880" cy="343080"/>
           </a:xfrm>
           <a:prstGeom prst="rect">
             <a:avLst/>
@@ -4957,6 +7933,12 @@
             <a:noFill/>
           </a:ln>
         </p:spPr>
+        <p:style>
+          <a:lnRef idx="0"/>
+          <a:fillRef idx="0"/>
+          <a:effectRef idx="0"/>
+          <a:fontRef idx="minor"/>
+        </p:style>
         <p:txBody>
           <a:bodyPr lIns="90000" rIns="90000" tIns="45000" bIns="45000"/>
           <a:p>
@@ -4990,14 +7972,14 @@
       </p:sp>
       <p:sp>
         <p:nvSpPr>
-          <p:cNvPr id="91" name="TextShape 10"/>
-          <p:cNvSpPr txBox="1"/>
+          <p:cNvPr id="130" name="CustomShape 10"/>
+          <p:cNvSpPr/>
           <p:nvPr/>
         </p:nvSpPr>
         <p:spPr>
           <a:xfrm>
             <a:off x="2822760" y="1152000"/>
-            <a:ext cx="345240" cy="343440"/>
+            <a:ext cx="344880" cy="343080"/>
           </a:xfrm>
           <a:prstGeom prst="rect">
             <a:avLst/>
@@ -5007,6 +7989,12 @@
             <a:noFill/>
           </a:ln>
         </p:spPr>
+        <p:style>
+          <a:lnRef idx="0"/>
+          <a:fillRef idx="0"/>
+          <a:effectRef idx="0"/>
+          <a:fontRef idx="minor"/>
+        </p:style>
         <p:txBody>
           <a:bodyPr lIns="90000" rIns="90000" tIns="45000" bIns="45000"/>
           <a:p>
@@ -5040,14 +8028,14 @@
       </p:sp>
       <p:sp>
         <p:nvSpPr>
-          <p:cNvPr id="92" name="TextShape 11"/>
-          <p:cNvSpPr txBox="1"/>
+          <p:cNvPr id="131" name="CustomShape 11"/>
+          <p:cNvSpPr/>
           <p:nvPr/>
         </p:nvSpPr>
         <p:spPr>
           <a:xfrm>
             <a:off x="1932120" y="2557800"/>
-            <a:ext cx="345240" cy="343440"/>
+            <a:ext cx="344880" cy="343080"/>
           </a:xfrm>
           <a:prstGeom prst="rect">
             <a:avLst/>
@@ -5057,6 +8045,12 @@
             <a:noFill/>
           </a:ln>
         </p:spPr>
+        <p:style>
+          <a:lnRef idx="0"/>
+          <a:fillRef idx="0"/>
+          <a:effectRef idx="0"/>
+          <a:fontRef idx="minor"/>
+        </p:style>
         <p:txBody>
           <a:bodyPr lIns="90000" rIns="90000" tIns="45000" bIns="45000"/>
           <a:p>
@@ -5073,6 +8067,162 @@
                 <a:latin typeface="Arial"/>
               </a:rPr>
               <a:t>R</a:t>
+            </a:r>
+            <a:endParaRPr b="0" lang="fr-FR" sz="1800" spc="-1" strike="noStrike">
+              <a:solidFill>
+                <a:srgbClr val="000000"/>
+              </a:solidFill>
+              <a:uFill>
+                <a:solidFill>
+                  <a:srgbClr val="ffffff"/>
+                </a:solidFill>
+              </a:uFill>
+              <a:latin typeface="Arial"/>
+            </a:endParaRPr>
+          </a:p>
+        </p:txBody>
+      </p:sp>
+      <p:sp>
+        <p:nvSpPr>
+          <p:cNvPr id="132" name="Line 12"/>
+          <p:cNvSpPr/>
+          <p:nvPr/>
+        </p:nvSpPr>
+        <p:spPr>
+          <a:xfrm flipV="1">
+            <a:off x="4176000" y="3636000"/>
+            <a:ext cx="0" cy="900000"/>
+          </a:xfrm>
+          <a:prstGeom prst="line">
+            <a:avLst/>
+          </a:prstGeom>
+          <a:ln>
+            <a:solidFill>
+              <a:srgbClr val="000000"/>
+            </a:solidFill>
+            <a:tailEnd len="med" type="triangle" w="med"/>
+          </a:ln>
+        </p:spPr>
+        <p:style>
+          <a:lnRef idx="0"/>
+          <a:fillRef idx="0"/>
+          <a:effectRef idx="0"/>
+          <a:fontRef idx="minor"/>
+        </p:style>
+      </p:sp>
+      <p:sp>
+        <p:nvSpPr>
+          <p:cNvPr id="133" name="Line 13"/>
+          <p:cNvSpPr/>
+          <p:nvPr/>
+        </p:nvSpPr>
+        <p:spPr>
+          <a:xfrm flipH="1">
+            <a:off x="3276000" y="4536000"/>
+            <a:ext cx="900000" cy="0"/>
+          </a:xfrm>
+          <a:prstGeom prst="line">
+            <a:avLst/>
+          </a:prstGeom>
+          <a:ln>
+            <a:solidFill>
+              <a:srgbClr val="000000"/>
+            </a:solidFill>
+            <a:tailEnd len="med" type="triangle" w="med"/>
+          </a:ln>
+        </p:spPr>
+        <p:style>
+          <a:lnRef idx="0"/>
+          <a:fillRef idx="0"/>
+          <a:effectRef idx="0"/>
+          <a:fontRef idx="minor"/>
+        </p:style>
+      </p:sp>
+      <p:sp>
+        <p:nvSpPr>
+          <p:cNvPr id="134" name="TextShape 14"/>
+          <p:cNvSpPr txBox="1"/>
+          <p:nvPr/>
+        </p:nvSpPr>
+        <p:spPr>
+          <a:xfrm>
+            <a:off x="3096000" y="4500000"/>
+            <a:ext cx="432000" cy="343440"/>
+          </a:xfrm>
+          <a:prstGeom prst="rect">
+            <a:avLst/>
+          </a:prstGeom>
+          <a:noFill/>
+          <a:ln>
+            <a:noFill/>
+          </a:ln>
+        </p:spPr>
+        <p:txBody>
+          <a:bodyPr lIns="90000" rIns="90000" tIns="45000" bIns="45000"/>
+          <a:p>
+            <a:r>
+              <a:rPr b="0" lang="fr-FR" sz="1800" spc="-1" strike="noStrike">
+                <a:solidFill>
+                  <a:srgbClr val="000000"/>
+                </a:solidFill>
+                <a:uFill>
+                  <a:solidFill>
+                    <a:srgbClr val="ffffff"/>
+                  </a:solidFill>
+                </a:uFill>
+                <a:latin typeface="Arial"/>
+              </a:rPr>
+              <a:t>x</a:t>
+            </a:r>
+            <a:endParaRPr b="0" lang="fr-FR" sz="1800" spc="-1" strike="noStrike">
+              <a:solidFill>
+                <a:srgbClr val="000000"/>
+              </a:solidFill>
+              <a:uFill>
+                <a:solidFill>
+                  <a:srgbClr val="ffffff"/>
+                </a:solidFill>
+              </a:uFill>
+              <a:latin typeface="Arial"/>
+            </a:endParaRPr>
+          </a:p>
+        </p:txBody>
+      </p:sp>
+      <p:sp>
+        <p:nvSpPr>
+          <p:cNvPr id="135" name="TextShape 15"/>
+          <p:cNvSpPr txBox="1"/>
+          <p:nvPr/>
+        </p:nvSpPr>
+        <p:spPr>
+          <a:xfrm>
+            <a:off x="3852000" y="3544560"/>
+            <a:ext cx="432000" cy="343440"/>
+          </a:xfrm>
+          <a:prstGeom prst="rect">
+            <a:avLst/>
+          </a:prstGeom>
+          <a:noFill/>
+          <a:ln>
+            <a:noFill/>
+          </a:ln>
+        </p:spPr>
+        <p:txBody>
+          <a:bodyPr lIns="90000" rIns="90000" tIns="45000" bIns="45000"/>
+          <a:p>
+            <a:r>
+              <a:rPr b="0" lang="fr-FR" sz="1800" spc="-1" strike="noStrike">
+                <a:solidFill>
+                  <a:srgbClr val="000000"/>
+                </a:solidFill>
+                <a:uFill>
+                  <a:solidFill>
+                    <a:srgbClr val="ffffff"/>
+                  </a:solidFill>
+                </a:uFill>
+                <a:latin typeface="Arial"/>
+              </a:rPr>
+              <a:t>y</a:t>
             </a:r>
             <a:endParaRPr b="0" lang="fr-FR" sz="1800" spc="-1" strike="noStrike">
               <a:solidFill>
@@ -5139,14 +8289,14 @@
       </p:grpSpPr>
       <p:sp>
         <p:nvSpPr>
-          <p:cNvPr id="93" name="CustomShape 1"/>
+          <p:cNvPr id="136" name="CustomShape 1"/>
           <p:cNvSpPr/>
           <p:nvPr/>
         </p:nvSpPr>
         <p:spPr>
           <a:xfrm rot="18910800">
-            <a:off x="3743280" y="2697840"/>
-            <a:ext cx="360000" cy="360000"/>
+            <a:off x="3742920" y="2697840"/>
+            <a:ext cx="359640" cy="359640"/>
           </a:xfrm>
           <a:prstGeom prst="ellipse">
             <a:avLst/>
@@ -5169,14 +8319,14 @@
       </p:sp>
       <p:sp>
         <p:nvSpPr>
-          <p:cNvPr id="94" name="CustomShape 2"/>
+          <p:cNvPr id="137" name="CustomShape 2"/>
           <p:cNvSpPr/>
           <p:nvPr/>
         </p:nvSpPr>
         <p:spPr>
           <a:xfrm rot="18910800">
-            <a:off x="1567080" y="3606480"/>
-            <a:ext cx="360000" cy="360000"/>
+            <a:off x="1566720" y="3606480"/>
+            <a:ext cx="359640" cy="359640"/>
           </a:xfrm>
           <a:prstGeom prst="ellipse">
             <a:avLst/>
@@ -5199,14 +8349,14 @@
       </p:sp>
       <p:sp>
         <p:nvSpPr>
-          <p:cNvPr id="95" name="CustomShape 3"/>
+          <p:cNvPr id="138" name="CustomShape 3"/>
           <p:cNvSpPr/>
           <p:nvPr/>
         </p:nvSpPr>
         <p:spPr>
           <a:xfrm rot="18910800">
-            <a:off x="1592640" y="1825920"/>
-            <a:ext cx="360000" cy="360000"/>
+            <a:off x="1592280" y="1825920"/>
+            <a:ext cx="359640" cy="359640"/>
           </a:xfrm>
           <a:prstGeom prst="ellipse">
             <a:avLst/>
@@ -5229,14 +8379,14 @@
       </p:sp>
       <p:sp>
         <p:nvSpPr>
-          <p:cNvPr id="96" name="Line 4"/>
+          <p:cNvPr id="139" name="Line 4"/>
           <p:cNvSpPr/>
           <p:nvPr/>
         </p:nvSpPr>
         <p:spPr>
           <a:xfrm>
             <a:off x="2645280" y="2877840"/>
-            <a:ext cx="1277280" cy="0"/>
+            <a:ext cx="1277280" cy="360"/>
           </a:xfrm>
           <a:prstGeom prst="line">
             <a:avLst/>
@@ -5245,7 +8395,6 @@
             <a:solidFill>
               <a:srgbClr val="000000"/>
             </a:solidFill>
-            <a:custDash/>
           </a:ln>
         </p:spPr>
         <p:style>
@@ -5257,14 +8406,14 @@
       </p:sp>
       <p:sp>
         <p:nvSpPr>
-          <p:cNvPr id="97" name="TextShape 5"/>
-          <p:cNvSpPr txBox="1"/>
+          <p:cNvPr id="140" name="CustomShape 5"/>
+          <p:cNvSpPr/>
           <p:nvPr/>
         </p:nvSpPr>
         <p:spPr>
           <a:xfrm>
             <a:off x="1287000" y="3816000"/>
-            <a:ext cx="333000" cy="343440"/>
+            <a:ext cx="332640" cy="343080"/>
           </a:xfrm>
           <a:prstGeom prst="rect">
             <a:avLst/>
@@ -5272,207 +8421,6 @@
           <a:noFill/>
           <a:ln>
             <a:noFill/>
-          </a:ln>
-        </p:spPr>
-        <p:txBody>
-          <a:bodyPr lIns="90000" rIns="90000" tIns="45000" bIns="45000"/>
-          <a:p>
-            <a:r>
-              <a:rPr b="0" lang="fr-FR" sz="1800" spc="-1" strike="noStrike">
-                <a:solidFill>
-                  <a:srgbClr val="000000"/>
-                </a:solidFill>
-                <a:uFill>
-                  <a:solidFill>
-                    <a:srgbClr val="ffffff"/>
-                  </a:solidFill>
-                </a:uFill>
-                <a:latin typeface="Arial"/>
-              </a:rPr>
-              <a:t>A</a:t>
-            </a:r>
-            <a:endParaRPr b="0" lang="fr-FR" sz="1800" spc="-1" strike="noStrike">
-              <a:solidFill>
-                <a:srgbClr val="000000"/>
-              </a:solidFill>
-              <a:uFill>
-                <a:solidFill>
-                  <a:srgbClr val="ffffff"/>
-                </a:solidFill>
-              </a:uFill>
-              <a:latin typeface="Arial"/>
-            </a:endParaRPr>
-          </a:p>
-        </p:txBody>
-      </p:sp>
-      <p:sp>
-        <p:nvSpPr>
-          <p:cNvPr id="98" name="TextShape 6"/>
-          <p:cNvSpPr txBox="1"/>
-          <p:nvPr/>
-        </p:nvSpPr>
-        <p:spPr>
-          <a:xfrm>
-            <a:off x="4059000" y="2952000"/>
-            <a:ext cx="333000" cy="343440"/>
-          </a:xfrm>
-          <a:prstGeom prst="rect">
-            <a:avLst/>
-          </a:prstGeom>
-          <a:noFill/>
-          <a:ln>
-            <a:noFill/>
-          </a:ln>
-        </p:spPr>
-        <p:txBody>
-          <a:bodyPr lIns="90000" rIns="90000" tIns="45000" bIns="45000"/>
-          <a:p>
-            <a:r>
-              <a:rPr b="0" lang="fr-FR" sz="1800" spc="-1" strike="noStrike">
-                <a:solidFill>
-                  <a:srgbClr val="000000"/>
-                </a:solidFill>
-                <a:uFill>
-                  <a:solidFill>
-                    <a:srgbClr val="ffffff"/>
-                  </a:solidFill>
-                </a:uFill>
-                <a:latin typeface="Arial"/>
-              </a:rPr>
-              <a:t>B</a:t>
-            </a:r>
-            <a:endParaRPr b="0" lang="fr-FR" sz="1800" spc="-1" strike="noStrike">
-              <a:solidFill>
-                <a:srgbClr val="000000"/>
-              </a:solidFill>
-              <a:uFill>
-                <a:solidFill>
-                  <a:srgbClr val="ffffff"/>
-                </a:solidFill>
-              </a:uFill>
-              <a:latin typeface="Arial"/>
-            </a:endParaRPr>
-          </a:p>
-        </p:txBody>
-      </p:sp>
-      <p:sp>
-        <p:nvSpPr>
-          <p:cNvPr id="99" name="TextShape 7"/>
-          <p:cNvSpPr txBox="1"/>
-          <p:nvPr/>
-        </p:nvSpPr>
-        <p:spPr>
-          <a:xfrm>
-            <a:off x="1310760" y="1512000"/>
-            <a:ext cx="345240" cy="343440"/>
-          </a:xfrm>
-          <a:prstGeom prst="rect">
-            <a:avLst/>
-          </a:prstGeom>
-          <a:noFill/>
-          <a:ln>
-            <a:noFill/>
-          </a:ln>
-        </p:spPr>
-        <p:txBody>
-          <a:bodyPr lIns="90000" rIns="90000" tIns="45000" bIns="45000"/>
-          <a:p>
-            <a:r>
-              <a:rPr b="0" lang="fr-FR" sz="1800" spc="-1" strike="noStrike">
-                <a:solidFill>
-                  <a:srgbClr val="000000"/>
-                </a:solidFill>
-                <a:uFill>
-                  <a:solidFill>
-                    <a:srgbClr val="ffffff"/>
-                  </a:solidFill>
-                </a:uFill>
-                <a:latin typeface="Arial"/>
-              </a:rPr>
-              <a:t>C</a:t>
-            </a:r>
-            <a:endParaRPr b="0" lang="fr-FR" sz="1800" spc="-1" strike="noStrike">
-              <a:solidFill>
-                <a:srgbClr val="000000"/>
-              </a:solidFill>
-              <a:uFill>
-                <a:solidFill>
-                  <a:srgbClr val="ffffff"/>
-                </a:solidFill>
-              </a:uFill>
-              <a:latin typeface="Arial"/>
-            </a:endParaRPr>
-          </a:p>
-        </p:txBody>
-      </p:sp>
-      <p:sp>
-        <p:nvSpPr>
-          <p:cNvPr id="100" name="TextShape 8"/>
-          <p:cNvSpPr txBox="1"/>
-          <p:nvPr/>
-        </p:nvSpPr>
-        <p:spPr>
-          <a:xfrm>
-            <a:off x="2232000" y="2160000"/>
-            <a:ext cx="345240" cy="343440"/>
-          </a:xfrm>
-          <a:prstGeom prst="rect">
-            <a:avLst/>
-          </a:prstGeom>
-          <a:noFill/>
-          <a:ln>
-            <a:noFill/>
-          </a:ln>
-        </p:spPr>
-        <p:txBody>
-          <a:bodyPr lIns="90000" rIns="90000" tIns="45000" bIns="45000"/>
-          <a:p>
-            <a:r>
-              <a:rPr b="0" lang="fr-FR" sz="1800" spc="-1" strike="noStrike">
-                <a:solidFill>
-                  <a:srgbClr val="000000"/>
-                </a:solidFill>
-                <a:uFill>
-                  <a:solidFill>
-                    <a:srgbClr val="ffffff"/>
-                  </a:solidFill>
-                </a:uFill>
-                <a:latin typeface="Arial"/>
-              </a:rPr>
-              <a:t>R</a:t>
-            </a:r>
-            <a:endParaRPr b="0" lang="fr-FR" sz="1800" spc="-1" strike="noStrike">
-              <a:solidFill>
-                <a:srgbClr val="000000"/>
-              </a:solidFill>
-              <a:uFill>
-                <a:solidFill>
-                  <a:srgbClr val="ffffff"/>
-                </a:solidFill>
-              </a:uFill>
-              <a:latin typeface="Arial"/>
-            </a:endParaRPr>
-          </a:p>
-        </p:txBody>
-      </p:sp>
-      <p:sp>
-        <p:nvSpPr>
-          <p:cNvPr id="101" name="Line 9"/>
-          <p:cNvSpPr/>
-          <p:nvPr/>
-        </p:nvSpPr>
-        <p:spPr>
-          <a:xfrm>
-            <a:off x="1764000" y="1980000"/>
-            <a:ext cx="900000" cy="900000"/>
-          </a:xfrm>
-          <a:prstGeom prst="line">
-            <a:avLst/>
-          </a:prstGeom>
-          <a:ln>
-            <a:solidFill>
-              <a:srgbClr val="000000"/>
-            </a:solidFill>
           </a:ln>
         </p:spPr>
         <p:style>
@@ -5481,25 +8429,54 @@
           <a:effectRef idx="0"/>
           <a:fontRef idx="minor"/>
         </p:style>
-      </p:sp>
-      <p:sp>
-        <p:nvSpPr>
-          <p:cNvPr id="102" name="Line 10"/>
+        <p:txBody>
+          <a:bodyPr lIns="90000" rIns="90000" tIns="45000" bIns="45000"/>
+          <a:p>
+            <a:r>
+              <a:rPr b="0" lang="fr-FR" sz="1800" spc="-1" strike="noStrike">
+                <a:solidFill>
+                  <a:srgbClr val="000000"/>
+                </a:solidFill>
+                <a:uFill>
+                  <a:solidFill>
+                    <a:srgbClr val="ffffff"/>
+                  </a:solidFill>
+                </a:uFill>
+                <a:latin typeface="Arial"/>
+              </a:rPr>
+              <a:t>A</a:t>
+            </a:r>
+            <a:endParaRPr b="0" lang="fr-FR" sz="1800" spc="-1" strike="noStrike">
+              <a:solidFill>
+                <a:srgbClr val="000000"/>
+              </a:solidFill>
+              <a:uFill>
+                <a:solidFill>
+                  <a:srgbClr val="ffffff"/>
+                </a:solidFill>
+              </a:uFill>
+              <a:latin typeface="Arial"/>
+            </a:endParaRPr>
+          </a:p>
+        </p:txBody>
+      </p:sp>
+      <p:sp>
+        <p:nvSpPr>
+          <p:cNvPr id="141" name="CustomShape 6"/>
           <p:cNvSpPr/>
           <p:nvPr/>
         </p:nvSpPr>
         <p:spPr>
-          <a:xfrm flipV="1">
-            <a:off x="1764000" y="2877840"/>
-            <a:ext cx="900000" cy="900000"/>
-          </a:xfrm>
-          <a:prstGeom prst="line">
-            <a:avLst/>
-          </a:prstGeom>
+          <a:xfrm>
+            <a:off x="4059000" y="2952000"/>
+            <a:ext cx="332640" cy="343080"/>
+          </a:xfrm>
+          <a:prstGeom prst="rect">
+            <a:avLst/>
+          </a:prstGeom>
+          <a:noFill/>
           <a:ln>
-            <a:solidFill>
-              <a:srgbClr val="000000"/>
-            </a:solidFill>
+            <a:noFill/>
           </a:ln>
         </p:spPr>
         <p:style>
@@ -5508,25 +8485,54 @@
           <a:effectRef idx="0"/>
           <a:fontRef idx="minor"/>
         </p:style>
-      </p:sp>
-      <p:sp>
-        <p:nvSpPr>
-          <p:cNvPr id="103" name="Line 11"/>
+        <p:txBody>
+          <a:bodyPr lIns="90000" rIns="90000" tIns="45000" bIns="45000"/>
+          <a:p>
+            <a:r>
+              <a:rPr b="0" lang="fr-FR" sz="1800" spc="-1" strike="noStrike">
+                <a:solidFill>
+                  <a:srgbClr val="000000"/>
+                </a:solidFill>
+                <a:uFill>
+                  <a:solidFill>
+                    <a:srgbClr val="ffffff"/>
+                  </a:solidFill>
+                </a:uFill>
+                <a:latin typeface="Arial"/>
+              </a:rPr>
+              <a:t>B</a:t>
+            </a:r>
+            <a:endParaRPr b="0" lang="fr-FR" sz="1800" spc="-1" strike="noStrike">
+              <a:solidFill>
+                <a:srgbClr val="000000"/>
+              </a:solidFill>
+              <a:uFill>
+                <a:solidFill>
+                  <a:srgbClr val="ffffff"/>
+                </a:solidFill>
+              </a:uFill>
+              <a:latin typeface="Arial"/>
+            </a:endParaRPr>
+          </a:p>
+        </p:txBody>
+      </p:sp>
+      <p:sp>
+        <p:nvSpPr>
+          <p:cNvPr id="142" name="CustomShape 7"/>
           <p:cNvSpPr/>
           <p:nvPr/>
         </p:nvSpPr>
         <p:spPr>
           <a:xfrm>
-            <a:off x="2645280" y="2877840"/>
-            <a:ext cx="1277280" cy="0"/>
-          </a:xfrm>
-          <a:prstGeom prst="line">
-            <a:avLst/>
-          </a:prstGeom>
+            <a:off x="1310760" y="1512000"/>
+            <a:ext cx="344880" cy="343080"/>
+          </a:xfrm>
+          <a:prstGeom prst="rect">
+            <a:avLst/>
+          </a:prstGeom>
+          <a:noFill/>
           <a:ln>
-            <a:solidFill>
-              <a:srgbClr val="000000"/>
-            </a:solidFill>
+            <a:noFill/>
           </a:ln>
         </p:spPr>
         <p:style>
@@ -5535,26 +8541,54 @@
           <a:effectRef idx="0"/>
           <a:fontRef idx="minor"/>
         </p:style>
-      </p:sp>
-      <p:sp>
-        <p:nvSpPr>
-          <p:cNvPr id="104" name="Line 12"/>
+        <p:txBody>
+          <a:bodyPr lIns="90000" rIns="90000" tIns="45000" bIns="45000"/>
+          <a:p>
+            <a:r>
+              <a:rPr b="0" lang="fr-FR" sz="1800" spc="-1" strike="noStrike">
+                <a:solidFill>
+                  <a:srgbClr val="000000"/>
+                </a:solidFill>
+                <a:uFill>
+                  <a:solidFill>
+                    <a:srgbClr val="ffffff"/>
+                  </a:solidFill>
+                </a:uFill>
+                <a:latin typeface="Arial"/>
+              </a:rPr>
+              <a:t>C</a:t>
+            </a:r>
+            <a:endParaRPr b="0" lang="fr-FR" sz="1800" spc="-1" strike="noStrike">
+              <a:solidFill>
+                <a:srgbClr val="000000"/>
+              </a:solidFill>
+              <a:uFill>
+                <a:solidFill>
+                  <a:srgbClr val="ffffff"/>
+                </a:solidFill>
+              </a:uFill>
+              <a:latin typeface="Arial"/>
+            </a:endParaRPr>
+          </a:p>
+        </p:txBody>
+      </p:sp>
+      <p:sp>
+        <p:nvSpPr>
+          <p:cNvPr id="143" name="CustomShape 8"/>
           <p:cNvSpPr/>
           <p:nvPr/>
         </p:nvSpPr>
         <p:spPr>
           <a:xfrm>
-            <a:off x="1349280" y="2877840"/>
-            <a:ext cx="1277280" cy="0"/>
-          </a:xfrm>
-          <a:prstGeom prst="line">
-            <a:avLst/>
-          </a:prstGeom>
+            <a:off x="2196000" y="3240000"/>
+            <a:ext cx="504000" cy="343080"/>
+          </a:xfrm>
+          <a:prstGeom prst="rect">
+            <a:avLst/>
+          </a:prstGeom>
+          <a:noFill/>
           <a:ln>
-            <a:solidFill>
-              <a:srgbClr val="000000"/>
-            </a:solidFill>
-            <a:custDash/>
+            <a:noFill/>
           </a:ln>
         </p:spPr>
         <p:style>
@@ -5563,17 +8597,169 @@
           <a:effectRef idx="0"/>
           <a:fontRef idx="minor"/>
         </p:style>
-      </p:sp>
-      <p:sp>
-        <p:nvSpPr>
-          <p:cNvPr id="105" name="TextShape 13"/>
-          <p:cNvSpPr txBox="1"/>
+        <p:txBody>
+          <a:bodyPr lIns="90000" rIns="90000" tIns="45000" bIns="45000"/>
+          <a:p>
+            <a:r>
+              <a:rPr b="0" lang="fr-FR" sz="1800" spc="-1" strike="noStrike">
+                <a:solidFill>
+                  <a:srgbClr val="000000"/>
+                </a:solidFill>
+                <a:uFill>
+                  <a:solidFill>
+                    <a:srgbClr val="ffffff"/>
+                  </a:solidFill>
+                </a:uFill>
+                <a:latin typeface="Arial"/>
+              </a:rPr>
+              <a:t>R</a:t>
+            </a:r>
+            <a:r>
+              <a:rPr b="0" lang="fr-FR" sz="1800" spc="-1" strike="noStrike" baseline="-33000">
+                <a:solidFill>
+                  <a:srgbClr val="000000"/>
+                </a:solidFill>
+                <a:uFill>
+                  <a:solidFill>
+                    <a:srgbClr val="ffffff"/>
+                  </a:solidFill>
+                </a:uFill>
+                <a:latin typeface="Arial"/>
+              </a:rPr>
+              <a:t>A</a:t>
+            </a:r>
+            <a:endParaRPr b="0" lang="fr-FR" sz="1800" spc="-1" strike="noStrike">
+              <a:solidFill>
+                <a:srgbClr val="000000"/>
+              </a:solidFill>
+              <a:uFill>
+                <a:solidFill>
+                  <a:srgbClr val="ffffff"/>
+                </a:solidFill>
+              </a:uFill>
+              <a:latin typeface="Arial"/>
+            </a:endParaRPr>
+          </a:p>
+        </p:txBody>
+      </p:sp>
+      <p:sp>
+        <p:nvSpPr>
+          <p:cNvPr id="144" name="Line 9"/>
+          <p:cNvSpPr/>
           <p:nvPr/>
         </p:nvSpPr>
         <p:spPr>
           <a:xfrm>
+            <a:off x="1764000" y="1980000"/>
+            <a:ext cx="900000" cy="900000"/>
+          </a:xfrm>
+          <a:prstGeom prst="line">
+            <a:avLst/>
+          </a:prstGeom>
+          <a:ln>
+            <a:solidFill>
+              <a:srgbClr val="000000"/>
+            </a:solidFill>
+          </a:ln>
+        </p:spPr>
+        <p:style>
+          <a:lnRef idx="0"/>
+          <a:fillRef idx="0"/>
+          <a:effectRef idx="0"/>
+          <a:fontRef idx="minor"/>
+        </p:style>
+      </p:sp>
+      <p:sp>
+        <p:nvSpPr>
+          <p:cNvPr id="145" name="Line 10"/>
+          <p:cNvSpPr/>
+          <p:nvPr/>
+        </p:nvSpPr>
+        <p:spPr>
+          <a:xfrm flipV="1">
+            <a:off x="1764000" y="2877840"/>
+            <a:ext cx="900000" cy="900000"/>
+          </a:xfrm>
+          <a:prstGeom prst="line">
+            <a:avLst/>
+          </a:prstGeom>
+          <a:ln>
+            <a:solidFill>
+              <a:srgbClr val="000000"/>
+            </a:solidFill>
+          </a:ln>
+        </p:spPr>
+        <p:style>
+          <a:lnRef idx="0"/>
+          <a:fillRef idx="0"/>
+          <a:effectRef idx="0"/>
+          <a:fontRef idx="minor"/>
+        </p:style>
+      </p:sp>
+      <p:sp>
+        <p:nvSpPr>
+          <p:cNvPr id="146" name="Line 11"/>
+          <p:cNvSpPr/>
+          <p:nvPr/>
+        </p:nvSpPr>
+        <p:spPr>
+          <a:xfrm>
+            <a:off x="2645280" y="2877840"/>
+            <a:ext cx="1277280" cy="360"/>
+          </a:xfrm>
+          <a:prstGeom prst="line">
+            <a:avLst/>
+          </a:prstGeom>
+          <a:ln>
+            <a:solidFill>
+              <a:srgbClr val="000000"/>
+            </a:solidFill>
+          </a:ln>
+        </p:spPr>
+        <p:style>
+          <a:lnRef idx="0"/>
+          <a:fillRef idx="0"/>
+          <a:effectRef idx="0"/>
+          <a:fontRef idx="minor"/>
+        </p:style>
+      </p:sp>
+      <p:sp>
+        <p:nvSpPr>
+          <p:cNvPr id="147" name="Line 12"/>
+          <p:cNvSpPr/>
+          <p:nvPr/>
+        </p:nvSpPr>
+        <p:spPr>
+          <a:xfrm>
+            <a:off x="1349280" y="2877840"/>
+            <a:ext cx="1277280" cy="360"/>
+          </a:xfrm>
+          <a:prstGeom prst="line">
+            <a:avLst/>
+          </a:prstGeom>
+          <a:ln>
+            <a:solidFill>
+              <a:srgbClr val="000000"/>
+            </a:solidFill>
+          </a:ln>
+        </p:spPr>
+        <p:style>
+          <a:lnRef idx="0"/>
+          <a:fillRef idx="0"/>
+          <a:effectRef idx="0"/>
+          <a:fontRef idx="minor"/>
+        </p:style>
+      </p:sp>
+      <p:sp>
+        <p:nvSpPr>
+          <p:cNvPr id="148" name="CustomShape 13"/>
+          <p:cNvSpPr/>
+          <p:nvPr/>
+        </p:nvSpPr>
+        <p:spPr>
+          <a:xfrm>
             <a:off x="1542240" y="2448000"/>
-            <a:ext cx="864000" cy="360000"/>
+            <a:ext cx="863640" cy="359640"/>
           </a:xfrm>
           <a:prstGeom prst="rect">
             <a:avLst/>
@@ -5583,6 +8769,12 @@
             <a:noFill/>
           </a:ln>
         </p:spPr>
+        <p:style>
+          <a:lnRef idx="0"/>
+          <a:fillRef idx="0"/>
+          <a:effectRef idx="0"/>
+          <a:fontRef idx="minor"/>
+        </p:style>
         <p:txBody>
           <a:bodyPr lIns="90000" rIns="90000" tIns="45000" bIns="45000"/>
           <a:p>
@@ -5599,6 +8791,232 @@
                 <a:latin typeface="Arial"/>
               </a:rPr>
               <a:t>alpha</a:t>
+            </a:r>
+            <a:endParaRPr b="0" lang="fr-FR" sz="1800" spc="-1" strike="noStrike">
+              <a:solidFill>
+                <a:srgbClr val="000000"/>
+              </a:solidFill>
+              <a:uFill>
+                <a:solidFill>
+                  <a:srgbClr val="ffffff"/>
+                </a:solidFill>
+              </a:uFill>
+              <a:latin typeface="Arial"/>
+            </a:endParaRPr>
+          </a:p>
+        </p:txBody>
+      </p:sp>
+      <p:sp>
+        <p:nvSpPr>
+          <p:cNvPr id="149" name="CustomShape 14"/>
+          <p:cNvSpPr/>
+          <p:nvPr/>
+        </p:nvSpPr>
+        <p:spPr>
+          <a:xfrm>
+            <a:off x="3024000" y="2486880"/>
+            <a:ext cx="504000" cy="343080"/>
+          </a:xfrm>
+          <a:prstGeom prst="rect">
+            <a:avLst/>
+          </a:prstGeom>
+          <a:noFill/>
+          <a:ln>
+            <a:noFill/>
+          </a:ln>
+        </p:spPr>
+        <p:style>
+          <a:lnRef idx="0"/>
+          <a:fillRef idx="0"/>
+          <a:effectRef idx="0"/>
+          <a:fontRef idx="minor"/>
+        </p:style>
+        <p:txBody>
+          <a:bodyPr lIns="90000" rIns="90000" tIns="45000" bIns="45000"/>
+          <a:p>
+            <a:r>
+              <a:rPr b="0" lang="fr-FR" sz="1800" spc="-1" strike="noStrike">
+                <a:solidFill>
+                  <a:srgbClr val="000000"/>
+                </a:solidFill>
+                <a:uFill>
+                  <a:solidFill>
+                    <a:srgbClr val="ffffff"/>
+                  </a:solidFill>
+                </a:uFill>
+                <a:latin typeface="Arial"/>
+              </a:rPr>
+              <a:t>R</a:t>
+            </a:r>
+            <a:r>
+              <a:rPr b="0" lang="fr-FR" sz="1800" spc="-1" strike="noStrike" baseline="-33000">
+                <a:solidFill>
+                  <a:srgbClr val="000000"/>
+                </a:solidFill>
+                <a:uFill>
+                  <a:solidFill>
+                    <a:srgbClr val="ffffff"/>
+                  </a:solidFill>
+                </a:uFill>
+                <a:latin typeface="Arial"/>
+              </a:rPr>
+              <a:t>B</a:t>
+            </a:r>
+            <a:endParaRPr b="0" lang="fr-FR" sz="1800" spc="-1" strike="noStrike">
+              <a:solidFill>
+                <a:srgbClr val="000000"/>
+              </a:solidFill>
+              <a:uFill>
+                <a:solidFill>
+                  <a:srgbClr val="ffffff"/>
+                </a:solidFill>
+              </a:uFill>
+              <a:latin typeface="Arial"/>
+            </a:endParaRPr>
+          </a:p>
+        </p:txBody>
+      </p:sp>
+      <p:sp>
+        <p:nvSpPr>
+          <p:cNvPr id="150" name="Line 15"/>
+          <p:cNvSpPr/>
+          <p:nvPr/>
+        </p:nvSpPr>
+        <p:spPr>
+          <a:xfrm flipV="1">
+            <a:off x="3744000" y="3492000"/>
+            <a:ext cx="0" cy="900000"/>
+          </a:xfrm>
+          <a:prstGeom prst="line">
+            <a:avLst/>
+          </a:prstGeom>
+          <a:ln>
+            <a:solidFill>
+              <a:srgbClr val="000000"/>
+            </a:solidFill>
+            <a:tailEnd len="med" type="triangle" w="med"/>
+          </a:ln>
+        </p:spPr>
+        <p:style>
+          <a:lnRef idx="0"/>
+          <a:fillRef idx="0"/>
+          <a:effectRef idx="0"/>
+          <a:fontRef idx="minor"/>
+        </p:style>
+      </p:sp>
+      <p:sp>
+        <p:nvSpPr>
+          <p:cNvPr id="151" name="Line 16"/>
+          <p:cNvSpPr/>
+          <p:nvPr/>
+        </p:nvSpPr>
+        <p:spPr>
+          <a:xfrm flipH="1">
+            <a:off x="2844000" y="4392000"/>
+            <a:ext cx="900000" cy="0"/>
+          </a:xfrm>
+          <a:prstGeom prst="line">
+            <a:avLst/>
+          </a:prstGeom>
+          <a:ln>
+            <a:solidFill>
+              <a:srgbClr val="000000"/>
+            </a:solidFill>
+            <a:tailEnd len="med" type="triangle" w="med"/>
+          </a:ln>
+        </p:spPr>
+        <p:style>
+          <a:lnRef idx="0"/>
+          <a:fillRef idx="0"/>
+          <a:effectRef idx="0"/>
+          <a:fontRef idx="minor"/>
+        </p:style>
+      </p:sp>
+      <p:sp>
+        <p:nvSpPr>
+          <p:cNvPr id="152" name="TextShape 17"/>
+          <p:cNvSpPr txBox="1"/>
+          <p:nvPr/>
+        </p:nvSpPr>
+        <p:spPr>
+          <a:xfrm>
+            <a:off x="2628000" y="4392000"/>
+            <a:ext cx="432000" cy="343440"/>
+          </a:xfrm>
+          <a:prstGeom prst="rect">
+            <a:avLst/>
+          </a:prstGeom>
+          <a:noFill/>
+          <a:ln>
+            <a:noFill/>
+          </a:ln>
+        </p:spPr>
+        <p:txBody>
+          <a:bodyPr lIns="90000" rIns="90000" tIns="45000" bIns="45000"/>
+          <a:p>
+            <a:r>
+              <a:rPr b="0" lang="fr-FR" sz="1800" spc="-1" strike="noStrike">
+                <a:solidFill>
+                  <a:srgbClr val="000000"/>
+                </a:solidFill>
+                <a:uFill>
+                  <a:solidFill>
+                    <a:srgbClr val="ffffff"/>
+                  </a:solidFill>
+                </a:uFill>
+                <a:latin typeface="Arial"/>
+              </a:rPr>
+              <a:t>x</a:t>
+            </a:r>
+            <a:endParaRPr b="0" lang="fr-FR" sz="1800" spc="-1" strike="noStrike">
+              <a:solidFill>
+                <a:srgbClr val="000000"/>
+              </a:solidFill>
+              <a:uFill>
+                <a:solidFill>
+                  <a:srgbClr val="ffffff"/>
+                </a:solidFill>
+              </a:uFill>
+              <a:latin typeface="Arial"/>
+            </a:endParaRPr>
+          </a:p>
+        </p:txBody>
+      </p:sp>
+      <p:sp>
+        <p:nvSpPr>
+          <p:cNvPr id="153" name="TextShape 18"/>
+          <p:cNvSpPr txBox="1"/>
+          <p:nvPr/>
+        </p:nvSpPr>
+        <p:spPr>
+          <a:xfrm>
+            <a:off x="3420000" y="3400560"/>
+            <a:ext cx="432000" cy="343440"/>
+          </a:xfrm>
+          <a:prstGeom prst="rect">
+            <a:avLst/>
+          </a:prstGeom>
+          <a:noFill/>
+          <a:ln>
+            <a:noFill/>
+          </a:ln>
+        </p:spPr>
+        <p:txBody>
+          <a:bodyPr lIns="90000" rIns="90000" tIns="45000" bIns="45000"/>
+          <a:p>
+            <a:r>
+              <a:rPr b="0" lang="fr-FR" sz="1800" spc="-1" strike="noStrike">
+                <a:solidFill>
+                  <a:srgbClr val="000000"/>
+                </a:solidFill>
+                <a:uFill>
+                  <a:solidFill>
+                    <a:srgbClr val="ffffff"/>
+                  </a:solidFill>
+                </a:uFill>
+                <a:latin typeface="Arial"/>
+              </a:rPr>
+              <a:t>y</a:t>
             </a:r>
             <a:endParaRPr b="0" lang="fr-FR" sz="1800" spc="-1" strike="noStrike">
               <a:solidFill>
@@ -5867,4 +9285,227 @@
     </a:fmtScheme>
   </a:themeElements>
 </a:theme>
+</file>
+
+<file path=ppt/theme/theme2.xml><?xml version="1.0" encoding="utf-8"?>
+<a:theme xmlns:a="http://schemas.openxmlformats.org/drawingml/2006/main" name="Office Theme">
+  <a:themeElements>
+    <a:clrScheme name="Office">
+      <a:dk1>
+        <a:sysClr val="windowText" lastClr="000000"/>
+      </a:dk1>
+      <a:lt1>
+        <a:sysClr val="window" lastClr="FFFFFF"/>
+      </a:lt1>
+      <a:dk2>
+        <a:srgbClr val="1F497D"/>
+      </a:dk2>
+      <a:lt2>
+        <a:srgbClr val="EEECE1"/>
+      </a:lt2>
+      <a:accent1>
+        <a:srgbClr val="4F81BD"/>
+      </a:accent1>
+      <a:accent2>
+        <a:srgbClr val="C0504D"/>
+      </a:accent2>
+      <a:accent3>
+        <a:srgbClr val="9BBB59"/>
+      </a:accent3>
+      <a:accent4>
+        <a:srgbClr val="8064A2"/>
+      </a:accent4>
+      <a:accent5>
+        <a:srgbClr val="4BACC6"/>
+      </a:accent5>
+      <a:accent6>
+        <a:srgbClr val="F79646"/>
+      </a:accent6>
+      <a:hlink>
+        <a:srgbClr val="0000FF"/>
+      </a:hlink>
+      <a:folHlink>
+        <a:srgbClr val="800080"/>
+      </a:folHlink>
+    </a:clrScheme>
+    <a:fontScheme name="Office">
+      <a:majorFont>
+        <a:latin typeface="Arial"/>
+        <a:ea typeface="DejaVu Sans"/>
+        <a:cs typeface="DejaVu Sans"/>
+      </a:majorFont>
+      <a:minorFont>
+        <a:latin typeface="Arial"/>
+        <a:ea typeface="DejaVu Sans"/>
+        <a:cs typeface="DejaVu Sans"/>
+      </a:minorFont>
+    </a:fontScheme>
+    <a:fmtScheme name="Office">
+      <a:fillStyleLst>
+        <a:solidFill>
+          <a:schemeClr val="phClr"/>
+        </a:solidFill>
+        <a:gradFill rotWithShape="1">
+          <a:gsLst>
+            <a:gs pos="0">
+              <a:schemeClr val="phClr">
+                <a:tint val="50000"/>
+                <a:satMod val="300000"/>
+              </a:schemeClr>
+            </a:gs>
+            <a:gs pos="35000">
+              <a:schemeClr val="phClr">
+                <a:tint val="37000"/>
+                <a:satMod val="300000"/>
+              </a:schemeClr>
+            </a:gs>
+            <a:gs pos="100000">
+              <a:schemeClr val="phClr">
+                <a:tint val="15000"/>
+                <a:satMod val="350000"/>
+              </a:schemeClr>
+            </a:gs>
+          </a:gsLst>
+          <a:lin ang="16200000" scaled="1"/>
+        </a:gradFill>
+        <a:gradFill rotWithShape="1">
+          <a:gsLst>
+            <a:gs pos="0">
+              <a:schemeClr val="phClr">
+                <a:shade val="51000"/>
+                <a:satMod val="130000"/>
+              </a:schemeClr>
+            </a:gs>
+            <a:gs pos="80000">
+              <a:schemeClr val="phClr">
+                <a:shade val="93000"/>
+                <a:satMod val="130000"/>
+              </a:schemeClr>
+            </a:gs>
+            <a:gs pos="100000">
+              <a:schemeClr val="phClr">
+                <a:shade val="94000"/>
+                <a:satMod val="135000"/>
+              </a:schemeClr>
+            </a:gs>
+          </a:gsLst>
+          <a:lin ang="16200000" scaled="0"/>
+        </a:gradFill>
+      </a:fillStyleLst>
+      <a:lnStyleLst>
+        <a:ln w="9525" cap="flat" cmpd="sng" algn="ctr">
+          <a:solidFill>
+            <a:schemeClr val="phClr">
+              <a:shade val="95000"/>
+              <a:satMod val="105000"/>
+            </a:schemeClr>
+          </a:solidFill>
+          <a:prstDash val="solid"/>
+        </a:ln>
+        <a:ln w="25400" cap="flat" cmpd="sng" algn="ctr">
+          <a:solidFill>
+            <a:schemeClr val="phClr"/>
+          </a:solidFill>
+          <a:prstDash val="solid"/>
+        </a:ln>
+        <a:ln w="38100" cap="flat" cmpd="sng" algn="ctr">
+          <a:solidFill>
+            <a:schemeClr val="phClr"/>
+          </a:solidFill>
+          <a:prstDash val="solid"/>
+        </a:ln>
+      </a:lnStyleLst>
+      <a:effectStyleLst>
+        <a:effectStyle>
+          <a:effectLst>
+            <a:outerShdw blurRad="40000" dist="20000" dir="5400000" rotWithShape="0">
+              <a:srgbClr val="000000">
+                <a:alpha val="38000"/>
+              </a:srgbClr>
+            </a:outerShdw>
+          </a:effectLst>
+        </a:effectStyle>
+        <a:effectStyle>
+          <a:effectLst>
+            <a:outerShdw blurRad="40000" dist="23000" dir="5400000" rotWithShape="0">
+              <a:srgbClr val="000000">
+                <a:alpha val="35000"/>
+              </a:srgbClr>
+            </a:outerShdw>
+          </a:effectLst>
+        </a:effectStyle>
+        <a:effectStyle>
+          <a:effectLst>
+            <a:outerShdw blurRad="40000" dist="23000" dir="5400000" rotWithShape="0">
+              <a:srgbClr val="000000">
+                <a:alpha val="35000"/>
+              </a:srgbClr>
+            </a:outerShdw>
+          </a:effectLst>
+          <a:scene3d>
+            <a:camera prst="orthographicFront">
+              <a:rot lat="0" lon="0" rev="0"/>
+            </a:camera>
+            <a:lightRig rig="threePt" dir="t">
+              <a:rot lat="0" lon="0" rev="1200000"/>
+            </a:lightRig>
+          </a:scene3d>
+          <a:sp3d>
+            <a:bevelT w="63500" h="25400"/>
+          </a:sp3d>
+        </a:effectStyle>
+      </a:effectStyleLst>
+      <a:bgFillStyleLst>
+        <a:solidFill>
+          <a:schemeClr val="phClr"/>
+        </a:solidFill>
+        <a:gradFill rotWithShape="1">
+          <a:gsLst>
+            <a:gs pos="0">
+              <a:schemeClr val="phClr">
+                <a:tint val="40000"/>
+                <a:satMod val="350000"/>
+              </a:schemeClr>
+            </a:gs>
+            <a:gs pos="40000">
+              <a:schemeClr val="phClr">
+                <a:tint val="45000"/>
+                <a:shade val="99000"/>
+                <a:satMod val="350000"/>
+              </a:schemeClr>
+            </a:gs>
+            <a:gs pos="100000">
+              <a:schemeClr val="phClr">
+                <a:shade val="20000"/>
+                <a:satMod val="255000"/>
+              </a:schemeClr>
+            </a:gs>
+          </a:gsLst>
+          <a:path path="circle">
+            <a:fillToRect l="50000" t="-80000" r="50000" b="180000"/>
+          </a:path>
+        </a:gradFill>
+        <a:gradFill rotWithShape="1">
+          <a:gsLst>
+            <a:gs pos="0">
+              <a:schemeClr val="phClr">
+                <a:tint val="80000"/>
+                <a:satMod val="300000"/>
+              </a:schemeClr>
+            </a:gs>
+            <a:gs pos="100000">
+              <a:schemeClr val="phClr">
+                <a:shade val="30000"/>
+                <a:satMod val="200000"/>
+              </a:schemeClr>
+            </a:gs>
+          </a:gsLst>
+          <a:path path="circle">
+            <a:fillToRect l="50000" t="50000" r="50000" b="50000"/>
+          </a:path>
+        </a:gradFill>
+      </a:bgFillStyleLst>
+    </a:fmtScheme>
+  </a:themeElements>
+</a:theme>
 </file>
--- a/doc/source/figs.pptx
+++ b/doc/source/figs.pptx
@@ -68,8 +68,8 @@
         </p:nvSpPr>
         <p:spPr>
           <a:xfrm>
-            <a:off x="685800" y="2130480"/>
-            <a:ext cx="7771680" cy="1469160"/>
+            <a:off x="457200" y="273600"/>
+            <a:ext cx="8229240" cy="1144800"/>
           </a:xfrm>
           <a:prstGeom prst="rect">
             <a:avLst/>
@@ -106,7 +106,7 @@
         <p:spPr>
           <a:xfrm>
             <a:off x="457200" y="1604520"/>
-            <a:ext cx="8228880" cy="1896840"/>
+            <a:ext cx="8229240" cy="1896840"/>
           </a:xfrm>
           <a:prstGeom prst="rect">
             <a:avLst/>
@@ -144,7 +144,7 @@
         <p:spPr>
           <a:xfrm>
             <a:off x="457200" y="3682080"/>
-            <a:ext cx="8228880" cy="1896840"/>
+            <a:ext cx="8229240" cy="1896840"/>
           </a:xfrm>
           <a:prstGeom prst="rect">
             <a:avLst/>
@@ -203,8 +203,8 @@
         </p:nvSpPr>
         <p:spPr>
           <a:xfrm>
-            <a:off x="685800" y="2130480"/>
-            <a:ext cx="7771680" cy="1469160"/>
+            <a:off x="457200" y="273600"/>
+            <a:ext cx="8229240" cy="1144800"/>
           </a:xfrm>
           <a:prstGeom prst="rect">
             <a:avLst/>
@@ -241,7 +241,7 @@
         <p:spPr>
           <a:xfrm>
             <a:off x="457200" y="1604520"/>
-            <a:ext cx="4015440" cy="1896840"/>
+            <a:ext cx="4015800" cy="1896840"/>
           </a:xfrm>
           <a:prstGeom prst="rect">
             <a:avLst/>
@@ -278,8 +278,8 @@
         </p:nvSpPr>
         <p:spPr>
           <a:xfrm>
-            <a:off x="4673880" y="1604520"/>
-            <a:ext cx="4015440" cy="1896840"/>
+            <a:off x="4674240" y="1604520"/>
+            <a:ext cx="4015800" cy="1896840"/>
           </a:xfrm>
           <a:prstGeom prst="rect">
             <a:avLst/>
@@ -316,8 +316,8 @@
         </p:nvSpPr>
         <p:spPr>
           <a:xfrm>
-            <a:off x="4673880" y="3682080"/>
-            <a:ext cx="4015440" cy="1896840"/>
+            <a:off x="4674240" y="3682080"/>
+            <a:ext cx="4015800" cy="1896840"/>
           </a:xfrm>
           <a:prstGeom prst="rect">
             <a:avLst/>
@@ -355,7 +355,7 @@
         <p:spPr>
           <a:xfrm>
             <a:off x="457200" y="3682080"/>
-            <a:ext cx="4015440" cy="1896840"/>
+            <a:ext cx="4015800" cy="1896840"/>
           </a:xfrm>
           <a:prstGeom prst="rect">
             <a:avLst/>
@@ -414,8 +414,8 @@
         </p:nvSpPr>
         <p:spPr>
           <a:xfrm>
-            <a:off x="685800" y="2130480"/>
-            <a:ext cx="7771680" cy="1469160"/>
+            <a:off x="457200" y="273600"/>
+            <a:ext cx="8229240" cy="1144800"/>
           </a:xfrm>
           <a:prstGeom prst="rect">
             <a:avLst/>
@@ -723,8 +723,8 @@
         </p:nvSpPr>
         <p:spPr>
           <a:xfrm>
-            <a:off x="685800" y="2130480"/>
-            <a:ext cx="7771680" cy="1469160"/>
+            <a:off x="457200" y="273600"/>
+            <a:ext cx="8229240" cy="1144800"/>
           </a:xfrm>
           <a:prstGeom prst="rect">
             <a:avLst/>
@@ -761,7 +761,7 @@
         <p:spPr>
           <a:xfrm>
             <a:off x="457200" y="1604520"/>
-            <a:ext cx="8228880" cy="3976920"/>
+            <a:ext cx="8229240" cy="3977280"/>
           </a:xfrm>
           <a:prstGeom prst="rect">
             <a:avLst/>
@@ -819,8 +819,8 @@
         </p:nvSpPr>
         <p:spPr>
           <a:xfrm>
-            <a:off x="685800" y="2130480"/>
-            <a:ext cx="7771680" cy="1469160"/>
+            <a:off x="457200" y="273600"/>
+            <a:ext cx="8229240" cy="1144800"/>
           </a:xfrm>
           <a:prstGeom prst="rect">
             <a:avLst/>
@@ -857,7 +857,7 @@
         <p:spPr>
           <a:xfrm>
             <a:off x="457200" y="1604520"/>
-            <a:ext cx="8228880" cy="3976920"/>
+            <a:ext cx="8229240" cy="3977280"/>
           </a:xfrm>
           <a:prstGeom prst="rect">
             <a:avLst/>
@@ -916,8 +916,8 @@
         </p:nvSpPr>
         <p:spPr>
           <a:xfrm>
-            <a:off x="685800" y="2130480"/>
-            <a:ext cx="7771680" cy="1469160"/>
+            <a:off x="457200" y="273600"/>
+            <a:ext cx="8229240" cy="1144800"/>
           </a:xfrm>
           <a:prstGeom prst="rect">
             <a:avLst/>
@@ -954,7 +954,7 @@
         <p:spPr>
           <a:xfrm>
             <a:off x="457200" y="1604520"/>
-            <a:ext cx="4015440" cy="3976920"/>
+            <a:ext cx="4015800" cy="3977280"/>
           </a:xfrm>
           <a:prstGeom prst="rect">
             <a:avLst/>
@@ -991,8 +991,8 @@
         </p:nvSpPr>
         <p:spPr>
           <a:xfrm>
-            <a:off x="4673880" y="1604520"/>
-            <a:ext cx="4015440" cy="3976920"/>
+            <a:off x="4674240" y="1604520"/>
+            <a:ext cx="4015800" cy="3977280"/>
           </a:xfrm>
           <a:prstGeom prst="rect">
             <a:avLst/>
@@ -1051,8 +1051,8 @@
         </p:nvSpPr>
         <p:spPr>
           <a:xfrm>
-            <a:off x="685800" y="2130480"/>
-            <a:ext cx="7771680" cy="1469160"/>
+            <a:off x="457200" y="273600"/>
+            <a:ext cx="8229240" cy="1144800"/>
           </a:xfrm>
           <a:prstGeom prst="rect">
             <a:avLst/>
@@ -1110,8 +1110,8 @@
         </p:nvSpPr>
         <p:spPr>
           <a:xfrm>
-            <a:off x="685800" y="2130480"/>
-            <a:ext cx="7771680" cy="6811560"/>
+            <a:off x="457200" y="273600"/>
+            <a:ext cx="8229240" cy="5307840"/>
           </a:xfrm>
           <a:prstGeom prst="rect">
             <a:avLst/>
@@ -1169,8 +1169,8 @@
         </p:nvSpPr>
         <p:spPr>
           <a:xfrm>
-            <a:off x="685800" y="2130480"/>
-            <a:ext cx="7771680" cy="1469160"/>
+            <a:off x="457200" y="273600"/>
+            <a:ext cx="8229240" cy="1144800"/>
           </a:xfrm>
           <a:prstGeom prst="rect">
             <a:avLst/>
@@ -1207,7 +1207,7 @@
         <p:spPr>
           <a:xfrm>
             <a:off x="457200" y="1604520"/>
-            <a:ext cx="4015440" cy="1896840"/>
+            <a:ext cx="4015800" cy="1896840"/>
           </a:xfrm>
           <a:prstGeom prst="rect">
             <a:avLst/>
@@ -1245,7 +1245,7 @@
         <p:spPr>
           <a:xfrm>
             <a:off x="457200" y="3682080"/>
-            <a:ext cx="4015440" cy="1896840"/>
+            <a:ext cx="4015800" cy="1896840"/>
           </a:xfrm>
           <a:prstGeom prst="rect">
             <a:avLst/>
@@ -1282,8 +1282,8 @@
         </p:nvSpPr>
         <p:spPr>
           <a:xfrm>
-            <a:off x="4673880" y="1604520"/>
-            <a:ext cx="4015440" cy="3976920"/>
+            <a:off x="4674240" y="1604520"/>
+            <a:ext cx="4015800" cy="3977280"/>
           </a:xfrm>
           <a:prstGeom prst="rect">
             <a:avLst/>
@@ -1342,8 +1342,8 @@
         </p:nvSpPr>
         <p:spPr>
           <a:xfrm>
-            <a:off x="685800" y="2130480"/>
-            <a:ext cx="7771680" cy="1469160"/>
+            <a:off x="457200" y="273600"/>
+            <a:ext cx="8229240" cy="1144800"/>
           </a:xfrm>
           <a:prstGeom prst="rect">
             <a:avLst/>
@@ -1380,7 +1380,7 @@
         <p:spPr>
           <a:xfrm>
             <a:off x="457200" y="1604520"/>
-            <a:ext cx="8228880" cy="3976920"/>
+            <a:ext cx="8229240" cy="3977280"/>
           </a:xfrm>
           <a:prstGeom prst="rect">
             <a:avLst/>
@@ -1438,8 +1438,8 @@
         </p:nvSpPr>
         <p:spPr>
           <a:xfrm>
-            <a:off x="685800" y="2130480"/>
-            <a:ext cx="7771680" cy="1469160"/>
+            <a:off x="457200" y="273600"/>
+            <a:ext cx="8229240" cy="1144800"/>
           </a:xfrm>
           <a:prstGeom prst="rect">
             <a:avLst/>
@@ -1476,7 +1476,7 @@
         <p:spPr>
           <a:xfrm>
             <a:off x="457200" y="1604520"/>
-            <a:ext cx="4015440" cy="3976920"/>
+            <a:ext cx="4015800" cy="3977280"/>
           </a:xfrm>
           <a:prstGeom prst="rect">
             <a:avLst/>
@@ -1513,8 +1513,8 @@
         </p:nvSpPr>
         <p:spPr>
           <a:xfrm>
-            <a:off x="4673880" y="1604520"/>
-            <a:ext cx="4015440" cy="1896840"/>
+            <a:off x="4674240" y="1604520"/>
+            <a:ext cx="4015800" cy="1896840"/>
           </a:xfrm>
           <a:prstGeom prst="rect">
             <a:avLst/>
@@ -1551,8 +1551,8 @@
         </p:nvSpPr>
         <p:spPr>
           <a:xfrm>
-            <a:off x="4673880" y="3682080"/>
-            <a:ext cx="4015440" cy="1896840"/>
+            <a:off x="4674240" y="3682080"/>
+            <a:ext cx="4015800" cy="1896840"/>
           </a:xfrm>
           <a:prstGeom prst="rect">
             <a:avLst/>
@@ -1611,8 +1611,8 @@
         </p:nvSpPr>
         <p:spPr>
           <a:xfrm>
-            <a:off x="685800" y="2130480"/>
-            <a:ext cx="7771680" cy="1469160"/>
+            <a:off x="457200" y="273600"/>
+            <a:ext cx="8229240" cy="1144800"/>
           </a:xfrm>
           <a:prstGeom prst="rect">
             <a:avLst/>
@@ -1649,7 +1649,7 @@
         <p:spPr>
           <a:xfrm>
             <a:off x="457200" y="1604520"/>
-            <a:ext cx="4015440" cy="1896840"/>
+            <a:ext cx="4015800" cy="1896840"/>
           </a:xfrm>
           <a:prstGeom prst="rect">
             <a:avLst/>
@@ -1686,8 +1686,8 @@
         </p:nvSpPr>
         <p:spPr>
           <a:xfrm>
-            <a:off x="4673880" y="1604520"/>
-            <a:ext cx="4015440" cy="1896840"/>
+            <a:off x="4674240" y="1604520"/>
+            <a:ext cx="4015800" cy="1896840"/>
           </a:xfrm>
           <a:prstGeom prst="rect">
             <a:avLst/>
@@ -1725,7 +1725,7 @@
         <p:spPr>
           <a:xfrm>
             <a:off x="457200" y="3682080"/>
-            <a:ext cx="8228880" cy="1896840"/>
+            <a:ext cx="8229240" cy="1896840"/>
           </a:xfrm>
           <a:prstGeom prst="rect">
             <a:avLst/>
@@ -1784,8 +1784,8 @@
         </p:nvSpPr>
         <p:spPr>
           <a:xfrm>
-            <a:off x="685800" y="2130480"/>
-            <a:ext cx="7771680" cy="1469160"/>
+            <a:off x="457200" y="273600"/>
+            <a:ext cx="8229240" cy="1144800"/>
           </a:xfrm>
           <a:prstGeom prst="rect">
             <a:avLst/>
@@ -1822,7 +1822,7 @@
         <p:spPr>
           <a:xfrm>
             <a:off x="457200" y="1604520"/>
-            <a:ext cx="8228880" cy="1896840"/>
+            <a:ext cx="8229240" cy="1896840"/>
           </a:xfrm>
           <a:prstGeom prst="rect">
             <a:avLst/>
@@ -1860,7 +1860,7 @@
         <p:spPr>
           <a:xfrm>
             <a:off x="457200" y="3682080"/>
-            <a:ext cx="8228880" cy="1896840"/>
+            <a:ext cx="8229240" cy="1896840"/>
           </a:xfrm>
           <a:prstGeom prst="rect">
             <a:avLst/>
@@ -1919,8 +1919,8 @@
         </p:nvSpPr>
         <p:spPr>
           <a:xfrm>
-            <a:off x="685800" y="2130480"/>
-            <a:ext cx="7771680" cy="1469160"/>
+            <a:off x="457200" y="273600"/>
+            <a:ext cx="8229240" cy="1144800"/>
           </a:xfrm>
           <a:prstGeom prst="rect">
             <a:avLst/>
@@ -1957,7 +1957,7 @@
         <p:spPr>
           <a:xfrm>
             <a:off x="457200" y="1604520"/>
-            <a:ext cx="4015440" cy="1896840"/>
+            <a:ext cx="4015800" cy="1896840"/>
           </a:xfrm>
           <a:prstGeom prst="rect">
             <a:avLst/>
@@ -1994,8 +1994,8 @@
         </p:nvSpPr>
         <p:spPr>
           <a:xfrm>
-            <a:off x="4673880" y="1604520"/>
-            <a:ext cx="4015440" cy="1896840"/>
+            <a:off x="4674240" y="1604520"/>
+            <a:ext cx="4015800" cy="1896840"/>
           </a:xfrm>
           <a:prstGeom prst="rect">
             <a:avLst/>
@@ -2032,8 +2032,8 @@
         </p:nvSpPr>
         <p:spPr>
           <a:xfrm>
-            <a:off x="4673880" y="3682080"/>
-            <a:ext cx="4015440" cy="1896840"/>
+            <a:off x="4674240" y="3682080"/>
+            <a:ext cx="4015800" cy="1896840"/>
           </a:xfrm>
           <a:prstGeom prst="rect">
             <a:avLst/>
@@ -2071,7 +2071,7 @@
         <p:spPr>
           <a:xfrm>
             <a:off x="457200" y="3682080"/>
-            <a:ext cx="4015440" cy="1896840"/>
+            <a:ext cx="4015800" cy="1896840"/>
           </a:xfrm>
           <a:prstGeom prst="rect">
             <a:avLst/>
@@ -2130,8 +2130,8 @@
         </p:nvSpPr>
         <p:spPr>
           <a:xfrm>
-            <a:off x="685800" y="2130480"/>
-            <a:ext cx="7771680" cy="1469160"/>
+            <a:off x="457200" y="273600"/>
+            <a:ext cx="8229240" cy="1144800"/>
           </a:xfrm>
           <a:prstGeom prst="rect">
             <a:avLst/>
@@ -2417,8 +2417,8 @@
         </p:nvSpPr>
         <p:spPr>
           <a:xfrm>
-            <a:off x="685800" y="2130480"/>
-            <a:ext cx="7771680" cy="1469160"/>
+            <a:off x="457200" y="273600"/>
+            <a:ext cx="8229240" cy="1144800"/>
           </a:xfrm>
           <a:prstGeom prst="rect">
             <a:avLst/>
@@ -2455,7 +2455,7 @@
         <p:spPr>
           <a:xfrm>
             <a:off x="457200" y="1604520"/>
-            <a:ext cx="8228880" cy="3976920"/>
+            <a:ext cx="8229240" cy="3977280"/>
           </a:xfrm>
           <a:prstGeom prst="rect">
             <a:avLst/>
@@ -2514,8 +2514,8 @@
         </p:nvSpPr>
         <p:spPr>
           <a:xfrm>
-            <a:off x="685800" y="2130480"/>
-            <a:ext cx="7771680" cy="1469160"/>
+            <a:off x="457200" y="273600"/>
+            <a:ext cx="8229240" cy="1144800"/>
           </a:xfrm>
           <a:prstGeom prst="rect">
             <a:avLst/>
@@ -2552,7 +2552,7 @@
         <p:spPr>
           <a:xfrm>
             <a:off x="457200" y="1604520"/>
-            <a:ext cx="4015440" cy="3976920"/>
+            <a:ext cx="4015800" cy="3977280"/>
           </a:xfrm>
           <a:prstGeom prst="rect">
             <a:avLst/>
@@ -2589,8 +2589,8 @@
         </p:nvSpPr>
         <p:spPr>
           <a:xfrm>
-            <a:off x="4673880" y="1604520"/>
-            <a:ext cx="4015440" cy="3976920"/>
+            <a:off x="4674240" y="1604520"/>
+            <a:ext cx="4015800" cy="3977280"/>
           </a:xfrm>
           <a:prstGeom prst="rect">
             <a:avLst/>
@@ -2649,8 +2649,8 @@
         </p:nvSpPr>
         <p:spPr>
           <a:xfrm>
-            <a:off x="685800" y="2130480"/>
-            <a:ext cx="7771680" cy="1469160"/>
+            <a:off x="457200" y="273600"/>
+            <a:ext cx="8229240" cy="1144800"/>
           </a:xfrm>
           <a:prstGeom prst="rect">
             <a:avLst/>
@@ -2708,8 +2708,8 @@
         </p:nvSpPr>
         <p:spPr>
           <a:xfrm>
-            <a:off x="685800" y="2130480"/>
-            <a:ext cx="7771680" cy="6811560"/>
+            <a:off x="457200" y="273600"/>
+            <a:ext cx="8229240" cy="5307840"/>
           </a:xfrm>
           <a:prstGeom prst="rect">
             <a:avLst/>
@@ -2767,8 +2767,8 @@
         </p:nvSpPr>
         <p:spPr>
           <a:xfrm>
-            <a:off x="685800" y="2130480"/>
-            <a:ext cx="7771680" cy="1469160"/>
+            <a:off x="457200" y="273600"/>
+            <a:ext cx="8229240" cy="1144800"/>
           </a:xfrm>
           <a:prstGeom prst="rect">
             <a:avLst/>
@@ -2805,7 +2805,7 @@
         <p:spPr>
           <a:xfrm>
             <a:off x="457200" y="1604520"/>
-            <a:ext cx="4015440" cy="1896840"/>
+            <a:ext cx="4015800" cy="1896840"/>
           </a:xfrm>
           <a:prstGeom prst="rect">
             <a:avLst/>
@@ -2843,7 +2843,7 @@
         <p:spPr>
           <a:xfrm>
             <a:off x="457200" y="3682080"/>
-            <a:ext cx="4015440" cy="1896840"/>
+            <a:ext cx="4015800" cy="1896840"/>
           </a:xfrm>
           <a:prstGeom prst="rect">
             <a:avLst/>
@@ -2880,8 +2880,8 @@
         </p:nvSpPr>
         <p:spPr>
           <a:xfrm>
-            <a:off x="4673880" y="1604520"/>
-            <a:ext cx="4015440" cy="3976920"/>
+            <a:off x="4674240" y="1604520"/>
+            <a:ext cx="4015800" cy="3977280"/>
           </a:xfrm>
           <a:prstGeom prst="rect">
             <a:avLst/>
@@ -2940,8 +2940,8 @@
         </p:nvSpPr>
         <p:spPr>
           <a:xfrm>
-            <a:off x="685800" y="2130480"/>
-            <a:ext cx="7771680" cy="1469160"/>
+            <a:off x="457200" y="273600"/>
+            <a:ext cx="8229240" cy="1144800"/>
           </a:xfrm>
           <a:prstGeom prst="rect">
             <a:avLst/>
@@ -2978,7 +2978,7 @@
         <p:spPr>
           <a:xfrm>
             <a:off x="457200" y="1604520"/>
-            <a:ext cx="4015440" cy="3976920"/>
+            <a:ext cx="4015800" cy="3977280"/>
           </a:xfrm>
           <a:prstGeom prst="rect">
             <a:avLst/>
@@ -3015,8 +3015,8 @@
         </p:nvSpPr>
         <p:spPr>
           <a:xfrm>
-            <a:off x="4673880" y="1604520"/>
-            <a:ext cx="4015440" cy="1896840"/>
+            <a:off x="4674240" y="1604520"/>
+            <a:ext cx="4015800" cy="1896840"/>
           </a:xfrm>
           <a:prstGeom prst="rect">
             <a:avLst/>
@@ -3053,8 +3053,8 @@
         </p:nvSpPr>
         <p:spPr>
           <a:xfrm>
-            <a:off x="4673880" y="3682080"/>
-            <a:ext cx="4015440" cy="1896840"/>
+            <a:off x="4674240" y="3682080"/>
+            <a:ext cx="4015800" cy="1896840"/>
           </a:xfrm>
           <a:prstGeom prst="rect">
             <a:avLst/>
@@ -3113,8 +3113,8 @@
         </p:nvSpPr>
         <p:spPr>
           <a:xfrm>
-            <a:off x="685800" y="2130480"/>
-            <a:ext cx="7771680" cy="1469160"/>
+            <a:off x="457200" y="273600"/>
+            <a:ext cx="8229240" cy="1144800"/>
           </a:xfrm>
           <a:prstGeom prst="rect">
             <a:avLst/>
@@ -3151,7 +3151,7 @@
         <p:spPr>
           <a:xfrm>
             <a:off x="457200" y="1604520"/>
-            <a:ext cx="4015440" cy="1896840"/>
+            <a:ext cx="4015800" cy="1896840"/>
           </a:xfrm>
           <a:prstGeom prst="rect">
             <a:avLst/>
@@ -3188,8 +3188,8 @@
         </p:nvSpPr>
         <p:spPr>
           <a:xfrm>
-            <a:off x="4673880" y="1604520"/>
-            <a:ext cx="4015440" cy="1896840"/>
+            <a:off x="4674240" y="1604520"/>
+            <a:ext cx="4015800" cy="1896840"/>
           </a:xfrm>
           <a:prstGeom prst="rect">
             <a:avLst/>
@@ -3227,7 +3227,7 @@
         <p:spPr>
           <a:xfrm>
             <a:off x="457200" y="3682080"/>
-            <a:ext cx="8228880" cy="1896840"/>
+            <a:ext cx="8229240" cy="1896840"/>
           </a:xfrm>
           <a:prstGeom prst="rect">
             <a:avLst/>
@@ -3294,7 +3294,7 @@
         <p:spPr>
           <a:xfrm>
             <a:off x="685800" y="2130480"/>
-            <a:ext cx="7771680" cy="1469160"/>
+            <a:ext cx="7771320" cy="1468800"/>
           </a:xfrm>
           <a:prstGeom prst="rect">
             <a:avLst/>
@@ -3315,469 +3315,7 @@
                 </a:uFill>
                 <a:latin typeface="Arial"/>
               </a:rPr>
-              <a:t>C</a:t>
-            </a:r>
-            <a:r>
-              <a:rPr b="0" lang="fr-FR" sz="1800" spc="-1" strike="noStrike">
-                <a:solidFill>
-                  <a:srgbClr val="000000"/>
-                </a:solidFill>
-                <a:uFill>
-                  <a:solidFill>
-                    <a:srgbClr val="ffffff"/>
-                  </a:solidFill>
-                </a:uFill>
-                <a:latin typeface="Arial"/>
-              </a:rPr>
-              <a:t>li</a:t>
-            </a:r>
-            <a:r>
-              <a:rPr b="0" lang="fr-FR" sz="1800" spc="-1" strike="noStrike">
-                <a:solidFill>
-                  <a:srgbClr val="000000"/>
-                </a:solidFill>
-                <a:uFill>
-                  <a:solidFill>
-                    <a:srgbClr val="ffffff"/>
-                  </a:solidFill>
-                </a:uFill>
-                <a:latin typeface="Arial"/>
-              </a:rPr>
-              <a:t>q</a:t>
-            </a:r>
-            <a:r>
-              <a:rPr b="0" lang="fr-FR" sz="1800" spc="-1" strike="noStrike">
-                <a:solidFill>
-                  <a:srgbClr val="000000"/>
-                </a:solidFill>
-                <a:uFill>
-                  <a:solidFill>
-                    <a:srgbClr val="ffffff"/>
-                  </a:solidFill>
-                </a:uFill>
-                <a:latin typeface="Arial"/>
-              </a:rPr>
-              <a:t>u</a:t>
-            </a:r>
-            <a:r>
-              <a:rPr b="0" lang="fr-FR" sz="1800" spc="-1" strike="noStrike">
-                <a:solidFill>
-                  <a:srgbClr val="000000"/>
-                </a:solidFill>
-                <a:uFill>
-                  <a:solidFill>
-                    <a:srgbClr val="ffffff"/>
-                  </a:solidFill>
-                </a:uFill>
-                <a:latin typeface="Arial"/>
-              </a:rPr>
-              <a:t>e</a:t>
-            </a:r>
-            <a:r>
-              <a:rPr b="0" lang="fr-FR" sz="1800" spc="-1" strike="noStrike">
-                <a:solidFill>
-                  <a:srgbClr val="000000"/>
-                </a:solidFill>
-                <a:uFill>
-                  <a:solidFill>
-                    <a:srgbClr val="ffffff"/>
-                  </a:solidFill>
-                </a:uFill>
-                <a:latin typeface="Arial"/>
-              </a:rPr>
-              <a:t>z </a:t>
-            </a:r>
-            <a:r>
-              <a:rPr b="0" lang="fr-FR" sz="1800" spc="-1" strike="noStrike">
-                <a:solidFill>
-                  <a:srgbClr val="000000"/>
-                </a:solidFill>
-                <a:uFill>
-                  <a:solidFill>
-                    <a:srgbClr val="ffffff"/>
-                  </a:solidFill>
-                </a:uFill>
-                <a:latin typeface="Arial"/>
-              </a:rPr>
-              <a:t>p</a:t>
-            </a:r>
-            <a:r>
-              <a:rPr b="0" lang="fr-FR" sz="1800" spc="-1" strike="noStrike">
-                <a:solidFill>
-                  <a:srgbClr val="000000"/>
-                </a:solidFill>
-                <a:uFill>
-                  <a:solidFill>
-                    <a:srgbClr val="ffffff"/>
-                  </a:solidFill>
-                </a:uFill>
-                <a:latin typeface="Arial"/>
-              </a:rPr>
-              <a:t>o</a:t>
-            </a:r>
-            <a:r>
-              <a:rPr b="0" lang="fr-FR" sz="1800" spc="-1" strike="noStrike">
-                <a:solidFill>
-                  <a:srgbClr val="000000"/>
-                </a:solidFill>
-                <a:uFill>
-                  <a:solidFill>
-                    <a:srgbClr val="ffffff"/>
-                  </a:solidFill>
-                </a:uFill>
-                <a:latin typeface="Arial"/>
-              </a:rPr>
-              <a:t>u</a:t>
-            </a:r>
-            <a:r>
-              <a:rPr b="0" lang="fr-FR" sz="1800" spc="-1" strike="noStrike">
-                <a:solidFill>
-                  <a:srgbClr val="000000"/>
-                </a:solidFill>
-                <a:uFill>
-                  <a:solidFill>
-                    <a:srgbClr val="ffffff"/>
-                  </a:solidFill>
-                </a:uFill>
-                <a:latin typeface="Arial"/>
-              </a:rPr>
-              <a:t>r </a:t>
-            </a:r>
-            <a:r>
-              <a:rPr b="0" lang="fr-FR" sz="1800" spc="-1" strike="noStrike">
-                <a:solidFill>
-                  <a:srgbClr val="000000"/>
-                </a:solidFill>
-                <a:uFill>
-                  <a:solidFill>
-                    <a:srgbClr val="ffffff"/>
-                  </a:solidFill>
-                </a:uFill>
-                <a:latin typeface="Arial"/>
-              </a:rPr>
-              <a:t>é</a:t>
-            </a:r>
-            <a:r>
-              <a:rPr b="0" lang="fr-FR" sz="1800" spc="-1" strike="noStrike">
-                <a:solidFill>
-                  <a:srgbClr val="000000"/>
-                </a:solidFill>
-                <a:uFill>
-                  <a:solidFill>
-                    <a:srgbClr val="ffffff"/>
-                  </a:solidFill>
-                </a:uFill>
-                <a:latin typeface="Arial"/>
-              </a:rPr>
-              <a:t>d</a:t>
-            </a:r>
-            <a:r>
-              <a:rPr b="0" lang="fr-FR" sz="1800" spc="-1" strike="noStrike">
-                <a:solidFill>
-                  <a:srgbClr val="000000"/>
-                </a:solidFill>
-                <a:uFill>
-                  <a:solidFill>
-                    <a:srgbClr val="ffffff"/>
-                  </a:solidFill>
-                </a:uFill>
-                <a:latin typeface="Arial"/>
-              </a:rPr>
-              <a:t>it</a:t>
-            </a:r>
-            <a:r>
-              <a:rPr b="0" lang="fr-FR" sz="1800" spc="-1" strike="noStrike">
-                <a:solidFill>
-                  <a:srgbClr val="000000"/>
-                </a:solidFill>
-                <a:uFill>
-                  <a:solidFill>
-                    <a:srgbClr val="ffffff"/>
-                  </a:solidFill>
-                </a:uFill>
-                <a:latin typeface="Arial"/>
-              </a:rPr>
-              <a:t>e</a:t>
-            </a:r>
-            <a:r>
-              <a:rPr b="0" lang="fr-FR" sz="1800" spc="-1" strike="noStrike">
-                <a:solidFill>
-                  <a:srgbClr val="000000"/>
-                </a:solidFill>
-                <a:uFill>
-                  <a:solidFill>
-                    <a:srgbClr val="ffffff"/>
-                  </a:solidFill>
-                </a:uFill>
-                <a:latin typeface="Arial"/>
-              </a:rPr>
-              <a:t>r </a:t>
-            </a:r>
-            <a:r>
-              <a:rPr b="0" lang="fr-FR" sz="1800" spc="-1" strike="noStrike">
-                <a:solidFill>
-                  <a:srgbClr val="000000"/>
-                </a:solidFill>
-                <a:uFill>
-                  <a:solidFill>
-                    <a:srgbClr val="ffffff"/>
-                  </a:solidFill>
-                </a:uFill>
-                <a:latin typeface="Arial"/>
-              </a:rPr>
-              <a:t>l</a:t>
-            </a:r>
-            <a:r>
-              <a:rPr b="0" lang="fr-FR" sz="1800" spc="-1" strike="noStrike">
-                <a:solidFill>
-                  <a:srgbClr val="000000"/>
-                </a:solidFill>
-                <a:uFill>
-                  <a:solidFill>
-                    <a:srgbClr val="ffffff"/>
-                  </a:solidFill>
-                </a:uFill>
-                <a:latin typeface="Arial"/>
-              </a:rPr>
-              <a:t>e </a:t>
-            </a:r>
-            <a:r>
-              <a:rPr b="0" lang="fr-FR" sz="1800" spc="-1" strike="noStrike">
-                <a:solidFill>
-                  <a:srgbClr val="000000"/>
-                </a:solidFill>
-                <a:uFill>
-                  <a:solidFill>
-                    <a:srgbClr val="ffffff"/>
-                  </a:solidFill>
-                </a:uFill>
-                <a:latin typeface="Arial"/>
-              </a:rPr>
-              <a:t>f</a:t>
-            </a:r>
-            <a:r>
-              <a:rPr b="0" lang="fr-FR" sz="1800" spc="-1" strike="noStrike">
-                <a:solidFill>
-                  <a:srgbClr val="000000"/>
-                </a:solidFill>
-                <a:uFill>
-                  <a:solidFill>
-                    <a:srgbClr val="ffffff"/>
-                  </a:solidFill>
-                </a:uFill>
-                <a:latin typeface="Arial"/>
-              </a:rPr>
-              <a:t>o</a:t>
-            </a:r>
-            <a:r>
-              <a:rPr b="0" lang="fr-FR" sz="1800" spc="-1" strike="noStrike">
-                <a:solidFill>
-                  <a:srgbClr val="000000"/>
-                </a:solidFill>
-                <a:uFill>
-                  <a:solidFill>
-                    <a:srgbClr val="ffffff"/>
-                  </a:solidFill>
-                </a:uFill>
-                <a:latin typeface="Arial"/>
-              </a:rPr>
-              <a:t>r</a:t>
-            </a:r>
-            <a:r>
-              <a:rPr b="0" lang="fr-FR" sz="1800" spc="-1" strike="noStrike">
-                <a:solidFill>
-                  <a:srgbClr val="000000"/>
-                </a:solidFill>
-                <a:uFill>
-                  <a:solidFill>
-                    <a:srgbClr val="ffffff"/>
-                  </a:solidFill>
-                </a:uFill>
-                <a:latin typeface="Arial"/>
-              </a:rPr>
-              <a:t>m</a:t>
-            </a:r>
-            <a:r>
-              <a:rPr b="0" lang="fr-FR" sz="1800" spc="-1" strike="noStrike">
-                <a:solidFill>
-                  <a:srgbClr val="000000"/>
-                </a:solidFill>
-                <a:uFill>
-                  <a:solidFill>
-                    <a:srgbClr val="ffffff"/>
-                  </a:solidFill>
-                </a:uFill>
-                <a:latin typeface="Arial"/>
-              </a:rPr>
-              <a:t>a</a:t>
-            </a:r>
-            <a:r>
-              <a:rPr b="0" lang="fr-FR" sz="1800" spc="-1" strike="noStrike">
-                <a:solidFill>
-                  <a:srgbClr val="000000"/>
-                </a:solidFill>
-                <a:uFill>
-                  <a:solidFill>
-                    <a:srgbClr val="ffffff"/>
-                  </a:solidFill>
-                </a:uFill>
-                <a:latin typeface="Arial"/>
-              </a:rPr>
-              <a:t>t </a:t>
-            </a:r>
-            <a:r>
-              <a:rPr b="0" lang="fr-FR" sz="1800" spc="-1" strike="noStrike">
-                <a:solidFill>
-                  <a:srgbClr val="000000"/>
-                </a:solidFill>
-                <a:uFill>
-                  <a:solidFill>
-                    <a:srgbClr val="ffffff"/>
-                  </a:solidFill>
-                </a:uFill>
-                <a:latin typeface="Arial"/>
-              </a:rPr>
-              <a:t>d</a:t>
-            </a:r>
-            <a:r>
-              <a:rPr b="0" lang="fr-FR" sz="1800" spc="-1" strike="noStrike">
-                <a:solidFill>
-                  <a:srgbClr val="000000"/>
-                </a:solidFill>
-                <a:uFill>
-                  <a:solidFill>
-                    <a:srgbClr val="ffffff"/>
-                  </a:solidFill>
-                </a:uFill>
-                <a:latin typeface="Arial"/>
-              </a:rPr>
-              <a:t>u </a:t>
-            </a:r>
-            <a:r>
-              <a:rPr b="0" lang="fr-FR" sz="1800" spc="-1" strike="noStrike">
-                <a:solidFill>
-                  <a:srgbClr val="000000"/>
-                </a:solidFill>
-                <a:uFill>
-                  <a:solidFill>
-                    <a:srgbClr val="ffffff"/>
-                  </a:solidFill>
-                </a:uFill>
-                <a:latin typeface="Arial"/>
-              </a:rPr>
-              <a:t>t</a:t>
-            </a:r>
-            <a:r>
-              <a:rPr b="0" lang="fr-FR" sz="1800" spc="-1" strike="noStrike">
-                <a:solidFill>
-                  <a:srgbClr val="000000"/>
-                </a:solidFill>
-                <a:uFill>
-                  <a:solidFill>
-                    <a:srgbClr val="ffffff"/>
-                  </a:solidFill>
-                </a:uFill>
-                <a:latin typeface="Arial"/>
-              </a:rPr>
-              <a:t>e</a:t>
-            </a:r>
-            <a:r>
-              <a:rPr b="0" lang="fr-FR" sz="1800" spc="-1" strike="noStrike">
-                <a:solidFill>
-                  <a:srgbClr val="000000"/>
-                </a:solidFill>
-                <a:uFill>
-                  <a:solidFill>
-                    <a:srgbClr val="ffffff"/>
-                  </a:solidFill>
-                </a:uFill>
-                <a:latin typeface="Arial"/>
-              </a:rPr>
-              <a:t>x</a:t>
-            </a:r>
-            <a:r>
-              <a:rPr b="0" lang="fr-FR" sz="1800" spc="-1" strike="noStrike">
-                <a:solidFill>
-                  <a:srgbClr val="000000"/>
-                </a:solidFill>
-                <a:uFill>
-                  <a:solidFill>
-                    <a:srgbClr val="ffffff"/>
-                  </a:solidFill>
-                </a:uFill>
-                <a:latin typeface="Arial"/>
-              </a:rPr>
-              <a:t>t</a:t>
-            </a:r>
-            <a:r>
-              <a:rPr b="0" lang="fr-FR" sz="1800" spc="-1" strike="noStrike">
-                <a:solidFill>
-                  <a:srgbClr val="000000"/>
-                </a:solidFill>
-                <a:uFill>
-                  <a:solidFill>
-                    <a:srgbClr val="ffffff"/>
-                  </a:solidFill>
-                </a:uFill>
-                <a:latin typeface="Arial"/>
-              </a:rPr>
-              <a:t>e</a:t>
-            </a:r>
-            <a:r>
-              <a:rPr b="0" lang="fr-FR" sz="1800" spc="-1" strike="noStrike">
-                <a:solidFill>
-                  <a:srgbClr val="000000"/>
-                </a:solidFill>
-                <a:uFill>
-                  <a:solidFill>
-                    <a:srgbClr val="ffffff"/>
-                  </a:solidFill>
-                </a:uFill>
-                <a:latin typeface="Arial"/>
-              </a:rPr>
-              <a:t>-</a:t>
-            </a:r>
-            <a:r>
-              <a:rPr b="0" lang="fr-FR" sz="1800" spc="-1" strike="noStrike">
-                <a:solidFill>
-                  <a:srgbClr val="000000"/>
-                </a:solidFill>
-                <a:uFill>
-                  <a:solidFill>
-                    <a:srgbClr val="ffffff"/>
-                  </a:solidFill>
-                </a:uFill>
-                <a:latin typeface="Arial"/>
-              </a:rPr>
-              <a:t>ti</a:t>
-            </a:r>
-            <a:r>
-              <a:rPr b="0" lang="fr-FR" sz="1800" spc="-1" strike="noStrike">
-                <a:solidFill>
-                  <a:srgbClr val="000000"/>
-                </a:solidFill>
-                <a:uFill>
-                  <a:solidFill>
-                    <a:srgbClr val="ffffff"/>
-                  </a:solidFill>
-                </a:uFill>
-                <a:latin typeface="Arial"/>
-              </a:rPr>
-              <a:t>tr</a:t>
-            </a:r>
-            <a:r>
-              <a:rPr b="0" lang="fr-FR" sz="1800" spc="-1" strike="noStrike">
-                <a:solidFill>
-                  <a:srgbClr val="000000"/>
-                </a:solidFill>
-                <a:uFill>
-                  <a:solidFill>
-                    <a:srgbClr val="ffffff"/>
-                  </a:solidFill>
-                </a:uFill>
-                <a:latin typeface="Arial"/>
-              </a:rPr>
-              <a:t>e</a:t>
+              <a:t>Cliquez pour éditer le format du texte-titre</a:t>
             </a:r>
             <a:endParaRPr b="0" lang="fr-FR" sz="1800" spc="-1" strike="noStrike">
               <a:solidFill>
@@ -3806,7 +3344,7 @@
         <p:spPr>
           <a:xfrm>
             <a:off x="457200" y="1604520"/>
-            <a:ext cx="8229240" cy="3977280"/>
+            <a:ext cx="8228520" cy="3976560"/>
           </a:xfrm>
           <a:prstGeom prst="rect">
             <a:avLst/>
@@ -3829,7 +3367,7 @@
               <a:buChar char=""/>
             </a:pPr>
             <a:r>
-              <a:rPr b="0" lang="fr-FR" sz="3200" spc="-1" strike="noStrike">
+              <a:rPr b="0" lang="fr-FR" sz="1800" spc="-1" strike="noStrike">
                 <a:solidFill>
                   <a:srgbClr val="000000"/>
                 </a:solidFill>
@@ -3842,7 +3380,7 @@
               </a:rPr>
               <a:t>Cliquez pour éditer le format du plan de texte</a:t>
             </a:r>
-            <a:endParaRPr b="0" lang="fr-FR" sz="3200" spc="-1" strike="noStrike">
+            <a:endParaRPr b="0" lang="fr-FR" sz="1800" spc="-1" strike="noStrike">
               <a:solidFill>
                 <a:srgbClr val="000000"/>
               </a:solidFill>
@@ -3867,7 +3405,7 @@
               <a:buChar char=""/>
             </a:pPr>
             <a:r>
-              <a:rPr b="0" lang="fr-FR" sz="2800" spc="-1" strike="noStrike">
+              <a:rPr b="0" lang="fr-FR" sz="1800" spc="-1" strike="noStrike">
                 <a:solidFill>
                   <a:srgbClr val="000000"/>
                 </a:solidFill>
@@ -3880,7 +3418,7 @@
               </a:rPr>
               <a:t>Second niveau de plan</a:t>
             </a:r>
-            <a:endParaRPr b="0" lang="fr-FR" sz="2800" spc="-1" strike="noStrike">
+            <a:endParaRPr b="0" lang="fr-FR" sz="1800" spc="-1" strike="noStrike">
               <a:solidFill>
                 <a:srgbClr val="000000"/>
               </a:solidFill>
@@ -3905,7 +3443,7 @@
               <a:buChar char=""/>
             </a:pPr>
             <a:r>
-              <a:rPr b="0" lang="fr-FR" sz="2400" spc="-1" strike="noStrike">
+              <a:rPr b="0" lang="fr-FR" sz="1800" spc="-1" strike="noStrike">
                 <a:solidFill>
                   <a:srgbClr val="000000"/>
                 </a:solidFill>
@@ -3918,7 +3456,7 @@
               </a:rPr>
               <a:t>Troisième niveau de plan</a:t>
             </a:r>
-            <a:endParaRPr b="0" lang="fr-FR" sz="2400" spc="-1" strike="noStrike">
+            <a:endParaRPr b="0" lang="fr-FR" sz="1800" spc="-1" strike="noStrike">
               <a:solidFill>
                 <a:srgbClr val="000000"/>
               </a:solidFill>
@@ -3943,7 +3481,7 @@
               <a:buChar char=""/>
             </a:pPr>
             <a:r>
-              <a:rPr b="0" lang="fr-FR" sz="2000" spc="-1" strike="noStrike">
+              <a:rPr b="0" lang="fr-FR" sz="1800" spc="-1" strike="noStrike">
                 <a:solidFill>
                   <a:srgbClr val="000000"/>
                 </a:solidFill>
@@ -3956,7 +3494,7 @@
               </a:rPr>
               <a:t>Quatrième niveau de plan</a:t>
             </a:r>
-            <a:endParaRPr b="0" lang="fr-FR" sz="2000" spc="-1" strike="noStrike">
+            <a:endParaRPr b="0" lang="fr-FR" sz="1800" spc="-1" strike="noStrike">
               <a:solidFill>
                 <a:srgbClr val="000000"/>
               </a:solidFill>
@@ -3981,7 +3519,7 @@
               <a:buChar char=""/>
             </a:pPr>
             <a:r>
-              <a:rPr b="0" lang="fr-FR" sz="2000" spc="-1" strike="noStrike">
+              <a:rPr b="0" lang="fr-FR" sz="1800" spc="-1" strike="noStrike">
                 <a:solidFill>
                   <a:srgbClr val="000000"/>
                 </a:solidFill>
@@ -3994,7 +3532,7 @@
               </a:rPr>
               <a:t>Cinquième niveau de plan</a:t>
             </a:r>
-            <a:endParaRPr b="0" lang="fr-FR" sz="2000" spc="-1" strike="noStrike">
+            <a:endParaRPr b="0" lang="fr-FR" sz="1800" spc="-1" strike="noStrike">
               <a:solidFill>
                 <a:srgbClr val="000000"/>
               </a:solidFill>
@@ -4019,7 +3557,7 @@
               <a:buChar char=""/>
             </a:pPr>
             <a:r>
-              <a:rPr b="0" lang="fr-FR" sz="2000" spc="-1" strike="noStrike">
+              <a:rPr b="0" lang="fr-FR" sz="1800" spc="-1" strike="noStrike">
                 <a:solidFill>
                   <a:srgbClr val="000000"/>
                 </a:solidFill>
@@ -4032,7 +3570,7 @@
               </a:rPr>
               <a:t>Sixième niveau de plan</a:t>
             </a:r>
-            <a:endParaRPr b="0" lang="fr-FR" sz="2000" spc="-1" strike="noStrike">
+            <a:endParaRPr b="0" lang="fr-FR" sz="1800" spc="-1" strike="noStrike">
               <a:solidFill>
                 <a:srgbClr val="000000"/>
               </a:solidFill>
@@ -4057,7 +3595,7 @@
               <a:buChar char=""/>
             </a:pPr>
             <a:r>
-              <a:rPr b="0" lang="fr-FR" sz="2000" spc="-1" strike="noStrike">
+              <a:rPr b="0" lang="fr-FR" sz="1800" spc="-1" strike="noStrike">
                 <a:solidFill>
                   <a:srgbClr val="000000"/>
                 </a:solidFill>
@@ -4070,7 +3608,7 @@
               </a:rPr>
               <a:t>Septième niveau de plan</a:t>
             </a:r>
-            <a:endParaRPr b="0" lang="fr-FR" sz="2000" spc="-1" strike="noStrike">
+            <a:endParaRPr b="0" lang="fr-FR" sz="1800" spc="-1" strike="noStrike">
               <a:solidFill>
                 <a:srgbClr val="000000"/>
               </a:solidFill>
@@ -4140,8 +3678,8 @@
         </p:nvSpPr>
         <p:spPr>
           <a:xfrm>
-            <a:off x="685800" y="2130480"/>
-            <a:ext cx="7771680" cy="1469160"/>
+            <a:off x="457200" y="273600"/>
+            <a:ext cx="8229240" cy="1144800"/>
           </a:xfrm>
           <a:prstGeom prst="rect">
             <a:avLst/>
@@ -4150,8 +3688,9 @@
         <p:txBody>
           <a:bodyPr lIns="0" rIns="0" tIns="0" bIns="0" anchor="ctr"/>
           <a:p>
+            <a:pPr algn="ctr"/>
             <a:r>
-              <a:rPr b="0" lang="fr-FR" sz="1800" spc="-1" strike="noStrike">
+              <a:rPr b="0" lang="fr-FR" sz="4400" spc="-1" strike="noStrike">
                 <a:solidFill>
                   <a:srgbClr val="000000"/>
                 </a:solidFill>
@@ -4162,471 +3701,9 @@
                 </a:uFill>
                 <a:latin typeface="Arial"/>
               </a:rPr>
-              <a:t>C</a:t>
+              <a:t>Cliquez pour éditer le format du texte-titre</a:t>
             </a:r>
-            <a:r>
-              <a:rPr b="0" lang="fr-FR" sz="1800" spc="-1" strike="noStrike">
-                <a:solidFill>
-                  <a:srgbClr val="000000"/>
-                </a:solidFill>
-                <a:uFill>
-                  <a:solidFill>
-                    <a:srgbClr val="ffffff"/>
-                  </a:solidFill>
-                </a:uFill>
-                <a:latin typeface="Arial"/>
-              </a:rPr>
-              <a:t>li</a:t>
-            </a:r>
-            <a:r>
-              <a:rPr b="0" lang="fr-FR" sz="1800" spc="-1" strike="noStrike">
-                <a:solidFill>
-                  <a:srgbClr val="000000"/>
-                </a:solidFill>
-                <a:uFill>
-                  <a:solidFill>
-                    <a:srgbClr val="ffffff"/>
-                  </a:solidFill>
-                </a:uFill>
-                <a:latin typeface="Arial"/>
-              </a:rPr>
-              <a:t>q</a:t>
-            </a:r>
-            <a:r>
-              <a:rPr b="0" lang="fr-FR" sz="1800" spc="-1" strike="noStrike">
-                <a:solidFill>
-                  <a:srgbClr val="000000"/>
-                </a:solidFill>
-                <a:uFill>
-                  <a:solidFill>
-                    <a:srgbClr val="ffffff"/>
-                  </a:solidFill>
-                </a:uFill>
-                <a:latin typeface="Arial"/>
-              </a:rPr>
-              <a:t>u</a:t>
-            </a:r>
-            <a:r>
-              <a:rPr b="0" lang="fr-FR" sz="1800" spc="-1" strike="noStrike">
-                <a:solidFill>
-                  <a:srgbClr val="000000"/>
-                </a:solidFill>
-                <a:uFill>
-                  <a:solidFill>
-                    <a:srgbClr val="ffffff"/>
-                  </a:solidFill>
-                </a:uFill>
-                <a:latin typeface="Arial"/>
-              </a:rPr>
-              <a:t>e</a:t>
-            </a:r>
-            <a:r>
-              <a:rPr b="0" lang="fr-FR" sz="1800" spc="-1" strike="noStrike">
-                <a:solidFill>
-                  <a:srgbClr val="000000"/>
-                </a:solidFill>
-                <a:uFill>
-                  <a:solidFill>
-                    <a:srgbClr val="ffffff"/>
-                  </a:solidFill>
-                </a:uFill>
-                <a:latin typeface="Arial"/>
-              </a:rPr>
-              <a:t>z </a:t>
-            </a:r>
-            <a:r>
-              <a:rPr b="0" lang="fr-FR" sz="1800" spc="-1" strike="noStrike">
-                <a:solidFill>
-                  <a:srgbClr val="000000"/>
-                </a:solidFill>
-                <a:uFill>
-                  <a:solidFill>
-                    <a:srgbClr val="ffffff"/>
-                  </a:solidFill>
-                </a:uFill>
-                <a:latin typeface="Arial"/>
-              </a:rPr>
-              <a:t>p</a:t>
-            </a:r>
-            <a:r>
-              <a:rPr b="0" lang="fr-FR" sz="1800" spc="-1" strike="noStrike">
-                <a:solidFill>
-                  <a:srgbClr val="000000"/>
-                </a:solidFill>
-                <a:uFill>
-                  <a:solidFill>
-                    <a:srgbClr val="ffffff"/>
-                  </a:solidFill>
-                </a:uFill>
-                <a:latin typeface="Arial"/>
-              </a:rPr>
-              <a:t>o</a:t>
-            </a:r>
-            <a:r>
-              <a:rPr b="0" lang="fr-FR" sz="1800" spc="-1" strike="noStrike">
-                <a:solidFill>
-                  <a:srgbClr val="000000"/>
-                </a:solidFill>
-                <a:uFill>
-                  <a:solidFill>
-                    <a:srgbClr val="ffffff"/>
-                  </a:solidFill>
-                </a:uFill>
-                <a:latin typeface="Arial"/>
-              </a:rPr>
-              <a:t>u</a:t>
-            </a:r>
-            <a:r>
-              <a:rPr b="0" lang="fr-FR" sz="1800" spc="-1" strike="noStrike">
-                <a:solidFill>
-                  <a:srgbClr val="000000"/>
-                </a:solidFill>
-                <a:uFill>
-                  <a:solidFill>
-                    <a:srgbClr val="ffffff"/>
-                  </a:solidFill>
-                </a:uFill>
-                <a:latin typeface="Arial"/>
-              </a:rPr>
-              <a:t>r </a:t>
-            </a:r>
-            <a:r>
-              <a:rPr b="0" lang="fr-FR" sz="1800" spc="-1" strike="noStrike">
-                <a:solidFill>
-                  <a:srgbClr val="000000"/>
-                </a:solidFill>
-                <a:uFill>
-                  <a:solidFill>
-                    <a:srgbClr val="ffffff"/>
-                  </a:solidFill>
-                </a:uFill>
-                <a:latin typeface="Arial"/>
-              </a:rPr>
-              <a:t>é</a:t>
-            </a:r>
-            <a:r>
-              <a:rPr b="0" lang="fr-FR" sz="1800" spc="-1" strike="noStrike">
-                <a:solidFill>
-                  <a:srgbClr val="000000"/>
-                </a:solidFill>
-                <a:uFill>
-                  <a:solidFill>
-                    <a:srgbClr val="ffffff"/>
-                  </a:solidFill>
-                </a:uFill>
-                <a:latin typeface="Arial"/>
-              </a:rPr>
-              <a:t>d</a:t>
-            </a:r>
-            <a:r>
-              <a:rPr b="0" lang="fr-FR" sz="1800" spc="-1" strike="noStrike">
-                <a:solidFill>
-                  <a:srgbClr val="000000"/>
-                </a:solidFill>
-                <a:uFill>
-                  <a:solidFill>
-                    <a:srgbClr val="ffffff"/>
-                  </a:solidFill>
-                </a:uFill>
-                <a:latin typeface="Arial"/>
-              </a:rPr>
-              <a:t>it</a:t>
-            </a:r>
-            <a:r>
-              <a:rPr b="0" lang="fr-FR" sz="1800" spc="-1" strike="noStrike">
-                <a:solidFill>
-                  <a:srgbClr val="000000"/>
-                </a:solidFill>
-                <a:uFill>
-                  <a:solidFill>
-                    <a:srgbClr val="ffffff"/>
-                  </a:solidFill>
-                </a:uFill>
-                <a:latin typeface="Arial"/>
-              </a:rPr>
-              <a:t>e</a:t>
-            </a:r>
-            <a:r>
-              <a:rPr b="0" lang="fr-FR" sz="1800" spc="-1" strike="noStrike">
-                <a:solidFill>
-                  <a:srgbClr val="000000"/>
-                </a:solidFill>
-                <a:uFill>
-                  <a:solidFill>
-                    <a:srgbClr val="ffffff"/>
-                  </a:solidFill>
-                </a:uFill>
-                <a:latin typeface="Arial"/>
-              </a:rPr>
-              <a:t>r </a:t>
-            </a:r>
-            <a:r>
-              <a:rPr b="0" lang="fr-FR" sz="1800" spc="-1" strike="noStrike">
-                <a:solidFill>
-                  <a:srgbClr val="000000"/>
-                </a:solidFill>
-                <a:uFill>
-                  <a:solidFill>
-                    <a:srgbClr val="ffffff"/>
-                  </a:solidFill>
-                </a:uFill>
-                <a:latin typeface="Arial"/>
-              </a:rPr>
-              <a:t>l</a:t>
-            </a:r>
-            <a:r>
-              <a:rPr b="0" lang="fr-FR" sz="1800" spc="-1" strike="noStrike">
-                <a:solidFill>
-                  <a:srgbClr val="000000"/>
-                </a:solidFill>
-                <a:uFill>
-                  <a:solidFill>
-                    <a:srgbClr val="ffffff"/>
-                  </a:solidFill>
-                </a:uFill>
-                <a:latin typeface="Arial"/>
-              </a:rPr>
-              <a:t>e </a:t>
-            </a:r>
-            <a:r>
-              <a:rPr b="0" lang="fr-FR" sz="1800" spc="-1" strike="noStrike">
-                <a:solidFill>
-                  <a:srgbClr val="000000"/>
-                </a:solidFill>
-                <a:uFill>
-                  <a:solidFill>
-                    <a:srgbClr val="ffffff"/>
-                  </a:solidFill>
-                </a:uFill>
-                <a:latin typeface="Arial"/>
-              </a:rPr>
-              <a:t>f</a:t>
-            </a:r>
-            <a:r>
-              <a:rPr b="0" lang="fr-FR" sz="1800" spc="-1" strike="noStrike">
-                <a:solidFill>
-                  <a:srgbClr val="000000"/>
-                </a:solidFill>
-                <a:uFill>
-                  <a:solidFill>
-                    <a:srgbClr val="ffffff"/>
-                  </a:solidFill>
-                </a:uFill>
-                <a:latin typeface="Arial"/>
-              </a:rPr>
-              <a:t>o</a:t>
-            </a:r>
-            <a:r>
-              <a:rPr b="0" lang="fr-FR" sz="1800" spc="-1" strike="noStrike">
-                <a:solidFill>
-                  <a:srgbClr val="000000"/>
-                </a:solidFill>
-                <a:uFill>
-                  <a:solidFill>
-                    <a:srgbClr val="ffffff"/>
-                  </a:solidFill>
-                </a:uFill>
-                <a:latin typeface="Arial"/>
-              </a:rPr>
-              <a:t>r</a:t>
-            </a:r>
-            <a:r>
-              <a:rPr b="0" lang="fr-FR" sz="1800" spc="-1" strike="noStrike">
-                <a:solidFill>
-                  <a:srgbClr val="000000"/>
-                </a:solidFill>
-                <a:uFill>
-                  <a:solidFill>
-                    <a:srgbClr val="ffffff"/>
-                  </a:solidFill>
-                </a:uFill>
-                <a:latin typeface="Arial"/>
-              </a:rPr>
-              <a:t>m</a:t>
-            </a:r>
-            <a:r>
-              <a:rPr b="0" lang="fr-FR" sz="1800" spc="-1" strike="noStrike">
-                <a:solidFill>
-                  <a:srgbClr val="000000"/>
-                </a:solidFill>
-                <a:uFill>
-                  <a:solidFill>
-                    <a:srgbClr val="ffffff"/>
-                  </a:solidFill>
-                </a:uFill>
-                <a:latin typeface="Arial"/>
-              </a:rPr>
-              <a:t>a</a:t>
-            </a:r>
-            <a:r>
-              <a:rPr b="0" lang="fr-FR" sz="1800" spc="-1" strike="noStrike">
-                <a:solidFill>
-                  <a:srgbClr val="000000"/>
-                </a:solidFill>
-                <a:uFill>
-                  <a:solidFill>
-                    <a:srgbClr val="ffffff"/>
-                  </a:solidFill>
-                </a:uFill>
-                <a:latin typeface="Arial"/>
-              </a:rPr>
-              <a:t>t </a:t>
-            </a:r>
-            <a:r>
-              <a:rPr b="0" lang="fr-FR" sz="1800" spc="-1" strike="noStrike">
-                <a:solidFill>
-                  <a:srgbClr val="000000"/>
-                </a:solidFill>
-                <a:uFill>
-                  <a:solidFill>
-                    <a:srgbClr val="ffffff"/>
-                  </a:solidFill>
-                </a:uFill>
-                <a:latin typeface="Arial"/>
-              </a:rPr>
-              <a:t>d</a:t>
-            </a:r>
-            <a:r>
-              <a:rPr b="0" lang="fr-FR" sz="1800" spc="-1" strike="noStrike">
-                <a:solidFill>
-                  <a:srgbClr val="000000"/>
-                </a:solidFill>
-                <a:uFill>
-                  <a:solidFill>
-                    <a:srgbClr val="ffffff"/>
-                  </a:solidFill>
-                </a:uFill>
-                <a:latin typeface="Arial"/>
-              </a:rPr>
-              <a:t>u </a:t>
-            </a:r>
-            <a:r>
-              <a:rPr b="0" lang="fr-FR" sz="1800" spc="-1" strike="noStrike">
-                <a:solidFill>
-                  <a:srgbClr val="000000"/>
-                </a:solidFill>
-                <a:uFill>
-                  <a:solidFill>
-                    <a:srgbClr val="ffffff"/>
-                  </a:solidFill>
-                </a:uFill>
-                <a:latin typeface="Arial"/>
-              </a:rPr>
-              <a:t>t</a:t>
-            </a:r>
-            <a:r>
-              <a:rPr b="0" lang="fr-FR" sz="1800" spc="-1" strike="noStrike">
-                <a:solidFill>
-                  <a:srgbClr val="000000"/>
-                </a:solidFill>
-                <a:uFill>
-                  <a:solidFill>
-                    <a:srgbClr val="ffffff"/>
-                  </a:solidFill>
-                </a:uFill>
-                <a:latin typeface="Arial"/>
-              </a:rPr>
-              <a:t>e</a:t>
-            </a:r>
-            <a:r>
-              <a:rPr b="0" lang="fr-FR" sz="1800" spc="-1" strike="noStrike">
-                <a:solidFill>
-                  <a:srgbClr val="000000"/>
-                </a:solidFill>
-                <a:uFill>
-                  <a:solidFill>
-                    <a:srgbClr val="ffffff"/>
-                  </a:solidFill>
-                </a:uFill>
-                <a:latin typeface="Arial"/>
-              </a:rPr>
-              <a:t>x</a:t>
-            </a:r>
-            <a:r>
-              <a:rPr b="0" lang="fr-FR" sz="1800" spc="-1" strike="noStrike">
-                <a:solidFill>
-                  <a:srgbClr val="000000"/>
-                </a:solidFill>
-                <a:uFill>
-                  <a:solidFill>
-                    <a:srgbClr val="ffffff"/>
-                  </a:solidFill>
-                </a:uFill>
-                <a:latin typeface="Arial"/>
-              </a:rPr>
-              <a:t>t</a:t>
-            </a:r>
-            <a:r>
-              <a:rPr b="0" lang="fr-FR" sz="1800" spc="-1" strike="noStrike">
-                <a:solidFill>
-                  <a:srgbClr val="000000"/>
-                </a:solidFill>
-                <a:uFill>
-                  <a:solidFill>
-                    <a:srgbClr val="ffffff"/>
-                  </a:solidFill>
-                </a:uFill>
-                <a:latin typeface="Arial"/>
-              </a:rPr>
-              <a:t>e</a:t>
-            </a:r>
-            <a:r>
-              <a:rPr b="0" lang="fr-FR" sz="1800" spc="-1" strike="noStrike">
-                <a:solidFill>
-                  <a:srgbClr val="000000"/>
-                </a:solidFill>
-                <a:uFill>
-                  <a:solidFill>
-                    <a:srgbClr val="ffffff"/>
-                  </a:solidFill>
-                </a:uFill>
-                <a:latin typeface="Arial"/>
-              </a:rPr>
-              <a:t>-</a:t>
-            </a:r>
-            <a:r>
-              <a:rPr b="0" lang="fr-FR" sz="1800" spc="-1" strike="noStrike">
-                <a:solidFill>
-                  <a:srgbClr val="000000"/>
-                </a:solidFill>
-                <a:uFill>
-                  <a:solidFill>
-                    <a:srgbClr val="ffffff"/>
-                  </a:solidFill>
-                </a:uFill>
-                <a:latin typeface="Arial"/>
-              </a:rPr>
-              <a:t>ti</a:t>
-            </a:r>
-            <a:r>
-              <a:rPr b="0" lang="fr-FR" sz="1800" spc="-1" strike="noStrike">
-                <a:solidFill>
-                  <a:srgbClr val="000000"/>
-                </a:solidFill>
-                <a:uFill>
-                  <a:solidFill>
-                    <a:srgbClr val="ffffff"/>
-                  </a:solidFill>
-                </a:uFill>
-                <a:latin typeface="Arial"/>
-              </a:rPr>
-              <a:t>tr</a:t>
-            </a:r>
-            <a:r>
-              <a:rPr b="0" lang="fr-FR" sz="1800" spc="-1" strike="noStrike">
-                <a:solidFill>
-                  <a:srgbClr val="000000"/>
-                </a:solidFill>
-                <a:uFill>
-                  <a:solidFill>
-                    <a:srgbClr val="ffffff"/>
-                  </a:solidFill>
-                </a:uFill>
-                <a:latin typeface="Arial"/>
-              </a:rPr>
-              <a:t>e</a:t>
-            </a:r>
-            <a:endParaRPr b="0" lang="fr-FR" sz="1800" spc="-1" strike="noStrike">
+            <a:endParaRPr b="0" lang="fr-FR" sz="4400" spc="-1" strike="noStrike">
               <a:solidFill>
                 <a:srgbClr val="000000"/>
               </a:solidFill>
@@ -4653,7 +3730,7 @@
         <p:spPr>
           <a:xfrm>
             <a:off x="457200" y="1604520"/>
-            <a:ext cx="8228880" cy="3976920"/>
+            <a:ext cx="8229240" cy="3977280"/>
           </a:xfrm>
           <a:prstGeom prst="rect">
             <a:avLst/>
@@ -4676,7 +3753,7 @@
               <a:buChar char=""/>
             </a:pPr>
             <a:r>
-              <a:rPr b="0" lang="fr-FR" sz="1800" spc="-1" strike="noStrike">
+              <a:rPr b="0" lang="fr-FR" sz="3200" spc="-1" strike="noStrike">
                 <a:solidFill>
                   <a:srgbClr val="000000"/>
                 </a:solidFill>
@@ -4689,7 +3766,7 @@
               </a:rPr>
               <a:t>Cliquez pour éditer le format du plan de texte</a:t>
             </a:r>
-            <a:endParaRPr b="0" lang="fr-FR" sz="1800" spc="-1" strike="noStrike">
+            <a:endParaRPr b="0" lang="fr-FR" sz="3200" spc="-1" strike="noStrike">
               <a:solidFill>
                 <a:srgbClr val="000000"/>
               </a:solidFill>
@@ -4714,7 +3791,7 @@
               <a:buChar char=""/>
             </a:pPr>
             <a:r>
-              <a:rPr b="0" lang="fr-FR" sz="1800" spc="-1" strike="noStrike">
+              <a:rPr b="0" lang="fr-FR" sz="2800" spc="-1" strike="noStrike">
                 <a:solidFill>
                   <a:srgbClr val="000000"/>
                 </a:solidFill>
@@ -4727,7 +3804,7 @@
               </a:rPr>
               <a:t>Second niveau de plan</a:t>
             </a:r>
-            <a:endParaRPr b="0" lang="fr-FR" sz="1800" spc="-1" strike="noStrike">
+            <a:endParaRPr b="0" lang="fr-FR" sz="2800" spc="-1" strike="noStrike">
               <a:solidFill>
                 <a:srgbClr val="000000"/>
               </a:solidFill>
@@ -4752,7 +3829,7 @@
               <a:buChar char=""/>
             </a:pPr>
             <a:r>
-              <a:rPr b="0" lang="fr-FR" sz="1800" spc="-1" strike="noStrike">
+              <a:rPr b="0" lang="fr-FR" sz="2400" spc="-1" strike="noStrike">
                 <a:solidFill>
                   <a:srgbClr val="000000"/>
                 </a:solidFill>
@@ -4765,7 +3842,7 @@
               </a:rPr>
               <a:t>Troisième niveau de plan</a:t>
             </a:r>
-            <a:endParaRPr b="0" lang="fr-FR" sz="1800" spc="-1" strike="noStrike">
+            <a:endParaRPr b="0" lang="fr-FR" sz="2400" spc="-1" strike="noStrike">
               <a:solidFill>
                 <a:srgbClr val="000000"/>
               </a:solidFill>
@@ -4790,7 +3867,7 @@
               <a:buChar char=""/>
             </a:pPr>
             <a:r>
-              <a:rPr b="0" lang="fr-FR" sz="1800" spc="-1" strike="noStrike">
+              <a:rPr b="0" lang="fr-FR" sz="2000" spc="-1" strike="noStrike">
                 <a:solidFill>
                   <a:srgbClr val="000000"/>
                 </a:solidFill>
@@ -4803,7 +3880,7 @@
               </a:rPr>
               <a:t>Quatrième niveau de plan</a:t>
             </a:r>
-            <a:endParaRPr b="0" lang="fr-FR" sz="1800" spc="-1" strike="noStrike">
+            <a:endParaRPr b="0" lang="fr-FR" sz="2000" spc="-1" strike="noStrike">
               <a:solidFill>
                 <a:srgbClr val="000000"/>
               </a:solidFill>
@@ -4828,7 +3905,7 @@
               <a:buChar char=""/>
             </a:pPr>
             <a:r>
-              <a:rPr b="0" lang="fr-FR" sz="1800" spc="-1" strike="noStrike">
+              <a:rPr b="0" lang="fr-FR" sz="2000" spc="-1" strike="noStrike">
                 <a:solidFill>
                   <a:srgbClr val="000000"/>
                 </a:solidFill>
@@ -4841,7 +3918,7 @@
               </a:rPr>
               <a:t>Cinquième niveau de plan</a:t>
             </a:r>
-            <a:endParaRPr b="0" lang="fr-FR" sz="1800" spc="-1" strike="noStrike">
+            <a:endParaRPr b="0" lang="fr-FR" sz="2000" spc="-1" strike="noStrike">
               <a:solidFill>
                 <a:srgbClr val="000000"/>
               </a:solidFill>
@@ -4866,7 +3943,7 @@
               <a:buChar char=""/>
             </a:pPr>
             <a:r>
-              <a:rPr b="0" lang="fr-FR" sz="1800" spc="-1" strike="noStrike">
+              <a:rPr b="0" lang="fr-FR" sz="2000" spc="-1" strike="noStrike">
                 <a:solidFill>
                   <a:srgbClr val="000000"/>
                 </a:solidFill>
@@ -4879,7 +3956,7 @@
               </a:rPr>
               <a:t>Sixième niveau de plan</a:t>
             </a:r>
-            <a:endParaRPr b="0" lang="fr-FR" sz="1800" spc="-1" strike="noStrike">
+            <a:endParaRPr b="0" lang="fr-FR" sz="2000" spc="-1" strike="noStrike">
               <a:solidFill>
                 <a:srgbClr val="000000"/>
               </a:solidFill>
@@ -4904,7 +3981,7 @@
               <a:buChar char=""/>
             </a:pPr>
             <a:r>
-              <a:rPr b="0" lang="fr-FR" sz="1800" spc="-1" strike="noStrike">
+              <a:rPr b="0" lang="fr-FR" sz="2000" spc="-1" strike="noStrike">
                 <a:solidFill>
                   <a:srgbClr val="000000"/>
                 </a:solidFill>
@@ -4917,7 +3994,7 @@
               </a:rPr>
               <a:t>Septième niveau de plan</a:t>
             </a:r>
-            <a:endParaRPr b="0" lang="fr-FR" sz="1800" spc="-1" strike="noStrike">
+            <a:endParaRPr b="0" lang="fr-FR" sz="2000" spc="-1" strike="noStrike">
               <a:solidFill>
                 <a:srgbClr val="000000"/>
               </a:solidFill>
@@ -4977,7 +4054,7 @@
         <p:spPr>
           <a:xfrm>
             <a:off x="1071720" y="1113480"/>
-            <a:ext cx="499320" cy="357840"/>
+            <a:ext cx="498960" cy="357480"/>
           </a:xfrm>
           <a:custGeom>
             <a:avLst/>
@@ -5025,8 +4102,8 @@
         </p:nvSpPr>
         <p:spPr>
           <a:xfrm flipV="1">
-            <a:off x="1071360" y="1471320"/>
-            <a:ext cx="499320" cy="354960"/>
+            <a:off x="1071360" y="1470600"/>
+            <a:ext cx="498960" cy="354600"/>
           </a:xfrm>
           <a:custGeom>
             <a:avLst/>
@@ -5075,7 +4152,7 @@
         <p:spPr>
           <a:xfrm>
             <a:off x="7360920" y="1465920"/>
-            <a:ext cx="496440" cy="3960"/>
+            <a:ext cx="496080" cy="3600"/>
           </a:xfrm>
           <a:custGeom>
             <a:avLst/>
@@ -5124,7 +4201,7 @@
         <p:spPr>
           <a:xfrm>
             <a:off x="4929120" y="2393280"/>
-            <a:ext cx="285120" cy="720"/>
+            <a:ext cx="284760" cy="360"/>
           </a:xfrm>
           <a:custGeom>
             <a:avLst/>
@@ -5173,7 +4250,7 @@
         <p:spPr>
           <a:xfrm>
             <a:off x="3500280" y="2071800"/>
-            <a:ext cx="1428120" cy="642240"/>
+            <a:ext cx="1427760" cy="641880"/>
           </a:xfrm>
           <a:prstGeom prst="rect">
             <a:avLst/>
@@ -5241,8 +4318,8 @@
         </p:nvSpPr>
         <p:spPr>
           <a:xfrm flipH="1" rot="16200000">
-            <a:off x="1647360" y="1756080"/>
-            <a:ext cx="740520" cy="533520"/>
+            <a:off x="1646640" y="1756440"/>
+            <a:ext cx="740160" cy="533160"/>
           </a:xfrm>
           <a:custGeom>
             <a:avLst/>
@@ -5291,7 +4368,7 @@
         <p:spPr>
           <a:xfrm>
             <a:off x="142920" y="1643040"/>
-            <a:ext cx="928080" cy="364320"/>
+            <a:ext cx="927720" cy="363960"/>
           </a:xfrm>
           <a:prstGeom prst="rect">
             <a:avLst/>
@@ -5355,7 +4432,7 @@
         <p:spPr>
           <a:xfrm>
             <a:off x="142920" y="928800"/>
-            <a:ext cx="928080" cy="364320"/>
+            <a:ext cx="927720" cy="363960"/>
           </a:xfrm>
           <a:prstGeom prst="rect">
             <a:avLst/>
@@ -5419,7 +4496,7 @@
         <p:spPr>
           <a:xfrm>
             <a:off x="1571760" y="1292040"/>
-            <a:ext cx="359280" cy="359280"/>
+            <a:ext cx="358920" cy="358920"/>
           </a:xfrm>
           <a:prstGeom prst="ellipse">
             <a:avLst/>
@@ -5488,7 +4565,7 @@
         <p:spPr>
           <a:xfrm flipV="1">
             <a:off x="1931760" y="1463760"/>
-            <a:ext cx="3282480" cy="6840"/>
+            <a:ext cx="3282120" cy="6480"/>
           </a:xfrm>
           <a:custGeom>
             <a:avLst/>
@@ -5537,7 +4614,7 @@
         <p:spPr>
           <a:xfrm>
             <a:off x="2286000" y="2071800"/>
-            <a:ext cx="928080" cy="642240"/>
+            <a:ext cx="927720" cy="641880"/>
           </a:xfrm>
           <a:prstGeom prst="rect">
             <a:avLst/>
@@ -5606,7 +4683,7 @@
         <p:spPr>
           <a:xfrm>
             <a:off x="3214800" y="2393280"/>
-            <a:ext cx="285120" cy="720"/>
+            <a:ext cx="284760" cy="360"/>
           </a:xfrm>
           <a:custGeom>
             <a:avLst/>
@@ -5654,8 +4731,8 @@
         </p:nvSpPr>
         <p:spPr>
           <a:xfrm flipV="1">
-            <a:off x="1931760" y="606600"/>
-            <a:ext cx="568080" cy="864000"/>
+            <a:off x="1931760" y="605880"/>
+            <a:ext cx="567720" cy="863640"/>
           </a:xfrm>
           <a:custGeom>
             <a:avLst/>
@@ -5704,7 +4781,7 @@
         <p:spPr>
           <a:xfrm>
             <a:off x="2500200" y="285840"/>
-            <a:ext cx="1142280" cy="642240"/>
+            <a:ext cx="1141920" cy="641880"/>
           </a:xfrm>
           <a:prstGeom prst="rect">
             <a:avLst/>
@@ -5773,7 +4850,7 @@
         <p:spPr>
           <a:xfrm>
             <a:off x="3929040" y="285840"/>
-            <a:ext cx="928080" cy="642240"/>
+            <a:ext cx="927720" cy="641880"/>
           </a:xfrm>
           <a:prstGeom prst="rect">
             <a:avLst/>
@@ -5842,7 +4919,7 @@
         <p:spPr>
           <a:xfrm>
             <a:off x="3643200" y="607320"/>
-            <a:ext cx="285120" cy="720"/>
+            <a:ext cx="284760" cy="360"/>
           </a:xfrm>
           <a:custGeom>
             <a:avLst/>
@@ -5891,7 +4968,7 @@
         <p:spPr>
           <a:xfrm>
             <a:off x="5214960" y="285840"/>
-            <a:ext cx="928080" cy="642240"/>
+            <a:ext cx="927720" cy="641880"/>
           </a:xfrm>
           <a:prstGeom prst="rect">
             <a:avLst/>
@@ -5960,7 +5037,7 @@
         <p:spPr>
           <a:xfrm>
             <a:off x="5214960" y="2071800"/>
-            <a:ext cx="928080" cy="642240"/>
+            <a:ext cx="927720" cy="641880"/>
           </a:xfrm>
           <a:prstGeom prst="rect">
             <a:avLst/>
@@ -6029,7 +5106,7 @@
         <p:spPr>
           <a:xfrm>
             <a:off x="4857840" y="607320"/>
-            <a:ext cx="356400" cy="720"/>
+            <a:ext cx="356040" cy="360"/>
           </a:xfrm>
           <a:custGeom>
             <a:avLst/>
@@ -6078,7 +5155,7 @@
         <p:spPr>
           <a:xfrm>
             <a:off x="5214960" y="1143000"/>
-            <a:ext cx="928080" cy="642240"/>
+            <a:ext cx="927720" cy="641880"/>
           </a:xfrm>
           <a:prstGeom prst="rect">
             <a:avLst/>
@@ -6147,7 +5224,7 @@
         <p:spPr>
           <a:xfrm>
             <a:off x="7000920" y="1285920"/>
-            <a:ext cx="359280" cy="359280"/>
+            <a:ext cx="358920" cy="358920"/>
           </a:xfrm>
           <a:prstGeom prst="ellipse">
             <a:avLst/>
@@ -6216,7 +5293,7 @@
         <p:spPr>
           <a:xfrm>
             <a:off x="6143760" y="607320"/>
-            <a:ext cx="909360" cy="730800"/>
+            <a:ext cx="909000" cy="730440"/>
           </a:xfrm>
           <a:custGeom>
             <a:avLst/>
@@ -6265,7 +5342,7 @@
         <p:spPr>
           <a:xfrm>
             <a:off x="6143760" y="1464480"/>
-            <a:ext cx="856440" cy="720"/>
+            <a:ext cx="856080" cy="360"/>
           </a:xfrm>
           <a:custGeom>
             <a:avLst/>
@@ -6313,8 +5390,8 @@
         </p:nvSpPr>
         <p:spPr>
           <a:xfrm flipV="1">
-            <a:off x="6143760" y="1592280"/>
-            <a:ext cx="909360" cy="799200"/>
+            <a:off x="6143760" y="1591560"/>
+            <a:ext cx="909000" cy="798840"/>
           </a:xfrm>
           <a:custGeom>
             <a:avLst/>
@@ -6363,7 +5440,7 @@
         <p:spPr>
           <a:xfrm>
             <a:off x="1357200" y="142920"/>
-            <a:ext cx="6214320" cy="2714040"/>
+            <a:ext cx="6213960" cy="2713680"/>
           </a:xfrm>
           <a:prstGeom prst="rect">
             <a:avLst/>
@@ -6400,7 +5477,7 @@
         <p:spPr>
           <a:xfrm>
             <a:off x="6429240" y="2500200"/>
-            <a:ext cx="1142280" cy="364320"/>
+            <a:ext cx="1141920" cy="363960"/>
           </a:xfrm>
           <a:prstGeom prst="rect">
             <a:avLst/>
@@ -6462,7 +5539,7 @@
         <p:spPr>
           <a:xfrm>
             <a:off x="7858080" y="1285920"/>
-            <a:ext cx="928080" cy="364320"/>
+            <a:ext cx="927720" cy="363960"/>
           </a:xfrm>
           <a:prstGeom prst="rect">
             <a:avLst/>
@@ -6575,7 +5652,7 @@
         <p:spPr>
           <a:xfrm>
             <a:off x="3921480" y="574200"/>
-            <a:ext cx="1001160" cy="638640"/>
+            <a:ext cx="1000800" cy="638280"/>
           </a:xfrm>
           <a:prstGeom prst="rect">
             <a:avLst/>
@@ -6639,7 +5716,7 @@
         <p:spPr>
           <a:xfrm>
             <a:off x="3929040" y="71280"/>
-            <a:ext cx="999360" cy="364320"/>
+            <a:ext cx="999000" cy="363960"/>
           </a:xfrm>
           <a:prstGeom prst="rect">
             <a:avLst/>
@@ -6703,7 +5780,7 @@
         <p:spPr>
           <a:xfrm>
             <a:off x="5286240" y="258120"/>
-            <a:ext cx="713520" cy="642240"/>
+            <a:ext cx="713160" cy="641880"/>
           </a:xfrm>
           <a:prstGeom prst="rect">
             <a:avLst/>
@@ -6772,7 +5849,7 @@
         <p:spPr>
           <a:xfrm>
             <a:off x="4929120" y="255960"/>
-            <a:ext cx="356400" cy="322920"/>
+            <a:ext cx="356040" cy="322560"/>
           </a:xfrm>
           <a:custGeom>
             <a:avLst/>
@@ -6820,8 +5897,8 @@
         </p:nvSpPr>
         <p:spPr>
           <a:xfrm flipV="1">
-            <a:off x="4923360" y="578880"/>
-            <a:ext cx="362160" cy="316800"/>
+            <a:off x="4923360" y="578160"/>
+            <a:ext cx="361800" cy="316440"/>
           </a:xfrm>
           <a:custGeom>
             <a:avLst/>
@@ -6869,8 +5946,8 @@
         </p:nvSpPr>
         <p:spPr>
           <a:xfrm flipV="1">
-            <a:off x="6000840" y="577440"/>
-            <a:ext cx="285120" cy="360"/>
+            <a:off x="6000840" y="576720"/>
+            <a:ext cx="284760" cy="360"/>
           </a:xfrm>
           <a:custGeom>
             <a:avLst/>
@@ -6919,7 +5996,7 @@
         <p:spPr>
           <a:xfrm>
             <a:off x="6286680" y="394200"/>
-            <a:ext cx="2142360" cy="364320"/>
+            <a:ext cx="2142000" cy="363960"/>
           </a:xfrm>
           <a:prstGeom prst="rect">
             <a:avLst/>
@@ -6983,7 +6060,7 @@
         <p:spPr>
           <a:xfrm>
             <a:off x="928800" y="393840"/>
-            <a:ext cx="1499400" cy="364320"/>
+            <a:ext cx="1499040" cy="363960"/>
           </a:xfrm>
           <a:prstGeom prst="rect">
             <a:avLst/>
@@ -7047,7 +6124,7 @@
         <p:spPr>
           <a:xfrm>
             <a:off x="928800" y="893880"/>
-            <a:ext cx="1499400" cy="638640"/>
+            <a:ext cx="1499040" cy="638280"/>
           </a:xfrm>
           <a:prstGeom prst="rect">
             <a:avLst/>
@@ -7144,7 +6221,7 @@
         <p:spPr>
           <a:xfrm>
             <a:off x="2857320" y="571320"/>
-            <a:ext cx="713520" cy="642240"/>
+            <a:ext cx="713160" cy="641880"/>
           </a:xfrm>
           <a:prstGeom prst="rect">
             <a:avLst/>
@@ -7213,7 +6290,7 @@
         <p:spPr>
           <a:xfrm>
             <a:off x="2428920" y="578520"/>
-            <a:ext cx="428040" cy="313920"/>
+            <a:ext cx="427680" cy="313560"/>
           </a:xfrm>
           <a:custGeom>
             <a:avLst/>
@@ -7261,8 +6338,8 @@
         </p:nvSpPr>
         <p:spPr>
           <a:xfrm flipV="1">
-            <a:off x="2428920" y="892080"/>
-            <a:ext cx="428040" cy="323280"/>
+            <a:off x="2428920" y="891360"/>
+            <a:ext cx="427680" cy="322920"/>
           </a:xfrm>
           <a:custGeom>
             <a:avLst/>
@@ -7311,7 +6388,7 @@
         <p:spPr>
           <a:xfrm>
             <a:off x="3571920" y="892800"/>
-            <a:ext cx="349200" cy="3600"/>
+            <a:ext cx="348840" cy="3240"/>
           </a:xfrm>
           <a:custGeom>
             <a:avLst/>
@@ -7400,39 +6477,490 @@
           <a:chExt cx="0" cy="0"/>
         </a:xfrm>
       </p:grpSpPr>
-      <p:pic>
-        <p:nvPicPr>
-          <p:cNvPr id="116" name="" descr=""/>
-          <p:cNvPicPr/>
+      <p:sp>
+        <p:nvSpPr>
+          <p:cNvPr id="116" name="CustomShape 1"/>
+          <p:cNvSpPr/>
           <p:nvPr/>
-        </p:nvPicPr>
-        <p:blipFill>
-          <a:blip r:embed="rId1"/>
-          <a:stretch/>
-        </p:blipFill>
-        <p:spPr>
-          <a:xfrm>
-            <a:off x="1320120" y="1333800"/>
-            <a:ext cx="2460960" cy="2683080"/>
-          </a:xfrm>
-          <a:prstGeom prst="rect">
-            <a:avLst/>
-          </a:prstGeom>
+        </p:nvSpPr>
+        <p:spPr>
+          <a:xfrm rot="18910800">
+            <a:off x="3742560" y="2697840"/>
+            <a:ext cx="359280" cy="359280"/>
+          </a:xfrm>
+          <a:prstGeom prst="ellipse">
+            <a:avLst/>
+          </a:prstGeom>
+          <a:solidFill>
+            <a:srgbClr val="729fcf"/>
+          </a:solidFill>
+          <a:ln>
+            <a:solidFill>
+              <a:srgbClr val="3465a4"/>
+            </a:solidFill>
+          </a:ln>
+        </p:spPr>
+        <p:style>
+          <a:lnRef idx="0"/>
+          <a:fillRef idx="0"/>
+          <a:effectRef idx="0"/>
+          <a:fontRef idx="minor"/>
+        </p:style>
+      </p:sp>
+      <p:sp>
+        <p:nvSpPr>
+          <p:cNvPr id="117" name="CustomShape 2"/>
+          <p:cNvSpPr/>
+          <p:nvPr/>
+        </p:nvSpPr>
+        <p:spPr>
+          <a:xfrm rot="18910800">
+            <a:off x="2466360" y="3966480"/>
+            <a:ext cx="359280" cy="359280"/>
+          </a:xfrm>
+          <a:prstGeom prst="ellipse">
+            <a:avLst/>
+          </a:prstGeom>
+          <a:solidFill>
+            <a:srgbClr val="729fcf"/>
+          </a:solidFill>
+          <a:ln>
+            <a:solidFill>
+              <a:srgbClr val="3465a4"/>
+            </a:solidFill>
+          </a:ln>
+        </p:spPr>
+        <p:style>
+          <a:lnRef idx="0"/>
+          <a:fillRef idx="0"/>
+          <a:effectRef idx="0"/>
+          <a:fontRef idx="minor"/>
+        </p:style>
+      </p:sp>
+      <p:sp>
+        <p:nvSpPr>
+          <p:cNvPr id="118" name="CustomShape 3"/>
+          <p:cNvSpPr/>
+          <p:nvPr/>
+        </p:nvSpPr>
+        <p:spPr>
+          <a:xfrm rot="18910800">
+            <a:off x="2473200" y="1420920"/>
+            <a:ext cx="359280" cy="359280"/>
+          </a:xfrm>
+          <a:prstGeom prst="ellipse">
+            <a:avLst/>
+          </a:prstGeom>
+          <a:solidFill>
+            <a:srgbClr val="729fcf"/>
+          </a:solidFill>
+          <a:ln>
+            <a:solidFill>
+              <a:srgbClr val="3465a4"/>
+            </a:solidFill>
+          </a:ln>
+        </p:spPr>
+        <p:style>
+          <a:lnRef idx="0"/>
+          <a:fillRef idx="0"/>
+          <a:effectRef idx="0"/>
+          <a:fontRef idx="minor"/>
+        </p:style>
+      </p:sp>
+      <p:sp>
+        <p:nvSpPr>
+          <p:cNvPr id="119" name="CustomShape 4"/>
+          <p:cNvSpPr/>
+          <p:nvPr/>
+        </p:nvSpPr>
+        <p:spPr>
+          <a:xfrm rot="18910800">
+            <a:off x="1195920" y="2689920"/>
+            <a:ext cx="359280" cy="359280"/>
+          </a:xfrm>
+          <a:prstGeom prst="ellipse">
+            <a:avLst/>
+          </a:prstGeom>
+          <a:solidFill>
+            <a:srgbClr val="729fcf"/>
+          </a:solidFill>
+          <a:ln>
+            <a:solidFill>
+              <a:srgbClr val="3465a4"/>
+            </a:solidFill>
+          </a:ln>
+        </p:spPr>
+        <p:style>
+          <a:lnRef idx="0"/>
+          <a:fillRef idx="0"/>
+          <a:effectRef idx="0"/>
+          <a:fontRef idx="minor"/>
+        </p:style>
+      </p:sp>
+      <p:sp>
+        <p:nvSpPr>
+          <p:cNvPr id="120" name="Line 5"/>
+          <p:cNvSpPr/>
+          <p:nvPr/>
+        </p:nvSpPr>
+        <p:spPr>
+          <a:xfrm>
+            <a:off x="1376640" y="2869920"/>
+            <a:ext cx="2545920" cy="7920"/>
+          </a:xfrm>
+          <a:prstGeom prst="line">
+            <a:avLst/>
+          </a:prstGeom>
+          <a:ln>
+            <a:solidFill>
+              <a:srgbClr val="000000"/>
+            </a:solidFill>
+          </a:ln>
+        </p:spPr>
+        <p:style>
+          <a:lnRef idx="0"/>
+          <a:fillRef idx="0"/>
+          <a:effectRef idx="0"/>
+          <a:fontRef idx="minor"/>
+        </p:style>
+      </p:sp>
+      <p:sp>
+        <p:nvSpPr>
+          <p:cNvPr id="121" name="Line 6"/>
+          <p:cNvSpPr/>
+          <p:nvPr/>
+        </p:nvSpPr>
+        <p:spPr>
+          <a:xfrm flipV="1">
+            <a:off x="2645280" y="1601280"/>
+            <a:ext cx="8280" cy="2545560"/>
+          </a:xfrm>
+          <a:prstGeom prst="line">
+            <a:avLst/>
+          </a:prstGeom>
+          <a:ln>
+            <a:solidFill>
+              <a:srgbClr val="000000"/>
+            </a:solidFill>
+          </a:ln>
+        </p:spPr>
+        <p:style>
+          <a:lnRef idx="0"/>
+          <a:fillRef idx="0"/>
+          <a:effectRef idx="0"/>
+          <a:fontRef idx="minor"/>
+        </p:style>
+      </p:sp>
+      <p:sp>
+        <p:nvSpPr>
+          <p:cNvPr id="122" name="CustomShape 7"/>
+          <p:cNvSpPr/>
+          <p:nvPr/>
+        </p:nvSpPr>
+        <p:spPr>
+          <a:xfrm>
+            <a:off x="891000" y="3024000"/>
+            <a:ext cx="332280" cy="342720"/>
+          </a:xfrm>
+          <a:prstGeom prst="rect">
+            <a:avLst/>
+          </a:prstGeom>
+          <a:noFill/>
           <a:ln>
             <a:noFill/>
           </a:ln>
         </p:spPr>
-      </p:pic>
-      <p:sp>
-        <p:nvSpPr>
-          <p:cNvPr id="117" name="Line 1"/>
+        <p:style>
+          <a:lnRef idx="0"/>
+          <a:fillRef idx="0"/>
+          <a:effectRef idx="0"/>
+          <a:fontRef idx="minor"/>
+        </p:style>
+        <p:txBody>
+          <a:bodyPr lIns="90000" rIns="90000" tIns="45000" bIns="45000"/>
+          <a:p>
+            <a:r>
+              <a:rPr b="0" lang="fr-FR" sz="1800" spc="-1" strike="noStrike">
+                <a:solidFill>
+                  <a:srgbClr val="000000"/>
+                </a:solidFill>
+                <a:uFill>
+                  <a:solidFill>
+                    <a:srgbClr val="ffffff"/>
+                  </a:solidFill>
+                </a:uFill>
+                <a:latin typeface="Arial"/>
+                <a:ea typeface="DejaVu Sans"/>
+              </a:rPr>
+              <a:t>A</a:t>
+            </a:r>
+            <a:endParaRPr b="0" lang="fr-FR" sz="1800" spc="-1" strike="noStrike">
+              <a:solidFill>
+                <a:srgbClr val="000000"/>
+              </a:solidFill>
+              <a:uFill>
+                <a:solidFill>
+                  <a:srgbClr val="ffffff"/>
+                </a:solidFill>
+              </a:uFill>
+              <a:latin typeface="Arial"/>
+            </a:endParaRPr>
+          </a:p>
+        </p:txBody>
+      </p:sp>
+      <p:sp>
+        <p:nvSpPr>
+          <p:cNvPr id="123" name="CustomShape 8"/>
           <p:cNvSpPr/>
           <p:nvPr/>
         </p:nvSpPr>
         <p:spPr>
+          <a:xfrm>
+            <a:off x="2115000" y="4248000"/>
+            <a:ext cx="332280" cy="342720"/>
+          </a:xfrm>
+          <a:prstGeom prst="rect">
+            <a:avLst/>
+          </a:prstGeom>
+          <a:noFill/>
+          <a:ln>
+            <a:noFill/>
+          </a:ln>
+        </p:spPr>
+        <p:style>
+          <a:lnRef idx="0"/>
+          <a:fillRef idx="0"/>
+          <a:effectRef idx="0"/>
+          <a:fontRef idx="minor"/>
+        </p:style>
+        <p:txBody>
+          <a:bodyPr lIns="90000" rIns="90000" tIns="45000" bIns="45000"/>
+          <a:p>
+            <a:r>
+              <a:rPr b="0" lang="fr-FR" sz="1800" spc="-1" strike="noStrike">
+                <a:solidFill>
+                  <a:srgbClr val="000000"/>
+                </a:solidFill>
+                <a:uFill>
+                  <a:solidFill>
+                    <a:srgbClr val="ffffff"/>
+                  </a:solidFill>
+                </a:uFill>
+                <a:latin typeface="Arial"/>
+                <a:ea typeface="DejaVu Sans"/>
+              </a:rPr>
+              <a:t>B</a:t>
+            </a:r>
+            <a:endParaRPr b="0" lang="fr-FR" sz="1800" spc="-1" strike="noStrike">
+              <a:solidFill>
+                <a:srgbClr val="000000"/>
+              </a:solidFill>
+              <a:uFill>
+                <a:solidFill>
+                  <a:srgbClr val="ffffff"/>
+                </a:solidFill>
+              </a:uFill>
+              <a:latin typeface="Arial"/>
+            </a:endParaRPr>
+          </a:p>
+        </p:txBody>
+      </p:sp>
+      <p:sp>
+        <p:nvSpPr>
+          <p:cNvPr id="124" name="CustomShape 9"/>
+          <p:cNvSpPr/>
+          <p:nvPr/>
+        </p:nvSpPr>
+        <p:spPr>
+          <a:xfrm>
+            <a:off x="3398760" y="3024000"/>
+            <a:ext cx="344520" cy="342720"/>
+          </a:xfrm>
+          <a:prstGeom prst="rect">
+            <a:avLst/>
+          </a:prstGeom>
+          <a:noFill/>
+          <a:ln>
+            <a:noFill/>
+          </a:ln>
+        </p:spPr>
+        <p:style>
+          <a:lnRef idx="0"/>
+          <a:fillRef idx="0"/>
+          <a:effectRef idx="0"/>
+          <a:fontRef idx="minor"/>
+        </p:style>
+        <p:txBody>
+          <a:bodyPr lIns="90000" rIns="90000" tIns="45000" bIns="45000"/>
+          <a:p>
+            <a:r>
+              <a:rPr b="0" lang="fr-FR" sz="1800" spc="-1" strike="noStrike">
+                <a:solidFill>
+                  <a:srgbClr val="000000"/>
+                </a:solidFill>
+                <a:uFill>
+                  <a:solidFill>
+                    <a:srgbClr val="ffffff"/>
+                  </a:solidFill>
+                </a:uFill>
+                <a:latin typeface="Arial"/>
+                <a:ea typeface="DejaVu Sans"/>
+              </a:rPr>
+              <a:t>C</a:t>
+            </a:r>
+            <a:endParaRPr b="0" lang="fr-FR" sz="1800" spc="-1" strike="noStrike">
+              <a:solidFill>
+                <a:srgbClr val="000000"/>
+              </a:solidFill>
+              <a:uFill>
+                <a:solidFill>
+                  <a:srgbClr val="ffffff"/>
+                </a:solidFill>
+              </a:uFill>
+              <a:latin typeface="Arial"/>
+            </a:endParaRPr>
+          </a:p>
+        </p:txBody>
+      </p:sp>
+      <p:sp>
+        <p:nvSpPr>
+          <p:cNvPr id="125" name="CustomShape 10"/>
+          <p:cNvSpPr/>
+          <p:nvPr/>
+        </p:nvSpPr>
+        <p:spPr>
+          <a:xfrm>
+            <a:off x="2822760" y="1152000"/>
+            <a:ext cx="344520" cy="342720"/>
+          </a:xfrm>
+          <a:prstGeom prst="rect">
+            <a:avLst/>
+          </a:prstGeom>
+          <a:noFill/>
+          <a:ln>
+            <a:noFill/>
+          </a:ln>
+        </p:spPr>
+        <p:style>
+          <a:lnRef idx="0"/>
+          <a:fillRef idx="0"/>
+          <a:effectRef idx="0"/>
+          <a:fontRef idx="minor"/>
+        </p:style>
+        <p:txBody>
+          <a:bodyPr lIns="90000" rIns="90000" tIns="45000" bIns="45000"/>
+          <a:p>
+            <a:r>
+              <a:rPr b="0" lang="fr-FR" sz="1800" spc="-1" strike="noStrike">
+                <a:solidFill>
+                  <a:srgbClr val="000000"/>
+                </a:solidFill>
+                <a:uFill>
+                  <a:solidFill>
+                    <a:srgbClr val="ffffff"/>
+                  </a:solidFill>
+                </a:uFill>
+                <a:latin typeface="Arial"/>
+                <a:ea typeface="DejaVu Sans"/>
+              </a:rPr>
+              <a:t>D</a:t>
+            </a:r>
+            <a:endParaRPr b="0" lang="fr-FR" sz="1800" spc="-1" strike="noStrike">
+              <a:solidFill>
+                <a:srgbClr val="000000"/>
+              </a:solidFill>
+              <a:uFill>
+                <a:solidFill>
+                  <a:srgbClr val="ffffff"/>
+                </a:solidFill>
+              </a:uFill>
+              <a:latin typeface="Arial"/>
+            </a:endParaRPr>
+          </a:p>
+        </p:txBody>
+      </p:sp>
+      <p:sp>
+        <p:nvSpPr>
+          <p:cNvPr id="126" name="CustomShape 11"/>
+          <p:cNvSpPr/>
+          <p:nvPr/>
+        </p:nvSpPr>
+        <p:spPr>
+          <a:xfrm>
+            <a:off x="1932120" y="2485800"/>
+            <a:ext cx="515880" cy="342720"/>
+          </a:xfrm>
+          <a:prstGeom prst="rect">
+            <a:avLst/>
+          </a:prstGeom>
+          <a:noFill/>
+          <a:ln>
+            <a:noFill/>
+          </a:ln>
+        </p:spPr>
+        <p:style>
+          <a:lnRef idx="0"/>
+          <a:fillRef idx="0"/>
+          <a:effectRef idx="0"/>
+          <a:fontRef idx="minor"/>
+        </p:style>
+        <p:txBody>
+          <a:bodyPr lIns="90000" rIns="90000" tIns="45000" bIns="45000"/>
+          <a:p>
+            <a:r>
+              <a:rPr b="0" lang="fr-FR" sz="1800" spc="-1" strike="noStrike">
+                <a:solidFill>
+                  <a:srgbClr val="000000"/>
+                </a:solidFill>
+                <a:uFill>
+                  <a:solidFill>
+                    <a:srgbClr val="ffffff"/>
+                  </a:solidFill>
+                </a:uFill>
+                <a:latin typeface="Arial"/>
+                <a:ea typeface="DejaVu Sans"/>
+              </a:rPr>
+              <a:t>R</a:t>
+            </a:r>
+            <a:r>
+              <a:rPr b="0" lang="fr-FR" sz="1800" spc="-1" strike="noStrike" baseline="-33000">
+                <a:solidFill>
+                  <a:srgbClr val="000000"/>
+                </a:solidFill>
+                <a:uFill>
+                  <a:solidFill>
+                    <a:srgbClr val="ffffff"/>
+                  </a:solidFill>
+                </a:uFill>
+                <a:latin typeface="Arial"/>
+                <a:ea typeface="DejaVu Sans"/>
+              </a:rPr>
+              <a:t>A</a:t>
+            </a:r>
+            <a:endParaRPr b="0" lang="fr-FR" sz="1800" spc="-1" strike="noStrike">
+              <a:solidFill>
+                <a:srgbClr val="000000"/>
+              </a:solidFill>
+              <a:uFill>
+                <a:solidFill>
+                  <a:srgbClr val="ffffff"/>
+                </a:solidFill>
+              </a:uFill>
+              <a:latin typeface="Arial"/>
+            </a:endParaRPr>
+          </a:p>
+        </p:txBody>
+      </p:sp>
+      <p:sp>
+        <p:nvSpPr>
+          <p:cNvPr id="127" name="Line 12"/>
+          <p:cNvSpPr/>
+          <p:nvPr/>
+        </p:nvSpPr>
+        <p:spPr>
           <a:xfrm flipV="1">
-            <a:off x="4392000" y="3708000"/>
-            <a:ext cx="0" cy="900000"/>
+            <a:off x="4176000" y="3636000"/>
+            <a:ext cx="360" cy="900000"/>
           </a:xfrm>
           <a:prstGeom prst="line">
             <a:avLst/>
@@ -7453,14 +6981,14 @@
       </p:sp>
       <p:sp>
         <p:nvSpPr>
-          <p:cNvPr id="118" name="Line 2"/>
+          <p:cNvPr id="128" name="Line 13"/>
           <p:cNvSpPr/>
           <p:nvPr/>
         </p:nvSpPr>
         <p:spPr>
           <a:xfrm flipH="1">
-            <a:off x="3492000" y="4608000"/>
-            <a:ext cx="900000" cy="0"/>
+            <a:off x="3276000" y="4536000"/>
+            <a:ext cx="900000" cy="360"/>
           </a:xfrm>
           <a:prstGeom prst="line">
             <a:avLst/>
@@ -7481,14 +7009,14 @@
       </p:sp>
       <p:sp>
         <p:nvSpPr>
-          <p:cNvPr id="119" name="TextShape 3"/>
-          <p:cNvSpPr txBox="1"/>
+          <p:cNvPr id="129" name="CustomShape 14"/>
+          <p:cNvSpPr/>
           <p:nvPr/>
         </p:nvSpPr>
         <p:spPr>
           <a:xfrm>
-            <a:off x="3312000" y="4572000"/>
-            <a:ext cx="432000" cy="343440"/>
+            <a:off x="3096000" y="4500000"/>
+            <a:ext cx="431640" cy="343080"/>
           </a:xfrm>
           <a:prstGeom prst="rect">
             <a:avLst/>
@@ -7498,6 +7026,12 @@
             <a:noFill/>
           </a:ln>
         </p:spPr>
+        <p:style>
+          <a:lnRef idx="0"/>
+          <a:fillRef idx="0"/>
+          <a:effectRef idx="0"/>
+          <a:fontRef idx="minor"/>
+        </p:style>
         <p:txBody>
           <a:bodyPr lIns="90000" rIns="90000" tIns="45000" bIns="45000"/>
           <a:p>
@@ -7531,14 +7065,14 @@
       </p:sp>
       <p:sp>
         <p:nvSpPr>
-          <p:cNvPr id="120" name="TextShape 4"/>
-          <p:cNvSpPr txBox="1"/>
+          <p:cNvPr id="130" name="CustomShape 15"/>
+          <p:cNvSpPr/>
           <p:nvPr/>
         </p:nvSpPr>
         <p:spPr>
           <a:xfrm>
-            <a:off x="4068000" y="3544560"/>
-            <a:ext cx="432000" cy="343440"/>
+            <a:off x="3852000" y="3544560"/>
+            <a:ext cx="431640" cy="343080"/>
           </a:xfrm>
           <a:prstGeom prst="rect">
             <a:avLst/>
@@ -7548,6 +7082,12 @@
             <a:noFill/>
           </a:ln>
         </p:spPr>
+        <p:style>
+          <a:lnRef idx="0"/>
+          <a:fillRef idx="0"/>
+          <a:effectRef idx="0"/>
+          <a:fontRef idx="minor"/>
+        </p:style>
         <p:txBody>
           <a:bodyPr lIns="90000" rIns="90000" tIns="45000" bIns="45000"/>
           <a:p>
@@ -7564,6 +7104,135 @@
                 <a:latin typeface="Arial"/>
               </a:rPr>
               <a:t>y</a:t>
+            </a:r>
+            <a:endParaRPr b="0" lang="fr-FR" sz="1800" spc="-1" strike="noStrike">
+              <a:solidFill>
+                <a:srgbClr val="000000"/>
+              </a:solidFill>
+              <a:uFill>
+                <a:solidFill>
+                  <a:srgbClr val="ffffff"/>
+                </a:solidFill>
+              </a:uFill>
+              <a:latin typeface="Arial"/>
+            </a:endParaRPr>
+          </a:p>
+        </p:txBody>
+      </p:sp>
+      <p:sp>
+        <p:nvSpPr>
+          <p:cNvPr id="131" name="CustomShape 16"/>
+          <p:cNvSpPr/>
+          <p:nvPr/>
+        </p:nvSpPr>
+        <p:spPr>
+          <a:xfrm>
+            <a:off x="2616120" y="3281040"/>
+            <a:ext cx="515880" cy="342720"/>
+          </a:xfrm>
+          <a:prstGeom prst="rect">
+            <a:avLst/>
+          </a:prstGeom>
+          <a:noFill/>
+          <a:ln>
+            <a:noFill/>
+          </a:ln>
+        </p:spPr>
+        <p:style>
+          <a:lnRef idx="0"/>
+          <a:fillRef idx="0"/>
+          <a:effectRef idx="0"/>
+          <a:fontRef idx="minor"/>
+        </p:style>
+        <p:txBody>
+          <a:bodyPr lIns="90000" rIns="90000" tIns="45000" bIns="45000"/>
+          <a:p>
+            <a:r>
+              <a:rPr b="0" lang="fr-FR" sz="1800" spc="-1" strike="noStrike">
+                <a:solidFill>
+                  <a:srgbClr val="000000"/>
+                </a:solidFill>
+                <a:uFill>
+                  <a:solidFill>
+                    <a:srgbClr val="ffffff"/>
+                  </a:solidFill>
+                </a:uFill>
+                <a:latin typeface="Arial"/>
+                <a:ea typeface="DejaVu Sans"/>
+              </a:rPr>
+              <a:t>R</a:t>
+            </a:r>
+            <a:r>
+              <a:rPr b="0" lang="fr-FR" sz="1800" spc="-1" strike="noStrike" baseline="-33000">
+                <a:solidFill>
+                  <a:srgbClr val="000000"/>
+                </a:solidFill>
+                <a:uFill>
+                  <a:solidFill>
+                    <a:srgbClr val="ffffff"/>
+                  </a:solidFill>
+                </a:uFill>
+                <a:latin typeface="Arial"/>
+                <a:ea typeface="DejaVu Sans"/>
+              </a:rPr>
+              <a:t>B</a:t>
+            </a:r>
+            <a:endParaRPr b="0" lang="fr-FR" sz="1800" spc="-1" strike="noStrike">
+              <a:solidFill>
+                <a:srgbClr val="000000"/>
+              </a:solidFill>
+              <a:uFill>
+                <a:solidFill>
+                  <a:srgbClr val="ffffff"/>
+                </a:solidFill>
+              </a:uFill>
+              <a:latin typeface="Arial"/>
+            </a:endParaRPr>
+          </a:p>
+        </p:txBody>
+      </p:sp>
+      <p:sp>
+        <p:nvSpPr>
+          <p:cNvPr id="132" name="CustomShape 17"/>
+          <p:cNvSpPr/>
+          <p:nvPr/>
+        </p:nvSpPr>
+        <p:spPr>
+          <a:xfrm>
+            <a:off x="2642760" y="2520000"/>
+            <a:ext cx="344520" cy="342720"/>
+          </a:xfrm>
+          <a:prstGeom prst="rect">
+            <a:avLst/>
+          </a:prstGeom>
+          <a:noFill/>
+          <a:ln>
+            <a:noFill/>
+          </a:ln>
+        </p:spPr>
+        <p:style>
+          <a:lnRef idx="0"/>
+          <a:fillRef idx="0"/>
+          <a:effectRef idx="0"/>
+          <a:fontRef idx="minor"/>
+        </p:style>
+        <p:txBody>
+          <a:bodyPr lIns="90000" rIns="90000" tIns="45000" bIns="45000"/>
+          <a:p>
+            <a:r>
+              <a:rPr b="0" lang="fr-FR" sz="1800" spc="-1" strike="noStrike">
+                <a:solidFill>
+                  <a:srgbClr val="000000"/>
+                </a:solidFill>
+                <a:uFill>
+                  <a:solidFill>
+                    <a:srgbClr val="ffffff"/>
+                  </a:solidFill>
+                </a:uFill>
+                <a:latin typeface="Arial"/>
+                <a:ea typeface="DejaVu Sans"/>
+              </a:rPr>
+              <a:t>G</a:t>
             </a:r>
             <a:endParaRPr b="0" lang="fr-FR" sz="1800" spc="-1" strike="noStrike">
               <a:solidFill>
@@ -7630,14 +7299,14 @@
       </p:grpSpPr>
       <p:sp>
         <p:nvSpPr>
-          <p:cNvPr id="121" name="CustomShape 1"/>
+          <p:cNvPr id="133" name="CustomShape 1"/>
           <p:cNvSpPr/>
           <p:nvPr/>
         </p:nvSpPr>
         <p:spPr>
           <a:xfrm rot="18910800">
-            <a:off x="3742920" y="2697840"/>
-            <a:ext cx="359640" cy="359640"/>
+            <a:off x="6658560" y="2337840"/>
+            <a:ext cx="359280" cy="359280"/>
           </a:xfrm>
           <a:prstGeom prst="ellipse">
             <a:avLst/>
@@ -7660,14 +7329,14 @@
       </p:sp>
       <p:sp>
         <p:nvSpPr>
-          <p:cNvPr id="122" name="CustomShape 2"/>
+          <p:cNvPr id="134" name="CustomShape 2"/>
           <p:cNvSpPr/>
           <p:nvPr/>
         </p:nvSpPr>
         <p:spPr>
           <a:xfrm rot="18910800">
-            <a:off x="2466720" y="3966480"/>
-            <a:ext cx="359640" cy="359640"/>
+            <a:off x="6642360" y="906480"/>
+            <a:ext cx="359280" cy="359280"/>
           </a:xfrm>
           <a:prstGeom prst="ellipse">
             <a:avLst/>
@@ -7690,14 +7359,14 @@
       </p:sp>
       <p:sp>
         <p:nvSpPr>
-          <p:cNvPr id="123" name="CustomShape 3"/>
+          <p:cNvPr id="135" name="CustomShape 3"/>
           <p:cNvSpPr/>
           <p:nvPr/>
         </p:nvSpPr>
         <p:spPr>
           <a:xfrm rot="18910800">
-            <a:off x="2473560" y="1420920"/>
-            <a:ext cx="359640" cy="359640"/>
+            <a:off x="4138200" y="898200"/>
+            <a:ext cx="359280" cy="359280"/>
           </a:xfrm>
           <a:prstGeom prst="ellipse">
             <a:avLst/>
@@ -7720,14 +7389,14 @@
       </p:sp>
       <p:sp>
         <p:nvSpPr>
-          <p:cNvPr id="124" name="CustomShape 4"/>
+          <p:cNvPr id="136" name="CustomShape 4"/>
           <p:cNvSpPr/>
           <p:nvPr/>
         </p:nvSpPr>
         <p:spPr>
           <a:xfrm rot="18910800">
-            <a:off x="1196280" y="2689920"/>
-            <a:ext cx="359640" cy="359640"/>
+            <a:off x="4106160" y="2338200"/>
+            <a:ext cx="359280" cy="359280"/>
           </a:xfrm>
           <a:prstGeom prst="ellipse">
             <a:avLst/>
@@ -7750,14 +7419,14 @@
       </p:sp>
       <p:sp>
         <p:nvSpPr>
-          <p:cNvPr id="125" name="Line 5"/>
+          <p:cNvPr id="137" name="Line 5"/>
           <p:cNvSpPr/>
           <p:nvPr/>
         </p:nvSpPr>
         <p:spPr>
-          <a:xfrm>
-            <a:off x="1376640" y="2869920"/>
-            <a:ext cx="2545920" cy="7920"/>
+          <a:xfrm flipV="1">
+            <a:off x="4320000" y="1080000"/>
+            <a:ext cx="2520000" cy="1440000"/>
           </a:xfrm>
           <a:prstGeom prst="line">
             <a:avLst/>
@@ -7777,22 +7446,21 @@
       </p:sp>
       <p:sp>
         <p:nvSpPr>
-          <p:cNvPr id="126" name="Line 6"/>
+          <p:cNvPr id="138" name="CustomShape 6"/>
           <p:cNvSpPr/>
           <p:nvPr/>
         </p:nvSpPr>
         <p:spPr>
-          <a:xfrm flipV="1">
-            <a:off x="2645280" y="1601280"/>
-            <a:ext cx="8280" cy="2545560"/>
-          </a:xfrm>
-          <a:prstGeom prst="line">
-            <a:avLst/>
-          </a:prstGeom>
+          <a:xfrm>
+            <a:off x="3735000" y="2520000"/>
+            <a:ext cx="332280" cy="342720"/>
+          </a:xfrm>
+          <a:prstGeom prst="rect">
+            <a:avLst/>
+          </a:prstGeom>
+          <a:noFill/>
           <a:ln>
-            <a:solidFill>
-              <a:srgbClr val="000000"/>
-            </a:solidFill>
+            <a:noFill/>
           </a:ln>
         </p:spPr>
         <p:style>
@@ -7801,17 +7469,48 @@
           <a:effectRef idx="0"/>
           <a:fontRef idx="minor"/>
         </p:style>
-      </p:sp>
-      <p:sp>
-        <p:nvSpPr>
-          <p:cNvPr id="127" name="CustomShape 7"/>
+        <p:txBody>
+          <a:bodyPr lIns="90000" rIns="90000" tIns="45000" bIns="45000"/>
+          <a:p>
+            <a:r>
+              <a:rPr b="0" lang="fr-FR" sz="1800" spc="-1" strike="noStrike">
+                <a:solidFill>
+                  <a:srgbClr val="000000"/>
+                </a:solidFill>
+                <a:uFill>
+                  <a:solidFill>
+                    <a:srgbClr val="ffffff"/>
+                  </a:solidFill>
+                </a:uFill>
+                <a:latin typeface="Arial"/>
+                <a:ea typeface="DejaVu Sans"/>
+              </a:rPr>
+              <a:t>A</a:t>
+            </a:r>
+            <a:endParaRPr b="0" lang="fr-FR" sz="1800" spc="-1" strike="noStrike">
+              <a:solidFill>
+                <a:srgbClr val="000000"/>
+              </a:solidFill>
+              <a:uFill>
+                <a:solidFill>
+                  <a:srgbClr val="ffffff"/>
+                </a:solidFill>
+              </a:uFill>
+              <a:latin typeface="Arial"/>
+            </a:endParaRPr>
+          </a:p>
+        </p:txBody>
+      </p:sp>
+      <p:sp>
+        <p:nvSpPr>
+          <p:cNvPr id="139" name="CustomShape 7"/>
           <p:cNvSpPr/>
           <p:nvPr/>
         </p:nvSpPr>
         <p:spPr>
           <a:xfrm>
-            <a:off x="891000" y="3024000"/>
-            <a:ext cx="332640" cy="343080"/>
+            <a:off x="6264000" y="2520000"/>
+            <a:ext cx="332280" cy="342720"/>
           </a:xfrm>
           <a:prstGeom prst="rect">
             <a:avLst/>
@@ -7841,8 +7540,9 @@
                   </a:solidFill>
                 </a:uFill>
                 <a:latin typeface="Arial"/>
+                <a:ea typeface="DejaVu Sans"/>
               </a:rPr>
-              <a:t>A</a:t>
+              <a:t>B</a:t>
             </a:r>
             <a:endParaRPr b="0" lang="fr-FR" sz="1800" spc="-1" strike="noStrike">
               <a:solidFill>
@@ -7860,14 +7560,14 @@
       </p:sp>
       <p:sp>
         <p:nvSpPr>
-          <p:cNvPr id="128" name="CustomShape 8"/>
+          <p:cNvPr id="140" name="CustomShape 8"/>
           <p:cNvSpPr/>
           <p:nvPr/>
         </p:nvSpPr>
         <p:spPr>
           <a:xfrm>
-            <a:off x="2115000" y="4248000"/>
-            <a:ext cx="332640" cy="343080"/>
+            <a:off x="6279480" y="665280"/>
+            <a:ext cx="344520" cy="342720"/>
           </a:xfrm>
           <a:prstGeom prst="rect">
             <a:avLst/>
@@ -7897,8 +7597,9 @@
                   </a:solidFill>
                 </a:uFill>
                 <a:latin typeface="Arial"/>
+                <a:ea typeface="DejaVu Sans"/>
               </a:rPr>
-              <a:t>B</a:t>
+              <a:t>C</a:t>
             </a:r>
             <a:endParaRPr b="0" lang="fr-FR" sz="1800" spc="-1" strike="noStrike">
               <a:solidFill>
@@ -7916,14 +7617,14 @@
       </p:sp>
       <p:sp>
         <p:nvSpPr>
-          <p:cNvPr id="129" name="CustomShape 9"/>
+          <p:cNvPr id="141" name="CustomShape 9"/>
           <p:cNvSpPr/>
           <p:nvPr/>
         </p:nvSpPr>
         <p:spPr>
           <a:xfrm>
-            <a:off x="3398760" y="3024000"/>
-            <a:ext cx="344880" cy="343080"/>
+            <a:off x="3759480" y="665280"/>
+            <a:ext cx="344520" cy="342720"/>
           </a:xfrm>
           <a:prstGeom prst="rect">
             <a:avLst/>
@@ -7953,8 +7654,9 @@
                   </a:solidFill>
                 </a:uFill>
                 <a:latin typeface="Arial"/>
+                <a:ea typeface="DejaVu Sans"/>
               </a:rPr>
-              <a:t>C</a:t>
+              <a:t>D</a:t>
             </a:r>
             <a:endParaRPr b="0" lang="fr-FR" sz="1800" spc="-1" strike="noStrike">
               <a:solidFill>
@@ -7972,14 +7674,14 @@
       </p:sp>
       <p:sp>
         <p:nvSpPr>
-          <p:cNvPr id="130" name="CustomShape 10"/>
+          <p:cNvPr id="142" name="CustomShape 10"/>
           <p:cNvSpPr/>
           <p:nvPr/>
         </p:nvSpPr>
         <p:spPr>
           <a:xfrm>
-            <a:off x="2822760" y="1152000"/>
-            <a:ext cx="344880" cy="343080"/>
+            <a:off x="5544000" y="1997280"/>
+            <a:ext cx="576000" cy="342720"/>
           </a:xfrm>
           <a:prstGeom prst="rect">
             <a:avLst/>
@@ -8009,8 +7711,39 @@
                   </a:solidFill>
                 </a:uFill>
                 <a:latin typeface="Arial"/>
+                <a:ea typeface="DejaVu Sans"/>
               </a:rPr>
-              <a:t>D</a:t>
+              <a:t>R</a:t>
+            </a:r>
+            <a:r>
+              <a:rPr b="0" lang="fr-FR" sz="1800" spc="-1" strike="noStrike">
+                <a:solidFill>
+                  <a:srgbClr val="000000"/>
+                </a:solidFill>
+                <a:uFill>
+                  <a:solidFill>
+                    <a:srgbClr val="ffffff"/>
+                  </a:solidFill>
+                </a:uFill>
+                <a:latin typeface="Arial"/>
+                <a:ea typeface="DejaVu Sans"/>
+              </a:rPr>
+              <a:t>’</a:t>
+            </a:r>
+            <a:r>
+              <a:rPr b="0" lang="fr-FR" sz="1800" spc="-1" strike="noStrike" baseline="-33000">
+                <a:solidFill>
+                  <a:srgbClr val="000000"/>
+                </a:solidFill>
+                <a:uFill>
+                  <a:solidFill>
+                    <a:srgbClr val="ffffff"/>
+                  </a:solidFill>
+                </a:uFill>
+                <a:latin typeface="Arial"/>
+                <a:ea typeface="DejaVu Sans"/>
+              </a:rPr>
+              <a:t>R</a:t>
             </a:r>
             <a:endParaRPr b="0" lang="fr-FR" sz="1800" spc="-1" strike="noStrike">
               <a:solidFill>
@@ -8028,21 +7761,23 @@
       </p:sp>
       <p:sp>
         <p:nvSpPr>
-          <p:cNvPr id="131" name="CustomShape 11"/>
+          <p:cNvPr id="143" name="Line 11"/>
           <p:cNvSpPr/>
           <p:nvPr/>
         </p:nvSpPr>
         <p:spPr>
-          <a:xfrm>
-            <a:off x="1932120" y="2557800"/>
-            <a:ext cx="344880" cy="343080"/>
-          </a:xfrm>
-          <a:prstGeom prst="rect">
-            <a:avLst/>
-          </a:prstGeom>
-          <a:noFill/>
+          <a:xfrm flipV="1">
+            <a:off x="7664400" y="2539440"/>
+            <a:ext cx="360" cy="900000"/>
+          </a:xfrm>
+          <a:prstGeom prst="line">
+            <a:avLst/>
+          </a:prstGeom>
           <a:ln>
-            <a:noFill/>
+            <a:solidFill>
+              <a:srgbClr val="000000"/>
+            </a:solidFill>
+            <a:tailEnd len="med" type="triangle" w="med"/>
           </a:ln>
         </p:spPr>
         <p:style>
@@ -8051,47 +7786,17 @@
           <a:effectRef idx="0"/>
           <a:fontRef idx="minor"/>
         </p:style>
-        <p:txBody>
-          <a:bodyPr lIns="90000" rIns="90000" tIns="45000" bIns="45000"/>
-          <a:p>
-            <a:r>
-              <a:rPr b="0" lang="fr-FR" sz="1800" spc="-1" strike="noStrike">
-                <a:solidFill>
-                  <a:srgbClr val="000000"/>
-                </a:solidFill>
-                <a:uFill>
-                  <a:solidFill>
-                    <a:srgbClr val="ffffff"/>
-                  </a:solidFill>
-                </a:uFill>
-                <a:latin typeface="Arial"/>
-              </a:rPr>
-              <a:t>R</a:t>
-            </a:r>
-            <a:endParaRPr b="0" lang="fr-FR" sz="1800" spc="-1" strike="noStrike">
-              <a:solidFill>
-                <a:srgbClr val="000000"/>
-              </a:solidFill>
-              <a:uFill>
-                <a:solidFill>
-                  <a:srgbClr val="ffffff"/>
-                </a:solidFill>
-              </a:uFill>
-              <a:latin typeface="Arial"/>
-            </a:endParaRPr>
-          </a:p>
-        </p:txBody>
-      </p:sp>
-      <p:sp>
-        <p:nvSpPr>
-          <p:cNvPr id="132" name="Line 12"/>
+      </p:sp>
+      <p:sp>
+        <p:nvSpPr>
+          <p:cNvPr id="144" name="Line 12"/>
           <p:cNvSpPr/>
           <p:nvPr/>
         </p:nvSpPr>
         <p:spPr>
-          <a:xfrm flipV="1">
-            <a:off x="4176000" y="3636000"/>
-            <a:ext cx="0" cy="900000"/>
+          <a:xfrm flipH="1">
+            <a:off x="6764400" y="3439440"/>
+            <a:ext cx="900000" cy="360"/>
           </a:xfrm>
           <a:prstGeom prst="line">
             <a:avLst/>
@@ -8112,23 +7817,21 @@
       </p:sp>
       <p:sp>
         <p:nvSpPr>
-          <p:cNvPr id="133" name="Line 13"/>
+          <p:cNvPr id="145" name="CustomShape 13"/>
           <p:cNvSpPr/>
           <p:nvPr/>
         </p:nvSpPr>
         <p:spPr>
-          <a:xfrm flipH="1">
-            <a:off x="3276000" y="4536000"/>
-            <a:ext cx="900000" cy="0"/>
-          </a:xfrm>
-          <a:prstGeom prst="line">
-            <a:avLst/>
-          </a:prstGeom>
+          <a:xfrm>
+            <a:off x="6584400" y="3403440"/>
+            <a:ext cx="431640" cy="343080"/>
+          </a:xfrm>
+          <a:prstGeom prst="rect">
+            <a:avLst/>
+          </a:prstGeom>
+          <a:noFill/>
           <a:ln>
-            <a:solidFill>
-              <a:srgbClr val="000000"/>
-            </a:solidFill>
-            <a:tailEnd len="med" type="triangle" w="med"/>
+            <a:noFill/>
           </a:ln>
         </p:spPr>
         <p:style>
@@ -8137,26 +7840,6 @@
           <a:effectRef idx="0"/>
           <a:fontRef idx="minor"/>
         </p:style>
-      </p:sp>
-      <p:sp>
-        <p:nvSpPr>
-          <p:cNvPr id="134" name="TextShape 14"/>
-          <p:cNvSpPr txBox="1"/>
-          <p:nvPr/>
-        </p:nvSpPr>
-        <p:spPr>
-          <a:xfrm>
-            <a:off x="3096000" y="4500000"/>
-            <a:ext cx="432000" cy="343440"/>
-          </a:xfrm>
-          <a:prstGeom prst="rect">
-            <a:avLst/>
-          </a:prstGeom>
-          <a:noFill/>
-          <a:ln>
-            <a:noFill/>
-          </a:ln>
-        </p:spPr>
         <p:txBody>
           <a:bodyPr lIns="90000" rIns="90000" tIns="45000" bIns="45000"/>
           <a:p>
@@ -8190,14 +7873,14 @@
       </p:sp>
       <p:sp>
         <p:nvSpPr>
-          <p:cNvPr id="135" name="TextShape 15"/>
-          <p:cNvSpPr txBox="1"/>
+          <p:cNvPr id="146" name="CustomShape 14"/>
+          <p:cNvSpPr/>
           <p:nvPr/>
         </p:nvSpPr>
         <p:spPr>
           <a:xfrm>
-            <a:off x="3852000" y="3544560"/>
-            <a:ext cx="432000" cy="343440"/>
+            <a:off x="7340400" y="2448000"/>
+            <a:ext cx="431640" cy="343080"/>
           </a:xfrm>
           <a:prstGeom prst="rect">
             <a:avLst/>
@@ -8207,6 +7890,12 @@
             <a:noFill/>
           </a:ln>
         </p:spPr>
+        <p:style>
+          <a:lnRef idx="0"/>
+          <a:fillRef idx="0"/>
+          <a:effectRef idx="0"/>
+          <a:fontRef idx="minor"/>
+        </p:style>
         <p:txBody>
           <a:bodyPr lIns="90000" rIns="90000" tIns="45000" bIns="45000"/>
           <a:p>
@@ -8223,6 +7912,220 @@
                 <a:latin typeface="Arial"/>
               </a:rPr>
               <a:t>y</a:t>
+            </a:r>
+            <a:endParaRPr b="0" lang="fr-FR" sz="1800" spc="-1" strike="noStrike">
+              <a:solidFill>
+                <a:srgbClr val="000000"/>
+              </a:solidFill>
+              <a:uFill>
+                <a:solidFill>
+                  <a:srgbClr val="ffffff"/>
+                </a:solidFill>
+              </a:uFill>
+              <a:latin typeface="Arial"/>
+            </a:endParaRPr>
+          </a:p>
+        </p:txBody>
+      </p:sp>
+      <p:sp>
+        <p:nvSpPr>
+          <p:cNvPr id="147" name="CustomShape 15"/>
+          <p:cNvSpPr/>
+          <p:nvPr/>
+        </p:nvSpPr>
+        <p:spPr>
+          <a:xfrm>
+            <a:off x="4447080" y="1410120"/>
+            <a:ext cx="515880" cy="342720"/>
+          </a:xfrm>
+          <a:prstGeom prst="rect">
+            <a:avLst/>
+          </a:prstGeom>
+          <a:noFill/>
+          <a:ln>
+            <a:noFill/>
+          </a:ln>
+        </p:spPr>
+        <p:style>
+          <a:lnRef idx="0"/>
+          <a:fillRef idx="0"/>
+          <a:effectRef idx="0"/>
+          <a:fontRef idx="minor"/>
+        </p:style>
+        <p:txBody>
+          <a:bodyPr lIns="90000" rIns="90000" tIns="45000" bIns="45000"/>
+          <a:p>
+            <a:r>
+              <a:rPr b="0" lang="fr-FR" sz="1800" spc="-1" strike="noStrike">
+                <a:solidFill>
+                  <a:srgbClr val="000000"/>
+                </a:solidFill>
+                <a:uFill>
+                  <a:solidFill>
+                    <a:srgbClr val="ffffff"/>
+                  </a:solidFill>
+                </a:uFill>
+                <a:latin typeface="Arial"/>
+                <a:ea typeface="DejaVu Sans"/>
+              </a:rPr>
+              <a:t>R’</a:t>
+            </a:r>
+            <a:r>
+              <a:rPr b="0" lang="fr-FR" sz="1800" spc="-1" strike="noStrike" baseline="-33000">
+                <a:solidFill>
+                  <a:srgbClr val="000000"/>
+                </a:solidFill>
+                <a:uFill>
+                  <a:solidFill>
+                    <a:srgbClr val="ffffff"/>
+                  </a:solidFill>
+                </a:uFill>
+                <a:latin typeface="Arial"/>
+                <a:ea typeface="DejaVu Sans"/>
+              </a:rPr>
+              <a:t>P</a:t>
+            </a:r>
+            <a:endParaRPr b="0" lang="fr-FR" sz="1800" spc="-1" strike="noStrike">
+              <a:solidFill>
+                <a:srgbClr val="000000"/>
+              </a:solidFill>
+              <a:uFill>
+                <a:solidFill>
+                  <a:srgbClr val="ffffff"/>
+                </a:solidFill>
+              </a:uFill>
+              <a:latin typeface="Arial"/>
+            </a:endParaRPr>
+          </a:p>
+        </p:txBody>
+      </p:sp>
+      <p:sp>
+        <p:nvSpPr>
+          <p:cNvPr id="148" name="Line 16"/>
+          <p:cNvSpPr/>
+          <p:nvPr/>
+        </p:nvSpPr>
+        <p:spPr>
+          <a:xfrm>
+            <a:off x="4320000" y="1080000"/>
+            <a:ext cx="2520000" cy="1440000"/>
+          </a:xfrm>
+          <a:prstGeom prst="line">
+            <a:avLst/>
+          </a:prstGeom>
+          <a:ln>
+            <a:solidFill>
+              <a:srgbClr val="000000"/>
+            </a:solidFill>
+          </a:ln>
+        </p:spPr>
+        <p:style>
+          <a:lnRef idx="0"/>
+          <a:fillRef idx="0"/>
+          <a:effectRef idx="0"/>
+          <a:fontRef idx="minor"/>
+        </p:style>
+      </p:sp>
+      <p:sp>
+        <p:nvSpPr>
+          <p:cNvPr id="149" name="Line 17"/>
+          <p:cNvSpPr/>
+          <p:nvPr/>
+        </p:nvSpPr>
+        <p:spPr>
+          <a:xfrm flipH="1">
+            <a:off x="4392000" y="1800000"/>
+            <a:ext cx="1224000" cy="0"/>
+          </a:xfrm>
+          <a:prstGeom prst="line">
+            <a:avLst/>
+          </a:prstGeom>
+          <a:ln>
+            <a:solidFill>
+              <a:srgbClr val="000000"/>
+            </a:solidFill>
+            <a:headEnd len="med" type="triangle" w="med"/>
+            <a:tailEnd len="med" type="triangle" w="med"/>
+          </a:ln>
+        </p:spPr>
+        <p:style>
+          <a:lnRef idx="0"/>
+          <a:fillRef idx="0"/>
+          <a:effectRef idx="0"/>
+          <a:fontRef idx="minor"/>
+        </p:style>
+      </p:sp>
+      <p:sp>
+        <p:nvSpPr>
+          <p:cNvPr id="150" name="Line 18"/>
+          <p:cNvSpPr/>
+          <p:nvPr/>
+        </p:nvSpPr>
+        <p:spPr>
+          <a:xfrm>
+            <a:off x="5560560" y="1800000"/>
+            <a:ext cx="0" cy="720000"/>
+          </a:xfrm>
+          <a:prstGeom prst="line">
+            <a:avLst/>
+          </a:prstGeom>
+          <a:ln>
+            <a:solidFill>
+              <a:srgbClr val="000000"/>
+            </a:solidFill>
+            <a:headEnd len="med" type="triangle" w="med"/>
+            <a:tailEnd len="med" type="triangle" w="med"/>
+          </a:ln>
+        </p:spPr>
+        <p:style>
+          <a:lnRef idx="0"/>
+          <a:fillRef idx="0"/>
+          <a:effectRef idx="0"/>
+          <a:fontRef idx="minor"/>
+        </p:style>
+      </p:sp>
+      <p:sp>
+        <p:nvSpPr>
+          <p:cNvPr id="151" name="CustomShape 19"/>
+          <p:cNvSpPr/>
+          <p:nvPr/>
+        </p:nvSpPr>
+        <p:spPr>
+          <a:xfrm>
+            <a:off x="5415480" y="1421280"/>
+            <a:ext cx="344520" cy="342720"/>
+          </a:xfrm>
+          <a:prstGeom prst="rect">
+            <a:avLst/>
+          </a:prstGeom>
+          <a:noFill/>
+          <a:ln>
+            <a:noFill/>
+          </a:ln>
+        </p:spPr>
+        <p:style>
+          <a:lnRef idx="0"/>
+          <a:fillRef idx="0"/>
+          <a:effectRef idx="0"/>
+          <a:fontRef idx="minor"/>
+        </p:style>
+        <p:txBody>
+          <a:bodyPr lIns="90000" rIns="90000" tIns="45000" bIns="45000"/>
+          <a:p>
+            <a:r>
+              <a:rPr b="0" lang="fr-FR" sz="1800" spc="-1" strike="noStrike">
+                <a:solidFill>
+                  <a:srgbClr val="000000"/>
+                </a:solidFill>
+                <a:uFill>
+                  <a:solidFill>
+                    <a:srgbClr val="ffffff"/>
+                  </a:solidFill>
+                </a:uFill>
+                <a:latin typeface="Arial"/>
+                <a:ea typeface="DejaVu Sans"/>
+              </a:rPr>
+              <a:t>G</a:t>
             </a:r>
             <a:endParaRPr b="0" lang="fr-FR" sz="1800" spc="-1" strike="noStrike">
               <a:solidFill>
@@ -8289,14 +8192,14 @@
       </p:grpSpPr>
       <p:sp>
         <p:nvSpPr>
-          <p:cNvPr id="136" name="CustomShape 1"/>
+          <p:cNvPr id="152" name="CustomShape 1"/>
           <p:cNvSpPr/>
           <p:nvPr/>
         </p:nvSpPr>
         <p:spPr>
           <a:xfrm rot="18910800">
-            <a:off x="3742920" y="2697840"/>
-            <a:ext cx="359640" cy="359640"/>
+            <a:off x="3742560" y="2697840"/>
+            <a:ext cx="359280" cy="359280"/>
           </a:xfrm>
           <a:prstGeom prst="ellipse">
             <a:avLst/>
@@ -8319,14 +8222,14 @@
       </p:sp>
       <p:sp>
         <p:nvSpPr>
-          <p:cNvPr id="137" name="CustomShape 2"/>
+          <p:cNvPr id="153" name="CustomShape 2"/>
           <p:cNvSpPr/>
           <p:nvPr/>
         </p:nvSpPr>
         <p:spPr>
           <a:xfrm rot="18910800">
-            <a:off x="1566720" y="3606480"/>
-            <a:ext cx="359640" cy="359640"/>
+            <a:off x="1566360" y="3606480"/>
+            <a:ext cx="359280" cy="359280"/>
           </a:xfrm>
           <a:prstGeom prst="ellipse">
             <a:avLst/>
@@ -8349,14 +8252,14 @@
       </p:sp>
       <p:sp>
         <p:nvSpPr>
-          <p:cNvPr id="138" name="CustomShape 3"/>
+          <p:cNvPr id="154" name="CustomShape 3"/>
           <p:cNvSpPr/>
           <p:nvPr/>
         </p:nvSpPr>
         <p:spPr>
           <a:xfrm rot="18910800">
-            <a:off x="1592280" y="1825920"/>
-            <a:ext cx="359640" cy="359640"/>
+            <a:off x="1591920" y="1825920"/>
+            <a:ext cx="359280" cy="359280"/>
           </a:xfrm>
           <a:prstGeom prst="ellipse">
             <a:avLst/>
@@ -8379,7 +8282,7 @@
       </p:sp>
       <p:sp>
         <p:nvSpPr>
-          <p:cNvPr id="139" name="Line 4"/>
+          <p:cNvPr id="155" name="Line 4"/>
           <p:cNvSpPr/>
           <p:nvPr/>
         </p:nvSpPr>
@@ -8406,14 +8309,14 @@
       </p:sp>
       <p:sp>
         <p:nvSpPr>
-          <p:cNvPr id="140" name="CustomShape 5"/>
+          <p:cNvPr id="156" name="CustomShape 5"/>
           <p:cNvSpPr/>
           <p:nvPr/>
         </p:nvSpPr>
         <p:spPr>
           <a:xfrm>
             <a:off x="1287000" y="3816000"/>
-            <a:ext cx="332640" cy="343080"/>
+            <a:ext cx="332280" cy="342720"/>
           </a:xfrm>
           <a:prstGeom prst="rect">
             <a:avLst/>
@@ -8443,6 +8346,7 @@
                   </a:solidFill>
                 </a:uFill>
                 <a:latin typeface="Arial"/>
+                <a:ea typeface="DejaVu Sans"/>
               </a:rPr>
               <a:t>A</a:t>
             </a:r>
@@ -8462,14 +8366,14 @@
       </p:sp>
       <p:sp>
         <p:nvSpPr>
-          <p:cNvPr id="141" name="CustomShape 6"/>
+          <p:cNvPr id="157" name="CustomShape 6"/>
           <p:cNvSpPr/>
           <p:nvPr/>
         </p:nvSpPr>
         <p:spPr>
           <a:xfrm>
             <a:off x="4059000" y="2952000"/>
-            <a:ext cx="332640" cy="343080"/>
+            <a:ext cx="332280" cy="342720"/>
           </a:xfrm>
           <a:prstGeom prst="rect">
             <a:avLst/>
@@ -8499,6 +8403,7 @@
                   </a:solidFill>
                 </a:uFill>
                 <a:latin typeface="Arial"/>
+                <a:ea typeface="DejaVu Sans"/>
               </a:rPr>
               <a:t>B</a:t>
             </a:r>
@@ -8518,14 +8423,14 @@
       </p:sp>
       <p:sp>
         <p:nvSpPr>
-          <p:cNvPr id="142" name="CustomShape 7"/>
+          <p:cNvPr id="158" name="CustomShape 7"/>
           <p:cNvSpPr/>
           <p:nvPr/>
         </p:nvSpPr>
         <p:spPr>
           <a:xfrm>
             <a:off x="1310760" y="1512000"/>
-            <a:ext cx="344880" cy="343080"/>
+            <a:ext cx="344520" cy="342720"/>
           </a:xfrm>
           <a:prstGeom prst="rect">
             <a:avLst/>
@@ -8555,6 +8460,7 @@
                   </a:solidFill>
                 </a:uFill>
                 <a:latin typeface="Arial"/>
+                <a:ea typeface="DejaVu Sans"/>
               </a:rPr>
               <a:t>C</a:t>
             </a:r>
@@ -8574,14 +8480,14 @@
       </p:sp>
       <p:sp>
         <p:nvSpPr>
-          <p:cNvPr id="143" name="CustomShape 8"/>
+          <p:cNvPr id="159" name="CustomShape 8"/>
           <p:cNvSpPr/>
           <p:nvPr/>
         </p:nvSpPr>
         <p:spPr>
           <a:xfrm>
             <a:off x="2196000" y="3240000"/>
-            <a:ext cx="504000" cy="343080"/>
+            <a:ext cx="503640" cy="342720"/>
           </a:xfrm>
           <a:prstGeom prst="rect">
             <a:avLst/>
@@ -8611,6 +8517,7 @@
                   </a:solidFill>
                 </a:uFill>
                 <a:latin typeface="Arial"/>
+                <a:ea typeface="DejaVu Sans"/>
               </a:rPr>
               <a:t>R</a:t>
             </a:r>
@@ -8625,6 +8532,7 @@
                   </a:solidFill>
                 </a:uFill>
                 <a:latin typeface="Arial"/>
+                <a:ea typeface="DejaVu Sans"/>
               </a:rPr>
               <a:t>A</a:t>
             </a:r>
@@ -8644,7 +8552,7 @@
       </p:sp>
       <p:sp>
         <p:nvSpPr>
-          <p:cNvPr id="144" name="Line 9"/>
+          <p:cNvPr id="160" name="Line 9"/>
           <p:cNvSpPr/>
           <p:nvPr/>
         </p:nvSpPr>
@@ -8671,7 +8579,7 @@
       </p:sp>
       <p:sp>
         <p:nvSpPr>
-          <p:cNvPr id="145" name="Line 10"/>
+          <p:cNvPr id="161" name="Line 10"/>
           <p:cNvSpPr/>
           <p:nvPr/>
         </p:nvSpPr>
@@ -8698,7 +8606,7 @@
       </p:sp>
       <p:sp>
         <p:nvSpPr>
-          <p:cNvPr id="146" name="Line 11"/>
+          <p:cNvPr id="162" name="Line 11"/>
           <p:cNvSpPr/>
           <p:nvPr/>
         </p:nvSpPr>
@@ -8725,7 +8633,7 @@
       </p:sp>
       <p:sp>
         <p:nvSpPr>
-          <p:cNvPr id="147" name="Line 12"/>
+          <p:cNvPr id="163" name="Line 12"/>
           <p:cNvSpPr/>
           <p:nvPr/>
         </p:nvSpPr>
@@ -8752,14 +8660,14 @@
       </p:sp>
       <p:sp>
         <p:nvSpPr>
-          <p:cNvPr id="148" name="CustomShape 13"/>
+          <p:cNvPr id="164" name="CustomShape 13"/>
           <p:cNvSpPr/>
           <p:nvPr/>
         </p:nvSpPr>
         <p:spPr>
           <a:xfrm>
             <a:off x="1542240" y="2448000"/>
-            <a:ext cx="863640" cy="359640"/>
+            <a:ext cx="863280" cy="359280"/>
           </a:xfrm>
           <a:prstGeom prst="rect">
             <a:avLst/>
@@ -8789,6 +8697,7 @@
                   </a:solidFill>
                 </a:uFill>
                 <a:latin typeface="Arial"/>
+                <a:ea typeface="DejaVu Sans"/>
               </a:rPr>
               <a:t>alpha</a:t>
             </a:r>
@@ -8808,14 +8717,14 @@
       </p:sp>
       <p:sp>
         <p:nvSpPr>
-          <p:cNvPr id="149" name="CustomShape 14"/>
+          <p:cNvPr id="165" name="CustomShape 14"/>
           <p:cNvSpPr/>
           <p:nvPr/>
         </p:nvSpPr>
         <p:spPr>
           <a:xfrm>
             <a:off x="3024000" y="2486880"/>
-            <a:ext cx="504000" cy="343080"/>
+            <a:ext cx="503640" cy="342720"/>
           </a:xfrm>
           <a:prstGeom prst="rect">
             <a:avLst/>
@@ -8845,6 +8754,7 @@
                   </a:solidFill>
                 </a:uFill>
                 <a:latin typeface="Arial"/>
+                <a:ea typeface="DejaVu Sans"/>
               </a:rPr>
               <a:t>R</a:t>
             </a:r>
@@ -8859,6 +8769,7 @@
                   </a:solidFill>
                 </a:uFill>
                 <a:latin typeface="Arial"/>
+                <a:ea typeface="DejaVu Sans"/>
               </a:rPr>
               <a:t>B</a:t>
             </a:r>
@@ -8878,14 +8789,14 @@
       </p:sp>
       <p:sp>
         <p:nvSpPr>
-          <p:cNvPr id="150" name="Line 15"/>
+          <p:cNvPr id="166" name="Line 15"/>
           <p:cNvSpPr/>
           <p:nvPr/>
         </p:nvSpPr>
         <p:spPr>
           <a:xfrm flipV="1">
             <a:off x="3744000" y="3492000"/>
-            <a:ext cx="0" cy="900000"/>
+            <a:ext cx="360" cy="900000"/>
           </a:xfrm>
           <a:prstGeom prst="line">
             <a:avLst/>
@@ -8906,14 +8817,14 @@
       </p:sp>
       <p:sp>
         <p:nvSpPr>
-          <p:cNvPr id="151" name="Line 16"/>
+          <p:cNvPr id="167" name="Line 16"/>
           <p:cNvSpPr/>
           <p:nvPr/>
         </p:nvSpPr>
         <p:spPr>
           <a:xfrm flipH="1">
             <a:off x="2844000" y="4392000"/>
-            <a:ext cx="900000" cy="0"/>
+            <a:ext cx="900000" cy="360"/>
           </a:xfrm>
           <a:prstGeom prst="line">
             <a:avLst/>
@@ -8934,14 +8845,14 @@
       </p:sp>
       <p:sp>
         <p:nvSpPr>
-          <p:cNvPr id="152" name="TextShape 17"/>
-          <p:cNvSpPr txBox="1"/>
+          <p:cNvPr id="168" name="CustomShape 17"/>
+          <p:cNvSpPr/>
           <p:nvPr/>
         </p:nvSpPr>
         <p:spPr>
           <a:xfrm>
             <a:off x="2628000" y="4392000"/>
-            <a:ext cx="432000" cy="343440"/>
+            <a:ext cx="431640" cy="343080"/>
           </a:xfrm>
           <a:prstGeom prst="rect">
             <a:avLst/>
@@ -8951,6 +8862,12 @@
             <a:noFill/>
           </a:ln>
         </p:spPr>
+        <p:style>
+          <a:lnRef idx="0"/>
+          <a:fillRef idx="0"/>
+          <a:effectRef idx="0"/>
+          <a:fontRef idx="minor"/>
+        </p:style>
         <p:txBody>
           <a:bodyPr lIns="90000" rIns="90000" tIns="45000" bIns="45000"/>
           <a:p>
@@ -8984,14 +8901,14 @@
       </p:sp>
       <p:sp>
         <p:nvSpPr>
-          <p:cNvPr id="153" name="TextShape 18"/>
-          <p:cNvSpPr txBox="1"/>
+          <p:cNvPr id="169" name="CustomShape 18"/>
+          <p:cNvSpPr/>
           <p:nvPr/>
         </p:nvSpPr>
         <p:spPr>
           <a:xfrm>
             <a:off x="3420000" y="3400560"/>
-            <a:ext cx="432000" cy="343440"/>
+            <a:ext cx="431640" cy="343080"/>
           </a:xfrm>
           <a:prstGeom prst="rect">
             <a:avLst/>
@@ -9001,6 +8918,12 @@
             <a:noFill/>
           </a:ln>
         </p:spPr>
+        <p:style>
+          <a:lnRef idx="0"/>
+          <a:fillRef idx="0"/>
+          <a:effectRef idx="0"/>
+          <a:fontRef idx="minor"/>
+        </p:style>
         <p:txBody>
           <a:bodyPr lIns="90000" rIns="90000" tIns="45000" bIns="45000"/>
           <a:p>
@@ -9017,6 +8940,63 @@
                 <a:latin typeface="Arial"/>
               </a:rPr>
               <a:t>y</a:t>
+            </a:r>
+            <a:endParaRPr b="0" lang="fr-FR" sz="1800" spc="-1" strike="noStrike">
+              <a:solidFill>
+                <a:srgbClr val="000000"/>
+              </a:solidFill>
+              <a:uFill>
+                <a:solidFill>
+                  <a:srgbClr val="ffffff"/>
+                </a:solidFill>
+              </a:uFill>
+              <a:latin typeface="Arial"/>
+            </a:endParaRPr>
+          </a:p>
+        </p:txBody>
+      </p:sp>
+      <p:sp>
+        <p:nvSpPr>
+          <p:cNvPr id="170" name="CustomShape 19"/>
+          <p:cNvSpPr/>
+          <p:nvPr/>
+        </p:nvSpPr>
+        <p:spPr>
+          <a:xfrm>
+            <a:off x="2534760" y="2520000"/>
+            <a:ext cx="344520" cy="342720"/>
+          </a:xfrm>
+          <a:prstGeom prst="rect">
+            <a:avLst/>
+          </a:prstGeom>
+          <a:noFill/>
+          <a:ln>
+            <a:noFill/>
+          </a:ln>
+        </p:spPr>
+        <p:style>
+          <a:lnRef idx="0"/>
+          <a:fillRef idx="0"/>
+          <a:effectRef idx="0"/>
+          <a:fontRef idx="minor"/>
+        </p:style>
+        <p:txBody>
+          <a:bodyPr lIns="90000" rIns="90000" tIns="45000" bIns="45000"/>
+          <a:p>
+            <a:r>
+              <a:rPr b="0" lang="fr-FR" sz="1800" spc="-1" strike="noStrike">
+                <a:solidFill>
+                  <a:srgbClr val="000000"/>
+                </a:solidFill>
+                <a:uFill>
+                  <a:solidFill>
+                    <a:srgbClr val="ffffff"/>
+                  </a:solidFill>
+                </a:uFill>
+                <a:latin typeface="Arial"/>
+                <a:ea typeface="DejaVu Sans"/>
+              </a:rPr>
+              <a:t>G</a:t>
             </a:r>
             <a:endParaRPr b="0" lang="fr-FR" sz="1800" spc="-1" strike="noStrike">
               <a:solidFill>
